--- a/Monitoring/fc.pptx
+++ b/Monitoring/fc.pptx
@@ -207,7 +207,7 @@
             <a:fld id="{02BFE607-7FE7-4F97-B30B-18108EB05645}" type="datetimeFigureOut">
               <a:rPr lang="ko-KR" altLang="en-US" smtClean="0"/>
               <a:pPr/>
-              <a:t>2018-12-22</a:t>
+              <a:t>2018-12-24</a:t>
             </a:fld>
             <a:endParaRPr lang="ko-KR" altLang="en-US"/>
           </a:p>
@@ -737,7 +737,7 @@
             <a:fld id="{DB92F9D2-B3E8-489E-A18D-502878B5220E}" type="datetimeFigureOut">
               <a:rPr lang="ko-KR" altLang="en-US" smtClean="0"/>
               <a:pPr/>
-              <a:t>2018-12-22</a:t>
+              <a:t>2018-12-24</a:t>
             </a:fld>
             <a:endParaRPr lang="ko-KR" altLang="en-US"/>
           </a:p>
@@ -904,7 +904,7 @@
             <a:fld id="{DB92F9D2-B3E8-489E-A18D-502878B5220E}" type="datetimeFigureOut">
               <a:rPr lang="ko-KR" altLang="en-US" smtClean="0"/>
               <a:pPr/>
-              <a:t>2018-12-22</a:t>
+              <a:t>2018-12-24</a:t>
             </a:fld>
             <a:endParaRPr lang="ko-KR" altLang="en-US"/>
           </a:p>
@@ -1081,7 +1081,7 @@
             <a:fld id="{DB92F9D2-B3E8-489E-A18D-502878B5220E}" type="datetimeFigureOut">
               <a:rPr lang="ko-KR" altLang="en-US" smtClean="0"/>
               <a:pPr/>
-              <a:t>2018-12-22</a:t>
+              <a:t>2018-12-24</a:t>
             </a:fld>
             <a:endParaRPr lang="ko-KR" altLang="en-US"/>
           </a:p>
@@ -1248,7 +1248,7 @@
             <a:fld id="{DB92F9D2-B3E8-489E-A18D-502878B5220E}" type="datetimeFigureOut">
               <a:rPr lang="ko-KR" altLang="en-US" smtClean="0"/>
               <a:pPr/>
-              <a:t>2018-12-22</a:t>
+              <a:t>2018-12-24</a:t>
             </a:fld>
             <a:endParaRPr lang="ko-KR" altLang="en-US"/>
           </a:p>
@@ -1491,7 +1491,7 @@
             <a:fld id="{DB92F9D2-B3E8-489E-A18D-502878B5220E}" type="datetimeFigureOut">
               <a:rPr lang="ko-KR" altLang="en-US" smtClean="0"/>
               <a:pPr/>
-              <a:t>2018-12-22</a:t>
+              <a:t>2018-12-24</a:t>
             </a:fld>
             <a:endParaRPr lang="ko-KR" altLang="en-US"/>
           </a:p>
@@ -1776,7 +1776,7 @@
             <a:fld id="{DB92F9D2-B3E8-489E-A18D-502878B5220E}" type="datetimeFigureOut">
               <a:rPr lang="ko-KR" altLang="en-US" smtClean="0"/>
               <a:pPr/>
-              <a:t>2018-12-22</a:t>
+              <a:t>2018-12-24</a:t>
             </a:fld>
             <a:endParaRPr lang="ko-KR" altLang="en-US"/>
           </a:p>
@@ -2195,7 +2195,7 @@
             <a:fld id="{DB92F9D2-B3E8-489E-A18D-502878B5220E}" type="datetimeFigureOut">
               <a:rPr lang="ko-KR" altLang="en-US" smtClean="0"/>
               <a:pPr/>
-              <a:t>2018-12-22</a:t>
+              <a:t>2018-12-24</a:t>
             </a:fld>
             <a:endParaRPr lang="ko-KR" altLang="en-US"/>
           </a:p>
@@ -2310,7 +2310,7 @@
             <a:fld id="{DB92F9D2-B3E8-489E-A18D-502878B5220E}" type="datetimeFigureOut">
               <a:rPr lang="ko-KR" altLang="en-US" smtClean="0"/>
               <a:pPr/>
-              <a:t>2018-12-22</a:t>
+              <a:t>2018-12-24</a:t>
             </a:fld>
             <a:endParaRPr lang="ko-KR" altLang="en-US"/>
           </a:p>
@@ -2402,7 +2402,7 @@
             <a:fld id="{DB92F9D2-B3E8-489E-A18D-502878B5220E}" type="datetimeFigureOut">
               <a:rPr lang="ko-KR" altLang="en-US" smtClean="0"/>
               <a:pPr/>
-              <a:t>2018-12-22</a:t>
+              <a:t>2018-12-24</a:t>
             </a:fld>
             <a:endParaRPr lang="ko-KR" altLang="en-US"/>
           </a:p>
@@ -2676,7 +2676,7 @@
             <a:fld id="{DB92F9D2-B3E8-489E-A18D-502878B5220E}" type="datetimeFigureOut">
               <a:rPr lang="ko-KR" altLang="en-US" smtClean="0"/>
               <a:pPr/>
-              <a:t>2018-12-22</a:t>
+              <a:t>2018-12-24</a:t>
             </a:fld>
             <a:endParaRPr lang="ko-KR" altLang="en-US"/>
           </a:p>
@@ -2926,7 +2926,7 @@
             <a:fld id="{DB92F9D2-B3E8-489E-A18D-502878B5220E}" type="datetimeFigureOut">
               <a:rPr lang="ko-KR" altLang="en-US" smtClean="0"/>
               <a:pPr/>
-              <a:t>2018-12-22</a:t>
+              <a:t>2018-12-24</a:t>
             </a:fld>
             <a:endParaRPr lang="ko-KR" altLang="en-US"/>
           </a:p>
@@ -3136,7 +3136,7 @@
             <a:fld id="{DB92F9D2-B3E8-489E-A18D-502878B5220E}" type="datetimeFigureOut">
               <a:rPr lang="ko-KR" altLang="en-US" smtClean="0"/>
               <a:pPr/>
-              <a:t>2018-12-22</a:t>
+              <a:t>2018-12-24</a:t>
             </a:fld>
             <a:endParaRPr lang="ko-KR" altLang="en-US"/>
           </a:p>
@@ -3679,11 +3679,7 @@
             </a:r>
             <a:r>
               <a:rPr lang="ko-KR" altLang="en-US" sz="1000" dirty="0" smtClean="0"/>
-              <a:t>로 </a:t>
-            </a:r>
-            <a:r>
-              <a:rPr lang="ko-KR" altLang="en-US" sz="1000" dirty="0" smtClean="0"/>
-              <a:t>쓰기</a:t>
+              <a:t>로 쓰기</a:t>
             </a:r>
             <a:r>
               <a:rPr lang="en-US" altLang="ko-KR" sz="1000" dirty="0" smtClean="0"/>
@@ -3811,11 +3807,7 @@
           <a:p>
             <a:r>
               <a:rPr lang="en-US" altLang="ko-KR" sz="1000" dirty="0" smtClean="0"/>
-              <a:t> byte</a:t>
-            </a:r>
-            <a:r>
-              <a:rPr lang="en-US" altLang="ko-KR" sz="1000" dirty="0" smtClean="0"/>
-              <a:t>[] </a:t>
+              <a:t> byte[] </a:t>
             </a:r>
             <a:r>
               <a:rPr lang="en-US" altLang="ko-KR" sz="1000" dirty="0" err="1" smtClean="0"/>
@@ -4212,15 +4204,7 @@
             </a:r>
             <a:r>
               <a:rPr lang="ko-KR" altLang="en-US" sz="1000" dirty="0" smtClean="0"/>
-              <a:t>특수 목적 소프트웨어의 기술 및 기능 관점에서 시장 경쟁력을 고려한 상용화 기획과 전체기능의 요구사항을 스스로 도출하고 전반적인 구조 </a:t>
-            </a:r>
-            <a:r>
-              <a:rPr lang="ko-KR" altLang="en-US" sz="1000" dirty="0" smtClean="0"/>
-              <a:t>및 </a:t>
-            </a:r>
-            <a:r>
-              <a:rPr lang="ko-KR" altLang="en-US" sz="1000" dirty="0" smtClean="0"/>
-              <a:t>기술 검토를 수행하여 설계 및 개발을 </a:t>
+              <a:t>특수 목적 소프트웨어의 기술 및 기능 관점에서 시장 경쟁력을 고려한 상용화 기획과 전체기능의 요구사항을 스스로 도출하고 전반적인 구조 및 기술 검토를 수행하여 설계 및 개발을 </a:t>
             </a:r>
             <a:r>
               <a:rPr lang="ko-KR" altLang="en-US" sz="1000" dirty="0" err="1" smtClean="0"/>
@@ -4538,11 +4522,7 @@
             </a:br>
             <a:r>
               <a:rPr lang="en-US" altLang="ko-KR" sz="1000" dirty="0" smtClean="0"/>
-              <a:t>    : Logic </a:t>
-            </a:r>
-            <a:r>
-              <a:rPr lang="en-US" altLang="ko-KR" sz="1000" dirty="0" smtClean="0"/>
-              <a:t>Class</a:t>
+              <a:t>    : Logic Class</a:t>
             </a:r>
             <a:r>
               <a:rPr lang="ko-KR" altLang="en-US" sz="1000" dirty="0" smtClean="0"/>
@@ -4785,20 +4765,12 @@
               <a:rPr lang="en-US" altLang="ko-KR" sz="1000" dirty="0" smtClean="0"/>
               <a:t>.</a:t>
             </a:r>
-            <a:r>
-              <a:rPr lang="en-US" altLang="ko-KR" sz="1000" dirty="0" smtClean="0"/>
-              <a:t/>
-            </a:r>
             <a:br>
               <a:rPr lang="en-US" altLang="ko-KR" sz="1000" dirty="0" smtClean="0"/>
             </a:br>
             <a:r>
               <a:rPr lang="en-US" altLang="ko-KR" sz="1000" dirty="0" smtClean="0"/>
-              <a:t>   </a:t>
-            </a:r>
-            <a:r>
-              <a:rPr lang="en-US" altLang="ko-KR" sz="1000" dirty="0" smtClean="0"/>
-              <a:t>  Ex1) </a:t>
+              <a:t>     Ex1) </a:t>
             </a:r>
             <a:r>
               <a:rPr lang="en-US" altLang="ko-KR" sz="1000" dirty="0" err="1" smtClean="0"/>
@@ -5052,11 +5024,7 @@
             </a:r>
             <a:r>
               <a:rPr lang="ko-KR" altLang="en-US" sz="1000" dirty="0" smtClean="0"/>
-              <a:t>은 </a:t>
-            </a:r>
-            <a:r>
-              <a:rPr lang="ko-KR" altLang="en-US" sz="1000" dirty="0" smtClean="0"/>
-              <a:t>존재유무</a:t>
+              <a:t>은 존재유무</a:t>
             </a:r>
             <a:r>
               <a:rPr lang="en-US" altLang="ko-KR" sz="1000" dirty="0" smtClean="0"/>
@@ -5169,11 +5137,7 @@
             </a:r>
             <a:r>
               <a:rPr lang="en-US" altLang="ko-KR" sz="1000" dirty="0" smtClean="0"/>
-              <a:t>Last </a:t>
-            </a:r>
-            <a:r>
-              <a:rPr lang="en-US" altLang="ko-KR" sz="1000" dirty="0" smtClean="0"/>
-              <a:t>Alarm</a:t>
+              <a:t>Last Alarm</a:t>
             </a:r>
             <a:r>
               <a:rPr lang="ko-KR" altLang="en-US" sz="1000" dirty="0" smtClean="0"/>
@@ -5391,11 +5355,7 @@
             </a:br>
             <a:r>
               <a:rPr lang="en-US" altLang="ko-KR" sz="1000" dirty="0" smtClean="0"/>
-              <a:t> 1) Console </a:t>
-            </a:r>
-            <a:r>
-              <a:rPr lang="en-US" altLang="ko-KR" sz="1000" dirty="0" smtClean="0"/>
-              <a:t>UI -&gt; Windows </a:t>
+              <a:t> 1) Console UI -&gt; Windows </a:t>
             </a:r>
             <a:r>
               <a:rPr lang="ko-KR" altLang="en-US" sz="1000" dirty="0" smtClean="0"/>
@@ -5693,10 +5653,6 @@
               <a:rPr lang="ko-KR" altLang="en-US" sz="1000" dirty="0" smtClean="0"/>
               <a:t> 띄우는 기능 등을 옵션으로 추가 </a:t>
             </a:r>
-            <a:r>
-              <a:rPr lang="ko-KR" altLang="en-US" sz="1000" dirty="0" smtClean="0"/>
-              <a:t/>
-            </a:r>
             <a:br>
               <a:rPr lang="ko-KR" altLang="en-US" sz="1000" dirty="0" smtClean="0"/>
             </a:br>
@@ -5737,11 +5693,7 @@
             </a:r>
             <a:r>
               <a:rPr lang="ko-KR" altLang="en-US" sz="1000" dirty="0" smtClean="0"/>
-              <a:t>로그파일 </a:t>
-            </a:r>
-            <a:r>
-              <a:rPr lang="ko-KR" altLang="en-US" sz="1000" dirty="0" smtClean="0"/>
-              <a:t>저장 시 </a:t>
+              <a:t>로그파일 저장 시 </a:t>
             </a:r>
             <a:r>
               <a:rPr lang="ko-KR" altLang="en-US" sz="1000" dirty="0" err="1" smtClean="0"/>
@@ -5760,11 +5712,7 @@
             </a:br>
             <a:r>
               <a:rPr lang="en-US" altLang="ko-KR" sz="1000" dirty="0" smtClean="0"/>
-              <a:t>  </a:t>
-            </a:r>
-            <a:r>
-              <a:rPr lang="en-US" altLang="ko-KR" sz="1000" dirty="0" smtClean="0"/>
-              <a:t>- </a:t>
+              <a:t>  - </a:t>
             </a:r>
             <a:r>
               <a:rPr lang="ko-KR" altLang="en-US" sz="1000" dirty="0" err="1" smtClean="0"/>
@@ -5772,11 +5720,7 @@
             </a:r>
             <a:r>
               <a:rPr lang="ko-KR" altLang="en-US" sz="1000" dirty="0" smtClean="0"/>
-              <a:t> </a:t>
-            </a:r>
-            <a:r>
-              <a:rPr lang="ko-KR" altLang="en-US" sz="1000" dirty="0" smtClean="0"/>
-              <a:t>해제되었을 경우도 로그파일에 추가</a:t>
+              <a:t> 해제되었을 경우도 로그파일에 추가</a:t>
             </a:r>
             <a:r>
               <a:rPr lang="en-US" altLang="ko-KR" sz="1000" dirty="0" smtClean="0"/>
@@ -5787,11 +5731,7 @@
             </a:br>
             <a:r>
               <a:rPr lang="en-US" altLang="ko-KR" sz="1000" dirty="0" smtClean="0"/>
-              <a:t>  </a:t>
-            </a:r>
-            <a:r>
-              <a:rPr lang="en-US" altLang="ko-KR" sz="1000" dirty="0" smtClean="0"/>
-              <a:t>- </a:t>
+              <a:t>  - </a:t>
             </a:r>
             <a:r>
               <a:rPr lang="ko-KR" altLang="en-US" sz="1000" dirty="0" smtClean="0"/>
@@ -5868,11 +5808,7 @@
             </a:br>
             <a:r>
               <a:rPr lang="en-US" altLang="ko-KR" sz="1000" dirty="0" smtClean="0"/>
-              <a:t>  - File</a:t>
-            </a:r>
-            <a:r>
-              <a:rPr lang="en-US" altLang="ko-KR" sz="1000" dirty="0" smtClean="0"/>
-              <a:t>, Process</a:t>
+              <a:t>  - File, Process</a:t>
             </a:r>
             <a:r>
               <a:rPr lang="ko-KR" altLang="en-US" sz="1000" dirty="0" smtClean="0"/>
@@ -5892,11 +5828,7 @@
             </a:r>
             <a:r>
               <a:rPr lang="ko-KR" altLang="en-US" sz="1000" dirty="0" smtClean="0"/>
-              <a:t>사용량 </a:t>
-            </a:r>
-            <a:r>
-              <a:rPr lang="ko-KR" altLang="en-US" sz="1000" dirty="0" smtClean="0"/>
-              <a:t>등 추가 </a:t>
+              <a:t>사용량 등 추가 </a:t>
             </a:r>
             <a:r>
               <a:rPr lang="en-US" altLang="ko-KR" sz="1000" dirty="0" smtClean="0"/>
@@ -5930,11 +5862,7 @@
             </a:br>
             <a:r>
               <a:rPr lang="en-US" altLang="ko-KR" sz="1000" dirty="0" smtClean="0"/>
-              <a:t>     </a:t>
-            </a:r>
-            <a:r>
-              <a:rPr lang="en-US" altLang="ko-KR" sz="1000" dirty="0" smtClean="0"/>
-              <a:t>Ex) Disk </a:t>
+              <a:t>     Ex) Disk </a:t>
             </a:r>
             <a:r>
               <a:rPr lang="ko-KR" altLang="en-US" sz="1000" dirty="0" smtClean="0"/>
@@ -6095,19 +6023,11 @@
             </a:r>
             <a:r>
               <a:rPr lang="ko-KR" altLang="en-US" sz="1000" dirty="0" smtClean="0"/>
-              <a:t>최소한 </a:t>
-            </a:r>
-            <a:r>
-              <a:rPr lang="ko-KR" altLang="en-US" sz="1000" dirty="0" smtClean="0"/>
-              <a:t>주기적으로 실행파일 자신의 </a:t>
-            </a:r>
-            <a:r>
-              <a:rPr lang="en-US" altLang="ko-KR" sz="1000" dirty="0" smtClean="0"/>
-              <a:t>File </a:t>
-            </a:r>
-            <a:r>
-              <a:rPr lang="en-US" altLang="ko-KR" sz="1000" dirty="0" smtClean="0"/>
-              <a:t>Size</a:t>
+              <a:t>최소한 주기적으로 실행파일 자신의 </a:t>
+            </a:r>
+            <a:r>
+              <a:rPr lang="en-US" altLang="ko-KR" sz="1000" dirty="0" smtClean="0"/>
+              <a:t>File Size</a:t>
             </a:r>
             <a:r>
               <a:rPr lang="ko-KR" altLang="en-US" sz="1000" dirty="0" smtClean="0"/>
@@ -6189,18 +6109,34 @@
             </a:r>
             <a:r>
               <a:rPr lang="ko-KR" altLang="en-US" sz="1000" dirty="0" smtClean="0"/>
-              <a:t> </a:t>
-            </a:r>
-            <a:r>
-              <a:rPr lang="ko-KR" altLang="en-US" sz="1000" dirty="0" smtClean="0"/>
-              <a:t>고려</a:t>
+              <a:t> 고려</a:t>
             </a:r>
             <a:br>
               <a:rPr lang="ko-KR" altLang="en-US" sz="1000" dirty="0" smtClean="0"/>
             </a:br>
             <a:r>
               <a:rPr lang="en-US" altLang="ko-KR" sz="1000" dirty="0" smtClean="0"/>
-              <a:t>- </a:t>
+              <a:t>- UI</a:t>
+            </a:r>
+            <a:r>
+              <a:rPr lang="ko-KR" altLang="en-US" sz="1000" dirty="0" smtClean="0"/>
+              <a:t>와 </a:t>
+            </a:r>
+            <a:r>
+              <a:rPr lang="en-US" altLang="ko-KR" sz="1000" dirty="0" smtClean="0"/>
+              <a:t>Logic</a:t>
+            </a:r>
+            <a:r>
+              <a:rPr lang="ko-KR" altLang="en-US" sz="1000" dirty="0" smtClean="0"/>
+              <a:t>을 분리하여 </a:t>
+            </a:r>
+            <a:r>
+              <a:rPr lang="en-US" altLang="ko-KR" sz="1000" dirty="0" smtClean="0"/>
+              <a:t>Logic</a:t>
+            </a:r>
+            <a:r>
+              <a:rPr lang="ko-KR" altLang="en-US" sz="1000" dirty="0" smtClean="0"/>
+              <a:t>이 추가될 경우 </a:t>
             </a:r>
             <a:r>
               <a:rPr lang="en-US" altLang="ko-KR" sz="1000" dirty="0" smtClean="0"/>
@@ -6208,7 +6144,22 @@
             </a:r>
             <a:r>
               <a:rPr lang="ko-KR" altLang="en-US" sz="1000" dirty="0" smtClean="0"/>
-              <a:t>와 </a:t>
+              <a:t>에 대한 영향을 최소화</a:t>
+            </a:r>
+            <a:r>
+              <a:rPr lang="en-US" altLang="ko-KR" sz="1000" dirty="0" smtClean="0"/>
+              <a:t/>
+            </a:r>
+            <a:br>
+              <a:rPr lang="en-US" altLang="ko-KR" sz="1000" dirty="0" smtClean="0"/>
+            </a:br>
+            <a:r>
+              <a:rPr lang="en-US" altLang="ko-KR" sz="1000" dirty="0" smtClean="0"/>
+              <a:t>  : </a:t>
+            </a:r>
+            <a:r>
+              <a:rPr lang="ko-KR" altLang="en-US" sz="1000" dirty="0" smtClean="0"/>
+              <a:t>공통 </a:t>
             </a:r>
             <a:r>
               <a:rPr lang="en-US" altLang="ko-KR" sz="1000" dirty="0" smtClean="0"/>
@@ -6216,7 +6167,23 @@
             </a:r>
             <a:r>
               <a:rPr lang="ko-KR" altLang="en-US" sz="1000" dirty="0" smtClean="0"/>
-              <a:t>을 분리하여 </a:t>
+              <a:t>에 대항하는 변수나 메서드는 부모 </a:t>
+            </a:r>
+            <a:r>
+              <a:rPr lang="en-US" altLang="ko-KR" sz="1000" dirty="0" smtClean="0"/>
+              <a:t>Class</a:t>
+            </a:r>
+            <a:r>
+              <a:rPr lang="ko-KR" altLang="en-US" sz="1000" dirty="0" smtClean="0"/>
+              <a:t>에 작성</a:t>
+            </a:r>
+            <a:r>
+              <a:rPr lang="en-US" altLang="ko-KR" sz="1000" dirty="0" smtClean="0"/>
+              <a:t>, </a:t>
+            </a:r>
+            <a:r>
+              <a:rPr lang="ko-KR" altLang="en-US" sz="1000" dirty="0" smtClean="0"/>
+              <a:t>특정 </a:t>
             </a:r>
             <a:r>
               <a:rPr lang="en-US" altLang="ko-KR" sz="1000" dirty="0" smtClean="0"/>
@@ -6224,15 +6191,23 @@
             </a:r>
             <a:r>
               <a:rPr lang="ko-KR" altLang="en-US" sz="1000" dirty="0" smtClean="0"/>
-              <a:t>이 추가될 경우 </a:t>
-            </a:r>
-            <a:r>
-              <a:rPr lang="en-US" altLang="ko-KR" sz="1000" dirty="0" smtClean="0"/>
-              <a:t>UI</a:t>
-            </a:r>
-            <a:r>
-              <a:rPr lang="ko-KR" altLang="en-US" sz="1000" dirty="0" smtClean="0"/>
-              <a:t>에 대한 영향을 최소화</a:t>
+              <a:t>은 부모 </a:t>
+            </a:r>
+            <a:r>
+              <a:rPr lang="en-US" altLang="ko-KR" sz="1000" dirty="0" smtClean="0"/>
+              <a:t>Logic Class</a:t>
+            </a:r>
+            <a:r>
+              <a:rPr lang="ko-KR" altLang="en-US" sz="1000" dirty="0" smtClean="0"/>
+              <a:t>를 상속받아 자식 </a:t>
+            </a:r>
+            <a:r>
+              <a:rPr lang="en-US" altLang="ko-KR" sz="1000" dirty="0" smtClean="0"/>
+              <a:t>Class</a:t>
+            </a:r>
+            <a:r>
+              <a:rPr lang="ko-KR" altLang="en-US" sz="1000" dirty="0" smtClean="0"/>
+              <a:t>로 생성하여 사용 </a:t>
             </a:r>
             <a:r>
               <a:rPr lang="en-US" altLang="ko-KR" sz="1000" dirty="0" smtClean="0"/>
@@ -6243,85 +6218,14 @@
             </a:br>
             <a:r>
               <a:rPr lang="en-US" altLang="ko-KR" sz="1000" dirty="0" smtClean="0"/>
-              <a:t>  : </a:t>
-            </a:r>
-            <a:r>
-              <a:rPr lang="ko-KR" altLang="en-US" sz="1000" dirty="0" smtClean="0"/>
-              <a:t>공통 </a:t>
-            </a:r>
-            <a:r>
-              <a:rPr lang="en-US" altLang="ko-KR" sz="1000" dirty="0" smtClean="0"/>
-              <a:t>Logic</a:t>
-            </a:r>
-            <a:r>
-              <a:rPr lang="ko-KR" altLang="en-US" sz="1000" dirty="0" smtClean="0"/>
-              <a:t>에 대항하는 변수나 메서드는 부모 </a:t>
-            </a:r>
-            <a:r>
-              <a:rPr lang="en-US" altLang="ko-KR" sz="1000" dirty="0" smtClean="0"/>
-              <a:t>Class</a:t>
-            </a:r>
-            <a:r>
-              <a:rPr lang="ko-KR" altLang="en-US" sz="1000" dirty="0" smtClean="0"/>
-              <a:t>에 </a:t>
-            </a:r>
-            <a:r>
-              <a:rPr lang="ko-KR" altLang="en-US" sz="1000" dirty="0" smtClean="0"/>
-              <a:t>작성</a:t>
-            </a:r>
-            <a:r>
-              <a:rPr lang="en-US" altLang="ko-KR" sz="1000" dirty="0" smtClean="0"/>
-              <a:t>, </a:t>
-            </a:r>
-            <a:r>
-              <a:rPr lang="ko-KR" altLang="en-US" sz="1000" dirty="0" smtClean="0"/>
-              <a:t>특정 </a:t>
-            </a:r>
-            <a:r>
-              <a:rPr lang="en-US" altLang="ko-KR" sz="1000" dirty="0" smtClean="0"/>
-              <a:t>Logic</a:t>
-            </a:r>
-            <a:r>
-              <a:rPr lang="ko-KR" altLang="en-US" sz="1000" dirty="0" smtClean="0"/>
-              <a:t>은 부모 </a:t>
-            </a:r>
-            <a:r>
-              <a:rPr lang="en-US" altLang="ko-KR" sz="1000" dirty="0" smtClean="0"/>
-              <a:t>Logic Class</a:t>
-            </a:r>
-            <a:r>
-              <a:rPr lang="ko-KR" altLang="en-US" sz="1000" dirty="0" smtClean="0"/>
-              <a:t>를 상속받아 자식 </a:t>
-            </a:r>
-            <a:r>
-              <a:rPr lang="en-US" altLang="ko-KR" sz="1000" dirty="0" smtClean="0"/>
-              <a:t>Class</a:t>
-            </a:r>
-            <a:r>
-              <a:rPr lang="ko-KR" altLang="en-US" sz="1000" dirty="0" smtClean="0"/>
-              <a:t>로 생성하여 사용 </a:t>
-            </a:r>
-            <a:r>
-              <a:rPr lang="en-US" altLang="ko-KR" sz="1000" dirty="0" smtClean="0"/>
-              <a:t/>
+              <a:t>  </a:t>
             </a:r>
             <a:br>
               <a:rPr lang="en-US" altLang="ko-KR" sz="1000" dirty="0" smtClean="0"/>
             </a:br>
             <a:r>
               <a:rPr lang="en-US" altLang="ko-KR" sz="1000" dirty="0" smtClean="0"/>
-              <a:t>  </a:t>
-            </a:r>
-            <a:br>
-              <a:rPr lang="en-US" altLang="ko-KR" sz="1000" dirty="0" smtClean="0"/>
-            </a:br>
-            <a:r>
-              <a:rPr lang="en-US" altLang="ko-KR" sz="1000" dirty="0" smtClean="0"/>
-              <a:t>- </a:t>
-            </a:r>
-            <a:r>
-              <a:rPr lang="en-US" altLang="ko-KR" sz="1000" dirty="0" smtClean="0"/>
-              <a:t>Monitoring</a:t>
+              <a:t>- Monitoring</a:t>
             </a:r>
             <a:r>
               <a:rPr lang="ko-KR" altLang="en-US" sz="1000" dirty="0" smtClean="0"/>
@@ -6333,11 +6237,7 @@
             </a:r>
             <a:r>
               <a:rPr lang="ko-KR" altLang="en-US" sz="1000" dirty="0" smtClean="0"/>
-              <a:t> 구조로 </a:t>
-            </a:r>
-            <a:r>
-              <a:rPr lang="ko-KR" altLang="en-US" sz="1000" dirty="0" smtClean="0"/>
-              <a:t>설계</a:t>
+              <a:t> 구조로 설계</a:t>
             </a:r>
             <a:r>
               <a:rPr lang="en-US" altLang="ko-KR" sz="1000" dirty="0" smtClean="0"/>
@@ -7095,11 +6995,7 @@
             </a:r>
             <a:r>
               <a:rPr lang="en-US" altLang="ko-KR" sz="1000" dirty="0" smtClean="0"/>
-              <a:t> </a:t>
-            </a:r>
-            <a:r>
-              <a:rPr lang="en-US" altLang="ko-KR" sz="1000" dirty="0" smtClean="0"/>
-              <a:t>Thread</a:t>
+              <a:t> Thread</a:t>
             </a:r>
             <a:r>
               <a:rPr lang="ko-KR" altLang="en-US" sz="1000" dirty="0" smtClean="0"/>
@@ -7348,11 +7244,7 @@
             </a:r>
             <a:r>
               <a:rPr lang="ko-KR" altLang="en-US" sz="1000" dirty="0" smtClean="0"/>
-              <a:t>하는 항목 </a:t>
-            </a:r>
-            <a:r>
-              <a:rPr lang="ko-KR" altLang="en-US" sz="1000" dirty="0" smtClean="0"/>
-              <a:t>추가 </a:t>
+              <a:t>하는 항목 추가 </a:t>
             </a:r>
             <a:r>
               <a:rPr lang="en-US" altLang="ko-KR" sz="1000" dirty="0" smtClean="0"/>
@@ -8039,11 +7931,6 @@
               </a:rPr>
               <a:t>입력</a:t>
             </a:r>
-            <a:endParaRPr lang="ko-KR" altLang="en-US" sz="1000" dirty="0" smtClean="0">
-              <a:solidFill>
-                <a:schemeClr val="tx1"/>
-              </a:solidFill>
-            </a:endParaRPr>
           </a:p>
         </p:txBody>
       </p:sp>
@@ -8105,11 +7992,6 @@
               </a:rPr>
               <a:t>입력</a:t>
             </a:r>
-            <a:endParaRPr lang="ko-KR" altLang="en-US" sz="1000" dirty="0" smtClean="0">
-              <a:solidFill>
-                <a:schemeClr val="tx1"/>
-              </a:solidFill>
-            </a:endParaRPr>
           </a:p>
         </p:txBody>
       </p:sp>
@@ -8239,11 +8121,6 @@
               </a:rPr>
               <a:t>처리</a:t>
             </a:r>
-            <a:endParaRPr lang="ko-KR" altLang="en-US" sz="1000" dirty="0" smtClean="0">
-              <a:solidFill>
-                <a:schemeClr val="tx1"/>
-              </a:solidFill>
-            </a:endParaRPr>
           </a:p>
         </p:txBody>
       </p:sp>
@@ -8381,11 +8258,6 @@
               </a:rPr>
               <a:t>출력</a:t>
             </a:r>
-            <a:endParaRPr lang="ko-KR" altLang="en-US" sz="1000" dirty="0" smtClean="0">
-              <a:solidFill>
-                <a:schemeClr val="tx1"/>
-              </a:solidFill>
-            </a:endParaRPr>
           </a:p>
         </p:txBody>
       </p:sp>
@@ -8447,11 +8319,6 @@
               </a:rPr>
               <a:t>출력</a:t>
             </a:r>
-            <a:endParaRPr lang="ko-KR" altLang="en-US" sz="1000" dirty="0" smtClean="0">
-              <a:solidFill>
-                <a:schemeClr val="tx1"/>
-              </a:solidFill>
-            </a:endParaRPr>
           </a:p>
         </p:txBody>
       </p:sp>
@@ -8892,11 +8759,6 @@
               </a:rPr>
               <a:t>생성</a:t>
             </a:r>
-            <a:endParaRPr lang="ko-KR" altLang="en-US" sz="1000" dirty="0" smtClean="0">
-              <a:solidFill>
-                <a:schemeClr val="tx1"/>
-              </a:solidFill>
-            </a:endParaRPr>
           </a:p>
         </p:txBody>
       </p:sp>
@@ -9130,7 +8992,15 @@
                   <a:schemeClr val="tx1"/>
                 </a:solidFill>
               </a:rPr>
-              <a:t>Read Memory </a:t>
+              <a:t>Read Memory Size(</a:t>
+            </a:r>
+            <a:r>
+              <a:rPr lang="en-US" altLang="ko-KR" sz="1000" dirty="0" err="1" smtClean="0">
+                <a:solidFill>
+                  <a:schemeClr val="tx1"/>
+                </a:solidFill>
+              </a:rPr>
+              <a:t>rmm</a:t>
             </a:r>
             <a:r>
               <a:rPr lang="en-US" altLang="ko-KR" sz="1000" dirty="0" smtClean="0">
@@ -9138,31 +9008,7 @@
                   <a:schemeClr val="tx1"/>
                 </a:solidFill>
               </a:rPr>
-              <a:t>Size(</a:t>
-            </a:r>
-            <a:r>
-              <a:rPr lang="en-US" altLang="ko-KR" sz="1000" dirty="0" err="1" smtClean="0">
-                <a:solidFill>
-                  <a:schemeClr val="tx1"/>
-                </a:solidFill>
-              </a:rPr>
-              <a:t>rmm</a:t>
-            </a:r>
-            <a:r>
-              <a:rPr lang="en-US" altLang="ko-KR" sz="1000" dirty="0" smtClean="0">
-                <a:solidFill>
-                  <a:schemeClr val="tx1"/>
-                </a:solidFill>
-              </a:rPr>
-              <a:t>) </a:t>
-            </a:r>
-            <a:r>
-              <a:rPr lang="en-US" altLang="ko-KR" sz="1000" dirty="0" smtClean="0">
-                <a:solidFill>
-                  <a:schemeClr val="tx1"/>
-                </a:solidFill>
-              </a:rPr>
-              <a:t>from Console Input</a:t>
+              <a:t>) from Console Input</a:t>
             </a:r>
             <a:endParaRPr lang="ko-KR" altLang="en-US" sz="1000" dirty="0" smtClean="0">
               <a:solidFill>
@@ -10501,15 +10347,7 @@
                   <a:schemeClr val="tx1"/>
                 </a:solidFill>
               </a:rPr>
-              <a:t>Sleep </a:t>
-            </a:r>
-            <a:r>
-              <a:rPr lang="en-US" altLang="ko-KR" sz="1000" dirty="0" smtClean="0">
-                <a:solidFill>
-                  <a:schemeClr val="tx1"/>
-                </a:solidFill>
-              </a:rPr>
-              <a:t>(1</a:t>
+              <a:t>Sleep (1</a:t>
             </a:r>
             <a:r>
               <a:rPr lang="ko-KR" altLang="en-US" sz="1000" dirty="0" smtClean="0">
@@ -11216,15 +11054,7 @@
                   <a:schemeClr val="tx1"/>
                 </a:solidFill>
               </a:rPr>
-              <a:t> </a:t>
-            </a:r>
-            <a:r>
-              <a:rPr lang="en-US" altLang="ko-KR" sz="1000" dirty="0" smtClean="0">
-                <a:solidFill>
-                  <a:schemeClr val="tx1"/>
-                </a:solidFill>
-              </a:rPr>
-              <a:t>&amp; Make </a:t>
+              <a:t> &amp; Make </a:t>
             </a:r>
             <a:r>
               <a:rPr lang="en-US" altLang="ko-KR" sz="1000" dirty="0" err="1" smtClean="0">
@@ -11489,11 +11319,6 @@
               </a:rPr>
               <a:t>작성</a:t>
             </a:r>
-            <a:endParaRPr lang="ko-KR" altLang="en-US" sz="1000" dirty="0" smtClean="0">
-              <a:solidFill>
-                <a:schemeClr val="tx1"/>
-              </a:solidFill>
-            </a:endParaRPr>
           </a:p>
         </p:txBody>
       </p:sp>
@@ -11555,11 +11380,6 @@
               </a:rPr>
               <a:t>처리</a:t>
             </a:r>
-            <a:endParaRPr lang="ko-KR" altLang="en-US" sz="1000" dirty="0" smtClean="0">
-              <a:solidFill>
-                <a:schemeClr val="tx1"/>
-              </a:solidFill>
-            </a:endParaRPr>
           </a:p>
         </p:txBody>
       </p:sp>
@@ -11621,11 +11441,6 @@
               </a:rPr>
               <a:t>처리</a:t>
             </a:r>
-            <a:endParaRPr lang="ko-KR" altLang="en-US" sz="1000" dirty="0" smtClean="0">
-              <a:solidFill>
-                <a:schemeClr val="tx1"/>
-              </a:solidFill>
-            </a:endParaRPr>
           </a:p>
         </p:txBody>
       </p:sp>
@@ -12076,15 +11891,7 @@
                   <a:schemeClr val="tx1"/>
                 </a:solidFill>
               </a:rPr>
-              <a:t>= ET – </a:t>
-            </a:r>
-            <a:r>
-              <a:rPr lang="en-US" altLang="ko-KR" sz="1000" dirty="0" smtClean="0">
-                <a:solidFill>
-                  <a:schemeClr val="tx1"/>
-                </a:solidFill>
-              </a:rPr>
-              <a:t>ST</a:t>
+              <a:t>= ET – ST</a:t>
             </a:r>
             <a:endParaRPr lang="ko-KR" altLang="en-US" sz="1000" dirty="0" smtClean="0">
               <a:solidFill>
@@ -12728,64 +12535,51 @@
                   <a:schemeClr val="tx1"/>
                 </a:solidFill>
               </a:rPr>
-              <a:t>Parsing </a:t>
-            </a:r>
+              <a:t>Parsing Data</a:t>
+            </a:r>
+          </a:p>
+          <a:p>
+            <a:pPr algn="ctr"/>
             <a:r>
               <a:rPr lang="en-US" altLang="ko-KR" sz="1000" dirty="0" smtClean="0">
                 <a:solidFill>
                   <a:schemeClr val="tx1"/>
                 </a:solidFill>
               </a:rPr>
-              <a:t>Data</a:t>
-            </a:r>
-          </a:p>
-          <a:p>
-            <a:pPr algn="ctr"/>
+              <a:t>(‘#’</a:t>
+            </a:r>
+            <a:r>
+              <a:rPr lang="ko-KR" altLang="en-US" sz="1000" dirty="0" smtClean="0">
+                <a:solidFill>
+                  <a:schemeClr val="tx1"/>
+                </a:solidFill>
+              </a:rPr>
+              <a:t>를 </a:t>
+            </a:r>
+            <a:r>
+              <a:rPr lang="ko-KR" altLang="en-US" sz="1000" dirty="0" err="1" smtClean="0">
+                <a:solidFill>
+                  <a:schemeClr val="tx1"/>
+                </a:solidFill>
+              </a:rPr>
+              <a:t>구분자로</a:t>
+            </a:r>
+            <a:r>
+              <a:rPr lang="ko-KR" altLang="en-US" sz="1000" dirty="0" smtClean="0">
+                <a:solidFill>
+                  <a:schemeClr val="tx1"/>
+                </a:solidFill>
+              </a:rPr>
+              <a:t> 하여 </a:t>
+            </a:r>
             <a:r>
               <a:rPr lang="en-US" altLang="ko-KR" sz="1000" dirty="0" smtClean="0">
                 <a:solidFill>
                   <a:schemeClr val="tx1"/>
                 </a:solidFill>
               </a:rPr>
-              <a:t>(‘#’</a:t>
-            </a:r>
-            <a:r>
-              <a:rPr lang="ko-KR" altLang="en-US" sz="1000" dirty="0" smtClean="0">
-                <a:solidFill>
-                  <a:schemeClr val="tx1"/>
-                </a:solidFill>
-              </a:rPr>
-              <a:t>를 </a:t>
-            </a:r>
-            <a:r>
-              <a:rPr lang="ko-KR" altLang="en-US" sz="1000" dirty="0" err="1" smtClean="0">
-                <a:solidFill>
-                  <a:schemeClr val="tx1"/>
-                </a:solidFill>
-              </a:rPr>
-              <a:t>구분자로</a:t>
-            </a:r>
-            <a:r>
-              <a:rPr lang="ko-KR" altLang="en-US" sz="1000" dirty="0" smtClean="0">
-                <a:solidFill>
-                  <a:schemeClr val="tx1"/>
-                </a:solidFill>
-              </a:rPr>
-              <a:t> 하여 </a:t>
-            </a:r>
-            <a:r>
-              <a:rPr lang="en-US" altLang="ko-KR" sz="1000" dirty="0" smtClean="0">
-                <a:solidFill>
-                  <a:schemeClr val="tx1"/>
-                </a:solidFill>
-              </a:rPr>
               <a:t>string split)</a:t>
             </a:r>
-            <a:endParaRPr lang="en-US" altLang="ko-KR" sz="1000" dirty="0" smtClean="0">
-              <a:solidFill>
-                <a:schemeClr val="tx1"/>
-              </a:solidFill>
-            </a:endParaRPr>
           </a:p>
         </p:txBody>
       </p:sp>
@@ -13156,11 +12950,6 @@
               </a:rPr>
               <a:t>실행</a:t>
             </a:r>
-            <a:endParaRPr lang="ko-KR" altLang="en-US" sz="1000" dirty="0" smtClean="0">
-              <a:solidFill>
-                <a:schemeClr val="tx1"/>
-              </a:solidFill>
-            </a:endParaRPr>
           </a:p>
         </p:txBody>
       </p:sp>
@@ -13488,11 +13277,6 @@
               </a:rPr>
               <a:t>제거</a:t>
             </a:r>
-            <a:endParaRPr lang="ko-KR" altLang="en-US" sz="1000" dirty="0" smtClean="0">
-              <a:solidFill>
-                <a:schemeClr val="tx1"/>
-              </a:solidFill>
-            </a:endParaRPr>
           </a:p>
         </p:txBody>
       </p:sp>
@@ -13702,21 +13486,8 @@
                   <a:schemeClr val="tx1"/>
                 </a:solidFill>
               </a:rPr>
-              <a:t>만들</a:t>
-            </a:r>
-            <a:r>
-              <a:rPr lang="ko-KR" altLang="en-US" sz="1000" dirty="0" smtClean="0">
-                <a:solidFill>
-                  <a:schemeClr val="tx1"/>
-                </a:solidFill>
-              </a:rPr>
-              <a:t>기</a:t>
-            </a:r>
-            <a:endParaRPr lang="ko-KR" altLang="en-US" sz="1000" dirty="0" smtClean="0">
-              <a:solidFill>
-                <a:schemeClr val="tx1"/>
-              </a:solidFill>
-            </a:endParaRPr>
+              <a:t>만들기</a:t>
+            </a:r>
           </a:p>
         </p:txBody>
       </p:sp>
@@ -14705,11 +14476,6 @@
               </a:rPr>
               <a:t>Same Alarm with Last Alarm?</a:t>
             </a:r>
-            <a:endParaRPr lang="en-US" altLang="ko-KR" sz="1000" dirty="0" smtClean="0">
-              <a:solidFill>
-                <a:schemeClr val="tx1"/>
-              </a:solidFill>
-            </a:endParaRPr>
           </a:p>
         </p:txBody>
       </p:sp>
@@ -15092,11 +14858,6 @@
               </a:rPr>
               <a:t>Same Alarm with Last Alarm?</a:t>
             </a:r>
-            <a:endParaRPr lang="en-US" altLang="ko-KR" sz="1000" dirty="0" smtClean="0">
-              <a:solidFill>
-                <a:schemeClr val="tx1"/>
-              </a:solidFill>
-            </a:endParaRPr>
           </a:p>
         </p:txBody>
       </p:sp>
@@ -15473,15 +15234,7 @@
                   <a:schemeClr val="tx1"/>
                 </a:solidFill>
               </a:rPr>
-              <a:t>Set Last Alarm Attribute : </a:t>
-            </a:r>
-            <a:r>
-              <a:rPr lang="en-US" altLang="ko-KR" sz="1000" dirty="0" smtClean="0">
-                <a:solidFill>
-                  <a:schemeClr val="tx1"/>
-                </a:solidFill>
-              </a:rPr>
-              <a:t>None</a:t>
+              <a:t>Set Last Alarm Attribute : None</a:t>
             </a:r>
             <a:endParaRPr lang="ko-KR" altLang="en-US" sz="1000" dirty="0" smtClean="0">
               <a:solidFill>
@@ -15968,11 +15721,7 @@
           <a:p>
             <a:r>
               <a:rPr lang="en-US" altLang="ko-KR" dirty="0" smtClean="0"/>
-              <a:t>Proc</a:t>
-            </a:r>
-            <a:r>
-              <a:rPr lang="en-US" altLang="ko-KR" dirty="0" smtClean="0"/>
-              <a:t> Monitoring</a:t>
+              <a:t>Proc Monitoring</a:t>
             </a:r>
             <a:endParaRPr lang="ko-KR" altLang="en-US" dirty="0"/>
           </a:p>
@@ -16260,11 +16009,6 @@
               </a:rPr>
               <a:t>Same Alarm with Last Alarm?</a:t>
             </a:r>
-            <a:endParaRPr lang="en-US" altLang="ko-KR" sz="1000" dirty="0" smtClean="0">
-              <a:solidFill>
-                <a:schemeClr val="tx1"/>
-              </a:solidFill>
-            </a:endParaRPr>
           </a:p>
         </p:txBody>
       </p:sp>
@@ -16655,11 +16399,6 @@
               </a:rPr>
               <a:t>Same Alarm with Last Alarm?</a:t>
             </a:r>
-            <a:endParaRPr lang="en-US" altLang="ko-KR" sz="1000" dirty="0" smtClean="0">
-              <a:solidFill>
-                <a:schemeClr val="tx1"/>
-              </a:solidFill>
-            </a:endParaRPr>
           </a:p>
         </p:txBody>
       </p:sp>
@@ -17362,6 +17101,388 @@
           </a:fontRef>
         </p:style>
       </p:cxnSp>
+      <p:grpSp>
+        <p:nvGrpSpPr>
+          <p:cNvPr id="91" name="그룹 90"/>
+          <p:cNvGrpSpPr/>
+          <p:nvPr/>
+        </p:nvGrpSpPr>
+        <p:grpSpPr>
+          <a:xfrm>
+            <a:off x="3707904" y="2420888"/>
+            <a:ext cx="360040" cy="179812"/>
+            <a:chOff x="3131840" y="5949280"/>
+            <a:chExt cx="360040" cy="179812"/>
+          </a:xfrm>
+        </p:grpSpPr>
+        <p:sp>
+          <p:nvSpPr>
+            <p:cNvPr id="73" name="타원 72"/>
+            <p:cNvSpPr/>
+            <p:nvPr/>
+          </p:nvSpPr>
+          <p:spPr>
+            <a:xfrm>
+              <a:off x="3131840" y="5949280"/>
+              <a:ext cx="72008" cy="72008"/>
+            </a:xfrm>
+            <a:prstGeom prst="ellipse">
+              <a:avLst/>
+            </a:prstGeom>
+            <a:solidFill>
+              <a:schemeClr val="tx1"/>
+            </a:solidFill>
+            <a:ln>
+              <a:noFill/>
+            </a:ln>
+          </p:spPr>
+          <p:style>
+            <a:lnRef idx="2">
+              <a:schemeClr val="accent1">
+                <a:shade val="50000"/>
+              </a:schemeClr>
+            </a:lnRef>
+            <a:fillRef idx="1">
+              <a:schemeClr val="accent1"/>
+            </a:fillRef>
+            <a:effectRef idx="0">
+              <a:schemeClr val="accent1"/>
+            </a:effectRef>
+            <a:fontRef idx="minor">
+              <a:schemeClr val="lt1"/>
+            </a:fontRef>
+          </p:style>
+          <p:txBody>
+            <a:bodyPr rtlCol="0" anchor="ctr"/>
+            <a:lstStyle/>
+            <a:p>
+              <a:pPr algn="ctr"/>
+              <a:endParaRPr lang="ko-KR" altLang="en-US"/>
+            </a:p>
+          </p:txBody>
+        </p:sp>
+        <p:sp>
+          <p:nvSpPr>
+            <p:cNvPr id="74" name="타원 73"/>
+            <p:cNvSpPr/>
+            <p:nvPr/>
+          </p:nvSpPr>
+          <p:spPr>
+            <a:xfrm>
+              <a:off x="3275856" y="6003182"/>
+              <a:ext cx="72008" cy="72008"/>
+            </a:xfrm>
+            <a:prstGeom prst="ellipse">
+              <a:avLst/>
+            </a:prstGeom>
+            <a:solidFill>
+              <a:schemeClr val="tx1"/>
+            </a:solidFill>
+            <a:ln>
+              <a:noFill/>
+            </a:ln>
+          </p:spPr>
+          <p:style>
+            <a:lnRef idx="2">
+              <a:schemeClr val="accent1">
+                <a:shade val="50000"/>
+              </a:schemeClr>
+            </a:lnRef>
+            <a:fillRef idx="1">
+              <a:schemeClr val="accent1"/>
+            </a:fillRef>
+            <a:effectRef idx="0">
+              <a:schemeClr val="accent1"/>
+            </a:effectRef>
+            <a:fontRef idx="minor">
+              <a:schemeClr val="lt1"/>
+            </a:fontRef>
+          </p:style>
+          <p:txBody>
+            <a:bodyPr rtlCol="0" anchor="ctr"/>
+            <a:lstStyle/>
+            <a:p>
+              <a:pPr algn="ctr"/>
+              <a:endParaRPr lang="ko-KR" altLang="en-US"/>
+            </a:p>
+          </p:txBody>
+        </p:sp>
+        <p:sp>
+          <p:nvSpPr>
+            <p:cNvPr id="75" name="타원 74"/>
+            <p:cNvSpPr/>
+            <p:nvPr/>
+          </p:nvSpPr>
+          <p:spPr>
+            <a:xfrm>
+              <a:off x="3419872" y="6057084"/>
+              <a:ext cx="72008" cy="72008"/>
+            </a:xfrm>
+            <a:prstGeom prst="ellipse">
+              <a:avLst/>
+            </a:prstGeom>
+            <a:solidFill>
+              <a:schemeClr val="tx1"/>
+            </a:solidFill>
+            <a:ln>
+              <a:noFill/>
+            </a:ln>
+          </p:spPr>
+          <p:style>
+            <a:lnRef idx="2">
+              <a:schemeClr val="accent1">
+                <a:shade val="50000"/>
+              </a:schemeClr>
+            </a:lnRef>
+            <a:fillRef idx="1">
+              <a:schemeClr val="accent1"/>
+            </a:fillRef>
+            <a:effectRef idx="0">
+              <a:schemeClr val="accent1"/>
+            </a:effectRef>
+            <a:fontRef idx="minor">
+              <a:schemeClr val="lt1"/>
+            </a:fontRef>
+          </p:style>
+          <p:txBody>
+            <a:bodyPr rtlCol="0" anchor="ctr"/>
+            <a:lstStyle/>
+            <a:p>
+              <a:pPr algn="ctr"/>
+              <a:endParaRPr lang="ko-KR" altLang="en-US"/>
+            </a:p>
+          </p:txBody>
+        </p:sp>
+      </p:grpSp>
+      <p:grpSp>
+        <p:nvGrpSpPr>
+          <p:cNvPr id="93" name="그룹 92"/>
+          <p:cNvGrpSpPr/>
+          <p:nvPr/>
+        </p:nvGrpSpPr>
+        <p:grpSpPr>
+          <a:xfrm>
+            <a:off x="8460432" y="2420888"/>
+            <a:ext cx="360040" cy="179812"/>
+            <a:chOff x="3131840" y="5949280"/>
+            <a:chExt cx="360040" cy="179812"/>
+          </a:xfrm>
+        </p:grpSpPr>
+        <p:sp>
+          <p:nvSpPr>
+            <p:cNvPr id="95" name="타원 94"/>
+            <p:cNvSpPr/>
+            <p:nvPr/>
+          </p:nvSpPr>
+          <p:spPr>
+            <a:xfrm>
+              <a:off x="3131840" y="5949280"/>
+              <a:ext cx="72008" cy="72008"/>
+            </a:xfrm>
+            <a:prstGeom prst="ellipse">
+              <a:avLst/>
+            </a:prstGeom>
+            <a:solidFill>
+              <a:schemeClr val="tx1"/>
+            </a:solidFill>
+            <a:ln>
+              <a:noFill/>
+            </a:ln>
+          </p:spPr>
+          <p:style>
+            <a:lnRef idx="2">
+              <a:schemeClr val="accent1">
+                <a:shade val="50000"/>
+              </a:schemeClr>
+            </a:lnRef>
+            <a:fillRef idx="1">
+              <a:schemeClr val="accent1"/>
+            </a:fillRef>
+            <a:effectRef idx="0">
+              <a:schemeClr val="accent1"/>
+            </a:effectRef>
+            <a:fontRef idx="minor">
+              <a:schemeClr val="lt1"/>
+            </a:fontRef>
+          </p:style>
+          <p:txBody>
+            <a:bodyPr rtlCol="0" anchor="ctr"/>
+            <a:lstStyle/>
+            <a:p>
+              <a:pPr algn="ctr"/>
+              <a:endParaRPr lang="ko-KR" altLang="en-US"/>
+            </a:p>
+          </p:txBody>
+        </p:sp>
+        <p:sp>
+          <p:nvSpPr>
+            <p:cNvPr id="108" name="타원 107"/>
+            <p:cNvSpPr/>
+            <p:nvPr/>
+          </p:nvSpPr>
+          <p:spPr>
+            <a:xfrm>
+              <a:off x="3275856" y="6003182"/>
+              <a:ext cx="72008" cy="72008"/>
+            </a:xfrm>
+            <a:prstGeom prst="ellipse">
+              <a:avLst/>
+            </a:prstGeom>
+            <a:solidFill>
+              <a:schemeClr val="tx1"/>
+            </a:solidFill>
+            <a:ln>
+              <a:noFill/>
+            </a:ln>
+          </p:spPr>
+          <p:style>
+            <a:lnRef idx="2">
+              <a:schemeClr val="accent1">
+                <a:shade val="50000"/>
+              </a:schemeClr>
+            </a:lnRef>
+            <a:fillRef idx="1">
+              <a:schemeClr val="accent1"/>
+            </a:fillRef>
+            <a:effectRef idx="0">
+              <a:schemeClr val="accent1"/>
+            </a:effectRef>
+            <a:fontRef idx="minor">
+              <a:schemeClr val="lt1"/>
+            </a:fontRef>
+          </p:style>
+          <p:txBody>
+            <a:bodyPr rtlCol="0" anchor="ctr"/>
+            <a:lstStyle/>
+            <a:p>
+              <a:pPr algn="ctr"/>
+              <a:endParaRPr lang="ko-KR" altLang="en-US"/>
+            </a:p>
+          </p:txBody>
+        </p:sp>
+        <p:sp>
+          <p:nvSpPr>
+            <p:cNvPr id="109" name="타원 108"/>
+            <p:cNvSpPr/>
+            <p:nvPr/>
+          </p:nvSpPr>
+          <p:spPr>
+            <a:xfrm>
+              <a:off x="3419872" y="6057084"/>
+              <a:ext cx="72008" cy="72008"/>
+            </a:xfrm>
+            <a:prstGeom prst="ellipse">
+              <a:avLst/>
+            </a:prstGeom>
+            <a:solidFill>
+              <a:schemeClr val="tx1"/>
+            </a:solidFill>
+            <a:ln>
+              <a:noFill/>
+            </a:ln>
+          </p:spPr>
+          <p:style>
+            <a:lnRef idx="2">
+              <a:schemeClr val="accent1">
+                <a:shade val="50000"/>
+              </a:schemeClr>
+            </a:lnRef>
+            <a:fillRef idx="1">
+              <a:schemeClr val="accent1"/>
+            </a:fillRef>
+            <a:effectRef idx="0">
+              <a:schemeClr val="accent1"/>
+            </a:effectRef>
+            <a:fontRef idx="minor">
+              <a:schemeClr val="lt1"/>
+            </a:fontRef>
+          </p:style>
+          <p:txBody>
+            <a:bodyPr rtlCol="0" anchor="ctr"/>
+            <a:lstStyle/>
+            <a:p>
+              <a:pPr algn="ctr"/>
+              <a:endParaRPr lang="ko-KR" altLang="en-US"/>
+            </a:p>
+          </p:txBody>
+        </p:sp>
+      </p:grpSp>
+      <p:sp>
+        <p:nvSpPr>
+          <p:cNvPr id="110" name="TextBox 109"/>
+          <p:cNvSpPr txBox="1"/>
+          <p:nvPr/>
+        </p:nvSpPr>
+        <p:spPr>
+          <a:xfrm>
+            <a:off x="3347864" y="2564904"/>
+            <a:ext cx="1080120" cy="215444"/>
+          </a:xfrm>
+          <a:prstGeom prst="rect">
+            <a:avLst/>
+          </a:prstGeom>
+          <a:noFill/>
+        </p:spPr>
+        <p:txBody>
+          <a:bodyPr wrap="square" rtlCol="0">
+            <a:spAutoFit/>
+          </a:bodyPr>
+          <a:lstStyle/>
+          <a:p>
+            <a:r>
+              <a:rPr lang="ko-KR" altLang="en-US" sz="800" b="1" dirty="0" smtClean="0">
+                <a:solidFill>
+                  <a:schemeClr val="accent3"/>
+                </a:solidFill>
+              </a:rPr>
+              <a:t>조건 추가 확장</a:t>
+            </a:r>
+            <a:endParaRPr lang="ko-KR" altLang="en-US" sz="800" b="1" dirty="0">
+              <a:solidFill>
+                <a:schemeClr val="accent3"/>
+              </a:solidFill>
+            </a:endParaRPr>
+          </a:p>
+        </p:txBody>
+      </p:sp>
+      <p:sp>
+        <p:nvSpPr>
+          <p:cNvPr id="111" name="TextBox 110"/>
+          <p:cNvSpPr txBox="1"/>
+          <p:nvPr/>
+        </p:nvSpPr>
+        <p:spPr>
+          <a:xfrm>
+            <a:off x="8100092" y="2564904"/>
+            <a:ext cx="1080120" cy="215444"/>
+          </a:xfrm>
+          <a:prstGeom prst="rect">
+            <a:avLst/>
+          </a:prstGeom>
+          <a:noFill/>
+        </p:spPr>
+        <p:txBody>
+          <a:bodyPr wrap="square" rtlCol="0">
+            <a:spAutoFit/>
+          </a:bodyPr>
+          <a:lstStyle/>
+          <a:p>
+            <a:r>
+              <a:rPr lang="ko-KR" altLang="en-US" sz="800" b="1" dirty="0" smtClean="0">
+                <a:solidFill>
+                  <a:schemeClr val="accent3"/>
+                </a:solidFill>
+              </a:rPr>
+              <a:t>조건 추가 확장</a:t>
+            </a:r>
+            <a:endParaRPr lang="ko-KR" altLang="en-US" sz="800" b="1" dirty="0">
+              <a:solidFill>
+                <a:schemeClr val="accent3"/>
+              </a:solidFill>
+            </a:endParaRPr>
+          </a:p>
+        </p:txBody>
+      </p:sp>
     </p:spTree>
   </p:cSld>
   <p:clrMapOvr>
@@ -18401,15 +18522,7 @@
                             <a:schemeClr val="tx1"/>
                           </a:solidFill>
                         </a:rPr>
-                        <a:t>():</a:t>
-                      </a:r>
-                      <a:r>
-                        <a:rPr lang="en-US" altLang="ko-KR" sz="1000" b="0" dirty="0" smtClean="0">
-                          <a:solidFill>
-                            <a:schemeClr val="tx1"/>
-                          </a:solidFill>
-                        </a:rPr>
-                        <a:t>void</a:t>
+                        <a:t>():void</a:t>
                       </a:r>
                       <a:br>
                         <a:rPr lang="en-US" altLang="ko-KR" sz="1000" b="0" dirty="0" smtClean="0">
@@ -23222,11 +23335,7 @@
             </a:pPr>
             <a:r>
               <a:rPr lang="ko-KR" altLang="en-US" sz="1000" dirty="0" smtClean="0"/>
-              <a:t> 외부 프로그램 실행 및 콘솔 출력 </a:t>
-            </a:r>
-            <a:r>
-              <a:rPr lang="ko-KR" altLang="en-US" sz="1000" dirty="0" smtClean="0"/>
-              <a:t>가져오기</a:t>
+              <a:t> 외부 프로그램 실행 및 콘솔 출력 가져오기</a:t>
             </a:r>
             <a:endParaRPr lang="en-US" altLang="ko-KR" sz="1000" dirty="0" smtClean="0"/>
           </a:p>
@@ -23241,11 +23350,7 @@
             </a:r>
             <a:r>
               <a:rPr lang="en-US" altLang="ko-KR" sz="1000" dirty="0" smtClean="0"/>
-              <a:t> start = </a:t>
-            </a:r>
-            <a:r>
-              <a:rPr lang="en-US" altLang="ko-KR" sz="1000" dirty="0" smtClean="0"/>
-              <a:t>new </a:t>
+              <a:t> start = new </a:t>
             </a:r>
             <a:r>
               <a:rPr lang="en-US" altLang="ko-KR" sz="1000" b="1" dirty="0" err="1" smtClean="0"/>
@@ -23255,7 +23360,6 @@
               <a:rPr lang="en-US" altLang="ko-KR" sz="1000" dirty="0" smtClean="0"/>
               <a:t>();</a:t>
             </a:r>
-            <a:endParaRPr lang="en-US" altLang="ko-KR" sz="1000" dirty="0" smtClean="0"/>
           </a:p>
           <a:p>
             <a:r>

--- a/Monitoring/fc.pptx
+++ b/Monitoring/fc.pptx
@@ -5319,7 +5319,7 @@
         <p:spPr>
           <a:xfrm>
             <a:off x="251520" y="260648"/>
-            <a:ext cx="8640960" cy="5016758"/>
+            <a:ext cx="8640960" cy="5632311"/>
           </a:xfrm>
           <a:prstGeom prst="rect">
             <a:avLst/>
@@ -5948,7 +5948,42 @@
             </a:r>
             <a:r>
               <a:rPr lang="ko-KR" altLang="en-US" sz="1000" dirty="0" smtClean="0"/>
-              <a:t>들의 상태를 파악할 수 있게 구성</a:t>
+              <a:t>들의 상태를 파악할 수 있게 </a:t>
+            </a:r>
+            <a:r>
+              <a:rPr lang="ko-KR" altLang="en-US" sz="1000" dirty="0" smtClean="0"/>
+              <a:t>구성</a:t>
+            </a:r>
+            <a:r>
+              <a:rPr lang="en-US" altLang="ko-KR" sz="1000" dirty="0" smtClean="0"/>
+              <a:t/>
+            </a:r>
+            <a:br>
+              <a:rPr lang="en-US" altLang="ko-KR" sz="1000" dirty="0" smtClean="0"/>
+            </a:br>
+            <a:r>
+              <a:rPr lang="en-US" altLang="ko-KR" sz="1000" dirty="0" smtClean="0"/>
+              <a:t> 5) </a:t>
+            </a:r>
+            <a:r>
+              <a:rPr lang="ko-KR" altLang="en-US" sz="1000" dirty="0" smtClean="0"/>
+              <a:t>제품 배포 파일 구성</a:t>
+            </a:r>
+            <a:r>
+              <a:rPr lang="en-US" altLang="ko-KR" sz="1000" dirty="0" smtClean="0"/>
+              <a:t>(EXE, MSI </a:t>
+            </a:r>
+            <a:r>
+              <a:rPr lang="ko-KR" altLang="en-US" sz="1000" dirty="0" smtClean="0"/>
+              <a:t>등의 설치파일 제작</a:t>
+            </a:r>
+            <a:r>
+              <a:rPr lang="en-US" altLang="ko-KR" sz="1000" dirty="0" smtClean="0"/>
+              <a:t>)</a:t>
+            </a:r>
+            <a:r>
+              <a:rPr lang="ko-KR" altLang="en-US" sz="1000" dirty="0" smtClean="0"/>
+              <a:t> </a:t>
             </a:r>
             <a:endParaRPr lang="en-US" altLang="ko-KR" sz="1000" dirty="0" smtClean="0"/>
           </a:p>
@@ -5966,7 +6001,27 @@
             </a:r>
             <a:r>
               <a:rPr lang="ko-KR" altLang="en-US" sz="1000" dirty="0" smtClean="0"/>
-              <a:t>불법 사용 방지</a:t>
+              <a:t>불법 사용 </a:t>
+            </a:r>
+            <a:r>
+              <a:rPr lang="ko-KR" altLang="en-US" sz="1000" dirty="0" smtClean="0"/>
+              <a:t>방지 </a:t>
+            </a:r>
+            <a:r>
+              <a:rPr lang="en-US" altLang="ko-KR" sz="1000" dirty="0" smtClean="0"/>
+              <a:t>– </a:t>
+            </a:r>
+            <a:r>
+              <a:rPr lang="ko-KR" altLang="en-US" sz="1000" dirty="0" smtClean="0"/>
+              <a:t>제품</a:t>
+            </a:r>
+            <a:r>
+              <a:rPr lang="en-US" altLang="ko-KR" sz="1000" dirty="0" smtClean="0"/>
+              <a:t> Key</a:t>
+            </a:r>
+            <a:r>
+              <a:rPr lang="ko-KR" altLang="en-US" sz="1000" dirty="0" smtClean="0"/>
+              <a:t>관리 필요</a:t>
             </a:r>
             <a:endParaRPr lang="en-US" altLang="ko-KR" sz="1000" dirty="0" smtClean="0"/>
           </a:p>
@@ -6004,14 +6059,6 @@
             </a:r>
             <a:r>
               <a:rPr lang="en-US" altLang="ko-KR" sz="1000" dirty="0" smtClean="0"/>
-              <a:t>HW Dongle</a:t>
-            </a:r>
-            <a:r>
-              <a:rPr lang="ko-KR" altLang="en-US" sz="1000" dirty="0" smtClean="0"/>
-              <a:t>을 사용하는 것이 가장 안전함</a:t>
-            </a:r>
-            <a:r>
-              <a:rPr lang="en-US" altLang="ko-KR" sz="1000" dirty="0" smtClean="0"/>
               <a:t/>
             </a:r>
             <a:br>
@@ -6019,7 +6066,96 @@
             </a:br>
             <a:r>
               <a:rPr lang="en-US" altLang="ko-KR" sz="1000" dirty="0" smtClean="0"/>
-              <a:t>     </a:t>
+              <a:t>   - HW </a:t>
+            </a:r>
+            <a:r>
+              <a:rPr lang="en-US" altLang="ko-KR" sz="1000" dirty="0" smtClean="0"/>
+              <a:t>Dongle</a:t>
+            </a:r>
+            <a:r>
+              <a:rPr lang="ko-KR" altLang="en-US" sz="1000" dirty="0" smtClean="0"/>
+              <a:t>을 사용하는 것이 가장 </a:t>
+            </a:r>
+            <a:r>
+              <a:rPr lang="ko-KR" altLang="en-US" sz="1000" dirty="0" smtClean="0"/>
+              <a:t>안전함</a:t>
+            </a:r>
+            <a:r>
+              <a:rPr lang="en-US" altLang="ko-KR" sz="1000" dirty="0" smtClean="0"/>
+              <a:t/>
+            </a:r>
+            <a:br>
+              <a:rPr lang="en-US" altLang="ko-KR" sz="1000" dirty="0" smtClean="0"/>
+            </a:br>
+            <a:r>
+              <a:rPr lang="en-US" altLang="ko-KR" sz="1000" dirty="0" smtClean="0"/>
+              <a:t>   - Dongle</a:t>
+            </a:r>
+            <a:r>
+              <a:rPr lang="ko-KR" altLang="en-US" sz="1000" dirty="0" smtClean="0"/>
+              <a:t>을 사용하지 않을 경우 </a:t>
+            </a:r>
+            <a:r>
+              <a:rPr lang="en-US" altLang="ko-KR" sz="1000" dirty="0" smtClean="0"/>
+              <a:t>HW</a:t>
+            </a:r>
+            <a:r>
+              <a:rPr lang="ko-KR" altLang="en-US" sz="1000" dirty="0" smtClean="0"/>
+              <a:t>의 유일값을 이용하여 제품등록에 이용할 수 있게 함</a:t>
+            </a:r>
+            <a:r>
+              <a:rPr lang="en-US" altLang="ko-KR" sz="1000" dirty="0" smtClean="0"/>
+              <a:t/>
+            </a:r>
+            <a:br>
+              <a:rPr lang="en-US" altLang="ko-KR" sz="1000" dirty="0" smtClean="0"/>
+            </a:br>
+            <a:r>
+              <a:rPr lang="en-US" altLang="ko-KR" sz="1000" dirty="0" smtClean="0"/>
+              <a:t>      </a:t>
+            </a:r>
+            <a:r>
+              <a:rPr lang="en-US" altLang="ko-KR" sz="1000" dirty="0" smtClean="0"/>
+              <a:t>ex) Machine </a:t>
+            </a:r>
+            <a:r>
+              <a:rPr lang="en-US" altLang="ko-KR" sz="1000" dirty="0" smtClean="0"/>
+              <a:t>GUID, MAC</a:t>
+            </a:r>
+            <a:r>
+              <a:rPr lang="ko-KR" altLang="en-US" sz="1000" dirty="0" smtClean="0"/>
+              <a:t>주소</a:t>
+            </a:r>
+            <a:r>
+              <a:rPr lang="en-US" altLang="ko-KR" sz="1000" dirty="0" smtClean="0"/>
+              <a:t>, Processor ID, Motherboard ID, </a:t>
+            </a:r>
+            <a:r>
+              <a:rPr lang="ko-KR" altLang="en-US" sz="1000" dirty="0" smtClean="0"/>
+              <a:t>하드디스크 시리얼넘버</a:t>
+            </a:r>
+            <a:r>
+              <a:rPr lang="en-US" altLang="ko-KR" sz="1000" dirty="0" smtClean="0"/>
+              <a:t> </a:t>
+            </a:r>
+            <a:r>
+              <a:rPr lang="ko-KR" altLang="en-US" sz="1000" dirty="0" smtClean="0"/>
+              <a:t>등</a:t>
+            </a:r>
+            <a:r>
+              <a:rPr lang="en-US" altLang="ko-KR" sz="1000" dirty="0" smtClean="0"/>
+              <a:t/>
+            </a:r>
+            <a:br>
+              <a:rPr lang="en-US" altLang="ko-KR" sz="1000" dirty="0" smtClean="0"/>
+            </a:br>
+            <a:r>
+              <a:rPr lang="en-US" altLang="ko-KR" sz="1000" dirty="0" smtClean="0"/>
+              <a:t>   </a:t>
+            </a:r>
+            <a:r>
+              <a:rPr lang="en-US" altLang="ko-KR" sz="1000" dirty="0" smtClean="0"/>
+              <a:t>- </a:t>
             </a:r>
             <a:r>
               <a:rPr lang="ko-KR" altLang="en-US" sz="1000" dirty="0" smtClean="0"/>
@@ -6039,7 +6175,7 @@
             </a:r>
             <a:r>
               <a:rPr lang="ko-KR" altLang="en-US" sz="1000" dirty="0" smtClean="0"/>
-              <a:t>하여 </a:t>
+              <a:t>하면 </a:t>
             </a:r>
             <a:r>
               <a:rPr lang="ko-KR" altLang="en-US" sz="1000" dirty="0" err="1" smtClean="0"/>
@@ -6047,9 +6183,135 @@
             </a:r>
             <a:r>
               <a:rPr lang="ko-KR" altLang="en-US" sz="1000" dirty="0" smtClean="0"/>
-              <a:t> 바이러스 감염 등을 확인할 수 있음</a:t>
-            </a:r>
+              <a:t> 바이러스 감염 등을 확인할 수 </a:t>
+            </a:r>
+            <a:r>
+              <a:rPr lang="ko-KR" altLang="en-US" sz="1000" dirty="0" smtClean="0"/>
+              <a:t>있음</a:t>
+            </a:r>
+            <a:r>
+              <a:rPr lang="en-US" altLang="ko-KR" sz="1000" dirty="0" smtClean="0"/>
+              <a:t/>
+            </a:r>
+            <a:br>
+              <a:rPr lang="en-US" altLang="ko-KR" sz="1000" dirty="0" smtClean="0"/>
+            </a:br>
             <a:endParaRPr lang="en-US" altLang="ko-KR" sz="1000" dirty="0" smtClean="0"/>
+          </a:p>
+        </p:txBody>
+      </p:sp>
+      <p:sp>
+        <p:nvSpPr>
+          <p:cNvPr id="6" name="TextBox 5"/>
+          <p:cNvSpPr txBox="1"/>
+          <p:nvPr/>
+        </p:nvSpPr>
+        <p:spPr>
+          <a:xfrm>
+            <a:off x="179512" y="6093296"/>
+            <a:ext cx="8640960" cy="553998"/>
+          </a:xfrm>
+          <a:prstGeom prst="rect">
+            <a:avLst/>
+          </a:prstGeom>
+          <a:noFill/>
+        </p:spPr>
+        <p:txBody>
+          <a:bodyPr wrap="square" rtlCol="0">
+            <a:spAutoFit/>
+          </a:bodyPr>
+          <a:lstStyle/>
+          <a:p>
+            <a:pPr>
+              <a:buFont typeface="Arial" charset="0"/>
+              <a:buChar char="•"/>
+            </a:pPr>
+            <a:r>
+              <a:rPr lang="en-US" altLang="ko-KR" sz="1000" dirty="0" smtClean="0"/>
+              <a:t> Machine GUID </a:t>
+            </a:r>
+            <a:r>
+              <a:rPr lang="ko-KR" altLang="en-US" sz="1000" dirty="0" smtClean="0"/>
+              <a:t>정보</a:t>
+            </a:r>
+            <a:r>
+              <a:rPr lang="en-US" altLang="ko-KR" sz="1000" dirty="0" smtClean="0"/>
+              <a:t> : HKEY_LOCAL_MACHINE\SOFTWARE\Microsoft\Cryptography </a:t>
+            </a:r>
+            <a:endParaRPr lang="en-US" altLang="ko-KR" sz="1000" dirty="0" smtClean="0"/>
+          </a:p>
+          <a:p>
+            <a:pPr>
+              <a:buFont typeface="Arial" charset="0"/>
+              <a:buChar char="•"/>
+            </a:pPr>
+            <a:r>
+              <a:rPr lang="en-US" altLang="ko-KR" sz="1000" dirty="0" smtClean="0"/>
+              <a:t> Processor ID </a:t>
+            </a:r>
+            <a:r>
+              <a:rPr lang="ko-KR" altLang="en-US" sz="1000" dirty="0" smtClean="0"/>
+              <a:t>등의 정보 </a:t>
+            </a:r>
+            <a:r>
+              <a:rPr lang="en-US" altLang="ko-KR" sz="1000" dirty="0" smtClean="0"/>
+              <a:t>: </a:t>
+            </a:r>
+            <a:r>
+              <a:rPr lang="en-US" altLang="ko-KR" sz="1000" dirty="0" err="1" smtClean="0"/>
+              <a:t>ManagementObjectSearcher</a:t>
+            </a:r>
+            <a:r>
+              <a:rPr lang="en-US" altLang="ko-KR" sz="1000" dirty="0" smtClean="0"/>
+              <a:t> Class </a:t>
+            </a:r>
+            <a:r>
+              <a:rPr lang="ko-KR" altLang="en-US" sz="1000" dirty="0" smtClean="0"/>
+              <a:t>사용 </a:t>
+            </a:r>
+            <a:r>
+              <a:rPr lang="en-US" altLang="ko-KR" sz="1000" smtClean="0"/>
+              <a:t>(Win32_Processor, Win32_baseboard, Win32_DiskDrive, … </a:t>
+            </a:r>
+            <a:r>
+              <a:rPr lang="en-US" altLang="ko-KR" sz="1000" dirty="0" smtClean="0"/>
+              <a:t>)</a:t>
+            </a:r>
+          </a:p>
+          <a:p>
+            <a:pPr>
+              <a:buFont typeface="Arial" charset="0"/>
+              <a:buChar char="•"/>
+            </a:pPr>
+            <a:r>
+              <a:rPr lang="en-US" altLang="ko-KR" sz="1000" dirty="0" smtClean="0"/>
+              <a:t> </a:t>
+            </a:r>
+            <a:r>
+              <a:rPr lang="en-US" altLang="ko-KR" sz="1000" dirty="0" smtClean="0"/>
+              <a:t>MAC </a:t>
+            </a:r>
+            <a:r>
+              <a:rPr lang="ko-KR" altLang="en-US" sz="1000" dirty="0" smtClean="0"/>
+              <a:t>주소 </a:t>
+            </a:r>
+            <a:r>
+              <a:rPr lang="en-US" altLang="ko-KR" sz="1000" dirty="0" smtClean="0"/>
+              <a:t>: </a:t>
+            </a:r>
+            <a:r>
+              <a:rPr lang="en-US" altLang="ko-KR" sz="1000" dirty="0" err="1" smtClean="0"/>
+              <a:t>NetworkInterface</a:t>
+            </a:r>
+            <a:r>
+              <a:rPr lang="en-US" altLang="ko-KR" sz="1000" dirty="0" smtClean="0"/>
+              <a:t> Class </a:t>
+            </a:r>
+            <a:r>
+              <a:rPr lang="ko-KR" altLang="en-US" sz="1000" dirty="0" smtClean="0"/>
+              <a:t>사용</a:t>
+            </a:r>
+            <a:endParaRPr lang="ko-KR" altLang="en-US" sz="1000" dirty="0"/>
           </a:p>
         </p:txBody>
       </p:sp>

--- a/Monitoring/fc.pptx
+++ b/Monitoring/fc.pptx
@@ -5,7 +5,7 @@
     <p:sldMasterId id="2147483648" r:id="rId1"/>
   </p:sldMasterIdLst>
   <p:notesMasterIdLst>
-    <p:notesMasterId r:id="rId17"/>
+    <p:notesMasterId r:id="rId19"/>
   </p:notesMasterIdLst>
   <p:sldIdLst>
     <p:sldId id="256" r:id="rId2"/>
@@ -18,11 +18,13 @@
     <p:sldId id="272" r:id="rId9"/>
     <p:sldId id="263" r:id="rId10"/>
     <p:sldId id="264" r:id="rId11"/>
-    <p:sldId id="268" r:id="rId12"/>
-    <p:sldId id="273" r:id="rId13"/>
-    <p:sldId id="274" r:id="rId14"/>
-    <p:sldId id="269" r:id="rId15"/>
-    <p:sldId id="270" r:id="rId16"/>
+    <p:sldId id="278" r:id="rId12"/>
+    <p:sldId id="268" r:id="rId13"/>
+    <p:sldId id="275" r:id="rId14"/>
+    <p:sldId id="277" r:id="rId15"/>
+    <p:sldId id="276" r:id="rId16"/>
+    <p:sldId id="273" r:id="rId17"/>
+    <p:sldId id="274" r:id="rId18"/>
   </p:sldIdLst>
   <p:sldSz cx="9144000" cy="6858000" type="screen4x3"/>
   <p:notesSz cx="6858000" cy="9144000"/>
@@ -519,7 +521,7 @@
           </a:bodyPr>
           <a:lstStyle/>
           <a:p>
-            <a:endParaRPr lang="ko-KR" altLang="en-US" dirty="0"/>
+            <a:endParaRPr lang="ko-KR" altLang="en-US" sz="800" dirty="0"/>
           </a:p>
         </p:txBody>
       </p:sp>
@@ -542,6 +544,111 @@
               <a:rPr lang="ko-KR" altLang="en-US" smtClean="0"/>
               <a:pPr/>
               <a:t>7</a:t>
+            </a:fld>
+            <a:endParaRPr lang="ko-KR" altLang="en-US"/>
+          </a:p>
+        </p:txBody>
+      </p:sp>
+    </p:spTree>
+  </p:cSld>
+  <p:clrMapOvr>
+    <a:masterClrMapping/>
+  </p:clrMapOvr>
+</p:notes>
+</file>
+
+<file path=ppt/notesSlides/notesSlide2.xml><?xml version="1.0" encoding="utf-8"?>
+<p:notes xmlns:a="http://schemas.openxmlformats.org/drawingml/2006/main" xmlns:r="http://schemas.openxmlformats.org/officeDocument/2006/relationships" xmlns:p="http://schemas.openxmlformats.org/presentationml/2006/main">
+  <p:cSld>
+    <p:spTree>
+      <p:nvGrpSpPr>
+        <p:cNvPr id="1" name=""/>
+        <p:cNvGrpSpPr/>
+        <p:nvPr/>
+      </p:nvGrpSpPr>
+      <p:grpSpPr>
+        <a:xfrm>
+          <a:off x="0" y="0"/>
+          <a:ext cx="0" cy="0"/>
+          <a:chOff x="0" y="0"/>
+          <a:chExt cx="0" cy="0"/>
+        </a:xfrm>
+      </p:grpSpPr>
+      <p:sp>
+        <p:nvSpPr>
+          <p:cNvPr id="2" name="슬라이드 이미지 개체 틀 1"/>
+          <p:cNvSpPr>
+            <a:spLocks noGrp="1" noRot="1" noChangeAspect="1"/>
+          </p:cNvSpPr>
+          <p:nvPr>
+            <p:ph type="sldImg"/>
+          </p:nvPr>
+        </p:nvSpPr>
+        <p:spPr/>
+      </p:sp>
+      <p:sp>
+        <p:nvSpPr>
+          <p:cNvPr id="3" name="슬라이드 노트 개체 틀 2"/>
+          <p:cNvSpPr>
+            <a:spLocks noGrp="1"/>
+          </p:cNvSpPr>
+          <p:nvPr>
+            <p:ph type="body" idx="1"/>
+          </p:nvPr>
+        </p:nvSpPr>
+        <p:spPr/>
+        <p:txBody>
+          <a:bodyPr>
+            <a:normAutofit/>
+          </a:bodyPr>
+          <a:lstStyle/>
+          <a:p>
+            <a:endParaRPr lang="en-US" altLang="ko-KR" sz="1200" dirty="0" smtClean="0"/>
+          </a:p>
+          <a:p>
+            <a:r>
+              <a:rPr lang="en-US" altLang="ko-KR" sz="1200" dirty="0" smtClean="0"/>
+              <a:t/>
+            </a:r>
+            <a:br>
+              <a:rPr lang="en-US" altLang="ko-KR" sz="1200" dirty="0" smtClean="0"/>
+            </a:br>
+            <a:endParaRPr lang="en-US" altLang="ko-KR" sz="1200" dirty="0" smtClean="0"/>
+          </a:p>
+          <a:p>
+            <a:r>
+              <a:rPr lang="en-US" altLang="ko-KR" sz="1200" dirty="0" smtClean="0"/>
+              <a:t/>
+            </a:r>
+            <a:br>
+              <a:rPr lang="en-US" altLang="ko-KR" sz="1200" dirty="0" smtClean="0"/>
+            </a:br>
+            <a:endParaRPr lang="ko-KR" altLang="en-US" sz="1200" dirty="0" smtClean="0"/>
+          </a:p>
+          <a:p>
+            <a:endParaRPr lang="ko-KR" altLang="en-US" dirty="0"/>
+          </a:p>
+        </p:txBody>
+      </p:sp>
+      <p:sp>
+        <p:nvSpPr>
+          <p:cNvPr id="4" name="슬라이드 번호 개체 틀 3"/>
+          <p:cNvSpPr>
+            <a:spLocks noGrp="1"/>
+          </p:cNvSpPr>
+          <p:nvPr>
+            <p:ph type="sldNum" sz="quarter" idx="10"/>
+          </p:nvPr>
+        </p:nvSpPr>
+        <p:spPr/>
+        <p:txBody>
+          <a:bodyPr/>
+          <a:lstStyle/>
+          <a:p>
+            <a:fld id="{A905DA5C-54F7-4290-B29D-BE569DDD52F1}" type="slidenum">
+              <a:rPr lang="ko-KR" altLang="en-US" smtClean="0"/>
+              <a:pPr/>
+              <a:t>14</a:t>
             </a:fld>
             <a:endParaRPr lang="ko-KR" altLang="en-US"/>
           </a:p>
@@ -4079,8 +4186,8 @@
         </p:nvSpPr>
         <p:spPr>
           <a:xfrm>
-            <a:off x="251520" y="185727"/>
-            <a:ext cx="8352928" cy="1938992"/>
+            <a:off x="539552" y="476672"/>
+            <a:ext cx="7992888" cy="2708434"/>
           </a:xfrm>
           <a:prstGeom prst="rect">
             <a:avLst/>
@@ -4094,55 +4201,127 @@
           <a:p>
             <a:r>
               <a:rPr lang="ko-KR" altLang="en-US" sz="1000" dirty="0" smtClean="0"/>
-              <a:t>* 심층 서술 </a:t>
-            </a:r>
-            <a:r>
-              <a:rPr lang="en-US" altLang="ko-KR" sz="1000" dirty="0" smtClean="0"/>
-              <a:t>: </a:t>
-            </a:r>
-            <a:r>
-              <a:rPr lang="ko-KR" altLang="en-US" sz="1000" dirty="0" smtClean="0"/>
-              <a:t>제시된 문제의 설계 </a:t>
-            </a:r>
-            <a:r>
-              <a:rPr lang="en-US" altLang="ko-KR" sz="1000" dirty="0" smtClean="0"/>
-              <a:t>PT</a:t>
-            </a:r>
-            <a:r>
-              <a:rPr lang="ko-KR" altLang="en-US" sz="1000" dirty="0" smtClean="0"/>
-              <a:t>자료 작성 </a:t>
+              <a:t>* </a:t>
+            </a:r>
+            <a:r>
+              <a:rPr lang="en-US" altLang="ko-KR" sz="1000" dirty="0" err="1" smtClean="0"/>
+              <a:t>FileInfo</a:t>
+            </a:r>
+            <a:r>
+              <a:rPr lang="en-US" altLang="ko-KR" sz="1000" dirty="0" smtClean="0"/>
+              <a:t> </a:t>
+            </a:r>
+            <a:r>
+              <a:rPr lang="en-US" altLang="ko-KR" sz="1000" dirty="0" smtClean="0"/>
+              <a:t>Class</a:t>
+            </a:r>
+            <a:r>
+              <a:rPr lang="ko-KR" altLang="en-US" sz="1000" dirty="0" smtClean="0"/>
+              <a:t>로 얻을 수 있는 정보들</a:t>
+            </a:r>
+            <a:br>
+              <a:rPr lang="ko-KR" altLang="en-US" sz="1000" dirty="0" smtClean="0"/>
+            </a:br>
+            <a:r>
+              <a:rPr lang="ko-KR" altLang="en-US" sz="1000" dirty="0" smtClean="0"/>
+              <a:t> </a:t>
+            </a:r>
+            <a:r>
+              <a:rPr lang="ko-KR" altLang="en-US" sz="1000" dirty="0" smtClean="0"/>
+              <a:t> </a:t>
+            </a:r>
+            <a:r>
+              <a:rPr lang="en-US" altLang="ko-KR" sz="1000" dirty="0" smtClean="0"/>
+              <a:t>public override </a:t>
+            </a:r>
+            <a:r>
+              <a:rPr lang="en-US" altLang="ko-KR" sz="1000" dirty="0" err="1" smtClean="0"/>
+              <a:t>bool</a:t>
+            </a:r>
+            <a:r>
+              <a:rPr lang="en-US" altLang="ko-KR" sz="1000" dirty="0" smtClean="0"/>
+              <a:t> Exists { get; } // </a:t>
+            </a:r>
+            <a:r>
+              <a:rPr lang="ko-KR" altLang="en-US" sz="1000" dirty="0" smtClean="0"/>
+              <a:t>존재 여부</a:t>
+            </a:r>
+            <a:br>
+              <a:rPr lang="ko-KR" altLang="en-US" sz="1000" dirty="0" smtClean="0"/>
+            </a:br>
+            <a:r>
+              <a:rPr lang="ko-KR" altLang="en-US" sz="1000" dirty="0" smtClean="0"/>
+              <a:t> </a:t>
+            </a:r>
+            <a:r>
+              <a:rPr lang="ko-KR" altLang="en-US" sz="1000" dirty="0" smtClean="0"/>
+              <a:t> </a:t>
+            </a:r>
+            <a:r>
+              <a:rPr lang="en-US" altLang="ko-KR" sz="1000" dirty="0" smtClean="0"/>
+              <a:t>public long Length { get; } // </a:t>
+            </a:r>
+            <a:r>
+              <a:rPr lang="ko-KR" altLang="en-US" sz="1000" dirty="0" smtClean="0"/>
+              <a:t>파일 </a:t>
+            </a:r>
+            <a:r>
+              <a:rPr lang="ko-KR" altLang="en-US" sz="1000" dirty="0" smtClean="0"/>
+              <a:t>크기</a:t>
+            </a:r>
+            <a:endParaRPr lang="en-US" altLang="ko-KR" sz="1000" dirty="0" smtClean="0"/>
+          </a:p>
+          <a:p>
+            <a:r>
+              <a:rPr lang="ko-KR" altLang="en-US" sz="1000" dirty="0" smtClean="0"/>
+              <a:t/>
+            </a:r>
+            <a:br>
+              <a:rPr lang="ko-KR" altLang="en-US" sz="1000" dirty="0" smtClean="0"/>
+            </a:br>
+            <a:r>
+              <a:rPr lang="ko-KR" altLang="en-US" sz="1000" dirty="0" smtClean="0"/>
+              <a:t>* </a:t>
+            </a:r>
+            <a:r>
+              <a:rPr lang="en-US" altLang="ko-KR" sz="1000" dirty="0" err="1" smtClean="0"/>
+              <a:t>FileSystemInfo</a:t>
+            </a:r>
+            <a:r>
+              <a:rPr lang="en-US" altLang="ko-KR" sz="1000" dirty="0" smtClean="0"/>
+              <a:t> Class</a:t>
+            </a:r>
+            <a:r>
+              <a:rPr lang="ko-KR" altLang="en-US" sz="1000" dirty="0" smtClean="0"/>
+              <a:t>로 얻을 수 있는 정보들</a:t>
             </a:r>
             <a:r>
               <a:rPr lang="en-US" altLang="ko-KR" sz="1000" dirty="0" smtClean="0"/>
               <a:t>(</a:t>
             </a:r>
             <a:r>
-              <a:rPr lang="ko-KR" altLang="en-US" sz="1000" dirty="0" smtClean="0"/>
-              <a:t>구조설계</a:t>
-            </a:r>
-            <a:r>
-              <a:rPr lang="en-US" altLang="ko-KR" sz="1000" dirty="0" smtClean="0"/>
-              <a:t>, </a:t>
-            </a:r>
-            <a:r>
-              <a:rPr lang="ko-KR" altLang="en-US" sz="1000" dirty="0" smtClean="0"/>
-              <a:t>로직설계</a:t>
-            </a:r>
-            <a:r>
-              <a:rPr lang="en-US" altLang="ko-KR" sz="1000" dirty="0" smtClean="0"/>
-              <a:t>, </a:t>
-            </a:r>
-            <a:r>
-              <a:rPr lang="ko-KR" altLang="en-US" sz="1000" dirty="0" smtClean="0"/>
-              <a:t>기술적용설명</a:t>
-            </a:r>
-            <a:r>
-              <a:rPr lang="en-US" altLang="ko-KR" sz="1000" dirty="0" smtClean="0"/>
-              <a:t>, </a:t>
-            </a:r>
-            <a:r>
-              <a:rPr lang="ko-KR" altLang="en-US" sz="1000" dirty="0" smtClean="0"/>
-              <a:t>제안사항설명</a:t>
+              <a:rPr lang="en-US" altLang="ko-KR" sz="1000" dirty="0" err="1" smtClean="0"/>
+              <a:t>FileInfo</a:t>
+            </a:r>
+            <a:r>
+              <a:rPr lang="en-US" altLang="ko-KR" sz="1000" dirty="0" smtClean="0"/>
+              <a:t> Class</a:t>
+            </a:r>
+            <a:r>
+              <a:rPr lang="ko-KR" altLang="en-US" sz="1000" dirty="0" smtClean="0"/>
+              <a:t>는 </a:t>
+            </a:r>
+            <a:r>
+              <a:rPr lang="en-US" altLang="ko-KR" sz="1000" dirty="0" err="1" smtClean="0"/>
+              <a:t>FileSystemInfo</a:t>
+            </a:r>
+            <a:r>
+              <a:rPr lang="en-US" altLang="ko-KR" sz="1000" dirty="0" smtClean="0"/>
+              <a:t> Class</a:t>
+            </a:r>
+            <a:r>
+              <a:rPr lang="ko-KR" altLang="en-US" sz="1000" dirty="0" smtClean="0"/>
+              <a:t>를 상속받음</a:t>
             </a:r>
             <a:r>
               <a:rPr lang="en-US" altLang="ko-KR" sz="1000" dirty="0" smtClean="0"/>
@@ -4157,27 +4336,208 @@
             </a:br>
             <a:r>
               <a:rPr lang="ko-KR" altLang="en-US" sz="1000" dirty="0" smtClean="0"/>
+              <a:t> </a:t>
+            </a:r>
+            <a:r>
+              <a:rPr lang="en-US" altLang="ko-KR" sz="1000" dirty="0" smtClean="0"/>
+              <a:t>public </a:t>
+            </a:r>
+            <a:r>
+              <a:rPr lang="en-US" altLang="ko-KR" sz="1000" dirty="0" err="1" smtClean="0"/>
+              <a:t>FileAttributes</a:t>
+            </a:r>
+            <a:r>
+              <a:rPr lang="en-US" altLang="ko-KR" sz="1000" dirty="0" smtClean="0"/>
+              <a:t> Attributes { get; set; } // </a:t>
+            </a:r>
+            <a:r>
+              <a:rPr lang="ko-KR" altLang="en-US" sz="1000" dirty="0" smtClean="0"/>
+              <a:t>파일 속성 얻어오기</a:t>
+            </a:r>
+            <a:r>
+              <a:rPr lang="en-US" altLang="ko-KR" sz="1000" dirty="0" smtClean="0"/>
+              <a:t>/</a:t>
+            </a:r>
+            <a:r>
+              <a:rPr lang="ko-KR" altLang="en-US" sz="1000" dirty="0" err="1" smtClean="0"/>
+              <a:t>세팅하기</a:t>
+            </a:r>
+            <a:r>
+              <a:rPr lang="ko-KR" altLang="en-US" sz="1000" dirty="0" smtClean="0"/>
+              <a:t/>
+            </a:r>
+            <a:br>
+              <a:rPr lang="ko-KR" altLang="en-US" sz="1000" dirty="0" smtClean="0"/>
+            </a:br>
+            <a:r>
+              <a:rPr lang="ko-KR" altLang="en-US" sz="1000" dirty="0" smtClean="0"/>
+              <a:t> </a:t>
+            </a:r>
+            <a:r>
+              <a:rPr lang="en-US" altLang="ko-KR" sz="1000" dirty="0" smtClean="0"/>
+              <a:t>public </a:t>
+            </a:r>
+            <a:r>
+              <a:rPr lang="en-US" altLang="ko-KR" sz="1000" dirty="0" err="1" smtClean="0"/>
+              <a:t>DateTime</a:t>
+            </a:r>
+            <a:r>
+              <a:rPr lang="en-US" altLang="ko-KR" sz="1000" dirty="0" smtClean="0"/>
+              <a:t> </a:t>
+            </a:r>
+            <a:r>
+              <a:rPr lang="en-US" altLang="ko-KR" sz="1000" dirty="0" err="1" smtClean="0"/>
+              <a:t>CreationTime</a:t>
+            </a:r>
+            <a:r>
+              <a:rPr lang="en-US" altLang="ko-KR" sz="1000" dirty="0" smtClean="0"/>
+              <a:t> { get; set; } // </a:t>
+            </a:r>
+            <a:r>
+              <a:rPr lang="ko-KR" altLang="en-US" sz="1000" dirty="0" smtClean="0"/>
+              <a:t>파일 생성 시각</a:t>
+            </a:r>
+            <a:br>
+              <a:rPr lang="ko-KR" altLang="en-US" sz="1000" dirty="0" smtClean="0"/>
+            </a:br>
+            <a:r>
+              <a:rPr lang="ko-KR" altLang="en-US" sz="1000" dirty="0" smtClean="0"/>
+              <a:t> </a:t>
+            </a:r>
+            <a:r>
+              <a:rPr lang="en-US" altLang="ko-KR" sz="1000" dirty="0" smtClean="0"/>
+              <a:t>public </a:t>
+            </a:r>
+            <a:r>
+              <a:rPr lang="en-US" altLang="ko-KR" sz="1000" dirty="0" err="1" smtClean="0"/>
+              <a:t>DateTime</a:t>
+            </a:r>
+            <a:r>
+              <a:rPr lang="en-US" altLang="ko-KR" sz="1000" dirty="0" smtClean="0"/>
+              <a:t> </a:t>
+            </a:r>
+            <a:r>
+              <a:rPr lang="en-US" altLang="ko-KR" sz="1000" dirty="0" err="1" smtClean="0"/>
+              <a:t>LastAccessTime</a:t>
+            </a:r>
+            <a:r>
+              <a:rPr lang="en-US" altLang="ko-KR" sz="1000" dirty="0" smtClean="0"/>
+              <a:t> { get; set; } // </a:t>
+            </a:r>
+            <a:r>
+              <a:rPr lang="ko-KR" altLang="en-US" sz="1000" dirty="0" smtClean="0"/>
+              <a:t>파일 최종 </a:t>
+            </a:r>
+            <a:r>
+              <a:rPr lang="en-US" altLang="ko-KR" sz="1000" dirty="0" smtClean="0"/>
+              <a:t>access </a:t>
+            </a:r>
+            <a:r>
+              <a:rPr lang="ko-KR" altLang="en-US" sz="1000" dirty="0" smtClean="0"/>
+              <a:t>시각</a:t>
+            </a:r>
+            <a:br>
+              <a:rPr lang="ko-KR" altLang="en-US" sz="1000" dirty="0" smtClean="0"/>
+            </a:br>
+            <a:r>
+              <a:rPr lang="ko-KR" altLang="en-US" sz="1000" dirty="0" smtClean="0"/>
+              <a:t> </a:t>
+            </a:r>
+            <a:r>
+              <a:rPr lang="en-US" altLang="ko-KR" sz="1000" dirty="0" smtClean="0"/>
+              <a:t>public </a:t>
+            </a:r>
+            <a:r>
+              <a:rPr lang="en-US" altLang="ko-KR" sz="1000" dirty="0" err="1" smtClean="0"/>
+              <a:t>DateTime</a:t>
+            </a:r>
+            <a:r>
+              <a:rPr lang="en-US" altLang="ko-KR" sz="1000" dirty="0" smtClean="0"/>
+              <a:t> </a:t>
+            </a:r>
+            <a:r>
+              <a:rPr lang="en-US" altLang="ko-KR" sz="1000" dirty="0" err="1" smtClean="0"/>
+              <a:t>LastWriteTime</a:t>
+            </a:r>
+            <a:r>
+              <a:rPr lang="en-US" altLang="ko-KR" sz="1000" dirty="0" smtClean="0"/>
+              <a:t> { get; set; } // </a:t>
+            </a:r>
+            <a:r>
+              <a:rPr lang="ko-KR" altLang="en-US" sz="1000" dirty="0" smtClean="0"/>
+              <a:t>파일 최종 </a:t>
+            </a:r>
+            <a:r>
+              <a:rPr lang="en-US" altLang="ko-KR" sz="1000" dirty="0" smtClean="0"/>
+              <a:t>Write </a:t>
+            </a:r>
+            <a:r>
+              <a:rPr lang="ko-KR" altLang="en-US" sz="1000" dirty="0" smtClean="0"/>
+              <a:t>시각</a:t>
+            </a:r>
+            <a:br>
+              <a:rPr lang="ko-KR" altLang="en-US" sz="1000" dirty="0" smtClean="0"/>
+            </a:br>
+            <a:r>
+              <a:rPr lang="ko-KR" altLang="en-US" sz="1000" dirty="0" smtClean="0"/>
+              <a:t/>
+            </a:r>
+            <a:br>
+              <a:rPr lang="ko-KR" altLang="en-US" sz="1000" dirty="0" smtClean="0"/>
+            </a:br>
+            <a:r>
+              <a:rPr lang="ko-KR" altLang="en-US" sz="1000" dirty="0" smtClean="0"/>
               <a:t>* </a:t>
             </a:r>
             <a:r>
               <a:rPr lang="en-US" altLang="ko-KR" sz="1000" dirty="0" smtClean="0"/>
-              <a:t>TE : </a:t>
-            </a:r>
-            <a:r>
-              <a:rPr lang="ko-KR" altLang="en-US" sz="1000" dirty="0" smtClean="0"/>
-              <a:t>기반 솔루션</a:t>
-            </a:r>
-            <a:r>
-              <a:rPr lang="en-US" altLang="ko-KR" sz="1000" dirty="0" smtClean="0"/>
-              <a:t>/</a:t>
-            </a:r>
-            <a:r>
-              <a:rPr lang="ko-KR" altLang="en-US" sz="1000" dirty="0" smtClean="0"/>
-              <a:t>특수 목적 소프트웨어의 전체 기능을 요구사항에 맞게 구체화하고 기본 구조 및 일부 기술 검토를 수행하며 설계 및 개발을 수행할 수 있다</a:t>
-            </a:r>
-            <a:r>
-              <a:rPr lang="en-US" altLang="ko-KR" sz="1000" dirty="0" smtClean="0"/>
-              <a:t>.</a:t>
+              <a:t>Process Class</a:t>
+            </a:r>
+            <a:r>
+              <a:rPr lang="ko-KR" altLang="en-US" sz="1000" dirty="0" smtClean="0"/>
+              <a:t>로 얻을 수 있는 정보들</a:t>
+            </a:r>
+            <a:br>
+              <a:rPr lang="ko-KR" altLang="en-US" sz="1000" dirty="0" smtClean="0"/>
+            </a:br>
+            <a:r>
+              <a:rPr lang="ko-KR" altLang="en-US" sz="1000" dirty="0" smtClean="0"/>
+              <a:t> </a:t>
+            </a:r>
+            <a:r>
+              <a:rPr lang="en-US" altLang="ko-KR" sz="1000" dirty="0" smtClean="0"/>
+              <a:t>public long WorkingSet64 { get; } // Memory </a:t>
+            </a:r>
+            <a:r>
+              <a:rPr lang="ko-KR" altLang="en-US" sz="1000" dirty="0" smtClean="0"/>
+              <a:t>사용량</a:t>
+            </a:r>
+            <a:br>
+              <a:rPr lang="ko-KR" altLang="en-US" sz="1000" dirty="0" smtClean="0"/>
+            </a:br>
+            <a:r>
+              <a:rPr lang="ko-KR" altLang="en-US" sz="1000" dirty="0" smtClean="0"/>
+              <a:t> </a:t>
+            </a:r>
+            <a:r>
+              <a:rPr lang="en-US" altLang="ko-KR" sz="1000" dirty="0" smtClean="0"/>
+              <a:t>public </a:t>
+            </a:r>
+            <a:r>
+              <a:rPr lang="en-US" altLang="ko-KR" sz="1000" dirty="0" err="1" smtClean="0"/>
+              <a:t>int</a:t>
+            </a:r>
+            <a:r>
+              <a:rPr lang="en-US" altLang="ko-KR" sz="1000" dirty="0" smtClean="0"/>
+              <a:t> </a:t>
+            </a:r>
+            <a:r>
+              <a:rPr lang="en-US" altLang="ko-KR" sz="1000" dirty="0" err="1" smtClean="0"/>
+              <a:t>BasePriority</a:t>
+            </a:r>
+            <a:r>
+              <a:rPr lang="en-US" altLang="ko-KR" sz="1000" dirty="0" smtClean="0"/>
+              <a:t> { get; } // Priority</a:t>
             </a:r>
             <a:r>
               <a:rPr lang="ko-KR" altLang="en-US" sz="1000" dirty="0" smtClean="0"/>
@@ -4188,35 +4548,27 @@
             </a:br>
             <a:r>
               <a:rPr lang="ko-KR" altLang="en-US" sz="1000" dirty="0" smtClean="0"/>
-              <a:t>* </a:t>
-            </a:r>
-            <a:r>
-              <a:rPr lang="en-US" altLang="ko-KR" sz="1000" dirty="0" smtClean="0"/>
-              <a:t>TM : </a:t>
-            </a:r>
-            <a:r>
-              <a:rPr lang="ko-KR" altLang="en-US" sz="1000" dirty="0" smtClean="0"/>
-              <a:t>기반 솔루션</a:t>
-            </a:r>
-            <a:r>
-              <a:rPr lang="en-US" altLang="ko-KR" sz="1000" dirty="0" smtClean="0"/>
-              <a:t>/</a:t>
-            </a:r>
-            <a:r>
-              <a:rPr lang="ko-KR" altLang="en-US" sz="1000" dirty="0" smtClean="0"/>
-              <a:t>특수 목적 소프트웨어의 기술 및 기능 관점에서 시장 경쟁력을 고려한 상용화 기획과 전체기능의 요구사항을 스스로 도출하고 전반적인 구조 및 기술 검토를 수행하여 설계 및 개발을 </a:t>
-            </a:r>
-            <a:r>
-              <a:rPr lang="ko-KR" altLang="en-US" sz="1000" dirty="0" err="1" smtClean="0"/>
-              <a:t>리딩하는</a:t>
-            </a:r>
-            <a:r>
-              <a:rPr lang="ko-KR" altLang="en-US" sz="1000" dirty="0" smtClean="0"/>
-              <a:t> 역할을 수행할 수 있다</a:t>
-            </a:r>
-            <a:r>
-              <a:rPr lang="en-US" altLang="ko-KR" sz="1000" dirty="0" smtClean="0"/>
-              <a:t>.</a:t>
+              <a:t> </a:t>
+            </a:r>
+            <a:r>
+              <a:rPr lang="en-US" altLang="ko-KR" sz="1000" dirty="0" smtClean="0"/>
+              <a:t>public </a:t>
+            </a:r>
+            <a:r>
+              <a:rPr lang="en-US" altLang="ko-KR" sz="1000" dirty="0" err="1" smtClean="0"/>
+              <a:t>TimeSpan</a:t>
+            </a:r>
+            <a:r>
+              <a:rPr lang="en-US" altLang="ko-KR" sz="1000" dirty="0" smtClean="0"/>
+              <a:t> </a:t>
+            </a:r>
+            <a:r>
+              <a:rPr lang="en-US" altLang="ko-KR" sz="1000" dirty="0" err="1" smtClean="0"/>
+              <a:t>TotalProcessorTime</a:t>
+            </a:r>
+            <a:r>
+              <a:rPr lang="en-US" altLang="ko-KR" sz="1000" dirty="0" smtClean="0"/>
+              <a:t> { get; } // Processor Time</a:t>
             </a:r>
             <a:r>
               <a:rPr lang="ko-KR" altLang="en-US" sz="1000" dirty="0" smtClean="0"/>
@@ -4227,42 +4579,50 @@
             </a:br>
             <a:r>
               <a:rPr lang="ko-KR" altLang="en-US" sz="1000" dirty="0" smtClean="0"/>
-              <a:t>* 선발기준 </a:t>
+              <a:t> </a:t>
+            </a:r>
+            <a:r>
+              <a:rPr lang="en-US" altLang="ko-KR" sz="1000" dirty="0" smtClean="0"/>
+              <a:t>public </a:t>
+            </a:r>
+            <a:r>
+              <a:rPr lang="en-US" altLang="ko-KR" sz="1000" dirty="0" err="1" smtClean="0"/>
+              <a:t>int</a:t>
+            </a:r>
+            <a:r>
+              <a:rPr lang="en-US" altLang="ko-KR" sz="1000" dirty="0" smtClean="0"/>
+              <a:t> </a:t>
+            </a:r>
+            <a:r>
+              <a:rPr lang="en-US" altLang="ko-KR" sz="1000" dirty="0" err="1" smtClean="0"/>
+              <a:t>ExitCode</a:t>
+            </a:r>
+            <a:r>
+              <a:rPr lang="en-US" altLang="ko-KR" sz="1000" dirty="0" smtClean="0"/>
+              <a:t> { get; } // Processor Exit Code</a:t>
+            </a:r>
+            <a:r>
+              <a:rPr lang="ko-KR" altLang="en-US" sz="1000" dirty="0" smtClean="0"/>
+              <a:t/>
             </a:r>
             <a:br>
               <a:rPr lang="ko-KR" altLang="en-US" sz="1000" dirty="0" smtClean="0"/>
             </a:br>
             <a:r>
               <a:rPr lang="ko-KR" altLang="en-US" sz="1000" dirty="0" smtClean="0"/>
-              <a:t> </a:t>
-            </a:r>
-            <a:r>
-              <a:rPr lang="en-US" altLang="ko-KR" sz="1000" dirty="0" smtClean="0"/>
-              <a:t>-</a:t>
-            </a:r>
-            <a:r>
-              <a:rPr lang="ko-KR" altLang="en-US" sz="1000" dirty="0" smtClean="0"/>
-              <a:t>요구사항에 적합한 모듈화 및 </a:t>
-            </a:r>
-            <a:r>
-              <a:rPr lang="ko-KR" altLang="en-US" sz="1000" dirty="0" err="1" smtClean="0"/>
-              <a:t>확장성을</a:t>
-            </a:r>
-            <a:r>
-              <a:rPr lang="ko-KR" altLang="en-US" sz="1000" dirty="0" smtClean="0"/>
-              <a:t> 고려한 구조 설계</a:t>
-            </a:r>
-            <a:r>
-              <a:rPr lang="en-US" altLang="ko-KR" sz="1000" dirty="0" smtClean="0"/>
-              <a:t>, </a:t>
-            </a:r>
-            <a:r>
-              <a:rPr lang="ko-KR" altLang="en-US" sz="1000" dirty="0" smtClean="0"/>
-              <a:t>명료하고 유연성 및 성능을 고려한 로직 설계와 다양한 기술 중 최적의 기술을 선택 적용할 수 있는가</a:t>
-            </a:r>
-            <a:r>
-              <a:rPr lang="en-US" altLang="ko-KR" sz="1000" dirty="0" smtClean="0"/>
-              <a:t>?</a:t>
+              <a:t>   </a:t>
+            </a:r>
+            <a:r>
+              <a:rPr lang="en-US" altLang="ko-KR" sz="1000" dirty="0" smtClean="0"/>
+              <a:t>: C# - </a:t>
+            </a:r>
+            <a:r>
+              <a:rPr lang="en-US" altLang="ko-KR" sz="1000" dirty="0" err="1" smtClean="0"/>
+              <a:t>Environment.Exit</a:t>
+            </a:r>
+            <a:r>
+              <a:rPr lang="en-US" altLang="ko-KR" sz="1000" dirty="0" smtClean="0"/>
+              <a:t>(-1)</a:t>
             </a:r>
             <a:r>
               <a:rPr lang="ko-KR" altLang="en-US" sz="1000" dirty="0" smtClean="0"/>
@@ -4273,43 +4633,61 @@
             </a:br>
             <a:r>
               <a:rPr lang="ko-KR" altLang="en-US" sz="1000" dirty="0" smtClean="0"/>
-              <a:t> </a:t>
-            </a:r>
-            <a:r>
-              <a:rPr lang="en-US" altLang="ko-KR" sz="1000" dirty="0" smtClean="0"/>
-              <a:t>- </a:t>
-            </a:r>
-            <a:r>
-              <a:rPr lang="ko-KR" altLang="en-US" sz="1000" dirty="0" smtClean="0"/>
-              <a:t>상용화 고려 시</a:t>
-            </a:r>
-            <a:r>
-              <a:rPr lang="en-US" altLang="ko-KR" sz="1000" dirty="0" smtClean="0"/>
-              <a:t>, </a:t>
-            </a:r>
-            <a:r>
-              <a:rPr lang="ko-KR" altLang="en-US" sz="1000" dirty="0" smtClean="0"/>
-              <a:t>기술 및 기능 관점에서 시장 경쟁력을 고려한 제안 및 구현 방안을 필요기술 및 처리로직을 포함하여 구체적으로 제시할 수 있는가</a:t>
-            </a:r>
-            <a:r>
-              <a:rPr lang="en-US" altLang="ko-KR" sz="1000" dirty="0" smtClean="0"/>
-              <a:t>?</a:t>
-            </a:r>
-            <a:r>
-              <a:rPr lang="ko-KR" altLang="en-US" sz="1000" dirty="0" smtClean="0"/>
-              <a:t/>
-            </a:r>
-            <a:br>
-              <a:rPr lang="ko-KR" altLang="en-US" sz="1000" dirty="0" smtClean="0"/>
-            </a:br>
-            <a:r>
-              <a:rPr lang="ko-KR" altLang="en-US" sz="1000" dirty="0" smtClean="0"/>
-              <a:t/>
-            </a:r>
-            <a:br>
-              <a:rPr lang="ko-KR" altLang="en-US" sz="1000" dirty="0" smtClean="0"/>
-            </a:br>
+              <a:t>   </a:t>
+            </a:r>
+            <a:r>
+              <a:rPr lang="en-US" altLang="ko-KR" sz="1000" dirty="0" smtClean="0"/>
+              <a:t>: C</a:t>
+            </a:r>
+            <a:r>
+              <a:rPr lang="ko-KR" altLang="en-US" sz="1000" dirty="0" smtClean="0"/>
+              <a:t>언어 </a:t>
+            </a:r>
+            <a:r>
+              <a:rPr lang="en-US" altLang="ko-KR" sz="1000" dirty="0" smtClean="0"/>
+              <a:t>- exit(-1)</a:t>
+            </a:r>
             <a:endParaRPr lang="ko-KR" altLang="en-US" sz="1000" dirty="0"/>
+          </a:p>
+        </p:txBody>
+      </p:sp>
+      <p:sp>
+        <p:nvSpPr>
+          <p:cNvPr id="5" name="TextBox 4"/>
+          <p:cNvSpPr txBox="1"/>
+          <p:nvPr/>
+        </p:nvSpPr>
+        <p:spPr>
+          <a:xfrm>
+            <a:off x="6948264" y="188640"/>
+            <a:ext cx="1944216" cy="369332"/>
+          </a:xfrm>
+          <a:prstGeom prst="rect">
+            <a:avLst/>
+          </a:prstGeom>
+          <a:noFill/>
+          <a:ln>
+            <a:solidFill>
+              <a:schemeClr val="tx1"/>
+            </a:solidFill>
+          </a:ln>
+        </p:spPr>
+        <p:txBody>
+          <a:bodyPr wrap="square" rtlCol="0">
+            <a:spAutoFit/>
+          </a:bodyPr>
+          <a:lstStyle/>
+          <a:p>
+            <a:pPr algn="ctr"/>
+            <a:r>
+              <a:rPr lang="ko-KR" altLang="en-US" dirty="0" smtClean="0"/>
+              <a:t>추가 </a:t>
+            </a:r>
+            <a:r>
+              <a:rPr lang="en-US" altLang="ko-KR" dirty="0" smtClean="0"/>
+              <a:t>API</a:t>
+            </a:r>
+            <a:endParaRPr lang="ko-KR" altLang="en-US" dirty="0"/>
           </a:p>
         </p:txBody>
       </p:sp>
@@ -4346,8 +4724,8 @@
         </p:nvSpPr>
         <p:spPr>
           <a:xfrm>
-            <a:off x="179512" y="116632"/>
-            <a:ext cx="8784976" cy="4401205"/>
+            <a:off x="251520" y="185727"/>
+            <a:ext cx="8352928" cy="1938992"/>
           </a:xfrm>
           <a:prstGeom prst="rect">
             <a:avLst/>
@@ -4361,21 +4739,923 @@
           <a:p>
             <a:r>
               <a:rPr lang="ko-KR" altLang="en-US" sz="1000" dirty="0" smtClean="0"/>
-              <a:t>모듈화 및 </a:t>
+              <a:t>* 심층 서술 </a:t>
+            </a:r>
+            <a:r>
+              <a:rPr lang="en-US" altLang="ko-KR" sz="1000" dirty="0" smtClean="0"/>
+              <a:t>: </a:t>
+            </a:r>
+            <a:r>
+              <a:rPr lang="ko-KR" altLang="en-US" sz="1000" dirty="0" smtClean="0"/>
+              <a:t>제시된 문제의 설계 </a:t>
+            </a:r>
+            <a:r>
+              <a:rPr lang="en-US" altLang="ko-KR" sz="1000" dirty="0" smtClean="0"/>
+              <a:t>PT</a:t>
+            </a:r>
+            <a:r>
+              <a:rPr lang="ko-KR" altLang="en-US" sz="1000" dirty="0" smtClean="0"/>
+              <a:t>자료 작성 </a:t>
+            </a:r>
+            <a:r>
+              <a:rPr lang="en-US" altLang="ko-KR" sz="1000" dirty="0" smtClean="0"/>
+              <a:t>(</a:t>
+            </a:r>
+            <a:r>
+              <a:rPr lang="ko-KR" altLang="en-US" sz="1000" dirty="0" smtClean="0"/>
+              <a:t>구조설계</a:t>
+            </a:r>
+            <a:r>
+              <a:rPr lang="en-US" altLang="ko-KR" sz="1000" dirty="0" smtClean="0"/>
+              <a:t>, </a:t>
+            </a:r>
+            <a:r>
+              <a:rPr lang="ko-KR" altLang="en-US" sz="1000" dirty="0" smtClean="0"/>
+              <a:t>로직설계</a:t>
+            </a:r>
+            <a:r>
+              <a:rPr lang="en-US" altLang="ko-KR" sz="1000" dirty="0" smtClean="0"/>
+              <a:t>, </a:t>
+            </a:r>
+            <a:r>
+              <a:rPr lang="ko-KR" altLang="en-US" sz="1000" dirty="0" smtClean="0"/>
+              <a:t>기술적용설명</a:t>
+            </a:r>
+            <a:r>
+              <a:rPr lang="en-US" altLang="ko-KR" sz="1000" dirty="0" smtClean="0"/>
+              <a:t>, </a:t>
+            </a:r>
+            <a:r>
+              <a:rPr lang="ko-KR" altLang="en-US" sz="1000" dirty="0" smtClean="0"/>
+              <a:t>제안사항설명</a:t>
+            </a:r>
+            <a:r>
+              <a:rPr lang="en-US" altLang="ko-KR" sz="1000" dirty="0" smtClean="0"/>
+              <a:t>)</a:t>
+            </a:r>
+            <a:r>
+              <a:rPr lang="ko-KR" altLang="en-US" sz="1000" dirty="0" smtClean="0"/>
+              <a:t/>
+            </a:r>
+            <a:br>
+              <a:rPr lang="ko-KR" altLang="en-US" sz="1000" dirty="0" smtClean="0"/>
+            </a:br>
+            <a:r>
+              <a:rPr lang="ko-KR" altLang="en-US" sz="1000" dirty="0" smtClean="0"/>
+              <a:t>* </a:t>
+            </a:r>
+            <a:r>
+              <a:rPr lang="en-US" altLang="ko-KR" sz="1000" dirty="0" smtClean="0"/>
+              <a:t>TE : </a:t>
+            </a:r>
+            <a:r>
+              <a:rPr lang="ko-KR" altLang="en-US" sz="1000" dirty="0" smtClean="0"/>
+              <a:t>기반 솔루션</a:t>
+            </a:r>
+            <a:r>
+              <a:rPr lang="en-US" altLang="ko-KR" sz="1000" dirty="0" smtClean="0"/>
+              <a:t>/</a:t>
+            </a:r>
+            <a:r>
+              <a:rPr lang="ko-KR" altLang="en-US" sz="1000" dirty="0" smtClean="0"/>
+              <a:t>특수 목적 소프트웨어의 전체 기능을 요구사항에 맞게 구체화하고 기본 구조 및 일부 기술 검토를 수행하며 설계 및 개발을 수행할 수 있다</a:t>
+            </a:r>
+            <a:r>
+              <a:rPr lang="en-US" altLang="ko-KR" sz="1000" dirty="0" smtClean="0"/>
+              <a:t>.</a:t>
+            </a:r>
+            <a:r>
+              <a:rPr lang="ko-KR" altLang="en-US" sz="1000" dirty="0" smtClean="0"/>
+              <a:t/>
+            </a:r>
+            <a:br>
+              <a:rPr lang="ko-KR" altLang="en-US" sz="1000" dirty="0" smtClean="0"/>
+            </a:br>
+            <a:r>
+              <a:rPr lang="ko-KR" altLang="en-US" sz="1000" dirty="0" smtClean="0"/>
+              <a:t>* </a:t>
+            </a:r>
+            <a:r>
+              <a:rPr lang="en-US" altLang="ko-KR" sz="1000" dirty="0" smtClean="0"/>
+              <a:t>TM : </a:t>
+            </a:r>
+            <a:r>
+              <a:rPr lang="ko-KR" altLang="en-US" sz="1000" dirty="0" smtClean="0"/>
+              <a:t>기반 솔루션</a:t>
+            </a:r>
+            <a:r>
+              <a:rPr lang="en-US" altLang="ko-KR" sz="1000" dirty="0" smtClean="0"/>
+              <a:t>/</a:t>
+            </a:r>
+            <a:r>
+              <a:rPr lang="ko-KR" altLang="en-US" sz="1000" dirty="0" smtClean="0"/>
+              <a:t>특수 목적 소프트웨어의 기술 및 기능 관점에서 시장 경쟁력을 고려한 상용화 기획과 전체기능의 요구사항을 스스로 도출하고 전반적인 구조 및 기술 검토를 수행하여 설계 및 개발을 </a:t>
             </a:r>
             <a:r>
               <a:rPr lang="ko-KR" altLang="en-US" sz="1000" dirty="0" err="1" smtClean="0"/>
-              <a:t>확장성</a:t>
-            </a:r>
-            <a:endParaRPr lang="en-US" altLang="ko-KR" sz="1000" dirty="0" smtClean="0"/>
-          </a:p>
-          <a:p>
-            <a:endParaRPr lang="en-US" altLang="ko-KR" sz="1000" dirty="0" smtClean="0"/>
-          </a:p>
-          <a:p>
-            <a:r>
-              <a:rPr lang="en-US" altLang="ko-KR" sz="1000" dirty="0" smtClean="0"/>
-              <a:t>1. UI,</a:t>
+              <a:t>리딩하는</a:t>
+            </a:r>
+            <a:r>
+              <a:rPr lang="ko-KR" altLang="en-US" sz="1000" dirty="0" smtClean="0"/>
+              <a:t> 역할을 수행할 수 있다</a:t>
+            </a:r>
+            <a:r>
+              <a:rPr lang="en-US" altLang="ko-KR" sz="1000" dirty="0" smtClean="0"/>
+              <a:t>.</a:t>
+            </a:r>
+            <a:r>
+              <a:rPr lang="ko-KR" altLang="en-US" sz="1000" dirty="0" smtClean="0"/>
+              <a:t/>
+            </a:r>
+            <a:br>
+              <a:rPr lang="ko-KR" altLang="en-US" sz="1000" dirty="0" smtClean="0"/>
+            </a:br>
+            <a:r>
+              <a:rPr lang="ko-KR" altLang="en-US" sz="1000" dirty="0" smtClean="0"/>
+              <a:t>* 선발기준 </a:t>
+            </a:r>
+            <a:br>
+              <a:rPr lang="ko-KR" altLang="en-US" sz="1000" dirty="0" smtClean="0"/>
+            </a:br>
+            <a:r>
+              <a:rPr lang="ko-KR" altLang="en-US" sz="1000" dirty="0" smtClean="0"/>
+              <a:t> </a:t>
+            </a:r>
+            <a:r>
+              <a:rPr lang="en-US" altLang="ko-KR" sz="1000" dirty="0" smtClean="0"/>
+              <a:t>-</a:t>
+            </a:r>
+            <a:r>
+              <a:rPr lang="ko-KR" altLang="en-US" sz="1000" dirty="0" smtClean="0"/>
+              <a:t>요구사항에 적합한 모듈화 및 </a:t>
+            </a:r>
+            <a:r>
+              <a:rPr lang="ko-KR" altLang="en-US" sz="1000" dirty="0" err="1" smtClean="0"/>
+              <a:t>확장성을</a:t>
+            </a:r>
+            <a:r>
+              <a:rPr lang="ko-KR" altLang="en-US" sz="1000" dirty="0" smtClean="0"/>
+              <a:t> 고려한 구조 설계</a:t>
+            </a:r>
+            <a:r>
+              <a:rPr lang="en-US" altLang="ko-KR" sz="1000" dirty="0" smtClean="0"/>
+              <a:t>, </a:t>
+            </a:r>
+            <a:r>
+              <a:rPr lang="ko-KR" altLang="en-US" sz="1000" dirty="0" smtClean="0"/>
+              <a:t>명료하고 유연성 및 성능을 고려한 로직 설계와 다양한 기술 중 최적의 기술을 선택 적용할 수 있는가</a:t>
+            </a:r>
+            <a:r>
+              <a:rPr lang="en-US" altLang="ko-KR" sz="1000" dirty="0" smtClean="0"/>
+              <a:t>?</a:t>
+            </a:r>
+            <a:r>
+              <a:rPr lang="ko-KR" altLang="en-US" sz="1000" dirty="0" smtClean="0"/>
+              <a:t/>
+            </a:r>
+            <a:br>
+              <a:rPr lang="ko-KR" altLang="en-US" sz="1000" dirty="0" smtClean="0"/>
+            </a:br>
+            <a:r>
+              <a:rPr lang="ko-KR" altLang="en-US" sz="1000" dirty="0" smtClean="0"/>
+              <a:t> </a:t>
+            </a:r>
+            <a:r>
+              <a:rPr lang="en-US" altLang="ko-KR" sz="1000" dirty="0" smtClean="0"/>
+              <a:t>- </a:t>
+            </a:r>
+            <a:r>
+              <a:rPr lang="ko-KR" altLang="en-US" sz="1000" dirty="0" smtClean="0"/>
+              <a:t>상용화 고려 시</a:t>
+            </a:r>
+            <a:r>
+              <a:rPr lang="en-US" altLang="ko-KR" sz="1000" dirty="0" smtClean="0"/>
+              <a:t>, </a:t>
+            </a:r>
+            <a:r>
+              <a:rPr lang="ko-KR" altLang="en-US" sz="1000" dirty="0" smtClean="0"/>
+              <a:t>기술 및 기능 관점에서 시장 경쟁력을 고려한 제안 및 구현 방안을 필요기술 및 처리로직을 포함하여 구체적으로 제시할 수 있는가</a:t>
+            </a:r>
+            <a:r>
+              <a:rPr lang="en-US" altLang="ko-KR" sz="1000" dirty="0" smtClean="0"/>
+              <a:t>?</a:t>
+            </a:r>
+            <a:r>
+              <a:rPr lang="ko-KR" altLang="en-US" sz="1000" dirty="0" smtClean="0"/>
+              <a:t/>
+            </a:r>
+            <a:br>
+              <a:rPr lang="ko-KR" altLang="en-US" sz="1000" dirty="0" smtClean="0"/>
+            </a:br>
+            <a:r>
+              <a:rPr lang="ko-KR" altLang="en-US" sz="1000" dirty="0" smtClean="0"/>
+              <a:t/>
+            </a:r>
+            <a:br>
+              <a:rPr lang="ko-KR" altLang="en-US" sz="1000" dirty="0" smtClean="0"/>
+            </a:br>
+            <a:endParaRPr lang="ko-KR" altLang="en-US" sz="1000" dirty="0"/>
+          </a:p>
+        </p:txBody>
+      </p:sp>
+    </p:spTree>
+  </p:cSld>
+  <p:clrMapOvr>
+    <a:masterClrMapping/>
+  </p:clrMapOvr>
+</p:sld>
+</file>
+
+<file path=ppt/slides/slide13.xml><?xml version="1.0" encoding="utf-8"?>
+<p:sld xmlns:a="http://schemas.openxmlformats.org/drawingml/2006/main" xmlns:r="http://schemas.openxmlformats.org/officeDocument/2006/relationships" xmlns:p="http://schemas.openxmlformats.org/presentationml/2006/main">
+  <p:cSld>
+    <p:spTree>
+      <p:nvGrpSpPr>
+        <p:cNvPr id="1" name=""/>
+        <p:cNvGrpSpPr/>
+        <p:nvPr/>
+      </p:nvGrpSpPr>
+      <p:grpSpPr>
+        <a:xfrm>
+          <a:off x="0" y="0"/>
+          <a:ext cx="0" cy="0"/>
+          <a:chOff x="0" y="0"/>
+          <a:chExt cx="0" cy="0"/>
+        </a:xfrm>
+      </p:grpSpPr>
+      <p:sp>
+        <p:nvSpPr>
+          <p:cNvPr id="5" name="직사각형 4"/>
+          <p:cNvSpPr/>
+          <p:nvPr/>
+        </p:nvSpPr>
+        <p:spPr>
+          <a:xfrm>
+            <a:off x="755576" y="2132856"/>
+            <a:ext cx="1296144" cy="360040"/>
+          </a:xfrm>
+          <a:prstGeom prst="rect">
+            <a:avLst/>
+          </a:prstGeom>
+          <a:noFill/>
+          <a:ln w="19050">
+            <a:solidFill>
+              <a:schemeClr val="accent1"/>
+            </a:solidFill>
+          </a:ln>
+        </p:spPr>
+        <p:style>
+          <a:lnRef idx="2">
+            <a:schemeClr val="accent1">
+              <a:shade val="50000"/>
+            </a:schemeClr>
+          </a:lnRef>
+          <a:fillRef idx="1">
+            <a:schemeClr val="accent1"/>
+          </a:fillRef>
+          <a:effectRef idx="0">
+            <a:schemeClr val="accent1"/>
+          </a:effectRef>
+          <a:fontRef idx="minor">
+            <a:schemeClr val="lt1"/>
+          </a:fontRef>
+        </p:style>
+        <p:txBody>
+          <a:bodyPr rtlCol="0" anchor="ctr"/>
+          <a:lstStyle/>
+          <a:p>
+            <a:pPr algn="ctr"/>
+            <a:r>
+              <a:rPr lang="en-US" altLang="ko-KR" sz="1000" dirty="0" err="1" smtClean="0">
+                <a:solidFill>
+                  <a:schemeClr val="tx1"/>
+                </a:solidFill>
+              </a:rPr>
+              <a:t>Config</a:t>
+            </a:r>
+            <a:r>
+              <a:rPr lang="en-US" altLang="ko-KR" sz="1000" dirty="0" smtClean="0">
+                <a:solidFill>
+                  <a:schemeClr val="tx1"/>
+                </a:solidFill>
+              </a:rPr>
+              <a:t> File </a:t>
+            </a:r>
+            <a:r>
+              <a:rPr lang="ko-KR" altLang="en-US" sz="1000" dirty="0" smtClean="0">
+                <a:solidFill>
+                  <a:schemeClr val="tx1"/>
+                </a:solidFill>
+              </a:rPr>
+              <a:t>입력</a:t>
+            </a:r>
+          </a:p>
+        </p:txBody>
+      </p:sp>
+      <p:sp>
+        <p:nvSpPr>
+          <p:cNvPr id="6" name="직사각형 5"/>
+          <p:cNvSpPr/>
+          <p:nvPr/>
+        </p:nvSpPr>
+        <p:spPr>
+          <a:xfrm>
+            <a:off x="755576" y="1124744"/>
+            <a:ext cx="1296144" cy="360040"/>
+          </a:xfrm>
+          <a:prstGeom prst="rect">
+            <a:avLst/>
+          </a:prstGeom>
+          <a:noFill/>
+          <a:ln w="19050">
+            <a:solidFill>
+              <a:schemeClr val="accent1"/>
+            </a:solidFill>
+          </a:ln>
+        </p:spPr>
+        <p:style>
+          <a:lnRef idx="2">
+            <a:schemeClr val="accent1">
+              <a:shade val="50000"/>
+            </a:schemeClr>
+          </a:lnRef>
+          <a:fillRef idx="1">
+            <a:schemeClr val="accent1"/>
+          </a:fillRef>
+          <a:effectRef idx="0">
+            <a:schemeClr val="accent1"/>
+          </a:effectRef>
+          <a:fontRef idx="minor">
+            <a:schemeClr val="lt1"/>
+          </a:fontRef>
+        </p:style>
+        <p:txBody>
+          <a:bodyPr rtlCol="0" anchor="ctr"/>
+          <a:lstStyle/>
+          <a:p>
+            <a:pPr algn="ctr"/>
+            <a:r>
+              <a:rPr lang="en-US" altLang="ko-KR" sz="1000" dirty="0" smtClean="0">
+                <a:solidFill>
+                  <a:schemeClr val="tx1"/>
+                </a:solidFill>
+              </a:rPr>
+              <a:t>Console </a:t>
+            </a:r>
+            <a:r>
+              <a:rPr lang="ko-KR" altLang="en-US" sz="1000" dirty="0" smtClean="0">
+                <a:solidFill>
+                  <a:schemeClr val="tx1"/>
+                </a:solidFill>
+              </a:rPr>
+              <a:t>입력</a:t>
+            </a:r>
+          </a:p>
+        </p:txBody>
+      </p:sp>
+      <p:cxnSp>
+        <p:nvCxnSpPr>
+          <p:cNvPr id="7" name="직선 화살표 연결선 6"/>
+          <p:cNvCxnSpPr>
+            <a:stCxn id="5" idx="3"/>
+            <a:endCxn id="26" idx="1"/>
+          </p:cNvCxnSpPr>
+          <p:nvPr/>
+        </p:nvCxnSpPr>
+        <p:spPr>
+          <a:xfrm flipV="1">
+            <a:off x="2051720" y="2060848"/>
+            <a:ext cx="648072" cy="252028"/>
+          </a:xfrm>
+          <a:prstGeom prst="straightConnector1">
+            <a:avLst/>
+          </a:prstGeom>
+          <a:ln w="12700">
+            <a:solidFill>
+              <a:schemeClr val="accent1"/>
+            </a:solidFill>
+            <a:tailEnd type="triangle"/>
+          </a:ln>
+        </p:spPr>
+        <p:style>
+          <a:lnRef idx="1">
+            <a:schemeClr val="accent1"/>
+          </a:lnRef>
+          <a:fillRef idx="0">
+            <a:schemeClr val="accent1"/>
+          </a:fillRef>
+          <a:effectRef idx="0">
+            <a:schemeClr val="accent1"/>
+          </a:effectRef>
+          <a:fontRef idx="minor">
+            <a:schemeClr val="tx1"/>
+          </a:fontRef>
+        </p:style>
+      </p:cxnSp>
+      <p:cxnSp>
+        <p:nvCxnSpPr>
+          <p:cNvPr id="12" name="직선 화살표 연결선 11"/>
+          <p:cNvCxnSpPr>
+            <a:stCxn id="25" idx="3"/>
+            <a:endCxn id="21" idx="1"/>
+          </p:cNvCxnSpPr>
+          <p:nvPr/>
+        </p:nvCxnSpPr>
+        <p:spPr>
+          <a:xfrm flipV="1">
+            <a:off x="3995936" y="1268760"/>
+            <a:ext cx="648072" cy="360040"/>
+          </a:xfrm>
+          <a:prstGeom prst="straightConnector1">
+            <a:avLst/>
+          </a:prstGeom>
+          <a:ln w="12700">
+            <a:solidFill>
+              <a:schemeClr val="accent1"/>
+            </a:solidFill>
+            <a:tailEnd type="triangle"/>
+          </a:ln>
+        </p:spPr>
+        <p:style>
+          <a:lnRef idx="1">
+            <a:schemeClr val="accent1"/>
+          </a:lnRef>
+          <a:fillRef idx="0">
+            <a:schemeClr val="accent1"/>
+          </a:fillRef>
+          <a:effectRef idx="0">
+            <a:schemeClr val="accent1"/>
+          </a:effectRef>
+          <a:fontRef idx="minor">
+            <a:schemeClr val="tx1"/>
+          </a:fontRef>
+        </p:style>
+      </p:cxnSp>
+      <p:cxnSp>
+        <p:nvCxnSpPr>
+          <p:cNvPr id="18" name="직선 화살표 연결선 17"/>
+          <p:cNvCxnSpPr>
+            <a:stCxn id="26" idx="3"/>
+            <a:endCxn id="20" idx="1"/>
+          </p:cNvCxnSpPr>
+          <p:nvPr/>
+        </p:nvCxnSpPr>
+        <p:spPr>
+          <a:xfrm>
+            <a:off x="3995936" y="2060848"/>
+            <a:ext cx="648072" cy="252028"/>
+          </a:xfrm>
+          <a:prstGeom prst="straightConnector1">
+            <a:avLst/>
+          </a:prstGeom>
+          <a:ln w="12700">
+            <a:solidFill>
+              <a:schemeClr val="accent1"/>
+            </a:solidFill>
+            <a:tailEnd type="triangle"/>
+          </a:ln>
+        </p:spPr>
+        <p:style>
+          <a:lnRef idx="1">
+            <a:schemeClr val="accent1"/>
+          </a:lnRef>
+          <a:fillRef idx="0">
+            <a:schemeClr val="accent1"/>
+          </a:fillRef>
+          <a:effectRef idx="0">
+            <a:schemeClr val="accent1"/>
+          </a:effectRef>
+          <a:fontRef idx="minor">
+            <a:schemeClr val="tx1"/>
+          </a:fontRef>
+        </p:style>
+      </p:cxnSp>
+      <p:cxnSp>
+        <p:nvCxnSpPr>
+          <p:cNvPr id="19" name="직선 화살표 연결선 18"/>
+          <p:cNvCxnSpPr>
+            <a:stCxn id="6" idx="3"/>
+            <a:endCxn id="25" idx="1"/>
+          </p:cNvCxnSpPr>
+          <p:nvPr/>
+        </p:nvCxnSpPr>
+        <p:spPr>
+          <a:xfrm>
+            <a:off x="2051720" y="1304764"/>
+            <a:ext cx="648072" cy="324036"/>
+          </a:xfrm>
+          <a:prstGeom prst="straightConnector1">
+            <a:avLst/>
+          </a:prstGeom>
+          <a:ln w="12700">
+            <a:solidFill>
+              <a:schemeClr val="accent1"/>
+            </a:solidFill>
+            <a:tailEnd type="triangle"/>
+          </a:ln>
+        </p:spPr>
+        <p:style>
+          <a:lnRef idx="1">
+            <a:schemeClr val="accent1"/>
+          </a:lnRef>
+          <a:fillRef idx="0">
+            <a:schemeClr val="accent1"/>
+          </a:fillRef>
+          <a:effectRef idx="0">
+            <a:schemeClr val="accent1"/>
+          </a:effectRef>
+          <a:fontRef idx="minor">
+            <a:schemeClr val="tx1"/>
+          </a:fontRef>
+        </p:style>
+      </p:cxnSp>
+      <p:sp>
+        <p:nvSpPr>
+          <p:cNvPr id="20" name="직사각형 19"/>
+          <p:cNvSpPr/>
+          <p:nvPr/>
+        </p:nvSpPr>
+        <p:spPr>
+          <a:xfrm>
+            <a:off x="4644008" y="2132856"/>
+            <a:ext cx="1296144" cy="360040"/>
+          </a:xfrm>
+          <a:prstGeom prst="rect">
+            <a:avLst/>
+          </a:prstGeom>
+          <a:noFill/>
+          <a:ln w="19050">
+            <a:solidFill>
+              <a:schemeClr val="accent1"/>
+            </a:solidFill>
+          </a:ln>
+        </p:spPr>
+        <p:style>
+          <a:lnRef idx="2">
+            <a:schemeClr val="accent1">
+              <a:shade val="50000"/>
+            </a:schemeClr>
+          </a:lnRef>
+          <a:fillRef idx="1">
+            <a:schemeClr val="accent1"/>
+          </a:fillRef>
+          <a:effectRef idx="0">
+            <a:schemeClr val="accent1"/>
+          </a:effectRef>
+          <a:fontRef idx="minor">
+            <a:schemeClr val="lt1"/>
+          </a:fontRef>
+        </p:style>
+        <p:txBody>
+          <a:bodyPr rtlCol="0" anchor="ctr"/>
+          <a:lstStyle/>
+          <a:p>
+            <a:pPr algn="ctr"/>
+            <a:r>
+              <a:rPr lang="en-US" altLang="ko-KR" sz="1000" dirty="0" smtClean="0">
+                <a:solidFill>
+                  <a:schemeClr val="tx1"/>
+                </a:solidFill>
+              </a:rPr>
+              <a:t>Result File </a:t>
+            </a:r>
+            <a:r>
+              <a:rPr lang="ko-KR" altLang="en-US" sz="1000" dirty="0" smtClean="0">
+                <a:solidFill>
+                  <a:schemeClr val="tx1"/>
+                </a:solidFill>
+              </a:rPr>
+              <a:t>출력</a:t>
+            </a:r>
+          </a:p>
+        </p:txBody>
+      </p:sp>
+      <p:sp>
+        <p:nvSpPr>
+          <p:cNvPr id="21" name="직사각형 20"/>
+          <p:cNvSpPr/>
+          <p:nvPr/>
+        </p:nvSpPr>
+        <p:spPr>
+          <a:xfrm>
+            <a:off x="4644008" y="1124744"/>
+            <a:ext cx="1296144" cy="288032"/>
+          </a:xfrm>
+          <a:prstGeom prst="rect">
+            <a:avLst/>
+          </a:prstGeom>
+          <a:noFill/>
+          <a:ln w="19050">
+            <a:solidFill>
+              <a:schemeClr val="accent1"/>
+            </a:solidFill>
+          </a:ln>
+        </p:spPr>
+        <p:style>
+          <a:lnRef idx="2">
+            <a:schemeClr val="accent1">
+              <a:shade val="50000"/>
+            </a:schemeClr>
+          </a:lnRef>
+          <a:fillRef idx="1">
+            <a:schemeClr val="accent1"/>
+          </a:fillRef>
+          <a:effectRef idx="0">
+            <a:schemeClr val="accent1"/>
+          </a:effectRef>
+          <a:fontRef idx="minor">
+            <a:schemeClr val="lt1"/>
+          </a:fontRef>
+        </p:style>
+        <p:txBody>
+          <a:bodyPr rtlCol="0" anchor="ctr"/>
+          <a:lstStyle/>
+          <a:p>
+            <a:pPr algn="ctr"/>
+            <a:r>
+              <a:rPr lang="en-US" altLang="ko-KR" sz="1000" dirty="0" smtClean="0">
+                <a:solidFill>
+                  <a:schemeClr val="tx1"/>
+                </a:solidFill>
+              </a:rPr>
+              <a:t>Process File </a:t>
+            </a:r>
+            <a:r>
+              <a:rPr lang="ko-KR" altLang="en-US" sz="1000" dirty="0" smtClean="0">
+                <a:solidFill>
+                  <a:schemeClr val="tx1"/>
+                </a:solidFill>
+              </a:rPr>
+              <a:t>출력</a:t>
+            </a:r>
+          </a:p>
+        </p:txBody>
+      </p:sp>
+      <p:sp>
+        <p:nvSpPr>
+          <p:cNvPr id="25" name="직사각형 24"/>
+          <p:cNvSpPr/>
+          <p:nvPr/>
+        </p:nvSpPr>
+        <p:spPr>
+          <a:xfrm>
+            <a:off x="2699792" y="1484784"/>
+            <a:ext cx="1296144" cy="288032"/>
+          </a:xfrm>
+          <a:prstGeom prst="rect">
+            <a:avLst/>
+          </a:prstGeom>
+          <a:noFill/>
+          <a:ln w="19050">
+            <a:solidFill>
+              <a:schemeClr val="tx1"/>
+            </a:solidFill>
+          </a:ln>
+        </p:spPr>
+        <p:style>
+          <a:lnRef idx="2">
+            <a:schemeClr val="accent1">
+              <a:shade val="50000"/>
+            </a:schemeClr>
+          </a:lnRef>
+          <a:fillRef idx="1">
+            <a:schemeClr val="accent1"/>
+          </a:fillRef>
+          <a:effectRef idx="0">
+            <a:schemeClr val="accent1"/>
+          </a:effectRef>
+          <a:fontRef idx="minor">
+            <a:schemeClr val="lt1"/>
+          </a:fontRef>
+        </p:style>
+        <p:txBody>
+          <a:bodyPr rtlCol="0" anchor="ctr"/>
+          <a:lstStyle/>
+          <a:p>
+            <a:pPr algn="ctr"/>
+            <a:r>
+              <a:rPr lang="en-US" altLang="ko-KR" sz="1000" dirty="0" smtClean="0">
+                <a:solidFill>
+                  <a:schemeClr val="tx1"/>
+                </a:solidFill>
+              </a:rPr>
+              <a:t>Main Logic</a:t>
+            </a:r>
+            <a:endParaRPr lang="ko-KR" altLang="en-US" sz="1000" dirty="0" smtClean="0">
+              <a:solidFill>
+                <a:schemeClr val="tx1"/>
+              </a:solidFill>
+            </a:endParaRPr>
+          </a:p>
+        </p:txBody>
+      </p:sp>
+      <p:sp>
+        <p:nvSpPr>
+          <p:cNvPr id="26" name="직사각형 25"/>
+          <p:cNvSpPr/>
+          <p:nvPr/>
+        </p:nvSpPr>
+        <p:spPr>
+          <a:xfrm>
+            <a:off x="2699792" y="1916832"/>
+            <a:ext cx="1296144" cy="288032"/>
+          </a:xfrm>
+          <a:prstGeom prst="rect">
+            <a:avLst/>
+          </a:prstGeom>
+          <a:noFill/>
+          <a:ln w="19050">
+            <a:solidFill>
+              <a:schemeClr val="tx1"/>
+            </a:solidFill>
+          </a:ln>
+        </p:spPr>
+        <p:style>
+          <a:lnRef idx="2">
+            <a:schemeClr val="accent1">
+              <a:shade val="50000"/>
+            </a:schemeClr>
+          </a:lnRef>
+          <a:fillRef idx="1">
+            <a:schemeClr val="accent1"/>
+          </a:fillRef>
+          <a:effectRef idx="0">
+            <a:schemeClr val="accent1"/>
+          </a:effectRef>
+          <a:fontRef idx="minor">
+            <a:schemeClr val="lt1"/>
+          </a:fontRef>
+        </p:style>
+        <p:txBody>
+          <a:bodyPr rtlCol="0" anchor="ctr"/>
+          <a:lstStyle/>
+          <a:p>
+            <a:pPr algn="ctr"/>
+            <a:r>
+              <a:rPr lang="en-US" altLang="ko-KR" sz="1000" dirty="0" smtClean="0">
+                <a:solidFill>
+                  <a:schemeClr val="tx1"/>
+                </a:solidFill>
+              </a:rPr>
+              <a:t>Thread Logic</a:t>
+            </a:r>
+            <a:endParaRPr lang="ko-KR" altLang="en-US" sz="1000" dirty="0" smtClean="0">
+              <a:solidFill>
+                <a:schemeClr val="tx1"/>
+              </a:solidFill>
+            </a:endParaRPr>
+          </a:p>
+        </p:txBody>
+      </p:sp>
+      <p:sp>
+        <p:nvSpPr>
+          <p:cNvPr id="15" name="TextBox 14"/>
+          <p:cNvSpPr txBox="1"/>
+          <p:nvPr/>
+        </p:nvSpPr>
+        <p:spPr>
+          <a:xfrm>
+            <a:off x="251520" y="188640"/>
+            <a:ext cx="1440160" cy="369332"/>
+          </a:xfrm>
+          <a:prstGeom prst="rect">
+            <a:avLst/>
+          </a:prstGeom>
+          <a:noFill/>
+        </p:spPr>
+        <p:txBody>
+          <a:bodyPr wrap="square" rtlCol="0">
+            <a:spAutoFit/>
+          </a:bodyPr>
+          <a:lstStyle/>
+          <a:p>
+            <a:r>
+              <a:rPr lang="ko-KR" altLang="en-US" dirty="0" smtClean="0"/>
+              <a:t>구조 설계</a:t>
+            </a:r>
+            <a:endParaRPr lang="ko-KR" altLang="en-US" dirty="0"/>
+          </a:p>
+        </p:txBody>
+      </p:sp>
+      <p:sp>
+        <p:nvSpPr>
+          <p:cNvPr id="48" name="직사각형 47"/>
+          <p:cNvSpPr/>
+          <p:nvPr/>
+        </p:nvSpPr>
+        <p:spPr>
+          <a:xfrm>
+            <a:off x="2483768" y="2420888"/>
+            <a:ext cx="864096" cy="576064"/>
+          </a:xfrm>
+          <a:prstGeom prst="rect">
+            <a:avLst/>
+          </a:prstGeom>
+          <a:noFill/>
+          <a:ln w="19050">
+            <a:solidFill>
+              <a:schemeClr val="tx1"/>
+            </a:solidFill>
+          </a:ln>
+        </p:spPr>
+        <p:style>
+          <a:lnRef idx="2">
+            <a:schemeClr val="accent1">
+              <a:shade val="50000"/>
+            </a:schemeClr>
+          </a:lnRef>
+          <a:fillRef idx="1">
+            <a:schemeClr val="accent1"/>
+          </a:fillRef>
+          <a:effectRef idx="0">
+            <a:schemeClr val="accent1"/>
+          </a:effectRef>
+          <a:fontRef idx="minor">
+            <a:schemeClr val="lt1"/>
+          </a:fontRef>
+        </p:style>
+        <p:txBody>
+          <a:bodyPr rtlCol="0" anchor="ctr"/>
+          <a:lstStyle/>
+          <a:p>
+            <a:pPr algn="ctr"/>
+            <a:r>
+              <a:rPr lang="en-US" altLang="ko-KR" sz="1000" dirty="0" err="1" smtClean="0">
+                <a:solidFill>
+                  <a:schemeClr val="tx1"/>
+                </a:solidFill>
+              </a:rPr>
+              <a:t>Config</a:t>
+            </a:r>
+            <a:r>
+              <a:rPr lang="en-US" altLang="ko-KR" sz="1000" dirty="0" smtClean="0">
+                <a:solidFill>
+                  <a:schemeClr val="tx1"/>
+                </a:solidFill>
+              </a:rPr>
+              <a:t> File Read &amp; Make List</a:t>
+            </a:r>
+            <a:endParaRPr lang="ko-KR" altLang="en-US" sz="1000" dirty="0" smtClean="0">
+              <a:solidFill>
+                <a:schemeClr val="tx1"/>
+              </a:solidFill>
+            </a:endParaRPr>
+          </a:p>
+        </p:txBody>
+      </p:sp>
+    </p:spTree>
+  </p:cSld>
+  <p:clrMapOvr>
+    <a:masterClrMapping/>
+  </p:clrMapOvr>
+</p:sld>
+</file>
+
+<file path=ppt/slides/slide14.xml><?xml version="1.0" encoding="utf-8"?>
+<p:sld xmlns:a="http://schemas.openxmlformats.org/drawingml/2006/main" xmlns:r="http://schemas.openxmlformats.org/officeDocument/2006/relationships" xmlns:p="http://schemas.openxmlformats.org/presentationml/2006/main">
+  <p:cSld>
+    <p:spTree>
+      <p:nvGrpSpPr>
+        <p:cNvPr id="1" name=""/>
+        <p:cNvGrpSpPr/>
+        <p:nvPr/>
+      </p:nvGrpSpPr>
+      <p:grpSpPr>
+        <a:xfrm>
+          <a:off x="0" y="0"/>
+          <a:ext cx="0" cy="0"/>
+          <a:chOff x="0" y="0"/>
+          <a:chExt cx="0" cy="0"/>
+        </a:xfrm>
+      </p:grpSpPr>
+      <p:sp>
+        <p:nvSpPr>
+          <p:cNvPr id="4" name="직사각형 3"/>
+          <p:cNvSpPr/>
+          <p:nvPr/>
+        </p:nvSpPr>
+        <p:spPr>
+          <a:xfrm>
+            <a:off x="251520" y="620688"/>
+            <a:ext cx="8640960" cy="6247864"/>
+          </a:xfrm>
+          <a:prstGeom prst="rect">
+            <a:avLst/>
+          </a:prstGeom>
+        </p:spPr>
+        <p:txBody>
+          <a:bodyPr wrap="square">
+            <a:spAutoFit/>
+          </a:bodyPr>
+          <a:lstStyle/>
+          <a:p>
+            <a:r>
+              <a:rPr lang="en-US" altLang="ko-KR" sz="1000" dirty="0" smtClean="0"/>
+              <a:t>1. </a:t>
+            </a:r>
+            <a:r>
+              <a:rPr lang="ko-KR" altLang="en-US" sz="1000" dirty="0" err="1" smtClean="0"/>
+              <a:t>입출력부</a:t>
             </a:r>
             <a:r>
               <a:rPr lang="ko-KR" altLang="en-US" sz="1000" dirty="0" smtClean="0"/>
@@ -4383,15 +5663,87 @@
             </a:r>
             <a:r>
               <a:rPr lang="en-US" altLang="ko-KR" sz="1000" dirty="0" smtClean="0"/>
-              <a:t>Logic, </a:t>
+              <a:t/>
+            </a:r>
+            <a:br>
+              <a:rPr lang="en-US" altLang="ko-KR" sz="1000" dirty="0" smtClean="0"/>
+            </a:br>
+            <a:r>
+              <a:rPr lang="en-US" altLang="ko-KR" sz="1000" dirty="0" smtClean="0"/>
+              <a:t> 1) Console </a:t>
+            </a:r>
+            <a:r>
+              <a:rPr lang="ko-KR" altLang="en-US" sz="1000" dirty="0" smtClean="0"/>
+              <a:t>입력 </a:t>
+            </a:r>
+            <a:r>
+              <a:rPr lang="en-US" altLang="ko-KR" sz="1000" dirty="0" smtClean="0"/>
+              <a:t/>
+            </a:r>
+            <a:br>
+              <a:rPr lang="en-US" altLang="ko-KR" sz="1000" dirty="0" smtClean="0"/>
+            </a:br>
+            <a:r>
+              <a:rPr lang="en-US" altLang="ko-KR" sz="1000" dirty="0" smtClean="0"/>
+              <a:t>  - </a:t>
+            </a:r>
+            <a:r>
+              <a:rPr lang="ko-KR" altLang="en-US" sz="1000" dirty="0" smtClean="0"/>
+              <a:t>라인 단위 </a:t>
+            </a:r>
+            <a:r>
+              <a:rPr lang="ko-KR" altLang="en-US" sz="1000" dirty="0" err="1" smtClean="0"/>
+              <a:t>스트링으로</a:t>
+            </a:r>
+            <a:r>
+              <a:rPr lang="ko-KR" altLang="en-US" sz="1000" dirty="0" smtClean="0"/>
+              <a:t> 입력 받음</a:t>
+            </a:r>
+            <a:r>
+              <a:rPr lang="en-US" altLang="ko-KR" sz="1000" dirty="0" smtClean="0"/>
+              <a:t>. Blocking</a:t>
+            </a:r>
+            <a:r>
+              <a:rPr lang="ko-KR" altLang="en-US" sz="1000" dirty="0" smtClean="0"/>
+              <a:t>방식으로 입력 처리</a:t>
+            </a:r>
+            <a:r>
+              <a:rPr lang="en-US" altLang="ko-KR" sz="1000" dirty="0" smtClean="0"/>
+              <a:t>.</a:t>
+            </a:r>
+            <a:br>
+              <a:rPr lang="en-US" altLang="ko-KR" sz="1000" dirty="0" smtClean="0"/>
+            </a:br>
+            <a:r>
+              <a:rPr lang="en-US" altLang="ko-KR" sz="1000" dirty="0" smtClean="0"/>
+              <a:t> 2) </a:t>
             </a:r>
             <a:r>
               <a:rPr lang="en-US" altLang="ko-KR" sz="1000" dirty="0" err="1" smtClean="0"/>
               <a:t>Config</a:t>
             </a:r>
             <a:r>
-              <a:rPr lang="ko-KR" altLang="en-US" sz="1000" dirty="0" smtClean="0"/>
-              <a:t>처리</a:t>
+              <a:rPr lang="en-US" altLang="ko-KR" sz="1000" dirty="0" smtClean="0"/>
+              <a:t> File </a:t>
+            </a:r>
+            <a:r>
+              <a:rPr lang="ko-KR" altLang="en-US" sz="1000" dirty="0" smtClean="0"/>
+              <a:t>입력 </a:t>
+            </a:r>
+            <a:r>
+              <a:rPr lang="en-US" altLang="ko-KR" sz="1000" dirty="0" smtClean="0"/>
+              <a:t/>
+            </a:r>
+            <a:br>
+              <a:rPr lang="en-US" altLang="ko-KR" sz="1000" dirty="0" smtClean="0"/>
+            </a:br>
+            <a:r>
+              <a:rPr lang="en-US" altLang="ko-KR" sz="1000" dirty="0" smtClean="0"/>
+              <a:t>  - </a:t>
+            </a:r>
+            <a:r>
+              <a:rPr lang="ko-KR" altLang="en-US" sz="1000" dirty="0" smtClean="0"/>
+              <a:t>텍스트</a:t>
             </a:r>
             <a:r>
               <a:rPr lang="en-US" altLang="ko-KR" sz="1000" dirty="0" smtClean="0"/>
@@ -4399,7 +5751,115 @@
             </a:r>
             <a:r>
               <a:rPr lang="ko-KR" altLang="en-US" sz="1000" dirty="0" smtClean="0"/>
-              <a:t>부분을 분리하여 설계</a:t>
+              <a:t>파일을 </a:t>
+            </a:r>
+            <a:r>
+              <a:rPr lang="en-US" altLang="ko-KR" sz="1000" dirty="0" smtClean="0"/>
+              <a:t>Open</a:t>
+            </a:r>
+            <a:r>
+              <a:rPr lang="ko-KR" altLang="en-US" sz="1000" dirty="0" smtClean="0"/>
+              <a:t>하여 라인 단위 </a:t>
+            </a:r>
+            <a:r>
+              <a:rPr lang="ko-KR" altLang="en-US" sz="1000" dirty="0" err="1" smtClean="0"/>
+              <a:t>스트링으로</a:t>
+            </a:r>
+            <a:r>
+              <a:rPr lang="ko-KR" altLang="en-US" sz="1000" dirty="0" smtClean="0"/>
+              <a:t> 입력 받음</a:t>
+            </a:r>
+            <a:r>
+              <a:rPr lang="en-US" altLang="ko-KR" sz="1000" dirty="0" smtClean="0"/>
+              <a:t>. </a:t>
+            </a:r>
+            <a:br>
+              <a:rPr lang="en-US" altLang="ko-KR" sz="1000" dirty="0" smtClean="0"/>
+            </a:br>
+            <a:r>
+              <a:rPr lang="en-US" altLang="ko-KR" sz="1000" dirty="0" smtClean="0"/>
+              <a:t>  </a:t>
+            </a:r>
+            <a:r>
+              <a:rPr lang="en-US" altLang="ko-KR" sz="1000" dirty="0" smtClean="0"/>
+              <a:t>- </a:t>
+            </a:r>
+            <a:r>
+              <a:rPr lang="ko-KR" altLang="en-US" sz="1000" dirty="0" smtClean="0"/>
+              <a:t>한 라인 읽은 후 </a:t>
+            </a:r>
+            <a:r>
+              <a:rPr lang="en-US" altLang="ko-KR" sz="1000" dirty="0" smtClean="0"/>
+              <a:t>parsing</a:t>
+            </a:r>
+            <a:r>
+              <a:rPr lang="ko-KR" altLang="en-US" sz="1000" dirty="0" smtClean="0"/>
+              <a:t>하여 정보들을 적절한 변수에 </a:t>
+            </a:r>
+            <a:r>
+              <a:rPr lang="ko-KR" altLang="en-US" sz="1000" dirty="0" err="1" smtClean="0"/>
+              <a:t>세팅</a:t>
+            </a:r>
+            <a:r>
+              <a:rPr lang="en-US" altLang="ko-KR" sz="1000" dirty="0" smtClean="0"/>
+              <a:t>.</a:t>
+            </a:r>
+            <a:br>
+              <a:rPr lang="en-US" altLang="ko-KR" sz="1000" dirty="0" smtClean="0"/>
+            </a:br>
+            <a:r>
+              <a:rPr lang="en-US" altLang="ko-KR" sz="1000" dirty="0" smtClean="0"/>
+              <a:t> 3) </a:t>
+            </a:r>
+            <a:r>
+              <a:rPr lang="ko-KR" altLang="en-US" sz="1000" dirty="0" smtClean="0"/>
+              <a:t>입출력</a:t>
+            </a:r>
+            <a:r>
+              <a:rPr lang="en-US" altLang="ko-KR" sz="1000" dirty="0" smtClean="0"/>
+              <a:t> </a:t>
+            </a:r>
+            <a:r>
+              <a:rPr lang="ko-KR" altLang="en-US" sz="1000" dirty="0" smtClean="0"/>
+              <a:t>파일 </a:t>
+            </a:r>
+            <a:r>
+              <a:rPr lang="en-US" altLang="ko-KR" sz="1000" dirty="0" smtClean="0"/>
+              <a:t>Path </a:t>
+            </a:r>
+          </a:p>
+          <a:p>
+            <a:r>
+              <a:rPr lang="en-US" altLang="ko-KR" sz="1000" dirty="0" smtClean="0"/>
+              <a:t> </a:t>
+            </a:r>
+            <a:r>
+              <a:rPr lang="en-US" altLang="ko-KR" sz="1000" dirty="0" smtClean="0"/>
+              <a:t> - </a:t>
+            </a:r>
+            <a:r>
+              <a:rPr lang="ko-KR" altLang="en-US" sz="1000" dirty="0" smtClean="0"/>
+              <a:t>공통으로 사용하는 </a:t>
+            </a:r>
+            <a:r>
+              <a:rPr lang="ko-KR" altLang="en-US" sz="1000" dirty="0" err="1" smtClean="0"/>
+              <a:t>상수값에</a:t>
+            </a:r>
+            <a:r>
+              <a:rPr lang="ko-KR" altLang="en-US" sz="1000" dirty="0" smtClean="0"/>
+              <a:t> 대해서는 </a:t>
+            </a:r>
+            <a:r>
+              <a:rPr lang="en-US" altLang="ko-KR" sz="1000" dirty="0" smtClean="0"/>
+              <a:t>static </a:t>
+            </a:r>
+            <a:r>
+              <a:rPr lang="en-US" altLang="ko-KR" sz="1000" dirty="0" smtClean="0"/>
+              <a:t>class</a:t>
+            </a:r>
+            <a:r>
+              <a:rPr lang="ko-KR" altLang="en-US" sz="1000" dirty="0" smtClean="0"/>
+              <a:t>를 만들어서 사용</a:t>
             </a:r>
             <a:r>
               <a:rPr lang="en-US" altLang="ko-KR" sz="1000" dirty="0" smtClean="0"/>
@@ -4410,53 +5870,276 @@
             </a:br>
             <a:r>
               <a:rPr lang="en-US" altLang="ko-KR" sz="1000" dirty="0" smtClean="0"/>
+              <a:t> 4) </a:t>
+            </a:r>
+            <a:r>
+              <a:rPr lang="ko-KR" altLang="en-US" sz="1000" dirty="0" smtClean="0"/>
+              <a:t>결과 파일 출력 </a:t>
+            </a:r>
+            <a:r>
+              <a:rPr lang="en-US" altLang="ko-KR" sz="1000" dirty="0" smtClean="0"/>
+              <a:t/>
+            </a:r>
+            <a:br>
+              <a:rPr lang="en-US" altLang="ko-KR" sz="1000" dirty="0" smtClean="0"/>
+            </a:br>
+            <a:r>
+              <a:rPr lang="en-US" altLang="ko-KR" sz="1000" dirty="0" smtClean="0"/>
               <a:t>  - </a:t>
             </a:r>
             <a:r>
               <a:rPr lang="ko-KR" altLang="en-US" sz="1000" dirty="0" smtClean="0"/>
-              <a:t>입출력 </a:t>
-            </a:r>
-            <a:r>
-              <a:rPr lang="ko-KR" altLang="en-US" sz="1000" dirty="0" err="1" smtClean="0"/>
-              <a:t>처리부</a:t>
-            </a:r>
-            <a:r>
-              <a:rPr lang="ko-KR" altLang="en-US" sz="1000" dirty="0" smtClean="0"/>
-              <a:t> 이외의 </a:t>
-            </a:r>
-            <a:r>
-              <a:rPr lang="en-US" altLang="ko-KR" sz="1000" dirty="0" smtClean="0"/>
-              <a:t>Logic</a:t>
-            </a:r>
-            <a:r>
-              <a:rPr lang="ko-KR" altLang="en-US" sz="1000" dirty="0" smtClean="0"/>
-              <a:t>과 </a:t>
+              <a:t>기존에 </a:t>
+            </a:r>
+            <a:r>
+              <a:rPr lang="en-US" altLang="ko-KR" sz="1000" dirty="0" smtClean="0"/>
+              <a:t>Write</a:t>
+            </a:r>
+            <a:r>
+              <a:rPr lang="ko-KR" altLang="en-US" sz="1000" dirty="0" smtClean="0"/>
+              <a:t>한 내용을 유지하며 계속 덧붙이는 방식으로 출력해야 하므로 </a:t>
+            </a:r>
+            <a:r>
+              <a:rPr lang="en-US" altLang="ko-KR" sz="1000" dirty="0" smtClean="0"/>
+              <a:t>Append</a:t>
+            </a:r>
+            <a:r>
+              <a:rPr lang="ko-KR" altLang="en-US" sz="1000" dirty="0" smtClean="0"/>
+              <a:t>모드 사용</a:t>
+            </a:r>
+            <a:endParaRPr lang="en-US" altLang="ko-KR" sz="1000" dirty="0" smtClean="0"/>
+          </a:p>
+          <a:p>
+            <a:r>
+              <a:rPr lang="en-US" altLang="ko-KR" sz="1000" dirty="0" smtClean="0"/>
+              <a:t>  - </a:t>
+            </a:r>
+            <a:r>
+              <a:rPr lang="ko-KR" altLang="en-US" sz="1000" dirty="0" smtClean="0"/>
+              <a:t>하나의 </a:t>
+            </a:r>
+            <a:r>
+              <a:rPr lang="en-US" altLang="ko-KR" sz="1000" dirty="0" smtClean="0"/>
+              <a:t>File</a:t>
+            </a:r>
+            <a:r>
+              <a:rPr lang="ko-KR" altLang="en-US" sz="1000" dirty="0" smtClean="0"/>
+              <a:t>을 출력하는데 </a:t>
+            </a:r>
+            <a:r>
+              <a:rPr lang="en-US" altLang="ko-KR" sz="1000" dirty="0" smtClean="0"/>
+              <a:t>Thread</a:t>
+            </a:r>
+            <a:r>
+              <a:rPr lang="ko-KR" altLang="en-US" sz="1000" dirty="0" smtClean="0"/>
+              <a:t>가 </a:t>
+            </a:r>
+            <a:r>
+              <a:rPr lang="en-US" altLang="ko-KR" sz="1000" dirty="0" smtClean="0"/>
+              <a:t>2</a:t>
+            </a:r>
+            <a:r>
+              <a:rPr lang="ko-KR" altLang="en-US" sz="1000" dirty="0" smtClean="0"/>
+              <a:t>개 이상이 되면 동기화 이슈가 발생하므로 되도록 출력파일 하나에 </a:t>
+            </a:r>
+            <a:r>
+              <a:rPr lang="en-US" altLang="ko-KR" sz="1000" dirty="0" smtClean="0"/>
+              <a:t>Thread</a:t>
+            </a:r>
+            <a:r>
+              <a:rPr lang="ko-KR" altLang="en-US" sz="1000" dirty="0" smtClean="0"/>
+              <a:t> 하나로 맞춰주는 것이 좋음</a:t>
+            </a:r>
+            <a:endParaRPr lang="en-US" altLang="ko-KR" sz="1000" dirty="0" smtClean="0"/>
+          </a:p>
+          <a:p>
+            <a:r>
+              <a:rPr lang="en-US" altLang="ko-KR" sz="1000" dirty="0" smtClean="0"/>
+              <a:t>  - </a:t>
+            </a:r>
+            <a:r>
+              <a:rPr lang="en-US" altLang="ko-KR" sz="1000" dirty="0" smtClean="0"/>
+              <a:t>LOG</a:t>
+            </a:r>
+            <a:r>
+              <a:rPr lang="ko-KR" altLang="en-US" sz="1000" dirty="0" smtClean="0"/>
+              <a:t>파일로서 의미를 가지려면 </a:t>
+            </a:r>
+            <a:r>
+              <a:rPr lang="en-US" altLang="ko-KR" sz="1000" dirty="0" smtClean="0"/>
+              <a:t>Alarm</a:t>
+            </a:r>
+            <a:r>
+              <a:rPr lang="ko-KR" altLang="en-US" sz="1000" dirty="0" smtClean="0"/>
+              <a:t>이 발생한 시각을 같이 출력해 주어야 </a:t>
+            </a:r>
+            <a:r>
+              <a:rPr lang="ko-KR" altLang="en-US" sz="1000" dirty="0" smtClean="0"/>
+              <a:t>함 </a:t>
+            </a:r>
+            <a:r>
+              <a:rPr lang="en-US" altLang="ko-KR" sz="1000" dirty="0" smtClean="0"/>
+              <a:t>(</a:t>
+            </a:r>
+            <a:r>
+              <a:rPr lang="ko-KR" altLang="en-US" sz="1000" dirty="0" smtClean="0"/>
+              <a:t>제한사항</a:t>
+            </a:r>
+            <a:r>
+              <a:rPr lang="en-US" altLang="ko-KR" sz="1000" dirty="0" smtClean="0"/>
+              <a:t>)</a:t>
+            </a:r>
+          </a:p>
+          <a:p>
+            <a:endParaRPr lang="en-US" altLang="ko-KR" sz="1000" dirty="0" smtClean="0"/>
+          </a:p>
+          <a:p>
+            <a:r>
+              <a:rPr lang="en-US" altLang="ko-KR" sz="1000" dirty="0" smtClean="0"/>
+              <a:t>2. </a:t>
             </a:r>
             <a:r>
               <a:rPr lang="en-US" altLang="ko-KR" sz="1000" dirty="0" err="1" smtClean="0"/>
               <a:t>Config</a:t>
             </a:r>
             <a:r>
-              <a:rPr lang="ko-KR" altLang="en-US" sz="1000" dirty="0" smtClean="0"/>
-              <a:t>처리는 별도 </a:t>
-            </a:r>
-            <a:r>
-              <a:rPr lang="en-US" altLang="ko-KR" sz="1000" dirty="0" smtClean="0"/>
-              <a:t>Class</a:t>
-            </a:r>
-            <a:r>
-              <a:rPr lang="ko-KR" altLang="en-US" sz="1000" dirty="0" smtClean="0"/>
-              <a:t>를 만들어서 처리</a:t>
+              <a:rPr lang="en-US" altLang="ko-KR" sz="1000" dirty="0" smtClean="0"/>
+              <a:t> </a:t>
+            </a:r>
+            <a:r>
+              <a:rPr lang="ko-KR" altLang="en-US" sz="1000" dirty="0" smtClean="0"/>
+              <a:t>관리</a:t>
+            </a:r>
+            <a:r>
+              <a:rPr lang="en-US" altLang="ko-KR" sz="1000" dirty="0" smtClean="0"/>
+              <a:t/>
+            </a:r>
+            <a:br>
+              <a:rPr lang="en-US" altLang="ko-KR" sz="1000" dirty="0" smtClean="0"/>
+            </a:br>
+            <a:r>
+              <a:rPr lang="en-US" altLang="ko-KR" sz="1000" dirty="0" smtClean="0"/>
+              <a:t> 1) </a:t>
+            </a:r>
+            <a:r>
+              <a:rPr lang="en-US" altLang="ko-KR" sz="1000" dirty="0" err="1" smtClean="0"/>
+              <a:t>Config</a:t>
+            </a:r>
+            <a:r>
+              <a:rPr lang="ko-KR" altLang="en-US" sz="1000" dirty="0" smtClean="0"/>
+              <a:t>파일의 한 라인이 </a:t>
+            </a:r>
+            <a:r>
+              <a:rPr lang="en-US" altLang="ko-KR" sz="1000" dirty="0" smtClean="0"/>
+              <a:t>Alarm</a:t>
+            </a:r>
+            <a:r>
+              <a:rPr lang="ko-KR" altLang="en-US" sz="1000" dirty="0" smtClean="0"/>
+              <a:t>에 대한 모든 조건을 가지고 있으므로 해당 항목들을 관리할 </a:t>
+            </a:r>
+            <a:r>
+              <a:rPr lang="en-US" altLang="ko-KR" sz="1000" dirty="0" err="1" smtClean="0"/>
+              <a:t>Config</a:t>
+            </a:r>
+            <a:r>
+              <a:rPr lang="en-US" altLang="ko-KR" sz="1000" dirty="0" smtClean="0"/>
+              <a:t> Class </a:t>
+            </a:r>
+            <a:r>
+              <a:rPr lang="ko-KR" altLang="en-US" sz="1000" dirty="0" smtClean="0"/>
+              <a:t>생성하고</a:t>
+            </a:r>
+            <a:r>
+              <a:rPr lang="en-US" altLang="ko-KR" sz="1000" dirty="0" smtClean="0"/>
+              <a:t>, </a:t>
+            </a:r>
+            <a:r>
+              <a:rPr lang="ko-KR" altLang="en-US" sz="1000" dirty="0" smtClean="0"/>
+              <a:t>각 라인을 하나의 </a:t>
+            </a:r>
+            <a:r>
+              <a:rPr lang="en-US" altLang="ko-KR" sz="1000" dirty="0" smtClean="0"/>
+              <a:t>Item</a:t>
+            </a:r>
+            <a:r>
+              <a:rPr lang="ko-KR" altLang="en-US" sz="1000" dirty="0" smtClean="0"/>
+              <a:t>으로 하여 </a:t>
+            </a:r>
+            <a:r>
+              <a:rPr lang="en-US" altLang="ko-KR" sz="1000" dirty="0" smtClean="0"/>
+              <a:t>List</a:t>
+            </a:r>
+            <a:r>
+              <a:rPr lang="ko-KR" altLang="en-US" sz="1000" dirty="0" smtClean="0"/>
+              <a:t>로 구성</a:t>
             </a:r>
             <a:r>
               <a:rPr lang="en-US" altLang="ko-KR" sz="1000" dirty="0" smtClean="0"/>
               <a:t>.</a:t>
             </a:r>
+          </a:p>
+          <a:p>
+            <a:r>
+              <a:rPr lang="en-US" altLang="ko-KR" sz="1000" dirty="0" smtClean="0"/>
+              <a:t> </a:t>
+            </a:r>
+            <a:r>
+              <a:rPr lang="en-US" altLang="ko-KR" sz="1000" dirty="0" smtClean="0"/>
+              <a:t>2) </a:t>
+            </a:r>
+            <a:r>
+              <a:rPr lang="en-US" altLang="ko-KR" sz="1000" dirty="0" err="1" smtClean="0"/>
+              <a:t>Config</a:t>
+            </a:r>
+            <a:r>
+              <a:rPr lang="en-US" altLang="ko-KR" sz="1000" dirty="0" smtClean="0"/>
+              <a:t> Class</a:t>
+            </a:r>
+            <a:r>
+              <a:rPr lang="ko-KR" altLang="en-US" sz="1000" dirty="0" smtClean="0"/>
+              <a:t>는 확장 가능하게 설계</a:t>
+            </a:r>
+            <a:r>
+              <a:rPr lang="en-US" altLang="ko-KR" sz="1000" dirty="0" smtClean="0"/>
+              <a:t/>
+            </a:r>
             <a:br>
               <a:rPr lang="en-US" altLang="ko-KR" sz="1000" dirty="0" smtClean="0"/>
             </a:br>
             <a:r>
               <a:rPr lang="en-US" altLang="ko-KR" sz="1000" dirty="0" smtClean="0"/>
+              <a:t>   - File</a:t>
+            </a:r>
+            <a:r>
+              <a:rPr lang="en-US" altLang="ko-KR" sz="1000" dirty="0" smtClean="0"/>
+              <a:t>, Proc</a:t>
+            </a:r>
+            <a:r>
+              <a:rPr lang="ko-KR" altLang="en-US" sz="1000" dirty="0" smtClean="0"/>
+              <a:t>외에 추가로 </a:t>
+            </a:r>
+            <a:r>
+              <a:rPr lang="en-US" altLang="ko-KR" sz="1000" dirty="0" smtClean="0"/>
+              <a:t>Monitoring</a:t>
+            </a:r>
+            <a:r>
+              <a:rPr lang="ko-KR" altLang="en-US" sz="1000" dirty="0" smtClean="0"/>
+              <a:t>할 수 있는 </a:t>
+            </a:r>
+            <a:r>
+              <a:rPr lang="en-US" altLang="ko-KR" sz="1000" dirty="0" smtClean="0"/>
+              <a:t>Type</a:t>
+            </a:r>
+            <a:r>
+              <a:rPr lang="ko-KR" altLang="en-US" sz="1000" dirty="0" smtClean="0"/>
+              <a:t>을 쉽게 추가할 수 있게 </a:t>
+            </a:r>
+            <a:r>
+              <a:rPr lang="ko-KR" altLang="en-US" sz="1000" dirty="0" smtClean="0"/>
+              <a:t>구성</a:t>
+            </a:r>
+            <a:r>
+              <a:rPr lang="en-US" altLang="ko-KR" sz="1000" dirty="0" smtClean="0"/>
               <a:t/>
             </a:r>
             <a:br>
@@ -4464,11 +6147,512 @@
             </a:br>
             <a:r>
               <a:rPr lang="en-US" altLang="ko-KR" sz="1000" dirty="0" smtClean="0"/>
-              <a:t>2. Logic Class </a:t>
+              <a:t>     </a:t>
+            </a:r>
+            <a:r>
+              <a:rPr lang="en-US" altLang="ko-KR" sz="1000" dirty="0" smtClean="0"/>
+              <a:t>ex) System Memory </a:t>
+            </a:r>
+            <a:r>
+              <a:rPr lang="ko-KR" altLang="en-US" sz="1000" dirty="0" smtClean="0"/>
+              <a:t>사용량</a:t>
+            </a:r>
+            <a:r>
+              <a:rPr lang="en-US" altLang="ko-KR" sz="1000" dirty="0" smtClean="0"/>
+              <a:t>, Disk </a:t>
+            </a:r>
+            <a:r>
+              <a:rPr lang="ko-KR" altLang="en-US" sz="1000" dirty="0" smtClean="0"/>
+              <a:t>사용량</a:t>
+            </a:r>
+            <a:r>
+              <a:rPr lang="en-US" altLang="ko-KR" sz="1000" dirty="0" smtClean="0"/>
+              <a:t>, CPU </a:t>
+            </a:r>
+            <a:r>
+              <a:rPr lang="ko-KR" altLang="en-US" sz="1000" dirty="0" smtClean="0"/>
+              <a:t>점유율 등</a:t>
+            </a:r>
+            <a:endParaRPr lang="en-US" altLang="ko-KR" sz="1000" dirty="0" smtClean="0"/>
+          </a:p>
+          <a:p>
+            <a:r>
+              <a:rPr lang="en-US" altLang="ko-KR" sz="1000" dirty="0" smtClean="0"/>
+              <a:t>   - File</a:t>
+            </a:r>
+            <a:r>
+              <a:rPr lang="ko-KR" altLang="en-US" sz="1000" dirty="0" smtClean="0"/>
+              <a:t>에 대해서는 존재유무와 </a:t>
+            </a:r>
+            <a:r>
+              <a:rPr lang="en-US" altLang="ko-KR" sz="1000" dirty="0" smtClean="0"/>
+              <a:t>SIZE</a:t>
+            </a:r>
+            <a:r>
+              <a:rPr lang="ko-KR" altLang="en-US" sz="1000" dirty="0" smtClean="0"/>
+              <a:t>를 조건으로 </a:t>
+            </a:r>
+            <a:r>
+              <a:rPr lang="en-US" altLang="ko-KR" sz="1000" dirty="0" smtClean="0"/>
+              <a:t>Alarm</a:t>
+            </a:r>
+            <a:r>
+              <a:rPr lang="ko-KR" altLang="en-US" sz="1000" dirty="0" smtClean="0"/>
+              <a:t>을 발생하고</a:t>
+            </a:r>
+            <a:r>
+              <a:rPr lang="en-US" altLang="ko-KR" sz="1000" dirty="0" smtClean="0"/>
+              <a:t>,</a:t>
+            </a:r>
+            <a:r>
+              <a:rPr lang="ko-KR" altLang="en-US" sz="1000" dirty="0" smtClean="0"/>
+              <a:t> </a:t>
+            </a:r>
+            <a:r>
+              <a:rPr lang="en-US" altLang="ko-KR" sz="1000" dirty="0" smtClean="0"/>
+              <a:t>Process</a:t>
+            </a:r>
+            <a:r>
+              <a:rPr lang="ko-KR" altLang="en-US" sz="1000" dirty="0" smtClean="0"/>
+              <a:t>는 </a:t>
+            </a:r>
+            <a:r>
+              <a:rPr lang="ko-KR" altLang="en-US" sz="1000" dirty="0" smtClean="0"/>
+              <a:t>존재유무와</a:t>
+            </a:r>
+            <a:r>
+              <a:rPr lang="en-US" altLang="ko-KR" sz="1000" dirty="0" smtClean="0"/>
+              <a:t>  </a:t>
+            </a:r>
+            <a:r>
+              <a:rPr lang="ko-KR" altLang="en-US" sz="1000" dirty="0" smtClean="0"/>
+              <a:t>메모리 사용량 조건으로 </a:t>
+            </a:r>
+            <a:r>
+              <a:rPr lang="en-US" altLang="ko-KR" sz="1000" dirty="0" smtClean="0"/>
+              <a:t>Alarm</a:t>
+            </a:r>
+            <a:r>
+              <a:rPr lang="ko-KR" altLang="en-US" sz="1000" dirty="0" smtClean="0"/>
+              <a:t>을 </a:t>
+            </a:r>
+            <a:r>
+              <a:rPr lang="ko-KR" altLang="en-US" sz="1000" dirty="0" smtClean="0"/>
+              <a:t>발생하는데</a:t>
+            </a:r>
+            <a:r>
+              <a:rPr lang="en-US" altLang="ko-KR" sz="1000" dirty="0" smtClean="0"/>
+              <a:t>, </a:t>
+            </a:r>
+            <a:r>
+              <a:rPr lang="ko-KR" altLang="en-US" sz="1000" dirty="0" smtClean="0"/>
+              <a:t>향후 다른 조건들도 </a:t>
+            </a:r>
+            <a:r>
+              <a:rPr lang="ko-KR" altLang="en-US" sz="1000" dirty="0" smtClean="0"/>
+              <a:t>추가하기</a:t>
+            </a:r>
+            <a:r>
+              <a:rPr lang="en-US" altLang="ko-KR" sz="1000" dirty="0" smtClean="0"/>
+              <a:t> </a:t>
+            </a:r>
+            <a:r>
+              <a:rPr lang="ko-KR" altLang="en-US" sz="1000" dirty="0" smtClean="0"/>
+              <a:t>쉬운 구조로 설계 </a:t>
+            </a:r>
+            <a:r>
+              <a:rPr lang="en-US" altLang="ko-KR" sz="1000" dirty="0" smtClean="0"/>
+              <a:t/>
+            </a:r>
+            <a:br>
+              <a:rPr lang="en-US" altLang="ko-KR" sz="1000" dirty="0" smtClean="0"/>
+            </a:br>
+            <a:r>
+              <a:rPr lang="en-US" altLang="ko-KR" sz="1000" dirty="0" smtClean="0"/>
+              <a:t>     ex1) FILE : </a:t>
+            </a:r>
+            <a:r>
+              <a:rPr lang="ko-KR" altLang="en-US" sz="1000" dirty="0" smtClean="0"/>
+              <a:t>생성시각</a:t>
+            </a:r>
+            <a:r>
+              <a:rPr lang="en-US" altLang="ko-KR" sz="1000" dirty="0" smtClean="0"/>
+              <a:t>, </a:t>
+            </a:r>
+            <a:r>
+              <a:rPr lang="ko-KR" altLang="en-US" sz="1000" dirty="0" smtClean="0"/>
+              <a:t>수정시각</a:t>
+            </a:r>
+            <a:r>
+              <a:rPr lang="en-US" altLang="ko-KR" sz="1000" dirty="0" smtClean="0"/>
+              <a:t>, </a:t>
+            </a:r>
+            <a:r>
+              <a:rPr lang="ko-KR" altLang="en-US" sz="1000" dirty="0" smtClean="0"/>
+              <a:t>마지막 </a:t>
+            </a:r>
+            <a:r>
+              <a:rPr lang="en-US" altLang="ko-KR" sz="1000" dirty="0" smtClean="0"/>
+              <a:t>Access </a:t>
+            </a:r>
+            <a:r>
+              <a:rPr lang="ko-KR" altLang="en-US" sz="1000" dirty="0" smtClean="0"/>
+              <a:t>시각 등 </a:t>
+            </a:r>
+            <a:r>
+              <a:rPr lang="en-US" altLang="ko-KR" sz="1000" dirty="0" smtClean="0"/>
+              <a:t/>
+            </a:r>
+            <a:br>
+              <a:rPr lang="en-US" altLang="ko-KR" sz="1000" dirty="0" smtClean="0"/>
+            </a:br>
+            <a:r>
+              <a:rPr lang="en-US" altLang="ko-KR" sz="1000" dirty="0" smtClean="0"/>
+              <a:t>     ex2) PROCESS : PID</a:t>
+            </a:r>
+            <a:r>
+              <a:rPr lang="en-US" altLang="ko-KR" sz="1000" dirty="0" smtClean="0"/>
+              <a:t>, Priority, Processor </a:t>
+            </a:r>
+            <a:r>
+              <a:rPr lang="ko-KR" altLang="en-US" sz="1000" dirty="0" smtClean="0"/>
+              <a:t>사용 시간</a:t>
+            </a:r>
+            <a:r>
+              <a:rPr lang="en-US" altLang="ko-KR" sz="1000" dirty="0" smtClean="0"/>
+              <a:t>, Process Exit Code, Process Exit Time </a:t>
+            </a:r>
+            <a:r>
+              <a:rPr lang="ko-KR" altLang="en-US" sz="1000" dirty="0" smtClean="0"/>
+              <a:t>등</a:t>
+            </a:r>
+            <a:r>
+              <a:rPr lang="en-US" altLang="ko-KR" sz="1000" dirty="0" smtClean="0"/>
+              <a:t/>
+            </a:r>
+            <a:br>
+              <a:rPr lang="en-US" altLang="ko-KR" sz="1000" dirty="0" smtClean="0"/>
+            </a:br>
+            <a:r>
+              <a:rPr lang="en-US" altLang="ko-KR" sz="1000" dirty="0" smtClean="0"/>
+              <a:t> 3) Parsing </a:t>
+            </a:r>
+            <a:br>
+              <a:rPr lang="en-US" altLang="ko-KR" sz="1000" dirty="0" smtClean="0"/>
+            </a:br>
+            <a:r>
+              <a:rPr lang="en-US" altLang="ko-KR" sz="1000" dirty="0" smtClean="0"/>
+              <a:t>   - </a:t>
+            </a:r>
+            <a:r>
+              <a:rPr lang="en-US" altLang="ko-KR" sz="1000" dirty="0" smtClean="0"/>
+              <a:t>#</a:t>
+            </a:r>
+            <a:r>
+              <a:rPr lang="ko-KR" altLang="en-US" sz="1000" dirty="0" smtClean="0"/>
+              <a:t>을</a:t>
+            </a:r>
+            <a:r>
+              <a:rPr lang="en-US" altLang="ko-KR" sz="1000" dirty="0" smtClean="0"/>
+              <a:t> separator</a:t>
+            </a:r>
+            <a:r>
+              <a:rPr lang="ko-KR" altLang="en-US" sz="1000" dirty="0" smtClean="0"/>
+              <a:t>로 설정하여 문자열 </a:t>
+            </a:r>
+            <a:r>
+              <a:rPr lang="en-US" altLang="ko-KR" sz="1000" dirty="0" smtClean="0"/>
+              <a:t>split. SIZE parsing</a:t>
+            </a:r>
+            <a:r>
+              <a:rPr lang="ko-KR" altLang="en-US" sz="1000" dirty="0" smtClean="0"/>
+              <a:t>은 </a:t>
+            </a:r>
+            <a:r>
+              <a:rPr lang="en-US" altLang="ko-KR" sz="1000" dirty="0" smtClean="0"/>
+              <a:t>‘&lt;‘,’&gt;’</a:t>
+            </a:r>
+            <a:r>
+              <a:rPr lang="ko-KR" altLang="en-US" sz="1000" dirty="0" smtClean="0"/>
+              <a:t>을</a:t>
+            </a:r>
+            <a:r>
+              <a:rPr lang="en-US" altLang="ko-KR" sz="1000" dirty="0" smtClean="0"/>
+              <a:t> </a:t>
+            </a:r>
+            <a:r>
+              <a:rPr lang="ko-KR" altLang="en-US" sz="1000" dirty="0" smtClean="0"/>
+              <a:t>적절히 사용</a:t>
+            </a:r>
+            <a:r>
+              <a:rPr lang="en-US" altLang="ko-KR" sz="1000" dirty="0" smtClean="0"/>
+              <a:t>.</a:t>
+            </a:r>
+            <a:br>
+              <a:rPr lang="en-US" altLang="ko-KR" sz="1000" dirty="0" smtClean="0"/>
+            </a:br>
+            <a:endParaRPr lang="en-US" altLang="ko-KR" sz="1000" dirty="0" smtClean="0"/>
+          </a:p>
+          <a:p>
+            <a:r>
+              <a:rPr lang="en-US" altLang="ko-KR" sz="1000" dirty="0" smtClean="0"/>
+              <a:t>3. Monitoring Logic </a:t>
+            </a:r>
+          </a:p>
+          <a:p>
+            <a:r>
+              <a:rPr lang="en-US" altLang="ko-KR" sz="1000" dirty="0" smtClean="0"/>
+              <a:t> 1) Thread </a:t>
+            </a:r>
+            <a:r>
+              <a:rPr lang="ko-KR" altLang="en-US" sz="1000" dirty="0" smtClean="0"/>
+              <a:t>사용</a:t>
+            </a:r>
+            <a:r>
+              <a:rPr lang="en-US" altLang="ko-KR" sz="1000" dirty="0" smtClean="0"/>
+              <a:t> </a:t>
+            </a:r>
+            <a:br>
+              <a:rPr lang="en-US" altLang="ko-KR" sz="1000" dirty="0" smtClean="0"/>
+            </a:br>
+            <a:r>
+              <a:rPr lang="en-US" altLang="ko-KR" sz="1000" dirty="0" smtClean="0"/>
+              <a:t>   - 1</a:t>
+            </a:r>
+            <a:r>
+              <a:rPr lang="ko-KR" altLang="en-US" sz="1000" dirty="0" smtClean="0"/>
+              <a:t>초 간격으로 </a:t>
+            </a:r>
+            <a:r>
+              <a:rPr lang="en-US" altLang="ko-KR" sz="1000" dirty="0" smtClean="0"/>
+              <a:t>Monitoring </a:t>
+            </a:r>
+            <a:r>
+              <a:rPr lang="ko-KR" altLang="en-US" sz="1000" dirty="0" smtClean="0"/>
+              <a:t>작업을 수행</a:t>
+            </a:r>
+            <a:r>
+              <a:rPr lang="en-US" altLang="ko-KR" sz="1000" dirty="0" smtClean="0"/>
+              <a:t>. </a:t>
+            </a:r>
+            <a:br>
+              <a:rPr lang="en-US" altLang="ko-KR" sz="1000" dirty="0" smtClean="0"/>
+            </a:br>
+            <a:r>
+              <a:rPr lang="en-US" altLang="ko-KR" sz="1000" dirty="0" smtClean="0"/>
+              <a:t>   - </a:t>
+            </a:r>
+            <a:r>
+              <a:rPr lang="en-US" altLang="ko-KR" sz="1000" dirty="0" smtClean="0"/>
+              <a:t>1</a:t>
+            </a:r>
+            <a:r>
+              <a:rPr lang="ko-KR" altLang="en-US" sz="1000" dirty="0" smtClean="0"/>
+              <a:t>초를 딱 맞출 필요는 없으므로 루프에 </a:t>
+            </a:r>
+            <a:r>
+              <a:rPr lang="en-US" altLang="ko-KR" sz="1000" dirty="0" smtClean="0"/>
+              <a:t>Sleep 1</a:t>
+            </a:r>
+            <a:r>
+              <a:rPr lang="ko-KR" altLang="en-US" sz="1000" dirty="0" smtClean="0"/>
+              <a:t>초를 </a:t>
+            </a:r>
+            <a:r>
+              <a:rPr lang="ko-KR" altLang="en-US" sz="1000" dirty="0" smtClean="0"/>
+              <a:t>주면</a:t>
+            </a:r>
+            <a:r>
+              <a:rPr lang="en-US" altLang="ko-KR" sz="1000" dirty="0" smtClean="0"/>
+              <a:t> </a:t>
+            </a:r>
+            <a:r>
+              <a:rPr lang="ko-KR" altLang="en-US" sz="1000" dirty="0" smtClean="0"/>
+              <a:t>되고</a:t>
+            </a:r>
+            <a:r>
+              <a:rPr lang="en-US" altLang="ko-KR" sz="1000" dirty="0" smtClean="0"/>
+              <a:t>, </a:t>
+            </a:r>
+            <a:r>
+              <a:rPr lang="ko-KR" altLang="en-US" sz="1000" dirty="0" smtClean="0"/>
+              <a:t>좀 </a:t>
+            </a:r>
+            <a:r>
+              <a:rPr lang="ko-KR" altLang="en-US" sz="1000" dirty="0" smtClean="0"/>
+              <a:t>더 정확하게 </a:t>
+            </a:r>
+            <a:r>
+              <a:rPr lang="en-US" altLang="ko-KR" sz="1000" dirty="0" smtClean="0"/>
+              <a:t>1</a:t>
+            </a:r>
+            <a:r>
+              <a:rPr lang="ko-KR" altLang="en-US" sz="1000" dirty="0" smtClean="0"/>
+              <a:t>초 간격을 유지하려면 </a:t>
+            </a:r>
+            <a:r>
+              <a:rPr lang="en-US" altLang="ko-KR" sz="1000" dirty="0" smtClean="0"/>
+              <a:t>1</a:t>
+            </a:r>
+            <a:r>
+              <a:rPr lang="ko-KR" altLang="en-US" sz="1000" dirty="0" smtClean="0"/>
+              <a:t>초에서 수행 시간을 뺀 값으로 </a:t>
+            </a:r>
+            <a:r>
+              <a:rPr lang="en-US" altLang="ko-KR" sz="1000" dirty="0" smtClean="0"/>
+              <a:t>Sleep </a:t>
+            </a:r>
+            <a:r>
+              <a:rPr lang="ko-KR" altLang="en-US" sz="1000" dirty="0" smtClean="0"/>
+              <a:t>값을 설정하면 됨</a:t>
+            </a:r>
+            <a:r>
+              <a:rPr lang="en-US" altLang="ko-KR" sz="1000" dirty="0" smtClean="0"/>
+              <a:t>. </a:t>
+            </a:r>
+            <a:br>
+              <a:rPr lang="en-US" altLang="ko-KR" sz="1000" dirty="0" smtClean="0"/>
+            </a:br>
+            <a:r>
+              <a:rPr lang="en-US" altLang="ko-KR" sz="1000" dirty="0" smtClean="0"/>
+              <a:t> 2) Alarm Check </a:t>
+            </a:r>
+            <a:br>
+              <a:rPr lang="en-US" altLang="ko-KR" sz="1000" dirty="0" smtClean="0"/>
+            </a:br>
+            <a:r>
+              <a:rPr lang="en-US" altLang="ko-KR" sz="1000" dirty="0" smtClean="0"/>
+              <a:t> </a:t>
+            </a:r>
+            <a:r>
+              <a:rPr lang="en-US" altLang="ko-KR" sz="1000" dirty="0" smtClean="0"/>
+              <a:t>  - </a:t>
+            </a:r>
+            <a:r>
+              <a:rPr lang="en-US" altLang="ko-KR" sz="1000" dirty="0" err="1" smtClean="0"/>
+              <a:t>Config</a:t>
+            </a:r>
+            <a:r>
+              <a:rPr lang="en-US" altLang="ko-KR" sz="1000" dirty="0" smtClean="0"/>
+              <a:t> List</a:t>
+            </a:r>
+            <a:r>
+              <a:rPr lang="ko-KR" altLang="en-US" sz="1000" dirty="0" smtClean="0"/>
+              <a:t>의 </a:t>
+            </a:r>
+            <a:r>
+              <a:rPr lang="en-US" altLang="ko-KR" sz="1000" dirty="0" smtClean="0"/>
+              <a:t>Item</a:t>
+            </a:r>
+            <a:r>
+              <a:rPr lang="ko-KR" altLang="en-US" sz="1000" dirty="0" smtClean="0"/>
+              <a:t>순서로 </a:t>
+            </a:r>
+            <a:r>
+              <a:rPr lang="en-US" altLang="ko-KR" sz="1000" dirty="0" smtClean="0"/>
+              <a:t>Alarm Check </a:t>
+            </a:r>
+            <a:r>
+              <a:rPr lang="ko-KR" altLang="en-US" sz="1000" dirty="0" smtClean="0"/>
+              <a:t>수행 </a:t>
+            </a:r>
+            <a:r>
+              <a:rPr lang="en-US" altLang="ko-KR" sz="1000" dirty="0" smtClean="0"/>
+              <a:t/>
+            </a:r>
+            <a:br>
+              <a:rPr lang="en-US" altLang="ko-KR" sz="1000" dirty="0" smtClean="0"/>
+            </a:br>
+            <a:r>
+              <a:rPr lang="en-US" altLang="ko-KR" sz="1000" dirty="0" smtClean="0"/>
+              <a:t>   - </a:t>
+            </a:r>
+            <a:r>
+              <a:rPr lang="ko-KR" altLang="en-US" sz="1000" dirty="0" smtClean="0"/>
+              <a:t>요구사항에서는 </a:t>
+            </a:r>
+            <a:r>
+              <a:rPr lang="en-US" altLang="ko-KR" sz="1000" dirty="0" smtClean="0"/>
+              <a:t>File</a:t>
+            </a:r>
+            <a:r>
+              <a:rPr lang="ko-KR" altLang="en-US" sz="1000" dirty="0" smtClean="0"/>
+              <a:t>과 </a:t>
+            </a:r>
+            <a:r>
+              <a:rPr lang="en-US" altLang="ko-KR" sz="1000" dirty="0" smtClean="0"/>
+              <a:t>Process</a:t>
+            </a:r>
+            <a:r>
+              <a:rPr lang="ko-KR" altLang="en-US" sz="1000" dirty="0" smtClean="0"/>
+              <a:t>에 </a:t>
+            </a:r>
+            <a:r>
+              <a:rPr lang="ko-KR" altLang="en-US" sz="1000" dirty="0" smtClean="0"/>
+              <a:t>대해서만 </a:t>
+            </a:r>
+            <a:r>
+              <a:rPr lang="en-US" altLang="ko-KR" sz="1000" dirty="0" smtClean="0"/>
+              <a:t>Monitoring</a:t>
+            </a:r>
+            <a:r>
+              <a:rPr lang="ko-KR" altLang="en-US" sz="1000" dirty="0" smtClean="0"/>
+              <a:t>하게 되어 있는데</a:t>
+            </a:r>
+            <a:r>
+              <a:rPr lang="en-US" altLang="ko-KR" sz="1000" dirty="0" smtClean="0"/>
+              <a:t>, </a:t>
+            </a:r>
+            <a:r>
+              <a:rPr lang="ko-KR" altLang="en-US" sz="1000" dirty="0" smtClean="0"/>
+              <a:t>향후에 </a:t>
+            </a:r>
+            <a:r>
+              <a:rPr lang="en-US" altLang="ko-KR" sz="1000" dirty="0" smtClean="0"/>
+              <a:t>Type</a:t>
+            </a:r>
+            <a:r>
+              <a:rPr lang="ko-KR" altLang="en-US" sz="1000" dirty="0" smtClean="0"/>
+              <a:t>이 추가되었을 경우 </a:t>
+            </a:r>
+            <a:r>
+              <a:rPr lang="en-US" altLang="ko-KR" sz="1000" dirty="0" smtClean="0"/>
+              <a:t>Logic </a:t>
             </a:r>
             <a:r>
               <a:rPr lang="ko-KR" altLang="en-US" sz="1000" dirty="0" err="1" smtClean="0"/>
-              <a:t>확장성</a:t>
+              <a:t>수행부를</a:t>
+            </a:r>
+            <a:r>
+              <a:rPr lang="ko-KR" altLang="en-US" sz="1000" dirty="0" smtClean="0"/>
+              <a:t> 추가하기 쉽게 설계</a:t>
+            </a:r>
+            <a:endParaRPr lang="en-US" altLang="ko-KR" sz="1000" dirty="0" smtClean="0"/>
+          </a:p>
+          <a:p>
+            <a:r>
+              <a:rPr lang="en-US" altLang="ko-KR" sz="1000" dirty="0" smtClean="0"/>
+              <a:t>     : Type</a:t>
+            </a:r>
+            <a:r>
+              <a:rPr lang="ko-KR" altLang="en-US" sz="1000" dirty="0" smtClean="0"/>
+              <a:t>별 </a:t>
+            </a:r>
+            <a:r>
+              <a:rPr lang="en-US" altLang="ko-KR" sz="1000" dirty="0" smtClean="0"/>
+              <a:t>Alarm Check </a:t>
+            </a:r>
+            <a:r>
+              <a:rPr lang="ko-KR" altLang="en-US" sz="1000" dirty="0" smtClean="0"/>
+              <a:t>수행 </a:t>
+            </a:r>
+            <a:r>
+              <a:rPr lang="en-US" altLang="ko-KR" sz="1000" dirty="0" smtClean="0"/>
+              <a:t>Thread</a:t>
+            </a:r>
+            <a:r>
+              <a:rPr lang="ko-KR" altLang="en-US" sz="1000" dirty="0" smtClean="0"/>
+              <a:t>나 메서드를 추가하기 쉬운 구조로 구성</a:t>
             </a:r>
             <a:r>
               <a:rPr lang="en-US" altLang="ko-KR" sz="1000" dirty="0" smtClean="0"/>
@@ -4479,298 +6663,7 @@
             </a:br>
             <a:r>
               <a:rPr lang="en-US" altLang="ko-KR" sz="1000" dirty="0" smtClean="0"/>
-              <a:t>  - </a:t>
-            </a:r>
-            <a:r>
-              <a:rPr lang="ko-KR" altLang="en-US" sz="1000" dirty="0" smtClean="0"/>
-              <a:t>크게 사용자 입력을 받아 처리하는 </a:t>
-            </a:r>
-            <a:r>
-              <a:rPr lang="en-US" altLang="ko-KR" sz="1000" dirty="0" smtClean="0"/>
-              <a:t>5</a:t>
-            </a:r>
-            <a:r>
-              <a:rPr lang="ko-KR" altLang="en-US" sz="1000" dirty="0" err="1" smtClean="0"/>
-              <a:t>번문항의</a:t>
-            </a:r>
-            <a:r>
-              <a:rPr lang="ko-KR" altLang="en-US" sz="1000" dirty="0" smtClean="0"/>
-              <a:t> 기능과</a:t>
-            </a:r>
-            <a:r>
-              <a:rPr lang="en-US" altLang="ko-KR" sz="1000" dirty="0" smtClean="0"/>
-              <a:t>, 1~4</a:t>
-            </a:r>
-            <a:r>
-              <a:rPr lang="ko-KR" altLang="en-US" sz="1000" dirty="0" smtClean="0"/>
-              <a:t>번 문항의 </a:t>
-            </a:r>
-            <a:r>
-              <a:rPr lang="en-US" altLang="ko-KR" sz="1000" dirty="0" smtClean="0"/>
-              <a:t>Monitoring</a:t>
-            </a:r>
-            <a:r>
-              <a:rPr lang="ko-KR" altLang="en-US" sz="1000" dirty="0" smtClean="0"/>
-              <a:t>기능으로 구분 가능</a:t>
-            </a:r>
-            <a:r>
-              <a:rPr lang="en-US" altLang="ko-KR" sz="1000" dirty="0" smtClean="0"/>
-              <a:t>.</a:t>
-            </a:r>
-            <a:br>
-              <a:rPr lang="en-US" altLang="ko-KR" sz="1000" dirty="0" smtClean="0"/>
-            </a:br>
-            <a:r>
-              <a:rPr lang="en-US" altLang="ko-KR" sz="1000" dirty="0" smtClean="0"/>
-              <a:t>    : Logic Class</a:t>
-            </a:r>
-            <a:r>
-              <a:rPr lang="ko-KR" altLang="en-US" sz="1000" dirty="0" smtClean="0"/>
-              <a:t>에는 공통 함수</a:t>
-            </a:r>
-            <a:r>
-              <a:rPr lang="en-US" altLang="ko-KR" sz="1000" dirty="0" smtClean="0"/>
-              <a:t>/</a:t>
-            </a:r>
-            <a:r>
-              <a:rPr lang="ko-KR" altLang="en-US" sz="1000" dirty="0" smtClean="0"/>
-              <a:t>변수들을 담아두고</a:t>
-            </a:r>
-            <a:r>
-              <a:rPr lang="en-US" altLang="ko-KR" sz="1000" dirty="0" smtClean="0"/>
-              <a:t>, </a:t>
-            </a:r>
-            <a:r>
-              <a:rPr lang="ko-KR" altLang="en-US" sz="1000" dirty="0" smtClean="0"/>
-              <a:t>기능별로 </a:t>
-            </a:r>
-            <a:r>
-              <a:rPr lang="en-US" altLang="ko-KR" sz="1000" dirty="0" smtClean="0"/>
-              <a:t>Logic Class</a:t>
-            </a:r>
-            <a:r>
-              <a:rPr lang="ko-KR" altLang="en-US" sz="1000" dirty="0" smtClean="0"/>
-              <a:t>를 상속 받아 자식 </a:t>
-            </a:r>
-            <a:r>
-              <a:rPr lang="en-US" altLang="ko-KR" sz="1000" dirty="0" smtClean="0"/>
-              <a:t>Class</a:t>
-            </a:r>
-            <a:r>
-              <a:rPr lang="ko-KR" altLang="en-US" sz="1000" dirty="0" smtClean="0"/>
-              <a:t>를 생성하여 확장할 수 있게 함</a:t>
-            </a:r>
-            <a:r>
-              <a:rPr lang="en-US" altLang="ko-KR" sz="1000" dirty="0" smtClean="0"/>
-              <a:t>. </a:t>
-            </a:r>
-            <a:br>
-              <a:rPr lang="en-US" altLang="ko-KR" sz="1000" dirty="0" smtClean="0"/>
-            </a:br>
-            <a:r>
-              <a:rPr lang="en-US" altLang="ko-KR" sz="1000" dirty="0" smtClean="0"/>
-              <a:t>     Ex) </a:t>
-            </a:r>
-            <a:r>
-              <a:rPr lang="ko-KR" altLang="en-US" sz="1000" dirty="0" smtClean="0"/>
-              <a:t>기능별로 결과파일의 포맷이 변경되어도 각각 쉽게 처리할 수 있음</a:t>
-            </a:r>
-            <a:r>
-              <a:rPr lang="en-US" altLang="ko-KR" sz="1000" dirty="0" smtClean="0"/>
-              <a:t>.</a:t>
-            </a:r>
-            <a:br>
-              <a:rPr lang="en-US" altLang="ko-KR" sz="1000" dirty="0" smtClean="0"/>
-            </a:br>
-            <a:r>
-              <a:rPr lang="en-US" altLang="ko-KR" sz="1000" dirty="0" smtClean="0"/>
-              <a:t/>
-            </a:r>
-            <a:br>
-              <a:rPr lang="en-US" altLang="ko-KR" sz="1000" dirty="0" smtClean="0"/>
-            </a:br>
-            <a:r>
-              <a:rPr lang="en-US" altLang="ko-KR" sz="1000" dirty="0" smtClean="0"/>
-              <a:t>3. </a:t>
-            </a:r>
-            <a:r>
-              <a:rPr lang="ko-KR" altLang="en-US" sz="1000" dirty="0" err="1" smtClean="0"/>
-              <a:t>모니터링할</a:t>
-            </a:r>
-            <a:r>
-              <a:rPr lang="ko-KR" altLang="en-US" sz="1000" dirty="0" smtClean="0"/>
-              <a:t> 수 있는 </a:t>
-            </a:r>
-            <a:r>
-              <a:rPr lang="en-US" altLang="ko-KR" sz="1000" dirty="0" smtClean="0"/>
-              <a:t>Type </a:t>
-            </a:r>
-            <a:r>
-              <a:rPr lang="ko-KR" altLang="en-US" sz="1000" dirty="0" err="1" smtClean="0"/>
-              <a:t>확장성</a:t>
-            </a:r>
-            <a:r>
-              <a:rPr lang="ko-KR" altLang="en-US" sz="1000" dirty="0" smtClean="0"/>
-              <a:t> </a:t>
-            </a:r>
-            <a:r>
-              <a:rPr lang="en-US" altLang="ko-KR" sz="1000" dirty="0" smtClean="0"/>
-              <a:t/>
-            </a:r>
-            <a:br>
-              <a:rPr lang="en-US" altLang="ko-KR" sz="1000" dirty="0" smtClean="0"/>
-            </a:br>
-            <a:r>
-              <a:rPr lang="en-US" altLang="ko-KR" sz="1000" dirty="0" smtClean="0"/>
-              <a:t>  - </a:t>
-            </a:r>
-            <a:r>
-              <a:rPr lang="ko-KR" altLang="en-US" sz="1000" dirty="0" smtClean="0"/>
-              <a:t>현재 </a:t>
-            </a:r>
-            <a:r>
-              <a:rPr lang="ko-KR" altLang="en-US" sz="1000" dirty="0" err="1" smtClean="0"/>
-              <a:t>모니터링하는</a:t>
-            </a:r>
-            <a:r>
-              <a:rPr lang="ko-KR" altLang="en-US" sz="1000" dirty="0" smtClean="0"/>
-              <a:t> </a:t>
-            </a:r>
-            <a:r>
-              <a:rPr lang="en-US" altLang="ko-KR" sz="1000" dirty="0" smtClean="0"/>
-              <a:t>Type</a:t>
-            </a:r>
-            <a:r>
-              <a:rPr lang="ko-KR" altLang="en-US" sz="1000" dirty="0" smtClean="0"/>
-              <a:t>이 </a:t>
-            </a:r>
-            <a:r>
-              <a:rPr lang="en-US" altLang="ko-KR" sz="1000" dirty="0" smtClean="0"/>
-              <a:t>File</a:t>
-            </a:r>
-            <a:r>
-              <a:rPr lang="ko-KR" altLang="en-US" sz="1000" dirty="0" smtClean="0"/>
-              <a:t>과 </a:t>
-            </a:r>
-            <a:r>
-              <a:rPr lang="en-US" altLang="ko-KR" sz="1000" dirty="0" smtClean="0"/>
-              <a:t>Proc</a:t>
-            </a:r>
-            <a:r>
-              <a:rPr lang="ko-KR" altLang="en-US" sz="1000" dirty="0" smtClean="0"/>
-              <a:t>만 있지만</a:t>
-            </a:r>
-            <a:r>
-              <a:rPr lang="en-US" altLang="ko-KR" sz="1000" dirty="0" smtClean="0"/>
-              <a:t> </a:t>
-            </a:r>
-            <a:r>
-              <a:rPr lang="ko-KR" altLang="en-US" sz="1000" dirty="0" smtClean="0"/>
-              <a:t>향후 </a:t>
-            </a:r>
-            <a:r>
-              <a:rPr lang="en-US" altLang="ko-KR" sz="1000" dirty="0" smtClean="0"/>
-              <a:t>System Memory </a:t>
-            </a:r>
-            <a:r>
-              <a:rPr lang="ko-KR" altLang="en-US" sz="1000" dirty="0" smtClean="0"/>
-              <a:t>사용량</a:t>
-            </a:r>
-            <a:r>
-              <a:rPr lang="en-US" altLang="ko-KR" sz="1000" dirty="0" smtClean="0"/>
-              <a:t>, Disk </a:t>
-            </a:r>
-            <a:r>
-              <a:rPr lang="ko-KR" altLang="en-US" sz="1000" dirty="0" smtClean="0"/>
-              <a:t>사용량 등도 추가할 수 있기 때문에 확장 가능한 구조로 설계</a:t>
-            </a:r>
-            <a:r>
-              <a:rPr lang="en-US" altLang="ko-KR" sz="1000" dirty="0" smtClean="0"/>
-              <a:t>. </a:t>
-            </a:r>
-            <a:br>
-              <a:rPr lang="en-US" altLang="ko-KR" sz="1000" dirty="0" smtClean="0"/>
-            </a:br>
-            <a:r>
-              <a:rPr lang="en-US" altLang="ko-KR" sz="1000" dirty="0" smtClean="0"/>
-              <a:t>    : Type </a:t>
-            </a:r>
-            <a:r>
-              <a:rPr lang="ko-KR" altLang="en-US" sz="1000" dirty="0" smtClean="0"/>
-              <a:t>구분을 </a:t>
-            </a:r>
-            <a:r>
-              <a:rPr lang="en-US" altLang="ko-KR" sz="1000" dirty="0" err="1" smtClean="0"/>
-              <a:t>Enum</a:t>
-            </a:r>
-            <a:r>
-              <a:rPr lang="ko-KR" altLang="en-US" sz="1000" dirty="0" smtClean="0"/>
-              <a:t>으로 구성하여 별도 </a:t>
-            </a:r>
-            <a:r>
-              <a:rPr lang="en-US" altLang="ko-KR" sz="1000" dirty="0" smtClean="0"/>
-              <a:t>Type</a:t>
-            </a:r>
-            <a:r>
-              <a:rPr lang="ko-KR" altLang="en-US" sz="1000" dirty="0" smtClean="0"/>
-              <a:t>이 생길 경우 쉽게 추가할 수 있는 구조로 처리</a:t>
-            </a:r>
-            <a:r>
-              <a:rPr lang="en-US" altLang="ko-KR" sz="1000" dirty="0" smtClean="0"/>
-              <a:t>.</a:t>
-            </a:r>
-            <a:br>
-              <a:rPr lang="en-US" altLang="ko-KR" sz="1000" dirty="0" smtClean="0"/>
-            </a:br>
-            <a:r>
-              <a:rPr lang="en-US" altLang="ko-KR" sz="1000" dirty="0" smtClean="0"/>
-              <a:t>     Ex) File, Proc, </a:t>
-            </a:r>
-            <a:r>
-              <a:rPr lang="en-US" altLang="ko-KR" sz="1000" dirty="0" err="1" smtClean="0"/>
-              <a:t>SystemMem</a:t>
-            </a:r>
-            <a:r>
-              <a:rPr lang="en-US" altLang="ko-KR" sz="1000" dirty="0" smtClean="0"/>
-              <a:t>, Disk, …</a:t>
-            </a:r>
-            <a:br>
-              <a:rPr lang="en-US" altLang="ko-KR" sz="1000" dirty="0" smtClean="0"/>
-            </a:br>
-            <a:r>
-              <a:rPr lang="en-US" altLang="ko-KR" sz="1000" dirty="0" smtClean="0"/>
-              <a:t>    : Type</a:t>
-            </a:r>
-            <a:r>
-              <a:rPr lang="ko-KR" altLang="en-US" sz="1000" dirty="0" smtClean="0"/>
-              <a:t>별로 처리해야 하는 </a:t>
-            </a:r>
-            <a:r>
-              <a:rPr lang="en-US" altLang="ko-KR" sz="1000" dirty="0" smtClean="0"/>
-              <a:t>Monitoring </a:t>
-            </a:r>
-            <a:r>
-              <a:rPr lang="ko-KR" altLang="en-US" sz="1000" dirty="0" smtClean="0"/>
-              <a:t>작업은 </a:t>
-            </a:r>
-            <a:r>
-              <a:rPr lang="ko-KR" altLang="en-US" sz="1000" dirty="0" err="1" smtClean="0"/>
-              <a:t>메서드</a:t>
-            </a:r>
-            <a:r>
-              <a:rPr lang="ko-KR" altLang="en-US" sz="1000" dirty="0" smtClean="0"/>
-              <a:t> 하나를 추가하여 사용하면 되는 구조로 처리</a:t>
-            </a:r>
-            <a:r>
-              <a:rPr lang="en-US" altLang="ko-KR" sz="1000" dirty="0" smtClean="0"/>
-              <a:t>.</a:t>
-            </a:r>
-            <a:br>
-              <a:rPr lang="en-US" altLang="ko-KR" sz="1000" dirty="0" smtClean="0"/>
-            </a:br>
-            <a:r>
-              <a:rPr lang="en-US" altLang="ko-KR" sz="1000" dirty="0" smtClean="0"/>
-              <a:t>     Ex1) </a:t>
+              <a:t>      ex) </a:t>
             </a:r>
             <a:r>
               <a:rPr lang="en-US" altLang="ko-KR" sz="1000" dirty="0" err="1" smtClean="0"/>
@@ -4804,409 +6697,72 @@
               <a:rPr lang="en-US" altLang="ko-KR" sz="1000" dirty="0" smtClean="0"/>
               <a:t>(), … </a:t>
             </a:r>
+            <a:r>
+              <a:rPr lang="en-US" altLang="ko-KR" sz="1000" dirty="0" smtClean="0"/>
+              <a:t/>
+            </a:r>
             <a:br>
               <a:rPr lang="en-US" altLang="ko-KR" sz="1000" dirty="0" smtClean="0"/>
             </a:br>
             <a:r>
               <a:rPr lang="en-US" altLang="ko-KR" sz="1000" dirty="0" smtClean="0"/>
-              <a:t>     Ex2) </a:t>
-            </a:r>
-            <a:r>
-              <a:rPr lang="en-US" altLang="ko-KR" sz="1000" dirty="0" err="1" smtClean="0"/>
-              <a:t>ProcAlarmCheck</a:t>
-            </a:r>
-            <a:r>
-              <a:rPr lang="en-US" altLang="ko-KR" sz="1000" dirty="0" smtClean="0"/>
-              <a:t>()</a:t>
-            </a:r>
-            <a:r>
-              <a:rPr lang="ko-KR" altLang="en-US" sz="1000" dirty="0" smtClean="0"/>
-              <a:t>수행 시 </a:t>
-            </a:r>
-            <a:r>
-              <a:rPr lang="en-US" altLang="ko-KR" sz="1000" dirty="0" smtClean="0"/>
-              <a:t>Process</a:t>
-            </a:r>
-            <a:r>
-              <a:rPr lang="ko-KR" altLang="en-US" sz="1000" dirty="0" smtClean="0"/>
-              <a:t>를 </a:t>
-            </a:r>
-            <a:r>
-              <a:rPr lang="en-US" altLang="ko-KR" sz="1000" dirty="0" smtClean="0"/>
-              <a:t>Kill</a:t>
-            </a:r>
-            <a:r>
-              <a:rPr lang="ko-KR" altLang="en-US" sz="1000" dirty="0" smtClean="0"/>
-              <a:t>하거나 다시 실행시키는 기능 등을 쉽게 추가할 수 있음</a:t>
-            </a:r>
-            <a:r>
-              <a:rPr lang="en-US" altLang="ko-KR" sz="1000" dirty="0" smtClean="0"/>
-              <a:t/>
-            </a:r>
-            <a:br>
-              <a:rPr lang="en-US" altLang="ko-KR" sz="1000" dirty="0" smtClean="0"/>
-            </a:br>
-            <a:r>
-              <a:rPr lang="en-US" altLang="ko-KR" sz="1000" dirty="0" smtClean="0"/>
-              <a:t>     </a:t>
-            </a:r>
-            <a:r>
-              <a:rPr lang="en-US" altLang="ko-KR" sz="1000" dirty="0" smtClean="0">
-                <a:sym typeface="Wingdings" pitchFamily="2" charset="2"/>
-              </a:rPr>
-              <a:t> Type</a:t>
-            </a:r>
-            <a:r>
-              <a:rPr lang="ko-KR" altLang="en-US" sz="1000" dirty="0" smtClean="0">
-                <a:sym typeface="Wingdings" pitchFamily="2" charset="2"/>
-              </a:rPr>
-              <a:t>별로 처리해야 하는 </a:t>
-            </a:r>
-            <a:r>
-              <a:rPr lang="en-US" altLang="ko-KR" sz="1000" dirty="0" smtClean="0">
-                <a:sym typeface="Wingdings" pitchFamily="2" charset="2"/>
-              </a:rPr>
-              <a:t>Monitoring </a:t>
-            </a:r>
-            <a:r>
-              <a:rPr lang="ko-KR" altLang="en-US" sz="1000" dirty="0" smtClean="0">
-                <a:sym typeface="Wingdings" pitchFamily="2" charset="2"/>
-              </a:rPr>
-              <a:t>작업을 별도 </a:t>
-            </a:r>
-            <a:r>
-              <a:rPr lang="en-US" altLang="ko-KR" sz="1000" dirty="0" smtClean="0">
-                <a:sym typeface="Wingdings" pitchFamily="2" charset="2"/>
-              </a:rPr>
-              <a:t>Thread</a:t>
-            </a:r>
-            <a:r>
-              <a:rPr lang="ko-KR" altLang="en-US" sz="1000" dirty="0" smtClean="0">
-                <a:sym typeface="Wingdings" pitchFamily="2" charset="2"/>
-              </a:rPr>
-              <a:t>를 생성하여 처리할 수도 있으나</a:t>
-            </a:r>
-            <a:r>
-              <a:rPr lang="en-US" altLang="ko-KR" sz="1000" dirty="0" smtClean="0">
-                <a:sym typeface="Wingdings" pitchFamily="2" charset="2"/>
-              </a:rPr>
+              <a:t>   - </a:t>
+            </a:r>
+            <a:r>
+              <a:rPr lang="en-US" altLang="ko-KR" sz="1000" dirty="0" smtClean="0"/>
+              <a:t>Alarm </a:t>
+            </a:r>
+            <a:r>
+              <a:rPr lang="ko-KR" altLang="en-US" sz="1000" dirty="0" smtClean="0"/>
+              <a:t>발생 후 동일 </a:t>
+            </a:r>
+            <a:r>
+              <a:rPr lang="en-US" altLang="ko-KR" sz="1000" dirty="0" smtClean="0"/>
+              <a:t>Alarm</a:t>
+            </a:r>
+            <a:r>
+              <a:rPr lang="ko-KR" altLang="en-US" sz="1000" dirty="0" smtClean="0"/>
+              <a:t>에 대해서는 결과를 출력하지 않아야 하므로</a:t>
+            </a:r>
+            <a:r>
+              <a:rPr lang="en-US" altLang="ko-KR" sz="1000" dirty="0" smtClean="0"/>
               <a:t>, </a:t>
             </a:r>
             <a:r>
-              <a:rPr lang="ko-KR" altLang="en-US" sz="1000" dirty="0" smtClean="0">
-                <a:sym typeface="Wingdings" pitchFamily="2" charset="2"/>
-              </a:rPr>
-              <a:t>결과 파일이 동일할 경우 동기화를 처리해야 하기 때문에 별도 </a:t>
-            </a:r>
-            <a:r>
-              <a:rPr lang="ko-KR" altLang="en-US" sz="1000" dirty="0" err="1" smtClean="0">
-                <a:sym typeface="Wingdings" pitchFamily="2" charset="2"/>
-              </a:rPr>
-              <a:t>메서드로</a:t>
-            </a:r>
-            <a:r>
-              <a:rPr lang="ko-KR" altLang="en-US" sz="1000" dirty="0" smtClean="0">
-                <a:sym typeface="Wingdings" pitchFamily="2" charset="2"/>
-              </a:rPr>
-              <a:t> 처리하는 것이 더 좋다고 판단함</a:t>
-            </a:r>
-            <a:r>
-              <a:rPr lang="en-US" altLang="ko-KR" sz="1000" dirty="0" smtClean="0">
-                <a:sym typeface="Wingdings" pitchFamily="2" charset="2"/>
-              </a:rPr>
-              <a:t>.</a:t>
-            </a:r>
-            <a:br>
-              <a:rPr lang="en-US" altLang="ko-KR" sz="1000" dirty="0" smtClean="0">
-                <a:sym typeface="Wingdings" pitchFamily="2" charset="2"/>
-              </a:rPr>
-            </a:br>
+              <a:rPr lang="ko-KR" altLang="en-US" sz="1000" dirty="0" smtClean="0"/>
+              <a:t>마지막으로 발생한 </a:t>
+            </a:r>
+            <a:r>
+              <a:rPr lang="en-US" altLang="ko-KR" sz="1000" dirty="0" smtClean="0"/>
+              <a:t>Alarm</a:t>
+            </a:r>
+            <a:r>
+              <a:rPr lang="ko-KR" altLang="en-US" sz="1000" dirty="0" smtClean="0"/>
+              <a:t>의 속성을 기억하고 있다가 다시 </a:t>
+            </a:r>
+            <a:r>
+              <a:rPr lang="en-US" altLang="ko-KR" sz="1000" dirty="0" smtClean="0"/>
+              <a:t>Alarm</a:t>
+            </a:r>
+            <a:r>
+              <a:rPr lang="ko-KR" altLang="en-US" sz="1000" dirty="0" smtClean="0"/>
+              <a:t>이 발생할 경우 마지막 발생 </a:t>
+            </a:r>
+            <a:r>
+              <a:rPr lang="en-US" altLang="ko-KR" sz="1000" dirty="0" smtClean="0"/>
+              <a:t>Alarm</a:t>
+            </a:r>
+            <a:r>
+              <a:rPr lang="ko-KR" altLang="en-US" sz="1000" dirty="0" smtClean="0"/>
+              <a:t>의 속성과 다를 경우에만 결과 출력</a:t>
+            </a:r>
             <a:endParaRPr lang="en-US" altLang="ko-KR" sz="1000" dirty="0" smtClean="0"/>
           </a:p>
           <a:p>
-            <a:r>
-              <a:rPr lang="en-US" altLang="ko-KR" sz="1000" dirty="0" smtClean="0"/>
-              <a:t>4. Type</a:t>
-            </a:r>
-            <a:r>
-              <a:rPr lang="ko-KR" altLang="en-US" sz="1000" dirty="0" smtClean="0"/>
-              <a:t>별로 </a:t>
-            </a:r>
-            <a:r>
-              <a:rPr lang="en-US" altLang="ko-KR" sz="1000" dirty="0" smtClean="0"/>
-              <a:t>Alarm Check</a:t>
-            </a:r>
-            <a:r>
-              <a:rPr lang="ko-KR" altLang="en-US" sz="1000" dirty="0" smtClean="0"/>
-              <a:t>해야 하는 </a:t>
-            </a:r>
-            <a:r>
-              <a:rPr lang="en-US" altLang="ko-KR" sz="1000" dirty="0" smtClean="0"/>
-              <a:t>Attribute </a:t>
-            </a:r>
-            <a:r>
-              <a:rPr lang="ko-KR" altLang="en-US" sz="1000" dirty="0" err="1" smtClean="0"/>
-              <a:t>확장성</a:t>
-            </a:r>
-            <a:r>
-              <a:rPr lang="en-US" altLang="ko-KR" sz="1000" dirty="0" smtClean="0"/>
-              <a:t/>
-            </a:r>
-            <a:br>
-              <a:rPr lang="en-US" altLang="ko-KR" sz="1000" dirty="0" smtClean="0"/>
-            </a:br>
-            <a:r>
-              <a:rPr lang="en-US" altLang="ko-KR" sz="1000" dirty="0" smtClean="0"/>
-              <a:t> - File</a:t>
-            </a:r>
-            <a:r>
-              <a:rPr lang="ko-KR" altLang="en-US" sz="1000" dirty="0" smtClean="0"/>
-              <a:t>은 현재 존재여부와 </a:t>
-            </a:r>
-            <a:r>
-              <a:rPr lang="en-US" altLang="ko-KR" sz="1000" dirty="0" smtClean="0"/>
-              <a:t>Size</a:t>
-            </a:r>
-            <a:r>
-              <a:rPr lang="ko-KR" altLang="en-US" sz="1000" dirty="0" smtClean="0"/>
-              <a:t>를 </a:t>
-            </a:r>
-            <a:r>
-              <a:rPr lang="en-US" altLang="ko-KR" sz="1000" dirty="0" smtClean="0"/>
-              <a:t>Check</a:t>
-            </a:r>
-            <a:r>
-              <a:rPr lang="ko-KR" altLang="en-US" sz="1000" dirty="0" smtClean="0"/>
-              <a:t>하고</a:t>
-            </a:r>
-            <a:r>
-              <a:rPr lang="en-US" altLang="ko-KR" sz="1000" dirty="0" smtClean="0"/>
-              <a:t> </a:t>
-            </a:r>
-            <a:r>
-              <a:rPr lang="ko-KR" altLang="en-US" sz="1000" dirty="0" smtClean="0"/>
-              <a:t>있지만</a:t>
-            </a:r>
-            <a:r>
-              <a:rPr lang="en-US" altLang="ko-KR" sz="1000" dirty="0" smtClean="0"/>
-              <a:t>, </a:t>
-            </a:r>
-            <a:r>
-              <a:rPr lang="ko-KR" altLang="en-US" sz="1000" dirty="0" smtClean="0"/>
-              <a:t>생성날짜</a:t>
-            </a:r>
-            <a:r>
-              <a:rPr lang="en-US" altLang="ko-KR" sz="1000" dirty="0" smtClean="0"/>
-              <a:t>, </a:t>
-            </a:r>
-            <a:r>
-              <a:rPr lang="ko-KR" altLang="en-US" sz="1000" dirty="0" smtClean="0"/>
-              <a:t>수정날짜 등도 </a:t>
-            </a:r>
-            <a:r>
-              <a:rPr lang="en-US" altLang="ko-KR" sz="1000" dirty="0" smtClean="0"/>
-              <a:t>Check</a:t>
-            </a:r>
-            <a:r>
-              <a:rPr lang="ko-KR" altLang="en-US" sz="1000" dirty="0" smtClean="0"/>
-              <a:t>할 항목으로 추가 가능하고</a:t>
-            </a:r>
-            <a:r>
-              <a:rPr lang="en-US" altLang="ko-KR" sz="1000" dirty="0" smtClean="0"/>
-              <a:t>, </a:t>
-            </a:r>
-            <a:br>
-              <a:rPr lang="en-US" altLang="ko-KR" sz="1000" dirty="0" smtClean="0"/>
-            </a:br>
-            <a:r>
-              <a:rPr lang="en-US" altLang="ko-KR" sz="1000" dirty="0" smtClean="0"/>
-              <a:t>   Proc</a:t>
-            </a:r>
-            <a:r>
-              <a:rPr lang="ko-KR" altLang="en-US" sz="1000" dirty="0" smtClean="0"/>
-              <a:t>은 존재유무</a:t>
-            </a:r>
-            <a:r>
-              <a:rPr lang="en-US" altLang="ko-KR" sz="1000" dirty="0" smtClean="0"/>
-              <a:t>, </a:t>
-            </a:r>
-            <a:r>
-              <a:rPr lang="ko-KR" altLang="en-US" sz="1000" dirty="0" smtClean="0"/>
-              <a:t>메모리 사용량 이외에 </a:t>
-            </a:r>
-            <a:r>
-              <a:rPr lang="en-US" altLang="ko-KR" sz="1000" dirty="0" smtClean="0"/>
-              <a:t>PID, Priority, Processor </a:t>
-            </a:r>
-            <a:r>
-              <a:rPr lang="ko-KR" altLang="en-US" sz="1000" dirty="0" smtClean="0"/>
-              <a:t>사용 시간</a:t>
-            </a:r>
-            <a:r>
-              <a:rPr lang="en-US" altLang="ko-KR" sz="1000" dirty="0" smtClean="0"/>
-              <a:t>, Process Exit Code, Process Exit Time </a:t>
-            </a:r>
-            <a:r>
-              <a:rPr lang="ko-KR" altLang="en-US" sz="1000" dirty="0" smtClean="0"/>
-              <a:t>등도 추가 가능 </a:t>
-            </a:r>
-            <a:r>
-              <a:rPr lang="en-US" altLang="ko-KR" sz="1000" dirty="0" smtClean="0"/>
-              <a:t/>
-            </a:r>
-            <a:br>
-              <a:rPr lang="en-US" altLang="ko-KR" sz="1000" dirty="0" smtClean="0"/>
-            </a:br>
-            <a:r>
-              <a:rPr lang="en-US" altLang="ko-KR" sz="1000" dirty="0" smtClean="0"/>
-              <a:t>    : Attribute </a:t>
-            </a:r>
-            <a:r>
-              <a:rPr lang="ko-KR" altLang="en-US" sz="1000" dirty="0" smtClean="0"/>
-              <a:t>구분을 </a:t>
-            </a:r>
-            <a:r>
-              <a:rPr lang="en-US" altLang="ko-KR" sz="1000" dirty="0" err="1" smtClean="0"/>
-              <a:t>Enum</a:t>
-            </a:r>
-            <a:r>
-              <a:rPr lang="ko-KR" altLang="en-US" sz="1000" dirty="0" smtClean="0"/>
-              <a:t>으로 구성하여 별도 </a:t>
-            </a:r>
-            <a:r>
-              <a:rPr lang="en-US" altLang="ko-KR" sz="1000" dirty="0" smtClean="0"/>
-              <a:t>Attribute</a:t>
-            </a:r>
-            <a:r>
-              <a:rPr lang="ko-KR" altLang="en-US" sz="1000" dirty="0" smtClean="0"/>
-              <a:t>가 생길 경우 쉽게 추가할 수 있는 구조로 처리</a:t>
-            </a:r>
-            <a:r>
-              <a:rPr lang="en-US" altLang="ko-KR" sz="1000" dirty="0" smtClean="0"/>
-              <a:t>. </a:t>
-            </a:r>
-            <a:br>
-              <a:rPr lang="en-US" altLang="ko-KR" sz="1000" dirty="0" smtClean="0"/>
-            </a:br>
-            <a:r>
-              <a:rPr lang="en-US" altLang="ko-KR" sz="1000" dirty="0" smtClean="0"/>
-              <a:t>      Ex) None, Exist, Size, Memory, PID, Priority, …</a:t>
-            </a:r>
-            <a:br>
-              <a:rPr lang="en-US" altLang="ko-KR" sz="1000" dirty="0" smtClean="0"/>
-            </a:br>
-            <a:r>
-              <a:rPr lang="en-US" altLang="ko-KR" sz="1000" dirty="0" smtClean="0"/>
-              <a:t>    : Alarm </a:t>
-            </a:r>
-            <a:r>
-              <a:rPr lang="ko-KR" altLang="en-US" sz="1000" dirty="0" smtClean="0"/>
-              <a:t>결과를 한 번 쓰고 나면 동일 </a:t>
-            </a:r>
-            <a:r>
-              <a:rPr lang="ko-KR" altLang="en-US" sz="1000" dirty="0" err="1" smtClean="0"/>
-              <a:t>알람에</a:t>
-            </a:r>
-            <a:r>
-              <a:rPr lang="ko-KR" altLang="en-US" sz="1000" dirty="0" smtClean="0"/>
-              <a:t> 대해서는 다시 쓰지 않는 요구조건을 만족하기 위해 </a:t>
-            </a:r>
-            <a:r>
-              <a:rPr lang="en-US" altLang="ko-KR" sz="1000" dirty="0" smtClean="0"/>
-              <a:t>Attribute </a:t>
-            </a:r>
-            <a:r>
-              <a:rPr lang="ko-KR" altLang="en-US" sz="1000" dirty="0" smtClean="0"/>
-              <a:t>타입의</a:t>
-            </a:r>
-            <a:r>
-              <a:rPr lang="en-US" altLang="ko-KR" sz="1000" dirty="0" smtClean="0"/>
-              <a:t> </a:t>
-            </a:r>
-            <a:r>
-              <a:rPr lang="ko-KR" altLang="en-US" sz="1000" dirty="0" smtClean="0"/>
-              <a:t>변수를 하나 두어 </a:t>
-            </a:r>
-            <a:r>
-              <a:rPr lang="en-US" altLang="ko-KR" sz="1000" dirty="0" smtClean="0"/>
-              <a:t>Alarm </a:t>
-            </a:r>
-            <a:r>
-              <a:rPr lang="ko-KR" altLang="en-US" sz="1000" dirty="0" smtClean="0"/>
-              <a:t>발생 시 </a:t>
-            </a:r>
-            <a:r>
-              <a:rPr lang="en-US" altLang="ko-KR" sz="1000" dirty="0" smtClean="0"/>
-              <a:t>Last Alarm</a:t>
-            </a:r>
-            <a:r>
-              <a:rPr lang="ko-KR" altLang="en-US" sz="1000" dirty="0" smtClean="0"/>
-              <a:t>여부를 구분하는 용도로도 활용</a:t>
-            </a:r>
-            <a:r>
-              <a:rPr lang="en-US" altLang="ko-KR" sz="1000" dirty="0" smtClean="0"/>
-              <a:t>. Alarm</a:t>
-            </a:r>
-            <a:r>
-              <a:rPr lang="ko-KR" altLang="en-US" sz="1000" dirty="0" smtClean="0"/>
-              <a:t>이 해제되면 </a:t>
-            </a:r>
-            <a:r>
-              <a:rPr lang="en-US" altLang="ko-KR" sz="1000" dirty="0" smtClean="0"/>
-              <a:t>None</a:t>
-            </a:r>
-            <a:r>
-              <a:rPr lang="ko-KR" altLang="en-US" sz="1000" dirty="0" smtClean="0"/>
-              <a:t>으로 </a:t>
-            </a:r>
-            <a:r>
-              <a:rPr lang="ko-KR" altLang="en-US" sz="1000" dirty="0" err="1" smtClean="0"/>
-              <a:t>세팅하여</a:t>
-            </a:r>
-            <a:r>
-              <a:rPr lang="ko-KR" altLang="en-US" sz="1000" dirty="0" smtClean="0"/>
-              <a:t> 이후 어떤 </a:t>
-            </a:r>
-            <a:r>
-              <a:rPr lang="en-US" altLang="ko-KR" sz="1000" dirty="0" smtClean="0"/>
-              <a:t>Attribute</a:t>
-            </a:r>
-            <a:r>
-              <a:rPr lang="ko-KR" altLang="en-US" sz="1000" dirty="0" smtClean="0"/>
-              <a:t>의 </a:t>
-            </a:r>
-            <a:r>
-              <a:rPr lang="en-US" altLang="ko-KR" sz="1000" dirty="0" smtClean="0"/>
-              <a:t>Alarm</a:t>
-            </a:r>
-            <a:r>
-              <a:rPr lang="ko-KR" altLang="en-US" sz="1000" dirty="0" smtClean="0"/>
-              <a:t> 조건이 만족하던지 </a:t>
-            </a:r>
-            <a:r>
-              <a:rPr lang="ko-KR" altLang="en-US" sz="1000" dirty="0" err="1" smtClean="0"/>
-              <a:t>알람</a:t>
-            </a:r>
-            <a:r>
-              <a:rPr lang="ko-KR" altLang="en-US" sz="1000" dirty="0" smtClean="0"/>
-              <a:t> 결과 작성</a:t>
-            </a:r>
-            <a:r>
-              <a:rPr lang="en-US" altLang="ko-KR" sz="1000" dirty="0" smtClean="0"/>
-              <a:t>.</a:t>
-            </a:r>
-            <a:r>
-              <a:rPr lang="ko-KR" altLang="en-US" sz="1000" dirty="0" smtClean="0"/>
-              <a:t> </a:t>
-            </a:r>
-            <a:r>
-              <a:rPr lang="en-US" altLang="ko-KR" sz="1000" dirty="0" smtClean="0"/>
-              <a:t/>
-            </a:r>
-            <a:br>
-              <a:rPr lang="en-US" altLang="ko-KR" sz="1000" dirty="0" smtClean="0"/>
-            </a:br>
-            <a:endParaRPr lang="ko-KR" altLang="en-US" sz="1000" dirty="0"/>
+            <a:endParaRPr lang="en-US" altLang="ko-KR" sz="1000" dirty="0" smtClean="0"/>
+          </a:p>
+          <a:p>
+            <a:endParaRPr lang="en-US" altLang="ko-KR" sz="1000" dirty="0" smtClean="0"/>
           </a:p>
         </p:txBody>
       </p:sp>
@@ -5239,11 +6795,7 @@
           <a:p>
             <a:r>
               <a:rPr lang="ko-KR" altLang="en-US" dirty="0" smtClean="0"/>
-              <a:t>모듈화 및 </a:t>
-            </a:r>
-            <a:r>
-              <a:rPr lang="ko-KR" altLang="en-US" dirty="0" err="1" smtClean="0"/>
-              <a:t>확장성</a:t>
+              <a:t>로직 설계</a:t>
             </a:r>
             <a:endParaRPr lang="en-US" altLang="ko-KR" dirty="0" smtClean="0"/>
           </a:p>
@@ -5257,7 +6809,7 @@
 </p:sld>
 </file>
 
-<file path=ppt/slides/slide13.xml><?xml version="1.0" encoding="utf-8"?>
+<file path=ppt/slides/slide15.xml><?xml version="1.0" encoding="utf-8"?>
 <p:sld xmlns:a="http://schemas.openxmlformats.org/drawingml/2006/main" xmlns:r="http://schemas.openxmlformats.org/officeDocument/2006/relationships" xmlns:p="http://schemas.openxmlformats.org/presentationml/2006/main">
   <p:cSld>
     <p:spTree>
@@ -5301,10 +6853,9 @@
           </a:bodyPr>
           <a:lstStyle/>
           <a:p>
-            <a:pPr algn="ctr"/>
             <a:r>
               <a:rPr lang="ko-KR" altLang="en-US" dirty="0" smtClean="0"/>
-              <a:t>상용화 고려</a:t>
+              <a:t>로직 설계</a:t>
             </a:r>
             <a:endParaRPr lang="en-US" altLang="ko-KR" dirty="0" smtClean="0"/>
           </a:p>
@@ -5318,8 +6869,8 @@
         </p:nvSpPr>
         <p:spPr>
           <a:xfrm>
-            <a:off x="251520" y="260648"/>
-            <a:ext cx="8640960" cy="5632311"/>
+            <a:off x="323528" y="692696"/>
+            <a:ext cx="8496944" cy="2862322"/>
           </a:xfrm>
           <a:prstGeom prst="rect">
             <a:avLst/>
@@ -5331,43 +6882,120 @@
           </a:bodyPr>
           <a:lstStyle/>
           <a:p>
-            <a:pPr>
-              <a:buFont typeface="Arial" charset="0"/>
-              <a:buChar char="•"/>
-            </a:pPr>
-            <a:r>
-              <a:rPr lang="ko-KR" altLang="en-US" sz="1000" dirty="0" smtClean="0"/>
-              <a:t>상용화 고려</a:t>
-            </a:r>
-            <a:r>
-              <a:rPr lang="en-US" altLang="ko-KR" sz="1000" dirty="0" smtClean="0"/>
+            <a:r>
+              <a:rPr lang="en-US" altLang="ko-KR" sz="1000" dirty="0" smtClean="0"/>
+              <a:t>4. </a:t>
+            </a:r>
+            <a:r>
+              <a:rPr lang="en-US" altLang="ko-KR" sz="1000" dirty="0" smtClean="0"/>
+              <a:t>Main Logic (Process Memory Logic)</a:t>
+            </a:r>
+            <a:br>
+              <a:rPr lang="en-US" altLang="ko-KR" sz="1000" dirty="0" smtClean="0"/>
+            </a:br>
+            <a:r>
+              <a:rPr lang="en-US" altLang="ko-KR" sz="1000" dirty="0" smtClean="0"/>
+              <a:t> 1) </a:t>
+            </a:r>
+            <a:r>
+              <a:rPr lang="ko-KR" altLang="en-US" sz="1000" dirty="0" smtClean="0"/>
+              <a:t>실행 후 </a:t>
+            </a:r>
+            <a:r>
+              <a:rPr lang="en-US" altLang="ko-KR" sz="1000" dirty="0" smtClean="0"/>
+              <a:t>1</a:t>
+            </a:r>
+            <a:r>
+              <a:rPr lang="ko-KR" altLang="en-US" sz="1000" dirty="0" smtClean="0"/>
+              <a:t>초 </a:t>
+            </a:r>
+            <a:r>
+              <a:rPr lang="en-US" altLang="ko-KR" sz="1000" dirty="0" smtClean="0"/>
+              <a:t>Monitoring Thread </a:t>
+            </a:r>
+            <a:r>
+              <a:rPr lang="ko-KR" altLang="en-US" sz="1000" dirty="0" smtClean="0"/>
+              <a:t>생성</a:t>
+            </a:r>
+            <a:r>
+              <a:rPr lang="en-US" altLang="ko-KR" sz="1000" dirty="0" smtClean="0"/>
+              <a:t> </a:t>
+            </a:r>
+            <a:r>
+              <a:rPr lang="en-US" altLang="ko-KR" sz="1000" dirty="0" smtClean="0">
+                <a:sym typeface="Wingdings" pitchFamily="2" charset="2"/>
+              </a:rPr>
               <a:t/>
             </a:r>
             <a:br>
-              <a:rPr lang="en-US" altLang="ko-KR" sz="1000" dirty="0" smtClean="0"/>
+              <a:rPr lang="en-US" altLang="ko-KR" sz="1000" dirty="0" smtClean="0">
+                <a:sym typeface="Wingdings" pitchFamily="2" charset="2"/>
+              </a:rPr>
             </a:br>
             <a:r>
-              <a:rPr lang="en-US" altLang="ko-KR" sz="1000" dirty="0" smtClean="0"/>
-              <a:t>1. UI</a:t>
+              <a:rPr lang="en-US" altLang="ko-KR" sz="1000" dirty="0" smtClean="0">
+                <a:sym typeface="Wingdings" pitchFamily="2" charset="2"/>
+              </a:rPr>
+              <a:t> 2) C</a:t>
+            </a:r>
+            <a:r>
+              <a:rPr lang="en-US" altLang="ko-KR" sz="1000" dirty="0" smtClean="0"/>
+              <a:t>onsole </a:t>
+            </a:r>
+            <a:r>
+              <a:rPr lang="ko-KR" altLang="en-US" sz="1000" dirty="0" smtClean="0"/>
+              <a:t>입력 처리 후 </a:t>
+            </a:r>
+            <a:r>
+              <a:rPr lang="en-US" altLang="ko-KR" sz="1000" dirty="0" smtClean="0"/>
+              <a:t>Logic </a:t>
+            </a:r>
+            <a:r>
+              <a:rPr lang="ko-KR" altLang="en-US" sz="1000" dirty="0" smtClean="0"/>
+              <a:t>수행</a:t>
+            </a:r>
+            <a:r>
+              <a:rPr lang="en-US" altLang="ko-KR" sz="1000" dirty="0" smtClean="0"/>
+              <a:t>. Logic </a:t>
+            </a:r>
+            <a:r>
+              <a:rPr lang="ko-KR" altLang="en-US" sz="1000" dirty="0" smtClean="0"/>
+              <a:t>처리 후 </a:t>
+            </a:r>
+            <a:r>
+              <a:rPr lang="en-US" altLang="ko-KR" sz="1000" dirty="0" smtClean="0"/>
+              <a:t>Console </a:t>
+            </a:r>
+            <a:r>
+              <a:rPr lang="ko-KR" altLang="en-US" sz="1000" dirty="0" err="1" smtClean="0"/>
+              <a:t>입력부로</a:t>
+            </a:r>
+            <a:r>
+              <a:rPr lang="ko-KR" altLang="en-US" sz="1000" dirty="0" smtClean="0"/>
+              <a:t> 이동</a:t>
+            </a:r>
+            <a:r>
+              <a:rPr lang="en-US" altLang="ko-KR" sz="1000" dirty="0" smtClean="0"/>
+              <a:t>.</a:t>
             </a:r>
             <a:br>
               <a:rPr lang="en-US" altLang="ko-KR" sz="1000" dirty="0" smtClean="0"/>
             </a:br>
             <a:r>
               <a:rPr lang="en-US" altLang="ko-KR" sz="1000" dirty="0" smtClean="0"/>
-              <a:t> 1) Console UI -&gt; Windows </a:t>
-            </a:r>
-            <a:r>
-              <a:rPr lang="ko-KR" altLang="en-US" sz="1000" dirty="0" smtClean="0"/>
-              <a:t>기반 </a:t>
-            </a:r>
-            <a:r>
-              <a:rPr lang="en-US" altLang="ko-KR" sz="1000" dirty="0" smtClean="0"/>
-              <a:t>UI</a:t>
-            </a:r>
-            <a:r>
-              <a:rPr lang="ko-KR" altLang="en-US" sz="1000" dirty="0" smtClean="0"/>
-              <a:t>로 변경 </a:t>
+              <a:t> 3) Process Memory </a:t>
+            </a:r>
+            <a:r>
+              <a:rPr lang="ko-KR" altLang="en-US" sz="1000" dirty="0" smtClean="0"/>
+              <a:t>비교 </a:t>
+            </a:r>
+            <a:r>
+              <a:rPr lang="en-US" altLang="ko-KR" sz="1000" dirty="0" smtClean="0"/>
+              <a:t>Logic </a:t>
+            </a:r>
+            <a:r>
+              <a:rPr lang="ko-KR" altLang="en-US" sz="1000" dirty="0" smtClean="0"/>
+              <a:t>수행 후 결과 파일 출력 </a:t>
             </a:r>
             <a:r>
               <a:rPr lang="en-US" altLang="ko-KR" sz="1000" dirty="0" smtClean="0"/>
@@ -5378,22 +7006,6 @@
             </a:br>
             <a:r>
               <a:rPr lang="en-US" altLang="ko-KR" sz="1000" dirty="0" smtClean="0"/>
-              <a:t>  - UI</a:t>
-            </a:r>
-            <a:r>
-              <a:rPr lang="ko-KR" altLang="en-US" sz="1000" dirty="0" smtClean="0"/>
-              <a:t>를 사용하지 않을 경우에는 </a:t>
-            </a:r>
-            <a:r>
-              <a:rPr lang="en-US" altLang="ko-KR" sz="1000" dirty="0" smtClean="0"/>
-              <a:t>Tray Icon</a:t>
-            </a:r>
-            <a:r>
-              <a:rPr lang="ko-KR" altLang="en-US" sz="1000" dirty="0" smtClean="0"/>
-              <a:t>으로 처리</a:t>
-            </a:r>
-            <a:r>
-              <a:rPr lang="en-US" altLang="ko-KR" sz="1000" dirty="0" smtClean="0"/>
               <a:t/>
             </a:r>
             <a:br>
@@ -5401,11 +7013,276 @@
             </a:br>
             <a:r>
               <a:rPr lang="en-US" altLang="ko-KR" sz="1000" dirty="0" smtClean="0"/>
+              <a:t>5. tasklist.exe </a:t>
+            </a:r>
+            <a:r>
+              <a:rPr lang="ko-KR" altLang="en-US" sz="1000" dirty="0" smtClean="0"/>
+              <a:t>수행 </a:t>
+            </a:r>
+            <a:r>
+              <a:rPr lang="en-US" altLang="ko-KR" sz="1000" dirty="0" smtClean="0"/>
+              <a:t>&amp; Task List </a:t>
+            </a:r>
+            <a:r>
+              <a:rPr lang="ko-KR" altLang="en-US" sz="1000" dirty="0" smtClean="0"/>
+              <a:t>생성</a:t>
+            </a:r>
+            <a:r>
+              <a:rPr lang="en-US" altLang="ko-KR" sz="1000" dirty="0" smtClean="0"/>
+              <a:t/>
+            </a:r>
+            <a:br>
+              <a:rPr lang="en-US" altLang="ko-KR" sz="1000" dirty="0" smtClean="0"/>
+            </a:br>
+            <a:r>
+              <a:rPr lang="en-US" altLang="ko-KR" sz="1000" dirty="0" smtClean="0"/>
+              <a:t> 1) </a:t>
+            </a:r>
+            <a:r>
+              <a:rPr lang="en-US" altLang="ko-KR" sz="1000" dirty="0" smtClean="0"/>
+              <a:t>tasklist.exe</a:t>
+            </a:r>
+            <a:r>
+              <a:rPr lang="ko-KR" altLang="en-US" sz="1000" dirty="0" smtClean="0"/>
+              <a:t>를 수행시킨 </a:t>
+            </a:r>
+            <a:r>
+              <a:rPr lang="ko-KR" altLang="en-US" sz="1000" dirty="0" smtClean="0"/>
+              <a:t>출력결과를 관리할 </a:t>
+            </a:r>
+            <a:r>
+              <a:rPr lang="en-US" altLang="ko-KR" sz="1000" dirty="0" err="1" smtClean="0"/>
+              <a:t>TasklistInfo</a:t>
+            </a:r>
+            <a:r>
+              <a:rPr lang="en-US" altLang="ko-KR" sz="1000" dirty="0" smtClean="0"/>
+              <a:t> Class</a:t>
+            </a:r>
+            <a:r>
+              <a:rPr lang="ko-KR" altLang="en-US" sz="1000" dirty="0" smtClean="0"/>
+              <a:t>를 생성</a:t>
+            </a:r>
+            <a:r>
+              <a:rPr lang="en-US" altLang="ko-KR" sz="1000" dirty="0" smtClean="0"/>
+              <a:t/>
+            </a:r>
+            <a:br>
+              <a:rPr lang="en-US" altLang="ko-KR" sz="1000" dirty="0" smtClean="0"/>
+            </a:br>
+            <a:r>
+              <a:rPr lang="en-US" altLang="ko-KR" sz="1000" dirty="0" smtClean="0"/>
+              <a:t>    </a:t>
+            </a:r>
+            <a:r>
+              <a:rPr lang="en-US" altLang="ko-KR" sz="1000" dirty="0" smtClean="0"/>
+              <a:t>: </a:t>
+            </a:r>
+            <a:r>
+              <a:rPr lang="ko-KR" altLang="en-US" sz="1000" dirty="0" smtClean="0"/>
+              <a:t>향후 </a:t>
+            </a:r>
+            <a:r>
+              <a:rPr lang="en-US" altLang="ko-KR" sz="1000" dirty="0" err="1" smtClean="0"/>
+              <a:t>Tasklist</a:t>
+            </a:r>
+            <a:r>
+              <a:rPr lang="ko-KR" altLang="en-US" sz="1000" dirty="0" smtClean="0"/>
+              <a:t>에서 사용할 정보가 늘어났을 경우 추가가 쉽게 되도록 구성 </a:t>
+            </a:r>
+            <a:r>
+              <a:rPr lang="en-US" altLang="ko-KR" sz="1000" dirty="0" smtClean="0"/>
+              <a:t/>
+            </a:r>
+            <a:br>
+              <a:rPr lang="en-US" altLang="ko-KR" sz="1000" dirty="0" smtClean="0"/>
+            </a:br>
+            <a:r>
+              <a:rPr lang="en-US" altLang="ko-KR" sz="1000" dirty="0" smtClean="0"/>
               <a:t> 2) </a:t>
             </a:r>
             <a:r>
               <a:rPr lang="ko-KR" altLang="en-US" sz="1000" dirty="0" smtClean="0"/>
-              <a:t>화면 구성</a:t>
+              <a:t>라인 단위로 </a:t>
+            </a:r>
+            <a:r>
+              <a:rPr lang="ko-KR" altLang="en-US" sz="1000" dirty="0" err="1" smtClean="0"/>
+              <a:t>출력값을</a:t>
+            </a:r>
+            <a:r>
+              <a:rPr lang="ko-KR" altLang="en-US" sz="1000" dirty="0" smtClean="0"/>
+              <a:t> </a:t>
+            </a:r>
+            <a:r>
+              <a:rPr lang="ko-KR" altLang="en-US" sz="1000" dirty="0" smtClean="0"/>
+              <a:t>읽어와서 </a:t>
+            </a:r>
+            <a:r>
+              <a:rPr lang="ko-KR" altLang="en-US" sz="1000" dirty="0" err="1" smtClean="0"/>
+              <a:t>파싱</a:t>
+            </a:r>
+            <a:r>
+              <a:rPr lang="ko-KR" altLang="en-US" sz="1000" dirty="0" smtClean="0"/>
+              <a:t> 후 </a:t>
+            </a:r>
+            <a:r>
+              <a:rPr lang="en-US" altLang="ko-KR" sz="1000" dirty="0" smtClean="0"/>
+              <a:t>Process Name</a:t>
+            </a:r>
+            <a:r>
+              <a:rPr lang="ko-KR" altLang="en-US" sz="1000" dirty="0" smtClean="0"/>
+              <a:t>과  </a:t>
+            </a:r>
+            <a:r>
+              <a:rPr lang="en-US" altLang="ko-KR" sz="1000" dirty="0" smtClean="0"/>
+              <a:t>Memory Size</a:t>
+            </a:r>
+            <a:r>
+              <a:rPr lang="ko-KR" altLang="en-US" sz="1000" dirty="0" smtClean="0"/>
+              <a:t>를 </a:t>
+            </a:r>
+            <a:r>
+              <a:rPr lang="en-US" altLang="ko-KR" sz="1000" dirty="0" err="1" smtClean="0"/>
+              <a:t>TasklistInfo</a:t>
+            </a:r>
+            <a:r>
+              <a:rPr lang="en-US" altLang="ko-KR" sz="1000" dirty="0" smtClean="0"/>
+              <a:t> Class</a:t>
+            </a:r>
+            <a:r>
+              <a:rPr lang="ko-KR" altLang="en-US" sz="1000" dirty="0" smtClean="0"/>
+              <a:t>의 변수에 세팅</a:t>
+            </a:r>
+            <a:endParaRPr lang="en-US" altLang="ko-KR" sz="1000" dirty="0" smtClean="0"/>
+          </a:p>
+          <a:p>
+            <a:r>
+              <a:rPr lang="en-US" altLang="ko-KR" sz="1000" dirty="0" smtClean="0"/>
+              <a:t> </a:t>
+            </a:r>
+            <a:r>
+              <a:rPr lang="en-US" altLang="ko-KR" sz="1000" dirty="0" smtClean="0"/>
+              <a:t>   : </a:t>
+            </a:r>
+            <a:r>
+              <a:rPr lang="en-US" altLang="ko-KR" sz="1000" dirty="0" smtClean="0"/>
+              <a:t>tasklist.exe</a:t>
+            </a:r>
+            <a:r>
+              <a:rPr lang="ko-KR" altLang="en-US" sz="1000" dirty="0" smtClean="0"/>
+              <a:t>의 결과값을 </a:t>
+            </a:r>
+            <a:r>
+              <a:rPr lang="en-US" altLang="ko-KR" sz="1000" dirty="0" smtClean="0"/>
+              <a:t>parsing</a:t>
+            </a:r>
+            <a:r>
+              <a:rPr lang="ko-KR" altLang="en-US" sz="1000" dirty="0" smtClean="0"/>
+              <a:t>할 경우 </a:t>
+            </a:r>
+            <a:r>
+              <a:rPr lang="en-US" altLang="ko-KR" sz="1000" dirty="0" smtClean="0"/>
+              <a:t>separator</a:t>
+            </a:r>
+            <a:r>
+              <a:rPr lang="ko-KR" altLang="en-US" sz="1000" dirty="0" smtClean="0"/>
+              <a:t>를 빈 칸으로 하여 구분하면 되는데</a:t>
+            </a:r>
+            <a:r>
+              <a:rPr lang="en-US" altLang="ko-KR" sz="1000" dirty="0" smtClean="0"/>
+              <a:t>, </a:t>
+            </a:r>
+            <a:r>
+              <a:rPr lang="en-US" altLang="ko-KR" sz="1000" dirty="0" err="1" smtClean="0"/>
+              <a:t>Procss</a:t>
+            </a:r>
+            <a:r>
+              <a:rPr lang="en-US" altLang="ko-KR" sz="1000" dirty="0" smtClean="0"/>
+              <a:t> Name</a:t>
+            </a:r>
+            <a:r>
+              <a:rPr lang="ko-KR" altLang="en-US" sz="1000" dirty="0" smtClean="0"/>
+              <a:t>에 빈 칸이 들어갈 경우가 있으므로 주의 </a:t>
+            </a:r>
+            <a:r>
+              <a:rPr lang="ko-KR" altLang="en-US" sz="1000" dirty="0" smtClean="0"/>
+              <a:t>필요 </a:t>
+            </a:r>
+            <a:r>
+              <a:rPr lang="en-US" altLang="ko-KR" sz="1000" dirty="0" smtClean="0">
+                <a:sym typeface="Wingdings" pitchFamily="2" charset="2"/>
+              </a:rPr>
+              <a:t> </a:t>
+            </a:r>
+            <a:r>
+              <a:rPr lang="ko-KR" altLang="en-US" sz="1000" dirty="0" smtClean="0">
+                <a:sym typeface="Wingdings" pitchFamily="2" charset="2"/>
+              </a:rPr>
+              <a:t>뒤에서부터 읽으면 문제 없음</a:t>
+            </a:r>
+            <a:r>
+              <a:rPr lang="en-US" altLang="ko-KR" sz="1000" dirty="0" smtClean="0">
+                <a:sym typeface="Wingdings" pitchFamily="2" charset="2"/>
+              </a:rPr>
+              <a:t>.</a:t>
+            </a:r>
+            <a:endParaRPr lang="en-US" altLang="ko-KR" sz="1000" dirty="0" smtClean="0"/>
+          </a:p>
+          <a:p>
+            <a:r>
+              <a:rPr lang="en-US" altLang="ko-KR" sz="1000" dirty="0" smtClean="0"/>
+              <a:t> 3) </a:t>
+            </a:r>
+            <a:r>
+              <a:rPr lang="ko-KR" altLang="en-US" sz="1000" dirty="0" smtClean="0"/>
+              <a:t>동일 이름의 </a:t>
+            </a:r>
+            <a:r>
+              <a:rPr lang="en-US" altLang="ko-KR" sz="1000" dirty="0" smtClean="0"/>
+              <a:t>Process Name</a:t>
+            </a:r>
+            <a:r>
+              <a:rPr lang="ko-KR" altLang="en-US" sz="1000" dirty="0" smtClean="0"/>
+              <a:t>이 존재하므로 </a:t>
+            </a:r>
+            <a:r>
+              <a:rPr lang="ko-KR" altLang="en-US" sz="1000" dirty="0" smtClean="0"/>
+              <a:t>하나의 정보만 </a:t>
+            </a:r>
+            <a:r>
+              <a:rPr lang="en-US" altLang="ko-KR" sz="1000" dirty="0" smtClean="0"/>
+              <a:t>Add</a:t>
+            </a:r>
+            <a:r>
+              <a:rPr lang="ko-KR" altLang="en-US" sz="1000" dirty="0" smtClean="0"/>
+              <a:t>하지 말고 </a:t>
+            </a:r>
+            <a:r>
+              <a:rPr lang="en-US" altLang="ko-KR" sz="1000" dirty="0" smtClean="0"/>
+              <a:t>Loop</a:t>
+            </a:r>
+            <a:r>
+              <a:rPr lang="ko-KR" altLang="en-US" sz="1000" dirty="0" smtClean="0"/>
+              <a:t>를 사용하여 </a:t>
+            </a:r>
+            <a:r>
+              <a:rPr lang="ko-KR" altLang="en-US" sz="1000" dirty="0" smtClean="0"/>
+              <a:t> 모두</a:t>
+            </a:r>
+            <a:r>
+              <a:rPr lang="en-US" altLang="ko-KR" sz="1000" dirty="0" smtClean="0"/>
+              <a:t> </a:t>
+            </a:r>
+            <a:r>
+              <a:rPr lang="ko-KR" altLang="en-US" sz="1000" dirty="0" smtClean="0"/>
+              <a:t>처리해야 </a:t>
+            </a:r>
+            <a:r>
+              <a:rPr lang="ko-KR" altLang="en-US" sz="1000" dirty="0" smtClean="0"/>
+              <a:t>하는 것을 주의해야 함</a:t>
+            </a:r>
+            <a:r>
+              <a:rPr lang="en-US" altLang="ko-KR" sz="1000" dirty="0" smtClean="0"/>
+              <a:t>. </a:t>
             </a:r>
             <a:r>
               <a:rPr lang="en-US" altLang="ko-KR" sz="1000" dirty="0" smtClean="0"/>
@@ -5416,19 +7293,19 @@
             </a:br>
             <a:r>
               <a:rPr lang="en-US" altLang="ko-KR" sz="1000" dirty="0" smtClean="0"/>
-              <a:t>  - </a:t>
-            </a:r>
-            <a:r>
-              <a:rPr lang="en-US" altLang="ko-KR" sz="1000" dirty="0" err="1" smtClean="0"/>
-              <a:t>Config</a:t>
-            </a:r>
-            <a:r>
-              <a:rPr lang="en-US" altLang="ko-KR" sz="1000" dirty="0" smtClean="0"/>
-              <a:t> </a:t>
-            </a:r>
-            <a:r>
-              <a:rPr lang="ko-KR" altLang="en-US" sz="1000" dirty="0" smtClean="0"/>
-              <a:t>생성</a:t>
+              <a:t> 4) tasklist.exe</a:t>
+            </a:r>
+            <a:r>
+              <a:rPr lang="ko-KR" altLang="en-US" sz="1000" dirty="0" smtClean="0"/>
+              <a:t>를 사용하는 대신 시스템 정보를 읽어오는 </a:t>
+            </a:r>
+            <a:r>
+              <a:rPr lang="en-US" altLang="ko-KR" sz="1000" dirty="0" smtClean="0"/>
+              <a:t>API</a:t>
+            </a:r>
+            <a:r>
+              <a:rPr lang="ko-KR" altLang="en-US" sz="1000" dirty="0" smtClean="0"/>
+              <a:t>를 사용할 수 도 있지만</a:t>
             </a:r>
             <a:r>
               <a:rPr lang="en-US" altLang="ko-KR" sz="1000" dirty="0" smtClean="0"/>
@@ -5436,882 +7313,78 @@
             </a:r>
             <a:r>
               <a:rPr lang="ko-KR" altLang="en-US" sz="1000" dirty="0" smtClean="0"/>
-              <a:t>수정</a:t>
-            </a:r>
-            <a:r>
-              <a:rPr lang="en-US" altLang="ko-KR" sz="1000" dirty="0" smtClean="0"/>
-              <a:t>, </a:t>
-            </a:r>
-            <a:r>
-              <a:rPr lang="ko-KR" altLang="en-US" sz="1000" dirty="0" smtClean="0"/>
-              <a:t>저장</a:t>
-            </a:r>
-            <a:r>
-              <a:rPr lang="en-US" altLang="ko-KR" sz="1000" dirty="0" smtClean="0"/>
-              <a:t>, </a:t>
-            </a:r>
-            <a:r>
-              <a:rPr lang="ko-KR" altLang="en-US" sz="1000" dirty="0" smtClean="0"/>
-              <a:t>삭제 화면</a:t>
-            </a:r>
-            <a:r>
-              <a:rPr lang="en-US" altLang="ko-KR" sz="1000" dirty="0" smtClean="0"/>
-              <a:t/>
-            </a:r>
-            <a:br>
-              <a:rPr lang="en-US" altLang="ko-KR" sz="1000" dirty="0" smtClean="0"/>
-            </a:br>
-            <a:r>
-              <a:rPr lang="en-US" altLang="ko-KR" sz="1000" dirty="0" smtClean="0"/>
-              <a:t>  - Alarm History View, </a:t>
-            </a:r>
-            <a:r>
-              <a:rPr lang="ko-KR" altLang="en-US" sz="1000" dirty="0" smtClean="0"/>
-              <a:t>검색 화면</a:t>
-            </a:r>
-            <a:r>
-              <a:rPr lang="en-US" altLang="ko-KR" sz="1000" dirty="0" smtClean="0"/>
-              <a:t/>
-            </a:r>
-            <a:br>
-              <a:rPr lang="en-US" altLang="ko-KR" sz="1000" dirty="0" smtClean="0"/>
-            </a:br>
-            <a:r>
-              <a:rPr lang="en-US" altLang="ko-KR" sz="1000" dirty="0" smtClean="0"/>
-              <a:t>  - </a:t>
-            </a:r>
-            <a:r>
-              <a:rPr lang="ko-KR" altLang="en-US" sz="1000" dirty="0" smtClean="0"/>
-              <a:t>실시간 사용량 등에 대한 그래프 등 시각화 화면</a:t>
-            </a:r>
-            <a:r>
-              <a:rPr lang="en-US" altLang="ko-KR" sz="1000" dirty="0" smtClean="0"/>
-              <a:t/>
-            </a:r>
-            <a:br>
-              <a:rPr lang="en-US" altLang="ko-KR" sz="1000" dirty="0" smtClean="0"/>
-            </a:br>
-            <a:r>
-              <a:rPr lang="en-US" altLang="ko-KR" sz="1000" dirty="0" smtClean="0"/>
-              <a:t>  - </a:t>
-            </a:r>
-            <a:r>
-              <a:rPr lang="ko-KR" altLang="en-US" sz="1000" dirty="0" smtClean="0"/>
-              <a:t>기타 등등</a:t>
-            </a:r>
-            <a:r>
-              <a:rPr lang="en-US" altLang="ko-KR" sz="1000" dirty="0" smtClean="0"/>
-              <a:t/>
-            </a:r>
-            <a:br>
-              <a:rPr lang="en-US" altLang="ko-KR" sz="1000" dirty="0" smtClean="0"/>
-            </a:br>
-            <a:r>
-              <a:rPr lang="en-US" altLang="ko-KR" sz="1000" dirty="0" smtClean="0"/>
-              <a:t/>
-            </a:r>
-            <a:br>
-              <a:rPr lang="en-US" altLang="ko-KR" sz="1000" dirty="0" smtClean="0"/>
-            </a:br>
-            <a:r>
-              <a:rPr lang="en-US" altLang="ko-KR" sz="1000" dirty="0" smtClean="0"/>
-              <a:t>2. </a:t>
-            </a:r>
-            <a:r>
-              <a:rPr lang="ko-KR" altLang="en-US" sz="1000" dirty="0" smtClean="0"/>
-              <a:t>기능</a:t>
-            </a:r>
-            <a:r>
-              <a:rPr lang="en-US" altLang="ko-KR" sz="1000" dirty="0" smtClean="0"/>
-              <a:t/>
-            </a:r>
-            <a:br>
-              <a:rPr lang="en-US" altLang="ko-KR" sz="1000" dirty="0" smtClean="0"/>
-            </a:br>
-            <a:r>
-              <a:rPr lang="en-US" altLang="ko-KR" sz="1000" dirty="0" smtClean="0"/>
-              <a:t> 1) </a:t>
-            </a:r>
-            <a:r>
-              <a:rPr lang="en-US" altLang="ko-KR" sz="1000" dirty="0" err="1" smtClean="0"/>
-              <a:t>Config</a:t>
-            </a:r>
-            <a:r>
-              <a:rPr lang="en-US" altLang="ko-KR" sz="1000" dirty="0" smtClean="0"/>
-              <a:t> </a:t>
-            </a:r>
-            <a:r>
-              <a:rPr lang="ko-KR" altLang="en-US" sz="1000" dirty="0" smtClean="0"/>
-              <a:t>기능 보강 </a:t>
-            </a:r>
-            <a:r>
-              <a:rPr lang="en-US" altLang="ko-KR" sz="1000" dirty="0" smtClean="0"/>
-              <a:t/>
-            </a:r>
-            <a:br>
-              <a:rPr lang="en-US" altLang="ko-KR" sz="1000" dirty="0" smtClean="0"/>
-            </a:br>
-            <a:r>
-              <a:rPr lang="en-US" altLang="ko-KR" sz="1000" dirty="0" smtClean="0"/>
-              <a:t>  - ‘</a:t>
-            </a:r>
-            <a:r>
-              <a:rPr lang="ko-KR" altLang="en-US" sz="1000" dirty="0" smtClean="0"/>
-              <a:t>생성</a:t>
-            </a:r>
-            <a:r>
-              <a:rPr lang="en-US" altLang="ko-KR" sz="1000" dirty="0" smtClean="0"/>
-              <a:t>, </a:t>
-            </a:r>
-            <a:r>
-              <a:rPr lang="ko-KR" altLang="en-US" sz="1000" dirty="0" smtClean="0"/>
-              <a:t>수정</a:t>
-            </a:r>
-            <a:r>
-              <a:rPr lang="en-US" altLang="ko-KR" sz="1000" dirty="0" smtClean="0"/>
-              <a:t>, </a:t>
-            </a:r>
-            <a:r>
-              <a:rPr lang="ko-KR" altLang="en-US" sz="1000" dirty="0" smtClean="0"/>
-              <a:t>저장</a:t>
-            </a:r>
-            <a:r>
-              <a:rPr lang="en-US" altLang="ko-KR" sz="1000" dirty="0" smtClean="0"/>
-              <a:t>, </a:t>
-            </a:r>
-            <a:r>
-              <a:rPr lang="ko-KR" altLang="en-US" sz="1000" dirty="0" smtClean="0"/>
-              <a:t>삭제</a:t>
-            </a:r>
-            <a:r>
-              <a:rPr lang="en-US" altLang="ko-KR" sz="1000" dirty="0" smtClean="0"/>
-              <a:t>’</a:t>
-            </a:r>
-            <a:r>
-              <a:rPr lang="ko-KR" altLang="en-US" sz="1000" dirty="0" smtClean="0"/>
-              <a:t>가 용이할 수 있는 </a:t>
-            </a:r>
-            <a:r>
-              <a:rPr lang="en-US" altLang="ko-KR" sz="1000" dirty="0" smtClean="0"/>
-              <a:t>UI</a:t>
-            </a:r>
-            <a:r>
-              <a:rPr lang="ko-KR" altLang="en-US" sz="1000" dirty="0" smtClean="0"/>
-              <a:t>로 구성</a:t>
-            </a:r>
-            <a:r>
-              <a:rPr lang="en-US" altLang="ko-KR" sz="1000" dirty="0" smtClean="0"/>
-              <a:t/>
-            </a:r>
-            <a:br>
-              <a:rPr lang="en-US" altLang="ko-KR" sz="1000" dirty="0" smtClean="0"/>
-            </a:br>
-            <a:r>
-              <a:rPr lang="en-US" altLang="ko-KR" sz="1000" dirty="0" smtClean="0"/>
-              <a:t>  - </a:t>
-            </a:r>
-            <a:r>
-              <a:rPr lang="ko-KR" altLang="en-US" sz="1000" dirty="0" smtClean="0"/>
-              <a:t>특정 </a:t>
-            </a:r>
-            <a:r>
-              <a:rPr lang="en-US" altLang="ko-KR" sz="1000" dirty="0" smtClean="0"/>
-              <a:t>Alarm </a:t>
-            </a:r>
-            <a:r>
-              <a:rPr lang="ko-KR" altLang="en-US" sz="1000" dirty="0" smtClean="0"/>
-              <a:t>조건 적용 시점 등 스케줄링 기능 추가</a:t>
-            </a:r>
-            <a:r>
-              <a:rPr lang="en-US" altLang="ko-KR" sz="1000" dirty="0" smtClean="0"/>
-              <a:t/>
-            </a:r>
-            <a:br>
-              <a:rPr lang="en-US" altLang="ko-KR" sz="1000" dirty="0" smtClean="0"/>
-            </a:br>
-            <a:r>
-              <a:rPr lang="en-US" altLang="ko-KR" sz="1000" dirty="0" smtClean="0"/>
-              <a:t>  - </a:t>
-            </a:r>
-            <a:r>
-              <a:rPr lang="ko-KR" altLang="en-US" sz="1000" dirty="0" smtClean="0"/>
-              <a:t>심각한 </a:t>
+              <a:t>요구사항에서 </a:t>
+            </a:r>
+            <a:r>
+              <a:rPr lang="en-US" altLang="ko-KR" sz="1000" dirty="0" smtClean="0"/>
+              <a:t>tasklist.exe</a:t>
+            </a:r>
+            <a:r>
+              <a:rPr lang="ko-KR" altLang="en-US" sz="1000" dirty="0" smtClean="0"/>
+              <a:t>의 라인 결과를 그대로 출력하라고 하였으니 </a:t>
+            </a:r>
+            <a:r>
+              <a:rPr lang="en-US" altLang="ko-KR" sz="1000" dirty="0" smtClean="0"/>
+              <a:t>tasklist.exe</a:t>
+            </a:r>
+            <a:r>
+              <a:rPr lang="ko-KR" altLang="en-US" sz="1000" dirty="0" smtClean="0"/>
+              <a:t>를 이용하는 것이 좋음</a:t>
+            </a:r>
+            <a:r>
+              <a:rPr lang="en-US" altLang="ko-KR" sz="1000" dirty="0" smtClean="0"/>
+              <a:t>. </a:t>
+            </a:r>
+            <a:r>
+              <a:rPr lang="ko-KR" altLang="en-US" sz="1000" dirty="0" smtClean="0"/>
+              <a:t>요구사항에 </a:t>
+            </a:r>
+            <a:r>
+              <a:rPr lang="en-US" altLang="ko-KR" sz="1000" dirty="0" smtClean="0"/>
+              <a:t>tasklist.exe</a:t>
+            </a:r>
+            <a:r>
+              <a:rPr lang="ko-KR" altLang="en-US" sz="1000" dirty="0" smtClean="0"/>
+              <a:t>를 사용하지 않고 프로세스 이름과 </a:t>
             </a:r>
             <a:r>
               <a:rPr lang="ko-KR" altLang="en-US" sz="1000" dirty="0" err="1" smtClean="0"/>
-              <a:t>알람의</a:t>
-            </a:r>
-            <a:r>
-              <a:rPr lang="ko-KR" altLang="en-US" sz="1000" dirty="0" smtClean="0"/>
-              <a:t> 경우 </a:t>
-            </a:r>
-            <a:r>
-              <a:rPr lang="ko-KR" altLang="en-US" sz="1000" dirty="0" err="1" smtClean="0"/>
-              <a:t>워닝팝업을</a:t>
-            </a:r>
-            <a:r>
-              <a:rPr lang="ko-KR" altLang="en-US" sz="1000" dirty="0" smtClean="0"/>
-              <a:t> 띄우는 기능 등을 옵션으로 추가 </a:t>
-            </a:r>
-            <a:br>
-              <a:rPr lang="ko-KR" altLang="en-US" sz="1000" dirty="0" smtClean="0"/>
-            </a:br>
-            <a:r>
-              <a:rPr lang="ko-KR" altLang="en-US" sz="1000" dirty="0" smtClean="0"/>
-              <a:t> </a:t>
-            </a:r>
-            <a:r>
-              <a:rPr lang="en-US" altLang="ko-KR" sz="1000" dirty="0" smtClean="0"/>
-              <a:t>2) </a:t>
-            </a:r>
-            <a:r>
-              <a:rPr lang="ko-KR" altLang="en-US" sz="1000" dirty="0" err="1" smtClean="0"/>
-              <a:t>알람</a:t>
-            </a:r>
-            <a:r>
-              <a:rPr lang="ko-KR" altLang="en-US" sz="1000" dirty="0" smtClean="0"/>
-              <a:t> 발생 시 결과 출력 기능 추가</a:t>
-            </a:r>
-            <a:r>
-              <a:rPr lang="en-US" altLang="ko-KR" sz="1000" dirty="0" smtClean="0"/>
-              <a:t/>
-            </a:r>
-            <a:br>
-              <a:rPr lang="en-US" altLang="ko-KR" sz="1000" dirty="0" smtClean="0"/>
-            </a:br>
-            <a:r>
-              <a:rPr lang="en-US" altLang="ko-KR" sz="1000" dirty="0" smtClean="0"/>
-              <a:t> </a:t>
-            </a:r>
-            <a:r>
-              <a:rPr lang="ko-KR" altLang="en-US" sz="1000" dirty="0" smtClean="0"/>
-              <a:t> </a:t>
-            </a:r>
-            <a:r>
-              <a:rPr lang="en-US" altLang="ko-KR" sz="1000" dirty="0" smtClean="0"/>
-              <a:t>- </a:t>
-            </a:r>
-            <a:r>
-              <a:rPr lang="ko-KR" altLang="en-US" sz="1000" dirty="0" smtClean="0"/>
-              <a:t>로그파일 저장 시 </a:t>
-            </a:r>
-            <a:r>
-              <a:rPr lang="ko-KR" altLang="en-US" sz="1000" dirty="0" err="1" smtClean="0"/>
-              <a:t>알람이</a:t>
-            </a:r>
-            <a:r>
-              <a:rPr lang="ko-KR" altLang="en-US" sz="1000" dirty="0" smtClean="0"/>
-              <a:t> 발생한 시각 추가</a:t>
-            </a:r>
-            <a:r>
-              <a:rPr lang="en-US" altLang="ko-KR" sz="1000" dirty="0" smtClean="0"/>
-              <a:t/>
-            </a:r>
-            <a:br>
-              <a:rPr lang="en-US" altLang="ko-KR" sz="1000" dirty="0" smtClean="0"/>
-            </a:br>
-            <a:r>
-              <a:rPr lang="en-US" altLang="ko-KR" sz="1000" dirty="0" smtClean="0"/>
-              <a:t>  - </a:t>
-            </a:r>
-            <a:r>
-              <a:rPr lang="ko-KR" altLang="en-US" sz="1000" dirty="0" err="1" smtClean="0"/>
-              <a:t>알람이</a:t>
-            </a:r>
-            <a:r>
-              <a:rPr lang="ko-KR" altLang="en-US" sz="1000" dirty="0" smtClean="0"/>
-              <a:t> 해제되었을 경우도 로그파일에 추가</a:t>
-            </a:r>
-            <a:r>
-              <a:rPr lang="en-US" altLang="ko-KR" sz="1000" dirty="0" smtClean="0"/>
-              <a:t/>
-            </a:r>
-            <a:br>
-              <a:rPr lang="en-US" altLang="ko-KR" sz="1000" dirty="0" smtClean="0"/>
-            </a:br>
-            <a:r>
-              <a:rPr lang="en-US" altLang="ko-KR" sz="1000" dirty="0" smtClean="0"/>
-              <a:t>  - </a:t>
-            </a:r>
-            <a:r>
-              <a:rPr lang="ko-KR" altLang="en-US" sz="1000" dirty="0" smtClean="0"/>
-              <a:t>심각한 </a:t>
-            </a:r>
-            <a:r>
-              <a:rPr lang="ko-KR" altLang="en-US" sz="1000" dirty="0" err="1" smtClean="0"/>
-              <a:t>알람이</a:t>
-            </a:r>
-            <a:r>
-              <a:rPr lang="ko-KR" altLang="en-US" sz="1000" dirty="0" smtClean="0"/>
-              <a:t> 발생했을 경우에는 </a:t>
-            </a:r>
-            <a:r>
-              <a:rPr lang="en-US" altLang="ko-KR" sz="1000" dirty="0" smtClean="0"/>
-              <a:t>UI</a:t>
-            </a:r>
-            <a:r>
-              <a:rPr lang="ko-KR" altLang="en-US" sz="1000" dirty="0" smtClean="0"/>
-              <a:t>상으로 팝업 메시지 표시 등의 적극적인 </a:t>
-            </a:r>
-            <a:r>
-              <a:rPr lang="ko-KR" altLang="en-US" sz="1000" dirty="0" err="1" smtClean="0"/>
-              <a:t>워닝</a:t>
-            </a:r>
-            <a:r>
-              <a:rPr lang="ko-KR" altLang="en-US" sz="1000" dirty="0" smtClean="0"/>
-              <a:t> </a:t>
-            </a:r>
-            <a:r>
-              <a:rPr lang="en-US" altLang="ko-KR" sz="1000" dirty="0" smtClean="0"/>
-              <a:t>(</a:t>
-            </a:r>
-            <a:r>
-              <a:rPr lang="ko-KR" altLang="en-US" sz="1000" dirty="0" smtClean="0"/>
-              <a:t>옵션처리</a:t>
-            </a:r>
-            <a:r>
-              <a:rPr lang="en-US" altLang="ko-KR" sz="1000" dirty="0" smtClean="0"/>
-              <a:t>)</a:t>
-            </a:r>
-            <a:br>
-              <a:rPr lang="en-US" altLang="ko-KR" sz="1000" dirty="0" smtClean="0"/>
-            </a:br>
-            <a:r>
-              <a:rPr lang="en-US" altLang="ko-KR" sz="1000" dirty="0" smtClean="0"/>
-              <a:t>  - </a:t>
-            </a:r>
-            <a:r>
-              <a:rPr lang="ko-KR" altLang="en-US" sz="1000" dirty="0" smtClean="0"/>
-              <a:t>기능 별로 로그파일 분리 고려</a:t>
-            </a:r>
-            <a:r>
-              <a:rPr lang="en-US" altLang="ko-KR" sz="1000" dirty="0" smtClean="0"/>
-              <a:t/>
-            </a:r>
-            <a:br>
-              <a:rPr lang="en-US" altLang="ko-KR" sz="1000" dirty="0" smtClean="0"/>
-            </a:br>
-            <a:r>
-              <a:rPr lang="en-US" altLang="ko-KR" sz="1000" dirty="0" smtClean="0"/>
-              <a:t> 3) Monitoring </a:t>
-            </a:r>
-            <a:r>
-              <a:rPr lang="ko-KR" altLang="en-US" sz="1000" dirty="0" smtClean="0"/>
-              <a:t>항목 추가 </a:t>
-            </a:r>
-            <a:r>
-              <a:rPr lang="en-US" altLang="ko-KR" sz="1000" dirty="0" smtClean="0"/>
-              <a:t/>
-            </a:r>
-            <a:br>
-              <a:rPr lang="en-US" altLang="ko-KR" sz="1000" dirty="0" smtClean="0"/>
-            </a:br>
-            <a:r>
-              <a:rPr lang="en-US" altLang="ko-KR" sz="1000" dirty="0" smtClean="0"/>
-              <a:t>  - File, Process</a:t>
-            </a:r>
-            <a:r>
-              <a:rPr lang="ko-KR" altLang="en-US" sz="1000" dirty="0" smtClean="0"/>
-              <a:t>에 추가하여 </a:t>
-            </a:r>
-            <a:r>
-              <a:rPr lang="en-US" altLang="ko-KR" sz="1000" dirty="0" smtClean="0"/>
-              <a:t>System Memory, Disk </a:t>
-            </a:r>
-            <a:r>
-              <a:rPr lang="ko-KR" altLang="en-US" sz="1000" dirty="0" smtClean="0"/>
-              <a:t>사용량</a:t>
-            </a:r>
-            <a:r>
-              <a:rPr lang="en-US" altLang="ko-KR" sz="1000" dirty="0" smtClean="0"/>
-              <a:t>, CPU </a:t>
-            </a:r>
-            <a:r>
-              <a:rPr lang="ko-KR" altLang="en-US" sz="1000" dirty="0" smtClean="0"/>
-              <a:t>사용량 등 추가 </a:t>
-            </a:r>
-            <a:r>
-              <a:rPr lang="en-US" altLang="ko-KR" sz="1000" dirty="0" smtClean="0"/>
-              <a:t/>
-            </a:r>
-            <a:br>
-              <a:rPr lang="en-US" altLang="ko-KR" sz="1000" dirty="0" smtClean="0"/>
-            </a:br>
-            <a:r>
-              <a:rPr lang="en-US" altLang="ko-KR" sz="1000" dirty="0" smtClean="0"/>
-              <a:t>  - </a:t>
-            </a:r>
-            <a:r>
-              <a:rPr lang="ko-KR" altLang="en-US" sz="1000" dirty="0" smtClean="0"/>
-              <a:t>복합 </a:t>
-            </a:r>
-            <a:r>
-              <a:rPr lang="en-US" altLang="ko-KR" sz="1000" dirty="0" smtClean="0"/>
-              <a:t>Monitoring</a:t>
-            </a:r>
-            <a:r>
-              <a:rPr lang="ko-KR" altLang="en-US" sz="1000" dirty="0" smtClean="0"/>
-              <a:t>조건 추가 </a:t>
-            </a:r>
-            <a:r>
-              <a:rPr lang="en-US" altLang="ko-KR" sz="1000" dirty="0" smtClean="0"/>
-              <a:t/>
-            </a:r>
-            <a:br>
-              <a:rPr lang="en-US" altLang="ko-KR" sz="1000" dirty="0" smtClean="0"/>
-            </a:br>
-            <a:r>
-              <a:rPr lang="en-US" altLang="ko-KR" sz="1000" dirty="0" smtClean="0"/>
-              <a:t>     Ex) Disk </a:t>
-            </a:r>
-            <a:r>
-              <a:rPr lang="ko-KR" altLang="en-US" sz="1000" dirty="0" smtClean="0"/>
-              <a:t>잔량이 </a:t>
-            </a:r>
-            <a:r>
-              <a:rPr lang="en-US" altLang="ko-KR" sz="1000" dirty="0" smtClean="0"/>
-              <a:t>500Mbyte</a:t>
-            </a:r>
-            <a:r>
-              <a:rPr lang="ko-KR" altLang="en-US" sz="1000" dirty="0" smtClean="0"/>
-              <a:t>이하로</a:t>
-            </a:r>
-            <a:r>
-              <a:rPr lang="en-US" altLang="ko-KR" sz="1000" dirty="0" smtClean="0"/>
-              <a:t> </a:t>
-            </a:r>
-            <a:r>
-              <a:rPr lang="ko-KR" altLang="en-US" sz="1000" dirty="0" smtClean="0"/>
-              <a:t>남았을 때 특정 파일의</a:t>
-            </a:r>
-            <a:r>
-              <a:rPr lang="en-US" altLang="ko-KR" sz="1000" dirty="0" smtClean="0"/>
-              <a:t> </a:t>
-            </a:r>
-            <a:r>
-              <a:rPr lang="ko-KR" altLang="en-US" sz="1000" dirty="0" smtClean="0"/>
-              <a:t>크기가 </a:t>
-            </a:r>
-            <a:r>
-              <a:rPr lang="en-US" altLang="ko-KR" sz="1000" dirty="0" smtClean="0"/>
-              <a:t>100MByte</a:t>
-            </a:r>
-            <a:r>
-              <a:rPr lang="ko-KR" altLang="en-US" sz="1000" dirty="0" smtClean="0"/>
-              <a:t>이상일 경우 </a:t>
-            </a:r>
-            <a:r>
-              <a:rPr lang="en-US" altLang="ko-KR" sz="1000" dirty="0" smtClean="0"/>
-              <a:t/>
-            </a:r>
-            <a:br>
-              <a:rPr lang="en-US" altLang="ko-KR" sz="1000" dirty="0" smtClean="0"/>
-            </a:br>
-            <a:r>
-              <a:rPr lang="en-US" altLang="ko-KR" sz="1000" dirty="0" smtClean="0"/>
-              <a:t> 4) </a:t>
-            </a:r>
-            <a:r>
-              <a:rPr lang="ko-KR" altLang="en-US" sz="1000" dirty="0" smtClean="0"/>
-              <a:t>서버</a:t>
-            </a:r>
-            <a:r>
-              <a:rPr lang="en-US" altLang="ko-KR" sz="1000" dirty="0" smtClean="0"/>
-              <a:t>-</a:t>
-            </a:r>
-            <a:r>
-              <a:rPr lang="ko-KR" altLang="en-US" sz="1000" dirty="0" smtClean="0"/>
-              <a:t>클라이언트 기능</a:t>
-            </a:r>
-            <a:r>
-              <a:rPr lang="en-US" altLang="ko-KR" sz="1000" dirty="0" smtClean="0"/>
-              <a:t/>
-            </a:r>
-            <a:br>
-              <a:rPr lang="en-US" altLang="ko-KR" sz="1000" dirty="0" smtClean="0"/>
-            </a:br>
-            <a:r>
-              <a:rPr lang="en-US" altLang="ko-KR" sz="1000" dirty="0" smtClean="0"/>
-              <a:t>  - </a:t>
-            </a:r>
-            <a:r>
-              <a:rPr lang="ko-KR" altLang="en-US" sz="1000" dirty="0" err="1" smtClean="0"/>
-              <a:t>알람</a:t>
-            </a:r>
-            <a:r>
-              <a:rPr lang="ko-KR" altLang="en-US" sz="1000" dirty="0" smtClean="0"/>
-              <a:t> 및 모니터링 결과를 서버로 전송하여 중앙에서 한 눈에 관리하고 있는 </a:t>
-            </a:r>
-            <a:r>
-              <a:rPr lang="en-US" altLang="ko-KR" sz="1000" dirty="0" smtClean="0"/>
-              <a:t>PC</a:t>
-            </a:r>
-            <a:r>
-              <a:rPr lang="ko-KR" altLang="en-US" sz="1000" dirty="0" smtClean="0"/>
-              <a:t>들의 상태를 파악할 수 있게 </a:t>
-            </a:r>
-            <a:r>
-              <a:rPr lang="ko-KR" altLang="en-US" sz="1000" dirty="0" smtClean="0"/>
-              <a:t>구성</a:t>
-            </a:r>
-            <a:r>
-              <a:rPr lang="en-US" altLang="ko-KR" sz="1000" dirty="0" smtClean="0"/>
-              <a:t/>
-            </a:r>
-            <a:br>
-              <a:rPr lang="en-US" altLang="ko-KR" sz="1000" dirty="0" smtClean="0"/>
-            </a:br>
-            <a:r>
-              <a:rPr lang="en-US" altLang="ko-KR" sz="1000" dirty="0" smtClean="0"/>
-              <a:t> 5) </a:t>
-            </a:r>
-            <a:r>
-              <a:rPr lang="ko-KR" altLang="en-US" sz="1000" dirty="0" smtClean="0"/>
-              <a:t>제품 배포 파일 구성</a:t>
-            </a:r>
-            <a:r>
-              <a:rPr lang="en-US" altLang="ko-KR" sz="1000" dirty="0" smtClean="0"/>
-              <a:t>(EXE, MSI </a:t>
-            </a:r>
-            <a:r>
-              <a:rPr lang="ko-KR" altLang="en-US" sz="1000" dirty="0" smtClean="0"/>
-              <a:t>등의 설치파일 제작</a:t>
-            </a:r>
-            <a:r>
-              <a:rPr lang="en-US" altLang="ko-KR" sz="1000" dirty="0" smtClean="0"/>
-              <a:t>)</a:t>
-            </a:r>
-            <a:r>
-              <a:rPr lang="ko-KR" altLang="en-US" sz="1000" dirty="0" smtClean="0"/>
-              <a:t> </a:t>
-            </a:r>
-            <a:endParaRPr lang="en-US" altLang="ko-KR" sz="1000" dirty="0" smtClean="0"/>
-          </a:p>
-          <a:p>
-            <a:pPr>
-              <a:buFont typeface="Arial" charset="0"/>
-              <a:buChar char="•"/>
-            </a:pPr>
-            <a:endParaRPr lang="en-US" altLang="ko-KR" sz="1000" dirty="0" smtClean="0"/>
-          </a:p>
-          <a:p>
-            <a:r>
-              <a:rPr lang="en-US" altLang="ko-KR" sz="1000" dirty="0" smtClean="0"/>
-              <a:t>3. </a:t>
-            </a:r>
-            <a:r>
-              <a:rPr lang="ko-KR" altLang="en-US" sz="1000" dirty="0" smtClean="0"/>
-              <a:t>불법 사용 </a:t>
-            </a:r>
-            <a:r>
-              <a:rPr lang="ko-KR" altLang="en-US" sz="1000" dirty="0" smtClean="0"/>
-              <a:t>방지 </a:t>
-            </a:r>
-            <a:r>
-              <a:rPr lang="en-US" altLang="ko-KR" sz="1000" dirty="0" smtClean="0"/>
-              <a:t>– </a:t>
-            </a:r>
-            <a:r>
-              <a:rPr lang="ko-KR" altLang="en-US" sz="1000" dirty="0" smtClean="0"/>
-              <a:t>제품</a:t>
-            </a:r>
-            <a:r>
-              <a:rPr lang="en-US" altLang="ko-KR" sz="1000" dirty="0" smtClean="0"/>
-              <a:t> Key</a:t>
-            </a:r>
-            <a:r>
-              <a:rPr lang="ko-KR" altLang="en-US" sz="1000" dirty="0" smtClean="0"/>
-              <a:t>관리 필요</a:t>
-            </a:r>
-            <a:endParaRPr lang="en-US" altLang="ko-KR" sz="1000" dirty="0" smtClean="0"/>
-          </a:p>
-          <a:p>
-            <a:r>
-              <a:rPr lang="en-US" altLang="ko-KR" sz="1000" dirty="0" smtClean="0"/>
-              <a:t> 1) On-line </a:t>
-            </a:r>
-            <a:r>
-              <a:rPr lang="ko-KR" altLang="en-US" sz="1000" dirty="0" smtClean="0"/>
-              <a:t>환경에서 사용할 경우 서버와의 통신으로 올바로 등록된 제품인지 확인 </a:t>
-            </a:r>
-            <a:r>
-              <a:rPr lang="en-US" altLang="ko-KR" sz="1000" dirty="0" smtClean="0"/>
-              <a:t>(</a:t>
-            </a:r>
-            <a:r>
-              <a:rPr lang="ko-KR" altLang="en-US" sz="1000" dirty="0" smtClean="0"/>
-              <a:t>제품 등록 프로세스 진행 필요</a:t>
-            </a:r>
-            <a:r>
-              <a:rPr lang="en-US" altLang="ko-KR" sz="1000" dirty="0" smtClean="0"/>
-              <a:t>)</a:t>
-            </a:r>
-            <a:br>
-              <a:rPr lang="en-US" altLang="ko-KR" sz="1000" dirty="0" smtClean="0"/>
-            </a:br>
-            <a:r>
-              <a:rPr lang="en-US" altLang="ko-KR" sz="1000" dirty="0" smtClean="0"/>
-              <a:t> 2) Off-line </a:t>
-            </a:r>
-            <a:r>
-              <a:rPr lang="ko-KR" altLang="en-US" sz="1000" dirty="0" smtClean="0"/>
-              <a:t>환경에서 사용할 경우 </a:t>
-            </a:r>
-            <a:r>
-              <a:rPr lang="en-US" altLang="ko-KR" sz="1000" dirty="0" smtClean="0"/>
-              <a:t/>
-            </a:r>
-            <a:br>
-              <a:rPr lang="en-US" altLang="ko-KR" sz="1000" dirty="0" smtClean="0"/>
-            </a:br>
-            <a:r>
-              <a:rPr lang="en-US" altLang="ko-KR" sz="1000" dirty="0" smtClean="0"/>
-              <a:t>   - HW </a:t>
-            </a:r>
-            <a:r>
-              <a:rPr lang="en-US" altLang="ko-KR" sz="1000" dirty="0" smtClean="0"/>
-              <a:t>Dongle</a:t>
-            </a:r>
-            <a:r>
-              <a:rPr lang="ko-KR" altLang="en-US" sz="1000" dirty="0" smtClean="0"/>
-              <a:t>을 사용하는 것이 가장 </a:t>
-            </a:r>
-            <a:r>
-              <a:rPr lang="ko-KR" altLang="en-US" sz="1000" dirty="0" smtClean="0"/>
-              <a:t>안전함</a:t>
-            </a:r>
-            <a:r>
-              <a:rPr lang="en-US" altLang="ko-KR" sz="1000" dirty="0" smtClean="0"/>
-              <a:t/>
-            </a:r>
-            <a:br>
-              <a:rPr lang="en-US" altLang="ko-KR" sz="1000" dirty="0" smtClean="0"/>
-            </a:br>
-            <a:r>
-              <a:rPr lang="en-US" altLang="ko-KR" sz="1000" dirty="0" smtClean="0"/>
-              <a:t>   - Dongle</a:t>
-            </a:r>
-            <a:r>
-              <a:rPr lang="ko-KR" altLang="en-US" sz="1000" dirty="0" smtClean="0"/>
-              <a:t>을 사용하지 않을 경우 </a:t>
-            </a:r>
-            <a:r>
-              <a:rPr lang="en-US" altLang="ko-KR" sz="1000" dirty="0" smtClean="0"/>
-              <a:t>HW</a:t>
-            </a:r>
-            <a:r>
-              <a:rPr lang="ko-KR" altLang="en-US" sz="1000" dirty="0" smtClean="0"/>
-              <a:t>의 유일값을 이용하여 제품등록에 이용할 수 있게 함</a:t>
-            </a:r>
-            <a:r>
-              <a:rPr lang="en-US" altLang="ko-KR" sz="1000" dirty="0" smtClean="0"/>
-              <a:t/>
-            </a:r>
-            <a:br>
-              <a:rPr lang="en-US" altLang="ko-KR" sz="1000" dirty="0" smtClean="0"/>
-            </a:br>
-            <a:r>
-              <a:rPr lang="en-US" altLang="ko-KR" sz="1000" dirty="0" smtClean="0"/>
-              <a:t>      </a:t>
-            </a:r>
-            <a:r>
-              <a:rPr lang="en-US" altLang="ko-KR" sz="1000" dirty="0" smtClean="0"/>
-              <a:t>ex) Machine </a:t>
-            </a:r>
-            <a:r>
-              <a:rPr lang="en-US" altLang="ko-KR" sz="1000" dirty="0" smtClean="0"/>
-              <a:t>GUID, MAC</a:t>
-            </a:r>
-            <a:r>
-              <a:rPr lang="ko-KR" altLang="en-US" sz="1000" dirty="0" smtClean="0"/>
-              <a:t>주소</a:t>
-            </a:r>
-            <a:r>
-              <a:rPr lang="en-US" altLang="ko-KR" sz="1000" dirty="0" smtClean="0"/>
-              <a:t>, Processor ID, Motherboard ID, </a:t>
-            </a:r>
-            <a:r>
-              <a:rPr lang="ko-KR" altLang="en-US" sz="1000" dirty="0" smtClean="0"/>
-              <a:t>하드디스크 시리얼넘버</a:t>
-            </a:r>
-            <a:r>
-              <a:rPr lang="en-US" altLang="ko-KR" sz="1000" dirty="0" smtClean="0"/>
-              <a:t> </a:t>
-            </a:r>
-            <a:r>
-              <a:rPr lang="ko-KR" altLang="en-US" sz="1000" dirty="0" smtClean="0"/>
-              <a:t>등</a:t>
-            </a:r>
-            <a:r>
-              <a:rPr lang="en-US" altLang="ko-KR" sz="1000" dirty="0" smtClean="0"/>
-              <a:t/>
-            </a:r>
-            <a:br>
-              <a:rPr lang="en-US" altLang="ko-KR" sz="1000" dirty="0" smtClean="0"/>
-            </a:br>
-            <a:r>
-              <a:rPr lang="en-US" altLang="ko-KR" sz="1000" dirty="0" smtClean="0"/>
-              <a:t>   </a:t>
-            </a:r>
-            <a:r>
-              <a:rPr lang="en-US" altLang="ko-KR" sz="1000" dirty="0" smtClean="0"/>
-              <a:t>- </a:t>
-            </a:r>
-            <a:r>
-              <a:rPr lang="ko-KR" altLang="en-US" sz="1000" dirty="0" smtClean="0"/>
-              <a:t>최소한 주기적으로 실행파일 자신의 </a:t>
-            </a:r>
-            <a:r>
-              <a:rPr lang="en-US" altLang="ko-KR" sz="1000" dirty="0" smtClean="0"/>
-              <a:t>File Size</a:t>
-            </a:r>
-            <a:r>
-              <a:rPr lang="ko-KR" altLang="en-US" sz="1000" dirty="0" smtClean="0"/>
-              <a:t>를 </a:t>
-            </a:r>
-            <a:r>
-              <a:rPr lang="en-US" altLang="ko-KR" sz="1000" dirty="0" smtClean="0"/>
-              <a:t>Check</a:t>
-            </a:r>
-            <a:r>
-              <a:rPr lang="ko-KR" altLang="en-US" sz="1000" dirty="0" smtClean="0"/>
-              <a:t>하면 </a:t>
-            </a:r>
-            <a:r>
-              <a:rPr lang="ko-KR" altLang="en-US" sz="1000" dirty="0" err="1" smtClean="0"/>
-              <a:t>크랙이나</a:t>
-            </a:r>
-            <a:r>
-              <a:rPr lang="ko-KR" altLang="en-US" sz="1000" dirty="0" smtClean="0"/>
-              <a:t> 바이러스 감염 등을 확인할 수 </a:t>
-            </a:r>
-            <a:r>
-              <a:rPr lang="ko-KR" altLang="en-US" sz="1000" dirty="0" smtClean="0"/>
-              <a:t>있음</a:t>
-            </a:r>
-            <a:r>
-              <a:rPr lang="en-US" altLang="ko-KR" sz="1000" dirty="0" smtClean="0"/>
-              <a:t/>
+              <a:t>메모리값만</a:t>
+            </a:r>
+            <a:r>
+              <a:rPr lang="ko-KR" altLang="en-US" sz="1000" dirty="0" smtClean="0"/>
+              <a:t> 출력하는 것으로 되어있었다면 </a:t>
+            </a:r>
+            <a:r>
+              <a:rPr lang="en-US" altLang="ko-KR" sz="1000" dirty="0" smtClean="0"/>
+              <a:t>API</a:t>
+            </a:r>
+            <a:r>
+              <a:rPr lang="ko-KR" altLang="en-US" sz="1000" dirty="0" smtClean="0"/>
+              <a:t>를 사용하는 것이 문자열 </a:t>
+            </a:r>
+            <a:r>
+              <a:rPr lang="en-US" altLang="ko-KR" sz="1000" dirty="0" smtClean="0"/>
+              <a:t>parsing</a:t>
+            </a:r>
+            <a:r>
+              <a:rPr lang="ko-KR" altLang="en-US" sz="1000" dirty="0" smtClean="0"/>
+              <a:t>루틴을 제외할 수 있어서 더 효율적이라고 판단함</a:t>
+            </a:r>
+            <a:r>
+              <a:rPr lang="en-US" altLang="ko-KR" sz="1000" dirty="0" smtClean="0"/>
+              <a:t>.</a:t>
             </a:r>
             <a:br>
               <a:rPr lang="en-US" altLang="ko-KR" sz="1000" dirty="0" smtClean="0"/>
             </a:br>
             <a:endParaRPr lang="en-US" altLang="ko-KR" sz="1000" dirty="0" smtClean="0"/>
           </a:p>
-        </p:txBody>
-      </p:sp>
-      <p:sp>
-        <p:nvSpPr>
-          <p:cNvPr id="6" name="TextBox 5"/>
-          <p:cNvSpPr txBox="1"/>
-          <p:nvPr/>
-        </p:nvSpPr>
-        <p:spPr>
-          <a:xfrm>
-            <a:off x="179512" y="6093296"/>
-            <a:ext cx="8640960" cy="553998"/>
-          </a:xfrm>
-          <a:prstGeom prst="rect">
-            <a:avLst/>
-          </a:prstGeom>
-          <a:noFill/>
-        </p:spPr>
-        <p:txBody>
-          <a:bodyPr wrap="square" rtlCol="0">
-            <a:spAutoFit/>
-          </a:bodyPr>
-          <a:lstStyle/>
-          <a:p>
-            <a:pPr>
-              <a:buFont typeface="Arial" charset="0"/>
-              <a:buChar char="•"/>
-            </a:pPr>
-            <a:r>
-              <a:rPr lang="en-US" altLang="ko-KR" sz="1000" dirty="0" smtClean="0"/>
-              <a:t> Machine GUID </a:t>
-            </a:r>
-            <a:r>
-              <a:rPr lang="ko-KR" altLang="en-US" sz="1000" dirty="0" smtClean="0"/>
-              <a:t>정보</a:t>
-            </a:r>
-            <a:r>
-              <a:rPr lang="en-US" altLang="ko-KR" sz="1000" dirty="0" smtClean="0"/>
-              <a:t> : HKEY_LOCAL_MACHINE\SOFTWARE\Microsoft\Cryptography </a:t>
-            </a:r>
+          <a:p>
             <a:endParaRPr lang="en-US" altLang="ko-KR" sz="1000" dirty="0" smtClean="0"/>
           </a:p>
           <a:p>
-            <a:pPr>
-              <a:buFont typeface="Arial" charset="0"/>
-              <a:buChar char="•"/>
-            </a:pPr>
-            <a:r>
-              <a:rPr lang="en-US" altLang="ko-KR" sz="1000" dirty="0" smtClean="0"/>
-              <a:t> Processor ID </a:t>
-            </a:r>
-            <a:r>
-              <a:rPr lang="ko-KR" altLang="en-US" sz="1000" dirty="0" smtClean="0"/>
-              <a:t>등의 정보 </a:t>
-            </a:r>
-            <a:r>
-              <a:rPr lang="en-US" altLang="ko-KR" sz="1000" dirty="0" smtClean="0"/>
-              <a:t>: </a:t>
-            </a:r>
-            <a:r>
-              <a:rPr lang="en-US" altLang="ko-KR" sz="1000" dirty="0" err="1" smtClean="0"/>
-              <a:t>ManagementObjectSearcher</a:t>
-            </a:r>
-            <a:r>
-              <a:rPr lang="en-US" altLang="ko-KR" sz="1000" dirty="0" smtClean="0"/>
-              <a:t> Class </a:t>
-            </a:r>
-            <a:r>
-              <a:rPr lang="ko-KR" altLang="en-US" sz="1000" dirty="0" smtClean="0"/>
-              <a:t>사용 </a:t>
-            </a:r>
-            <a:r>
-              <a:rPr lang="en-US" altLang="ko-KR" sz="1000" smtClean="0"/>
-              <a:t>(Win32_Processor, Win32_baseboard, Win32_DiskDrive, … </a:t>
-            </a:r>
-            <a:r>
-              <a:rPr lang="en-US" altLang="ko-KR" sz="1000" dirty="0" smtClean="0"/>
-              <a:t>)</a:t>
-            </a:r>
-          </a:p>
-          <a:p>
-            <a:pPr>
-              <a:buFont typeface="Arial" charset="0"/>
-              <a:buChar char="•"/>
-            </a:pPr>
-            <a:r>
-              <a:rPr lang="en-US" altLang="ko-KR" sz="1000" dirty="0" smtClean="0"/>
-              <a:t> </a:t>
-            </a:r>
-            <a:r>
-              <a:rPr lang="en-US" altLang="ko-KR" sz="1000" dirty="0" smtClean="0"/>
-              <a:t>MAC </a:t>
-            </a:r>
-            <a:r>
-              <a:rPr lang="ko-KR" altLang="en-US" sz="1000" dirty="0" smtClean="0"/>
-              <a:t>주소 </a:t>
-            </a:r>
-            <a:r>
-              <a:rPr lang="en-US" altLang="ko-KR" sz="1000" dirty="0" smtClean="0"/>
-              <a:t>: </a:t>
-            </a:r>
-            <a:r>
-              <a:rPr lang="en-US" altLang="ko-KR" sz="1000" dirty="0" err="1" smtClean="0"/>
-              <a:t>NetworkInterface</a:t>
-            </a:r>
-            <a:r>
-              <a:rPr lang="en-US" altLang="ko-KR" sz="1000" dirty="0" smtClean="0"/>
-              <a:t> Class </a:t>
-            </a:r>
-            <a:r>
-              <a:rPr lang="ko-KR" altLang="en-US" sz="1000" dirty="0" smtClean="0"/>
-              <a:t>사용</a:t>
-            </a:r>
-            <a:endParaRPr lang="ko-KR" altLang="en-US" sz="1000" dirty="0"/>
+            <a:endParaRPr lang="en-US" altLang="ko-KR" sz="1000" dirty="0" smtClean="0"/>
           </a:p>
         </p:txBody>
       </p:sp>
@@ -6323,7 +7396,7 @@
 </p:sld>
 </file>
 
-<file path=ppt/slides/slide14.xml><?xml version="1.0" encoding="utf-8"?>
+<file path=ppt/slides/slide16.xml><?xml version="1.0" encoding="utf-8"?>
 <p:sld xmlns:a="http://schemas.openxmlformats.org/drawingml/2006/main" xmlns:r="http://schemas.openxmlformats.org/officeDocument/2006/relationships" xmlns:p="http://schemas.openxmlformats.org/presentationml/2006/main">
   <p:cSld>
     <p:spTree>
@@ -6349,7 +7422,7 @@
         <p:spPr>
           <a:xfrm>
             <a:off x="179512" y="116632"/>
-            <a:ext cx="8640960" cy="5478423"/>
+            <a:ext cx="8784976" cy="4555093"/>
           </a:xfrm>
           <a:prstGeom prst="rect">
             <a:avLst/>
@@ -6362,27 +7435,69 @@
           <a:lstStyle/>
           <a:p>
             <a:r>
-              <a:rPr lang="en-US" altLang="ko-KR" sz="1000" dirty="0" smtClean="0"/>
-              <a:t>* </a:t>
+              <a:rPr lang="ko-KR" altLang="en-US" sz="1000" dirty="0" smtClean="0"/>
+              <a:t>모듈화 및 </a:t>
             </a:r>
             <a:r>
               <a:rPr lang="ko-KR" altLang="en-US" sz="1000" dirty="0" err="1" smtClean="0"/>
               <a:t>확장성</a:t>
             </a:r>
-            <a:r>
-              <a:rPr lang="ko-KR" altLang="en-US" sz="1000" dirty="0" smtClean="0"/>
-              <a:t> 고려</a:t>
+            <a:endParaRPr lang="en-US" altLang="ko-KR" sz="1000" dirty="0" smtClean="0"/>
+          </a:p>
+          <a:p>
+            <a:endParaRPr lang="en-US" altLang="ko-KR" sz="1000" dirty="0" smtClean="0"/>
+          </a:p>
+          <a:p>
+            <a:r>
+              <a:rPr lang="en-US" altLang="ko-KR" sz="1000" dirty="0" smtClean="0"/>
+              <a:t>1. UI,</a:t>
+            </a:r>
+            <a:r>
+              <a:rPr lang="ko-KR" altLang="en-US" sz="1000" dirty="0" smtClean="0"/>
+              <a:t> </a:t>
+            </a:r>
+            <a:r>
+              <a:rPr lang="en-US" altLang="ko-KR" sz="1000" dirty="0" smtClean="0"/>
+              <a:t>Logic, </a:t>
+            </a:r>
+            <a:r>
+              <a:rPr lang="en-US" altLang="ko-KR" sz="1000" dirty="0" err="1" smtClean="0"/>
+              <a:t>Config</a:t>
+            </a:r>
+            <a:r>
+              <a:rPr lang="ko-KR" altLang="en-US" sz="1000" dirty="0" smtClean="0"/>
+              <a:t>처리</a:t>
+            </a:r>
+            <a:r>
+              <a:rPr lang="en-US" altLang="ko-KR" sz="1000" dirty="0" smtClean="0"/>
+              <a:t> </a:t>
+            </a:r>
+            <a:r>
+              <a:rPr lang="ko-KR" altLang="en-US" sz="1000" dirty="0" smtClean="0"/>
+              <a:t>부분을 분리하여 설계</a:t>
+            </a:r>
+            <a:r>
+              <a:rPr lang="en-US" altLang="ko-KR" sz="1000" dirty="0" smtClean="0"/>
+              <a:t/>
             </a:r>
             <a:br>
-              <a:rPr lang="ko-KR" altLang="en-US" sz="1000" dirty="0" smtClean="0"/>
+              <a:rPr lang="en-US" altLang="ko-KR" sz="1000" dirty="0" smtClean="0"/>
             </a:br>
             <a:r>
               <a:rPr lang="en-US" altLang="ko-KR" sz="1000" dirty="0" smtClean="0"/>
-              <a:t>- UI</a:t>
-            </a:r>
-            <a:r>
-              <a:rPr lang="ko-KR" altLang="en-US" sz="1000" dirty="0" smtClean="0"/>
-              <a:t>와 </a:t>
+              <a:t>  - </a:t>
+            </a:r>
+            <a:r>
+              <a:rPr lang="ko-KR" altLang="en-US" sz="1000" dirty="0" smtClean="0"/>
+              <a:t>입출력 </a:t>
+            </a:r>
+            <a:r>
+              <a:rPr lang="ko-KR" altLang="en-US" sz="1000" dirty="0" err="1" smtClean="0"/>
+              <a:t>처리부</a:t>
+            </a:r>
+            <a:r>
+              <a:rPr lang="ko-KR" altLang="en-US" sz="1000" dirty="0" smtClean="0"/>
+              <a:t> 이외의 </a:t>
             </a:r>
             <a:r>
               <a:rPr lang="en-US" altLang="ko-KR" sz="1000" dirty="0" smtClean="0"/>
@@ -6390,24 +7505,31 @@
             </a:r>
             <a:r>
               <a:rPr lang="ko-KR" altLang="en-US" sz="1000" dirty="0" smtClean="0"/>
-              <a:t>을 분리하여 </a:t>
-            </a:r>
-            <a:r>
-              <a:rPr lang="en-US" altLang="ko-KR" sz="1000" dirty="0" smtClean="0"/>
-              <a:t>Logic</a:t>
-            </a:r>
-            <a:r>
-              <a:rPr lang="ko-KR" altLang="en-US" sz="1000" dirty="0" smtClean="0"/>
-              <a:t>이 추가될 경우 </a:t>
-            </a:r>
-            <a:r>
-              <a:rPr lang="en-US" altLang="ko-KR" sz="1000" dirty="0" smtClean="0"/>
-              <a:t>UI</a:t>
-            </a:r>
-            <a:r>
-              <a:rPr lang="ko-KR" altLang="en-US" sz="1000" dirty="0" smtClean="0"/>
-              <a:t>에 대한 영향을 최소화</a:t>
-            </a:r>
+              <a:t>과 </a:t>
+            </a:r>
+            <a:r>
+              <a:rPr lang="en-US" altLang="ko-KR" sz="1000" dirty="0" err="1" smtClean="0"/>
+              <a:t>Config</a:t>
+            </a:r>
+            <a:r>
+              <a:rPr lang="ko-KR" altLang="en-US" sz="1000" dirty="0" smtClean="0"/>
+              <a:t>처리는 별도 </a:t>
+            </a:r>
+            <a:r>
+              <a:rPr lang="en-US" altLang="ko-KR" sz="1000" dirty="0" smtClean="0"/>
+              <a:t>Class</a:t>
+            </a:r>
+            <a:r>
+              <a:rPr lang="ko-KR" altLang="en-US" sz="1000" dirty="0" smtClean="0"/>
+              <a:t>를 만들어서 처리</a:t>
+            </a:r>
+            <a:r>
+              <a:rPr lang="en-US" altLang="ko-KR" sz="1000" dirty="0" smtClean="0"/>
+              <a:t>.</a:t>
+            </a:r>
+            <a:br>
+              <a:rPr lang="en-US" altLang="ko-KR" sz="1000" dirty="0" smtClean="0"/>
+            </a:br>
             <a:r>
               <a:rPr lang="en-US" altLang="ko-KR" sz="1000" dirty="0" smtClean="0"/>
               <a:t/>
@@ -6417,19 +7539,93 @@
             </a:br>
             <a:r>
               <a:rPr lang="en-US" altLang="ko-KR" sz="1000" dirty="0" smtClean="0"/>
-              <a:t>  : </a:t>
-            </a:r>
-            <a:r>
-              <a:rPr lang="ko-KR" altLang="en-US" sz="1000" dirty="0" smtClean="0"/>
-              <a:t>공통 </a:t>
-            </a:r>
-            <a:r>
-              <a:rPr lang="en-US" altLang="ko-KR" sz="1000" dirty="0" smtClean="0"/>
-              <a:t>Logic</a:t>
-            </a:r>
-            <a:r>
-              <a:rPr lang="ko-KR" altLang="en-US" sz="1000" dirty="0" smtClean="0"/>
-              <a:t>에 대항하는 변수나 메서드는 부모 </a:t>
+              <a:t>2. Logic Class </a:t>
+            </a:r>
+            <a:r>
+              <a:rPr lang="ko-KR" altLang="en-US" sz="1000" dirty="0" err="1" smtClean="0"/>
+              <a:t>확장성</a:t>
+            </a:r>
+            <a:r>
+              <a:rPr lang="en-US" altLang="ko-KR" sz="1000" dirty="0" smtClean="0"/>
+              <a:t/>
+            </a:r>
+            <a:br>
+              <a:rPr lang="en-US" altLang="ko-KR" sz="1000" dirty="0" smtClean="0"/>
+            </a:br>
+            <a:r>
+              <a:rPr lang="en-US" altLang="ko-KR" sz="1000" dirty="0" smtClean="0"/>
+              <a:t>  - </a:t>
+            </a:r>
+            <a:r>
+              <a:rPr lang="ko-KR" altLang="en-US" sz="1000" dirty="0" smtClean="0"/>
+              <a:t>크게 사용자 입력을 받아 처리하는 </a:t>
+            </a:r>
+            <a:r>
+              <a:rPr lang="en-US" altLang="ko-KR" sz="1000" dirty="0" smtClean="0"/>
+              <a:t>5</a:t>
+            </a:r>
+            <a:r>
+              <a:rPr lang="ko-KR" altLang="en-US" sz="1000" dirty="0" err="1" smtClean="0"/>
+              <a:t>번문항의</a:t>
+            </a:r>
+            <a:r>
+              <a:rPr lang="ko-KR" altLang="en-US" sz="1000" dirty="0" smtClean="0"/>
+              <a:t> 기능과</a:t>
+            </a:r>
+            <a:r>
+              <a:rPr lang="en-US" altLang="ko-KR" sz="1000" dirty="0" smtClean="0"/>
+              <a:t>, 1~4</a:t>
+            </a:r>
+            <a:r>
+              <a:rPr lang="ko-KR" altLang="en-US" sz="1000" dirty="0" smtClean="0"/>
+              <a:t>번 문항의 </a:t>
+            </a:r>
+            <a:r>
+              <a:rPr lang="en-US" altLang="ko-KR" sz="1000" dirty="0" smtClean="0"/>
+              <a:t>Monitoring</a:t>
+            </a:r>
+            <a:r>
+              <a:rPr lang="ko-KR" altLang="en-US" sz="1000" dirty="0" smtClean="0"/>
+              <a:t>기능으로 구분 가능</a:t>
+            </a:r>
+            <a:r>
+              <a:rPr lang="en-US" altLang="ko-KR" sz="1000" dirty="0" smtClean="0"/>
+              <a:t>.</a:t>
+            </a:r>
+            <a:br>
+              <a:rPr lang="en-US" altLang="ko-KR" sz="1000" dirty="0" smtClean="0"/>
+            </a:br>
+            <a:r>
+              <a:rPr lang="en-US" altLang="ko-KR" sz="1000" dirty="0" smtClean="0"/>
+              <a:t>    : Logic Class</a:t>
+            </a:r>
+            <a:r>
+              <a:rPr lang="ko-KR" altLang="en-US" sz="1000" dirty="0" smtClean="0"/>
+              <a:t>에는 공통 함수</a:t>
+            </a:r>
+            <a:r>
+              <a:rPr lang="en-US" altLang="ko-KR" sz="1000" dirty="0" smtClean="0"/>
+              <a:t>/</a:t>
+            </a:r>
+            <a:r>
+              <a:rPr lang="ko-KR" altLang="en-US" sz="1000" dirty="0" smtClean="0"/>
+              <a:t>변수들을 담아두고</a:t>
+            </a:r>
+            <a:r>
+              <a:rPr lang="en-US" altLang="ko-KR" sz="1000" dirty="0" smtClean="0"/>
+              <a:t>, </a:t>
+            </a:r>
+            <a:r>
+              <a:rPr lang="ko-KR" altLang="en-US" sz="1000" dirty="0" smtClean="0"/>
+              <a:t>기능별로 </a:t>
+            </a:r>
+            <a:r>
+              <a:rPr lang="en-US" altLang="ko-KR" sz="1000" dirty="0" smtClean="0"/>
+              <a:t>Logic Class</a:t>
+            </a:r>
+            <a:r>
+              <a:rPr lang="ko-KR" altLang="en-US" sz="1000" dirty="0" smtClean="0"/>
+              <a:t>를 상속 받아 자식 </a:t>
             </a:r>
             <a:r>
               <a:rPr lang="en-US" altLang="ko-KR" sz="1000" dirty="0" smtClean="0"/>
@@ -6437,40 +7633,30 @@
             </a:r>
             <a:r>
               <a:rPr lang="ko-KR" altLang="en-US" sz="1000" dirty="0" smtClean="0"/>
-              <a:t>에 작성</a:t>
-            </a:r>
-            <a:r>
-              <a:rPr lang="en-US" altLang="ko-KR" sz="1000" dirty="0" smtClean="0"/>
-              <a:t>, </a:t>
-            </a:r>
-            <a:r>
-              <a:rPr lang="ko-KR" altLang="en-US" sz="1000" dirty="0" smtClean="0"/>
-              <a:t>특정 </a:t>
-            </a:r>
-            <a:r>
-              <a:rPr lang="en-US" altLang="ko-KR" sz="1000" dirty="0" smtClean="0"/>
-              <a:t>Logic</a:t>
-            </a:r>
-            <a:r>
-              <a:rPr lang="ko-KR" altLang="en-US" sz="1000" dirty="0" smtClean="0"/>
-              <a:t>은 부모 </a:t>
-            </a:r>
-            <a:r>
-              <a:rPr lang="en-US" altLang="ko-KR" sz="1000" dirty="0" smtClean="0"/>
-              <a:t>Logic Class</a:t>
-            </a:r>
-            <a:r>
-              <a:rPr lang="ko-KR" altLang="en-US" sz="1000" dirty="0" smtClean="0"/>
-              <a:t>를 상속받아 자식 </a:t>
-            </a:r>
-            <a:r>
-              <a:rPr lang="en-US" altLang="ko-KR" sz="1000" dirty="0" smtClean="0"/>
-              <a:t>Class</a:t>
-            </a:r>
-            <a:r>
-              <a:rPr lang="ko-KR" altLang="en-US" sz="1000" dirty="0" smtClean="0"/>
-              <a:t>로 생성하여 사용 </a:t>
-            </a:r>
+              <a:t>를 생성하여 확장할 수 있게 함</a:t>
+            </a:r>
+            <a:r>
+              <a:rPr lang="en-US" altLang="ko-KR" sz="1000" dirty="0" smtClean="0"/>
+              <a:t>. </a:t>
+            </a:r>
+            <a:br>
+              <a:rPr lang="en-US" altLang="ko-KR" sz="1000" dirty="0" smtClean="0"/>
+            </a:br>
+            <a:r>
+              <a:rPr lang="en-US" altLang="ko-KR" sz="1000" dirty="0" smtClean="0"/>
+              <a:t>     Ex) </a:t>
+            </a:r>
+            <a:r>
+              <a:rPr lang="ko-KR" altLang="en-US" sz="1000" dirty="0" smtClean="0"/>
+              <a:t>기능별로 결과파일의 포맷이 변경되어도 각각 쉽게 처리할 수 있음</a:t>
+            </a:r>
+            <a:r>
+              <a:rPr lang="en-US" altLang="ko-KR" sz="1000" dirty="0" smtClean="0"/>
+              <a:t>.</a:t>
+            </a:r>
+            <a:br>
+              <a:rPr lang="en-US" altLang="ko-KR" sz="1000" dirty="0" smtClean="0"/>
+            </a:br>
             <a:r>
               <a:rPr lang="en-US" altLang="ko-KR" sz="1000" dirty="0" smtClean="0"/>
               <a:t/>
@@ -6480,37 +7666,125 @@
             </a:br>
             <a:r>
               <a:rPr lang="en-US" altLang="ko-KR" sz="1000" dirty="0" smtClean="0"/>
-              <a:t>  </a:t>
+              <a:t>3. </a:t>
+            </a:r>
+            <a:r>
+              <a:rPr lang="ko-KR" altLang="en-US" sz="1000" dirty="0" err="1" smtClean="0"/>
+              <a:t>모니터링할</a:t>
+            </a:r>
+            <a:r>
+              <a:rPr lang="ko-KR" altLang="en-US" sz="1000" dirty="0" smtClean="0"/>
+              <a:t> 수 있는 </a:t>
+            </a:r>
+            <a:r>
+              <a:rPr lang="en-US" altLang="ko-KR" sz="1000" dirty="0" smtClean="0"/>
+              <a:t>Type </a:t>
+            </a:r>
+            <a:r>
+              <a:rPr lang="ko-KR" altLang="en-US" sz="1000" dirty="0" err="1" smtClean="0"/>
+              <a:t>확장성</a:t>
+            </a:r>
+            <a:r>
+              <a:rPr lang="ko-KR" altLang="en-US" sz="1000" dirty="0" smtClean="0"/>
+              <a:t> </a:t>
+            </a:r>
+            <a:r>
+              <a:rPr lang="en-US" altLang="ko-KR" sz="1000" dirty="0" smtClean="0"/>
+              <a:t/>
             </a:r>
             <a:br>
               <a:rPr lang="en-US" altLang="ko-KR" sz="1000" dirty="0" smtClean="0"/>
             </a:br>
             <a:r>
               <a:rPr lang="en-US" altLang="ko-KR" sz="1000" dirty="0" smtClean="0"/>
-              <a:t>- Monitoring</a:t>
-            </a:r>
-            <a:r>
-              <a:rPr lang="ko-KR" altLang="en-US" sz="1000" dirty="0" smtClean="0"/>
-              <a:t>할 수 있는 항목 추가에 대해 </a:t>
+              <a:t>  - </a:t>
+            </a:r>
+            <a:r>
+              <a:rPr lang="ko-KR" altLang="en-US" sz="1000" dirty="0" smtClean="0"/>
+              <a:t>현재 </a:t>
             </a:r>
             <a:r>
               <a:rPr lang="ko-KR" altLang="en-US" sz="1000" dirty="0" err="1" smtClean="0"/>
-              <a:t>확장성있는</a:t>
-            </a:r>
-            <a:r>
-              <a:rPr lang="ko-KR" altLang="en-US" sz="1000" dirty="0" smtClean="0"/>
-              <a:t> 구조로 설계</a:t>
-            </a:r>
-            <a:r>
-              <a:rPr lang="en-US" altLang="ko-KR" sz="1000" dirty="0" smtClean="0"/>
-              <a:t/>
+              <a:t>모니터링하는</a:t>
+            </a:r>
+            <a:r>
+              <a:rPr lang="ko-KR" altLang="en-US" sz="1000" dirty="0" smtClean="0"/>
+              <a:t> </a:t>
+            </a:r>
+            <a:r>
+              <a:rPr lang="en-US" altLang="ko-KR" sz="1000" dirty="0" smtClean="0"/>
+              <a:t>Type</a:t>
+            </a:r>
+            <a:r>
+              <a:rPr lang="ko-KR" altLang="en-US" sz="1000" dirty="0" smtClean="0"/>
+              <a:t>이 </a:t>
+            </a:r>
+            <a:r>
+              <a:rPr lang="en-US" altLang="ko-KR" sz="1000" dirty="0" smtClean="0"/>
+              <a:t>File</a:t>
+            </a:r>
+            <a:r>
+              <a:rPr lang="ko-KR" altLang="en-US" sz="1000" dirty="0" smtClean="0"/>
+              <a:t>과 </a:t>
+            </a:r>
+            <a:r>
+              <a:rPr lang="en-US" altLang="ko-KR" sz="1000" dirty="0" smtClean="0"/>
+              <a:t>Proc</a:t>
+            </a:r>
+            <a:r>
+              <a:rPr lang="ko-KR" altLang="en-US" sz="1000" dirty="0" smtClean="0"/>
+              <a:t>만 있지만</a:t>
+            </a:r>
+            <a:r>
+              <a:rPr lang="en-US" altLang="ko-KR" sz="1000" dirty="0" smtClean="0"/>
+              <a:t> </a:t>
+            </a:r>
+            <a:r>
+              <a:rPr lang="ko-KR" altLang="en-US" sz="1000" dirty="0" smtClean="0"/>
+              <a:t>향후 </a:t>
+            </a:r>
+            <a:r>
+              <a:rPr lang="en-US" altLang="ko-KR" sz="1000" dirty="0" smtClean="0"/>
+              <a:t>System Memory </a:t>
+            </a:r>
+            <a:r>
+              <a:rPr lang="ko-KR" altLang="en-US" sz="1000" dirty="0" smtClean="0"/>
+              <a:t>사용량</a:t>
+            </a:r>
+            <a:r>
+              <a:rPr lang="en-US" altLang="ko-KR" sz="1000" dirty="0" smtClean="0"/>
+              <a:t>, Disk </a:t>
+            </a:r>
+            <a:r>
+              <a:rPr lang="ko-KR" altLang="en-US" sz="1000" dirty="0" smtClean="0"/>
+              <a:t>사용량</a:t>
+            </a:r>
+            <a:r>
+              <a:rPr lang="en-US" altLang="ko-KR" sz="1000" dirty="0" smtClean="0"/>
+              <a:t>, CPU </a:t>
+            </a:r>
+            <a:r>
+              <a:rPr lang="ko-KR" altLang="en-US" sz="1000" dirty="0" smtClean="0"/>
+              <a:t>점유율 </a:t>
+            </a:r>
+            <a:r>
+              <a:rPr lang="ko-KR" altLang="en-US" sz="1000" dirty="0" smtClean="0"/>
+              <a:t>등도 추가할 수 있기 때문에 확장 가능한 구조로 설계</a:t>
+            </a:r>
+            <a:r>
+              <a:rPr lang="en-US" altLang="ko-KR" sz="1000" dirty="0" smtClean="0"/>
+              <a:t>. </a:t>
             </a:r>
             <a:br>
               <a:rPr lang="en-US" altLang="ko-KR" sz="1000" dirty="0" smtClean="0"/>
             </a:br>
             <a:r>
               <a:rPr lang="en-US" altLang="ko-KR" sz="1000" dirty="0" smtClean="0"/>
-              <a:t>  : </a:t>
+              <a:t>    : Type </a:t>
+            </a:r>
+            <a:r>
+              <a:rPr lang="ko-KR" altLang="en-US" sz="1000" dirty="0" smtClean="0"/>
+              <a:t>구분을 </a:t>
             </a:r>
             <a:r>
               <a:rPr lang="en-US" altLang="ko-KR" sz="1000" dirty="0" err="1" smtClean="0"/>
@@ -6518,7 +7792,7 @@
             </a:r>
             <a:r>
               <a:rPr lang="ko-KR" altLang="en-US" sz="1000" dirty="0" smtClean="0"/>
-              <a:t>을 사용하여 </a:t>
+              <a:t>으로 구성하여 별도 </a:t>
             </a:r>
             <a:r>
               <a:rPr lang="en-US" altLang="ko-KR" sz="1000" dirty="0" smtClean="0"/>
@@ -6526,22 +7800,131 @@
             </a:r>
             <a:r>
               <a:rPr lang="ko-KR" altLang="en-US" sz="1000" dirty="0" smtClean="0"/>
-              <a:t>을 확장할 수 있게 구성 </a:t>
-            </a:r>
-            <a:r>
-              <a:rPr lang="en-US" altLang="ko-KR" sz="1000" dirty="0" smtClean="0"/>
-              <a:t>ex) File, Process, System Memory, Disk Usage, …</a:t>
+              <a:t>이 생길 경우 쉽게 추가할 수 있는 구조로 처리</a:t>
+            </a:r>
+            <a:r>
+              <a:rPr lang="en-US" altLang="ko-KR" sz="1000" dirty="0" smtClean="0"/>
+              <a:t>.</a:t>
             </a:r>
             <a:br>
               <a:rPr lang="en-US" altLang="ko-KR" sz="1000" dirty="0" smtClean="0"/>
             </a:br>
             <a:r>
               <a:rPr lang="en-US" altLang="ko-KR" sz="1000" dirty="0" smtClean="0"/>
-              <a:t>  : Monitoring</a:t>
-            </a:r>
-            <a:r>
-              <a:rPr lang="ko-KR" altLang="en-US" sz="1000" dirty="0" smtClean="0"/>
-              <a:t>항목마다 함수 하나만 추가하면 기능추가가 될 수 있는 구조로 구성 </a:t>
+              <a:t>     Ex) File, Proc, </a:t>
+            </a:r>
+            <a:r>
+              <a:rPr lang="en-US" altLang="ko-KR" sz="1000" dirty="0" err="1" smtClean="0"/>
+              <a:t>SystemMem</a:t>
+            </a:r>
+            <a:r>
+              <a:rPr lang="en-US" altLang="ko-KR" sz="1000" dirty="0" smtClean="0"/>
+              <a:t>, Disk, …</a:t>
+            </a:r>
+            <a:br>
+              <a:rPr lang="en-US" altLang="ko-KR" sz="1000" dirty="0" smtClean="0"/>
+            </a:br>
+            <a:r>
+              <a:rPr lang="en-US" altLang="ko-KR" sz="1000" dirty="0" smtClean="0"/>
+              <a:t>    : Type</a:t>
+            </a:r>
+            <a:r>
+              <a:rPr lang="ko-KR" altLang="en-US" sz="1000" dirty="0" smtClean="0"/>
+              <a:t>별로 처리해야 하는 </a:t>
+            </a:r>
+            <a:r>
+              <a:rPr lang="en-US" altLang="ko-KR" sz="1000" dirty="0" smtClean="0"/>
+              <a:t>Monitoring </a:t>
+            </a:r>
+            <a:r>
+              <a:rPr lang="ko-KR" altLang="en-US" sz="1000" dirty="0" smtClean="0"/>
+              <a:t>작업은 </a:t>
+            </a:r>
+            <a:r>
+              <a:rPr lang="ko-KR" altLang="en-US" sz="1000" dirty="0" err="1" smtClean="0"/>
+              <a:t>메서드</a:t>
+            </a:r>
+            <a:r>
+              <a:rPr lang="ko-KR" altLang="en-US" sz="1000" dirty="0" smtClean="0"/>
+              <a:t> 하나를 추가하여 사용하면 되는 구조로 처리</a:t>
+            </a:r>
+            <a:r>
+              <a:rPr lang="en-US" altLang="ko-KR" sz="1000" dirty="0" smtClean="0"/>
+              <a:t>.</a:t>
+            </a:r>
+            <a:br>
+              <a:rPr lang="en-US" altLang="ko-KR" sz="1000" dirty="0" smtClean="0"/>
+            </a:br>
+            <a:r>
+              <a:rPr lang="en-US" altLang="ko-KR" sz="1000" dirty="0" smtClean="0"/>
+              <a:t>     Ex1) </a:t>
+            </a:r>
+            <a:r>
+              <a:rPr lang="en-US" altLang="ko-KR" sz="1000" dirty="0" err="1" smtClean="0"/>
+              <a:t>FileAlarmCheck</a:t>
+            </a:r>
+            <a:r>
+              <a:rPr lang="en-US" altLang="ko-KR" sz="1000" dirty="0" smtClean="0"/>
+              <a:t>(), </a:t>
+            </a:r>
+            <a:r>
+              <a:rPr lang="en-US" altLang="ko-KR" sz="1000" dirty="0" err="1" smtClean="0"/>
+              <a:t>ProcAlarmCheck</a:t>
+            </a:r>
+            <a:r>
+              <a:rPr lang="en-US" altLang="ko-KR" sz="1000" dirty="0" smtClean="0"/>
+              <a:t>(), </a:t>
+            </a:r>
+            <a:r>
+              <a:rPr lang="en-US" altLang="ko-KR" sz="1000" dirty="0" err="1" smtClean="0"/>
+              <a:t>SysMemAlarmCheck</a:t>
+            </a:r>
+            <a:r>
+              <a:rPr lang="en-US" altLang="ko-KR" sz="1000" dirty="0" smtClean="0"/>
+              <a:t>(), </a:t>
+            </a:r>
+            <a:r>
+              <a:rPr lang="en-US" altLang="ko-KR" sz="1000" dirty="0" err="1" smtClean="0"/>
+              <a:t>DiskAlarmCheck</a:t>
+            </a:r>
+            <a:r>
+              <a:rPr lang="en-US" altLang="ko-KR" sz="1000" dirty="0" smtClean="0"/>
+              <a:t>(), … </a:t>
+            </a:r>
+            <a:br>
+              <a:rPr lang="en-US" altLang="ko-KR" sz="1000" dirty="0" smtClean="0"/>
+            </a:br>
+            <a:r>
+              <a:rPr lang="en-US" altLang="ko-KR" sz="1000" dirty="0" smtClean="0"/>
+              <a:t>     Ex2) </a:t>
+            </a:r>
+            <a:r>
+              <a:rPr lang="en-US" altLang="ko-KR" sz="1000" dirty="0" err="1" smtClean="0"/>
+              <a:t>ProcAlarmCheck</a:t>
+            </a:r>
+            <a:r>
+              <a:rPr lang="en-US" altLang="ko-KR" sz="1000" dirty="0" smtClean="0"/>
+              <a:t>()</a:t>
+            </a:r>
+            <a:r>
+              <a:rPr lang="ko-KR" altLang="en-US" sz="1000" dirty="0" smtClean="0"/>
+              <a:t>수행 시 </a:t>
+            </a:r>
+            <a:r>
+              <a:rPr lang="en-US" altLang="ko-KR" sz="1000" dirty="0" smtClean="0"/>
+              <a:t>Process</a:t>
+            </a:r>
+            <a:r>
+              <a:rPr lang="ko-KR" altLang="en-US" sz="1000" dirty="0" smtClean="0"/>
+              <a:t>를 </a:t>
+            </a:r>
+            <a:r>
+              <a:rPr lang="en-US" altLang="ko-KR" sz="1000" dirty="0" smtClean="0"/>
+              <a:t>Kill</a:t>
+            </a:r>
+            <a:r>
+              <a:rPr lang="ko-KR" altLang="en-US" sz="1000" dirty="0" smtClean="0"/>
+              <a:t>하거나 다시 실행시키는 기능 등을 쉽게 추가할 수 있음</a:t>
             </a:r>
             <a:r>
               <a:rPr lang="en-US" altLang="ko-KR" sz="1000" dirty="0" smtClean="0"/>
@@ -6552,86 +7935,67 @@
             </a:br>
             <a:r>
               <a:rPr lang="en-US" altLang="ko-KR" sz="1000" dirty="0" smtClean="0"/>
-              <a:t>    or Monitoring</a:t>
-            </a:r>
-            <a:r>
-              <a:rPr lang="ko-KR" altLang="en-US" sz="1000" dirty="0" smtClean="0"/>
-              <a:t>항목마다 별도의 </a:t>
-            </a:r>
-            <a:r>
-              <a:rPr lang="en-US" altLang="ko-KR" sz="1000" dirty="0" smtClean="0"/>
-              <a:t>Thread</a:t>
-            </a:r>
-            <a:r>
-              <a:rPr lang="ko-KR" altLang="en-US" sz="1000" dirty="0" smtClean="0"/>
-              <a:t>를 생성하여 </a:t>
-            </a:r>
-            <a:r>
-              <a:rPr lang="en-US" altLang="ko-KR" sz="1000" dirty="0" smtClean="0"/>
-              <a:t>Monitoring</a:t>
-            </a:r>
-            <a:r>
-              <a:rPr lang="ko-KR" altLang="en-US" sz="1000" dirty="0" smtClean="0"/>
-              <a:t>수행</a:t>
-            </a:r>
-            <a:r>
-              <a:rPr lang="en-US" altLang="ko-KR" sz="1000" dirty="0" smtClean="0"/>
-              <a:t/>
-            </a:r>
-            <a:br>
-              <a:rPr lang="en-US" altLang="ko-KR" sz="1000" dirty="0" smtClean="0"/>
-            </a:br>
-            <a:r>
-              <a:rPr lang="en-US" altLang="ko-KR" sz="1000" dirty="0" smtClean="0"/>
-              <a:t>        </a:t>
+              <a:t>     </a:t>
             </a:r>
             <a:r>
               <a:rPr lang="en-US" altLang="ko-KR" sz="1000" dirty="0" smtClean="0">
                 <a:sym typeface="Wingdings" pitchFamily="2" charset="2"/>
               </a:rPr>
-              <a:t> Multi Thread</a:t>
+              <a:t> Type</a:t>
             </a:r>
             <a:r>
               <a:rPr lang="ko-KR" altLang="en-US" sz="1000" dirty="0" smtClean="0">
                 <a:sym typeface="Wingdings" pitchFamily="2" charset="2"/>
               </a:rPr>
-              <a:t>로 만들면 한 파일에 </a:t>
+              <a:t>별로 처리해야 하는 </a:t>
+            </a:r>
+            <a:r>
+              <a:rPr lang="en-US" altLang="ko-KR" sz="1000" dirty="0" smtClean="0">
+                <a:sym typeface="Wingdings" pitchFamily="2" charset="2"/>
+              </a:rPr>
+              <a:t>Monitoring </a:t>
+            </a:r>
+            <a:r>
+              <a:rPr lang="ko-KR" altLang="en-US" sz="1000" dirty="0" smtClean="0">
+                <a:sym typeface="Wingdings" pitchFamily="2" charset="2"/>
+              </a:rPr>
+              <a:t>작업을 별도 </a:t>
+            </a:r>
+            <a:r>
+              <a:rPr lang="en-US" altLang="ko-KR" sz="1000" dirty="0" smtClean="0">
+                <a:sym typeface="Wingdings" pitchFamily="2" charset="2"/>
+              </a:rPr>
+              <a:t>Thread</a:t>
+            </a:r>
+            <a:r>
+              <a:rPr lang="ko-KR" altLang="en-US" sz="1000" dirty="0" smtClean="0">
+                <a:sym typeface="Wingdings" pitchFamily="2" charset="2"/>
+              </a:rPr>
+              <a:t>를 생성하여 처리할 수도 있으나</a:t>
+            </a:r>
+            <a:r>
+              <a:rPr lang="en-US" altLang="ko-KR" sz="1000" dirty="0" smtClean="0">
+                <a:sym typeface="Wingdings" pitchFamily="2" charset="2"/>
+              </a:rPr>
+              <a:t>, </a:t>
+            </a:r>
+            <a:r>
+              <a:rPr lang="ko-KR" altLang="en-US" sz="1000" dirty="0" smtClean="0">
+                <a:sym typeface="Wingdings" pitchFamily="2" charset="2"/>
+              </a:rPr>
+              <a:t>결과 파일이 동일할 경우 동기화를 처리해야 하기 때문에 별도 </a:t>
             </a:r>
             <a:r>
               <a:rPr lang="ko-KR" altLang="en-US" sz="1000" dirty="0" err="1" smtClean="0">
                 <a:sym typeface="Wingdings" pitchFamily="2" charset="2"/>
               </a:rPr>
-              <a:t>알람</a:t>
+              <a:t>메서드로</a:t>
             </a:r>
             <a:r>
               <a:rPr lang="ko-KR" altLang="en-US" sz="1000" dirty="0" smtClean="0">
                 <a:sym typeface="Wingdings" pitchFamily="2" charset="2"/>
               </a:rPr>
-              <a:t> 정보들을 </a:t>
-            </a:r>
-            <a:r>
-              <a:rPr lang="en-US" altLang="ko-KR" sz="1000" dirty="0" smtClean="0">
-                <a:sym typeface="Wingdings" pitchFamily="2" charset="2"/>
-              </a:rPr>
-              <a:t>Write</a:t>
-            </a:r>
-            <a:r>
-              <a:rPr lang="ko-KR" altLang="en-US" sz="1000" dirty="0" smtClean="0">
-                <a:sym typeface="Wingdings" pitchFamily="2" charset="2"/>
-              </a:rPr>
-              <a:t>할 경우 </a:t>
-            </a:r>
-            <a:r>
-              <a:rPr lang="ko-KR" altLang="en-US" sz="1000" dirty="0" err="1" smtClean="0">
-                <a:sym typeface="Wingdings" pitchFamily="2" charset="2"/>
-              </a:rPr>
-              <a:t>동기화처리를</a:t>
-            </a:r>
-            <a:r>
-              <a:rPr lang="ko-KR" altLang="en-US" sz="1000" dirty="0" smtClean="0">
-                <a:sym typeface="Wingdings" pitchFamily="2" charset="2"/>
-              </a:rPr>
-              <a:t> 해 줘야 함</a:t>
+              <a:t> 처리하는 것이 더 좋다고 판단함</a:t>
             </a:r>
             <a:r>
               <a:rPr lang="en-US" altLang="ko-KR" sz="1000" dirty="0" smtClean="0">
@@ -6639,6 +8003,38 @@
               </a:rPr>
               <a:t>.</a:t>
             </a:r>
+            <a:br>
+              <a:rPr lang="en-US" altLang="ko-KR" sz="1000" dirty="0" smtClean="0">
+                <a:sym typeface="Wingdings" pitchFamily="2" charset="2"/>
+              </a:rPr>
+            </a:br>
+            <a:endParaRPr lang="en-US" altLang="ko-KR" sz="1000" dirty="0" smtClean="0"/>
+          </a:p>
+          <a:p>
+            <a:r>
+              <a:rPr lang="en-US" altLang="ko-KR" sz="1000" dirty="0" smtClean="0"/>
+              <a:t>4. Type</a:t>
+            </a:r>
+            <a:r>
+              <a:rPr lang="ko-KR" altLang="en-US" sz="1000" dirty="0" smtClean="0"/>
+              <a:t>별로 </a:t>
+            </a:r>
+            <a:r>
+              <a:rPr lang="en-US" altLang="ko-KR" sz="1000" dirty="0" smtClean="0"/>
+              <a:t>Alarm Check</a:t>
+            </a:r>
+            <a:r>
+              <a:rPr lang="ko-KR" altLang="en-US" sz="1000" dirty="0" smtClean="0"/>
+              <a:t>해야 하는 </a:t>
+            </a:r>
+            <a:r>
+              <a:rPr lang="en-US" altLang="ko-KR" sz="1000" dirty="0" smtClean="0"/>
+              <a:t>Attribute </a:t>
+            </a:r>
+            <a:r>
+              <a:rPr lang="ko-KR" altLang="en-US" sz="1000" dirty="0" err="1" smtClean="0"/>
+              <a:t>확장성</a:t>
+            </a:r>
             <a:r>
               <a:rPr lang="en-US" altLang="ko-KR" sz="1000" dirty="0" smtClean="0"/>
               <a:t/>
@@ -6648,57 +8044,167 @@
             </a:br>
             <a:r>
               <a:rPr lang="en-US" altLang="ko-KR" sz="1000" dirty="0" smtClean="0"/>
+              <a:t> - File</a:t>
+            </a:r>
+            <a:r>
+              <a:rPr lang="ko-KR" altLang="en-US" sz="1000" dirty="0" smtClean="0"/>
+              <a:t>은 현재 존재여부와 </a:t>
+            </a:r>
+            <a:r>
+              <a:rPr lang="en-US" altLang="ko-KR" sz="1000" dirty="0" smtClean="0"/>
+              <a:t>Size</a:t>
+            </a:r>
+            <a:r>
+              <a:rPr lang="ko-KR" altLang="en-US" sz="1000" dirty="0" smtClean="0"/>
+              <a:t>를 </a:t>
+            </a:r>
+            <a:r>
+              <a:rPr lang="en-US" altLang="ko-KR" sz="1000" dirty="0" smtClean="0"/>
+              <a:t>Check</a:t>
+            </a:r>
+            <a:r>
+              <a:rPr lang="ko-KR" altLang="en-US" sz="1000" dirty="0" smtClean="0"/>
+              <a:t>하고</a:t>
+            </a:r>
+            <a:r>
+              <a:rPr lang="en-US" altLang="ko-KR" sz="1000" dirty="0" smtClean="0"/>
               <a:t> </a:t>
             </a:r>
+            <a:r>
+              <a:rPr lang="ko-KR" altLang="en-US" sz="1000" dirty="0" smtClean="0"/>
+              <a:t>있지만</a:t>
+            </a:r>
+            <a:r>
+              <a:rPr lang="en-US" altLang="ko-KR" sz="1000" dirty="0" smtClean="0"/>
+              <a:t>, </a:t>
+            </a:r>
+            <a:r>
+              <a:rPr lang="ko-KR" altLang="en-US" sz="1000" dirty="0" smtClean="0"/>
+              <a:t>생성날짜</a:t>
+            </a:r>
+            <a:r>
+              <a:rPr lang="en-US" altLang="ko-KR" sz="1000" dirty="0" smtClean="0"/>
+              <a:t>, </a:t>
+            </a:r>
+            <a:r>
+              <a:rPr lang="ko-KR" altLang="en-US" sz="1000" dirty="0" smtClean="0"/>
+              <a:t>수정날짜 등도 </a:t>
+            </a:r>
+            <a:r>
+              <a:rPr lang="en-US" altLang="ko-KR" sz="1000" dirty="0" smtClean="0"/>
+              <a:t>Check</a:t>
+            </a:r>
+            <a:r>
+              <a:rPr lang="ko-KR" altLang="en-US" sz="1000" dirty="0" smtClean="0"/>
+              <a:t>할 항목으로 추가 가능하고</a:t>
+            </a:r>
+            <a:r>
+              <a:rPr lang="en-US" altLang="ko-KR" sz="1000" dirty="0" smtClean="0"/>
+              <a:t>, </a:t>
+            </a:r>
             <a:br>
               <a:rPr lang="en-US" altLang="ko-KR" sz="1000" dirty="0" smtClean="0"/>
             </a:br>
             <a:r>
               <a:rPr lang="en-US" altLang="ko-KR" sz="1000" dirty="0" smtClean="0"/>
-              <a:t>   </a:t>
-            </a:r>
-            <a:r>
-              <a:rPr lang="ko-KR" altLang="en-US" sz="1000" dirty="0" smtClean="0"/>
+              <a:t>   Proc</a:t>
+            </a:r>
+            <a:r>
+              <a:rPr lang="ko-KR" altLang="en-US" sz="1000" dirty="0" smtClean="0"/>
+              <a:t>은 존재유무</a:t>
+            </a:r>
+            <a:r>
+              <a:rPr lang="en-US" altLang="ko-KR" sz="1000" dirty="0" smtClean="0"/>
+              <a:t>, </a:t>
+            </a:r>
+            <a:r>
+              <a:rPr lang="ko-KR" altLang="en-US" sz="1000" dirty="0" smtClean="0"/>
+              <a:t>메모리 사용량 이외에 </a:t>
+            </a:r>
+            <a:r>
+              <a:rPr lang="en-US" altLang="ko-KR" sz="1000" dirty="0" smtClean="0"/>
+              <a:t>PID, Priority, Processor </a:t>
+            </a:r>
+            <a:r>
+              <a:rPr lang="ko-KR" altLang="en-US" sz="1000" dirty="0" smtClean="0"/>
+              <a:t>사용 시간</a:t>
+            </a:r>
+            <a:r>
+              <a:rPr lang="en-US" altLang="ko-KR" sz="1000" dirty="0" smtClean="0"/>
+              <a:t>, Process Exit Code, Process Exit Time </a:t>
+            </a:r>
+            <a:r>
+              <a:rPr lang="ko-KR" altLang="en-US" sz="1000" dirty="0" smtClean="0"/>
+              <a:t>등도 추가 가능 </a:t>
+            </a:r>
+            <a:r>
+              <a:rPr lang="en-US" altLang="ko-KR" sz="1000" dirty="0" smtClean="0"/>
               <a:t/>
             </a:r>
             <a:br>
-              <a:rPr lang="ko-KR" altLang="en-US" sz="1000" dirty="0" smtClean="0"/>
+              <a:rPr lang="en-US" altLang="ko-KR" sz="1000" dirty="0" smtClean="0"/>
             </a:br>
             <a:r>
-              <a:rPr lang="ko-KR" altLang="en-US" sz="1000" dirty="0" smtClean="0"/>
-              <a:t> </a:t>
-            </a:r>
-            <a:r>
-              <a:rPr lang="en-US" altLang="ko-KR" sz="1000" dirty="0" smtClean="0"/>
-              <a:t>1) File Monitoring </a:t>
-            </a:r>
-            <a:r>
-              <a:rPr lang="ko-KR" altLang="en-US" sz="1000" dirty="0" smtClean="0"/>
-              <a:t>시 존재유무</a:t>
-            </a:r>
-            <a:r>
-              <a:rPr lang="en-US" altLang="ko-KR" sz="1000" dirty="0" smtClean="0"/>
-              <a:t>, </a:t>
-            </a:r>
-            <a:r>
-              <a:rPr lang="ko-KR" altLang="en-US" sz="1000" dirty="0" smtClean="0"/>
-              <a:t>크기 이외에 생성 </a:t>
+              <a:rPr lang="en-US" altLang="ko-KR" sz="1000" dirty="0" smtClean="0"/>
+              <a:t>    : Attribute </a:t>
+            </a:r>
+            <a:r>
+              <a:rPr lang="ko-KR" altLang="en-US" sz="1000" dirty="0" smtClean="0"/>
+              <a:t>구분을 </a:t>
             </a:r>
             <a:r>
               <a:rPr lang="en-US" altLang="ko-KR" sz="1000" dirty="0" err="1" smtClean="0"/>
-              <a:t>DateTime</a:t>
-            </a:r>
-            <a:r>
-              <a:rPr lang="en-US" altLang="ko-KR" sz="1000" dirty="0" smtClean="0"/>
-              <a:t>, </a:t>
-            </a:r>
-            <a:r>
-              <a:rPr lang="ko-KR" altLang="en-US" sz="1000" dirty="0" smtClean="0"/>
-              <a:t>최종 수정 </a:t>
-            </a:r>
-            <a:r>
-              <a:rPr lang="en-US" altLang="ko-KR" sz="1000" dirty="0" err="1" smtClean="0"/>
-              <a:t>DateTime</a:t>
+              <a:t>Enum</a:t>
+            </a:r>
+            <a:r>
+              <a:rPr lang="ko-KR" altLang="en-US" sz="1000" dirty="0" smtClean="0"/>
+              <a:t>으로 구성하여 별도 </a:t>
+            </a:r>
+            <a:r>
+              <a:rPr lang="en-US" altLang="ko-KR" sz="1000" dirty="0" smtClean="0"/>
+              <a:t>Attribute</a:t>
+            </a:r>
+            <a:r>
+              <a:rPr lang="ko-KR" altLang="en-US" sz="1000" dirty="0" smtClean="0"/>
+              <a:t>가 생길 경우 쉽게 추가할 수 있는 구조로 처리</a:t>
+            </a:r>
+            <a:r>
+              <a:rPr lang="en-US" altLang="ko-KR" sz="1000" dirty="0" smtClean="0"/>
+              <a:t>. </a:t>
+            </a:r>
+            <a:br>
+              <a:rPr lang="en-US" altLang="ko-KR" sz="1000" dirty="0" smtClean="0"/>
+            </a:br>
+            <a:r>
+              <a:rPr lang="en-US" altLang="ko-KR" sz="1000" dirty="0" smtClean="0"/>
+              <a:t>      Ex) None, Exist, Size, Memory, PID, Priority, …</a:t>
+            </a:r>
+            <a:br>
+              <a:rPr lang="en-US" altLang="ko-KR" sz="1000" dirty="0" smtClean="0"/>
+            </a:br>
+            <a:r>
+              <a:rPr lang="en-US" altLang="ko-KR" sz="1000" dirty="0" smtClean="0"/>
+              <a:t>    : Alarm </a:t>
+            </a:r>
+            <a:r>
+              <a:rPr lang="ko-KR" altLang="en-US" sz="1000" dirty="0" smtClean="0"/>
+              <a:t>결과를 한 번 쓰고 나면 동일 </a:t>
+            </a:r>
+            <a:r>
+              <a:rPr lang="ko-KR" altLang="en-US" sz="1000" dirty="0" err="1" smtClean="0"/>
+              <a:t>알람에</a:t>
+            </a:r>
+            <a:r>
+              <a:rPr lang="ko-KR" altLang="en-US" sz="1000" dirty="0" smtClean="0"/>
+              <a:t> 대해서는 다시 쓰지 않는 요구조건을 만족하기 위해 </a:t>
+            </a:r>
+            <a:r>
+              <a:rPr lang="en-US" altLang="ko-KR" sz="1000" dirty="0" smtClean="0"/>
+              <a:t>Attribute </a:t>
+            </a:r>
+            <a:r>
+              <a:rPr lang="ko-KR" altLang="en-US" sz="1000" dirty="0" smtClean="0"/>
+              <a:t>타입의</a:t>
             </a:r>
             <a:r>
               <a:rPr lang="en-US" altLang="ko-KR" sz="1000" dirty="0" smtClean="0"/>
@@ -6706,578 +8212,127 @@
             </a:r>
             <a:r>
               <a:rPr lang="ko-KR" altLang="en-US" sz="1000" dirty="0" smtClean="0"/>
-              <a:t>등도 추가 가능</a:t>
+              <a:t>변수를 하나 두어 </a:t>
+            </a:r>
+            <a:r>
+              <a:rPr lang="en-US" altLang="ko-KR" sz="1000" dirty="0" smtClean="0"/>
+              <a:t>Alarm </a:t>
+            </a:r>
+            <a:r>
+              <a:rPr lang="ko-KR" altLang="en-US" sz="1000" dirty="0" smtClean="0"/>
+              <a:t>발생 시 </a:t>
+            </a:r>
+            <a:r>
+              <a:rPr lang="en-US" altLang="ko-KR" sz="1000" dirty="0" smtClean="0"/>
+              <a:t>Last Alarm</a:t>
+            </a:r>
+            <a:r>
+              <a:rPr lang="ko-KR" altLang="en-US" sz="1000" dirty="0" smtClean="0"/>
+              <a:t>여부를 구분하는 용도로도 활용</a:t>
+            </a:r>
+            <a:r>
+              <a:rPr lang="en-US" altLang="ko-KR" sz="1000" dirty="0" smtClean="0"/>
+              <a:t>. Alarm</a:t>
+            </a:r>
+            <a:r>
+              <a:rPr lang="ko-KR" altLang="en-US" sz="1000" dirty="0" smtClean="0"/>
+              <a:t>이 해제되면 </a:t>
+            </a:r>
+            <a:r>
+              <a:rPr lang="en-US" altLang="ko-KR" sz="1000" dirty="0" smtClean="0"/>
+              <a:t>None</a:t>
+            </a:r>
+            <a:r>
+              <a:rPr lang="ko-KR" altLang="en-US" sz="1000" dirty="0" smtClean="0"/>
+              <a:t>으로 </a:t>
+            </a:r>
+            <a:r>
+              <a:rPr lang="ko-KR" altLang="en-US" sz="1000" dirty="0" err="1" smtClean="0"/>
+              <a:t>세팅하여</a:t>
+            </a:r>
+            <a:r>
+              <a:rPr lang="ko-KR" altLang="en-US" sz="1000" dirty="0" smtClean="0"/>
+              <a:t> 이후 어떤 </a:t>
+            </a:r>
+            <a:r>
+              <a:rPr lang="en-US" altLang="ko-KR" sz="1000" dirty="0" smtClean="0"/>
+              <a:t>Attribute</a:t>
+            </a:r>
+            <a:r>
+              <a:rPr lang="ko-KR" altLang="en-US" sz="1000" dirty="0" smtClean="0"/>
+              <a:t>의 </a:t>
+            </a:r>
+            <a:r>
+              <a:rPr lang="en-US" altLang="ko-KR" sz="1000" dirty="0" smtClean="0"/>
+              <a:t>Alarm</a:t>
+            </a:r>
+            <a:r>
+              <a:rPr lang="ko-KR" altLang="en-US" sz="1000" dirty="0" smtClean="0"/>
+              <a:t> 조건이 만족하던지 </a:t>
+            </a:r>
+            <a:r>
+              <a:rPr lang="ko-KR" altLang="en-US" sz="1000" dirty="0" err="1" smtClean="0"/>
+              <a:t>알람</a:t>
+            </a:r>
+            <a:r>
+              <a:rPr lang="ko-KR" altLang="en-US" sz="1000" dirty="0" smtClean="0"/>
+              <a:t> 결과 작성</a:t>
+            </a:r>
+            <a:r>
+              <a:rPr lang="en-US" altLang="ko-KR" sz="1000" dirty="0" smtClean="0"/>
+              <a:t>.</a:t>
+            </a:r>
+            <a:r>
+              <a:rPr lang="ko-KR" altLang="en-US" sz="1000" dirty="0" smtClean="0"/>
+              <a:t> </a:t>
+            </a:r>
+            <a:r>
+              <a:rPr lang="en-US" altLang="ko-KR" sz="1000" dirty="0" smtClean="0"/>
+              <a:t/>
             </a:r>
             <a:br>
-              <a:rPr lang="ko-KR" altLang="en-US" sz="1000" dirty="0" smtClean="0"/>
-            </a:br>
-            <a:r>
-              <a:rPr lang="ko-KR" altLang="en-US" sz="1000" dirty="0" smtClean="0"/>
-              <a:t>* </a:t>
-            </a:r>
-            <a:r>
-              <a:rPr lang="en-US" altLang="ko-KR" sz="1000" dirty="0" err="1" smtClean="0"/>
-              <a:t>FileInfo</a:t>
-            </a:r>
-            <a:r>
-              <a:rPr lang="en-US" altLang="ko-KR" sz="1000" dirty="0" smtClean="0"/>
-              <a:t> Class</a:t>
-            </a:r>
-            <a:r>
-              <a:rPr lang="ko-KR" altLang="en-US" sz="1000" dirty="0" smtClean="0"/>
-              <a:t>로 얻을 수 있는 정보들</a:t>
-            </a:r>
-            <a:br>
-              <a:rPr lang="ko-KR" altLang="en-US" sz="1000" dirty="0" smtClean="0"/>
-            </a:br>
-            <a:r>
-              <a:rPr lang="ko-KR" altLang="en-US" sz="1000" dirty="0" smtClean="0"/>
-              <a:t> </a:t>
-            </a:r>
-            <a:r>
-              <a:rPr lang="en-US" altLang="ko-KR" sz="1000" dirty="0" smtClean="0"/>
-              <a:t>public override </a:t>
-            </a:r>
-            <a:r>
-              <a:rPr lang="en-US" altLang="ko-KR" sz="1000" dirty="0" err="1" smtClean="0"/>
-              <a:t>bool</a:t>
-            </a:r>
-            <a:r>
-              <a:rPr lang="en-US" altLang="ko-KR" sz="1000" dirty="0" smtClean="0"/>
-              <a:t> Exists { get; } // </a:t>
-            </a:r>
-            <a:r>
-              <a:rPr lang="ko-KR" altLang="en-US" sz="1000" dirty="0" smtClean="0"/>
-              <a:t>존재 여부</a:t>
-            </a:r>
-            <a:br>
-              <a:rPr lang="ko-KR" altLang="en-US" sz="1000" dirty="0" smtClean="0"/>
-            </a:br>
-            <a:r>
-              <a:rPr lang="ko-KR" altLang="en-US" sz="1000" dirty="0" smtClean="0"/>
-              <a:t> </a:t>
-            </a:r>
-            <a:r>
-              <a:rPr lang="en-US" altLang="ko-KR" sz="1000" dirty="0" smtClean="0"/>
-              <a:t>public long Length { get; } // </a:t>
-            </a:r>
-            <a:r>
-              <a:rPr lang="ko-KR" altLang="en-US" sz="1000" dirty="0" smtClean="0"/>
-              <a:t>파일 크기</a:t>
-            </a:r>
-            <a:br>
-              <a:rPr lang="ko-KR" altLang="en-US" sz="1000" dirty="0" smtClean="0"/>
-            </a:br>
-            <a:r>
-              <a:rPr lang="ko-KR" altLang="en-US" sz="1000" dirty="0" smtClean="0"/>
-              <a:t>* </a:t>
-            </a:r>
-            <a:r>
-              <a:rPr lang="en-US" altLang="ko-KR" sz="1000" dirty="0" err="1" smtClean="0"/>
-              <a:t>FileSystemInfo</a:t>
-            </a:r>
-            <a:r>
-              <a:rPr lang="en-US" altLang="ko-KR" sz="1000" dirty="0" smtClean="0"/>
-              <a:t> Class</a:t>
-            </a:r>
-            <a:r>
-              <a:rPr lang="ko-KR" altLang="en-US" sz="1000" dirty="0" smtClean="0"/>
-              <a:t>로 얻을 수 있는 정보들</a:t>
-            </a:r>
-            <a:r>
-              <a:rPr lang="en-US" altLang="ko-KR" sz="1000" dirty="0" smtClean="0"/>
-              <a:t>(</a:t>
-            </a:r>
-            <a:r>
-              <a:rPr lang="en-US" altLang="ko-KR" sz="1000" dirty="0" err="1" smtClean="0"/>
-              <a:t>FileInfo</a:t>
-            </a:r>
-            <a:r>
-              <a:rPr lang="en-US" altLang="ko-KR" sz="1000" dirty="0" smtClean="0"/>
-              <a:t> Class</a:t>
-            </a:r>
-            <a:r>
-              <a:rPr lang="ko-KR" altLang="en-US" sz="1000" dirty="0" smtClean="0"/>
-              <a:t>는 </a:t>
-            </a:r>
-            <a:r>
-              <a:rPr lang="en-US" altLang="ko-KR" sz="1000" dirty="0" err="1" smtClean="0"/>
-              <a:t>FileSystemInfo</a:t>
-            </a:r>
-            <a:r>
-              <a:rPr lang="en-US" altLang="ko-KR" sz="1000" dirty="0" smtClean="0"/>
-              <a:t> Class</a:t>
-            </a:r>
-            <a:r>
-              <a:rPr lang="ko-KR" altLang="en-US" sz="1000" dirty="0" smtClean="0"/>
-              <a:t>를 상속받음</a:t>
-            </a:r>
-            <a:r>
-              <a:rPr lang="en-US" altLang="ko-KR" sz="1000" dirty="0" smtClean="0"/>
-              <a:t>)</a:t>
-            </a:r>
-            <a:r>
-              <a:rPr lang="ko-KR" altLang="en-US" sz="1000" dirty="0" smtClean="0"/>
-              <a:t/>
-            </a:r>
-            <a:br>
-              <a:rPr lang="ko-KR" altLang="en-US" sz="1000" dirty="0" smtClean="0"/>
-            </a:br>
-            <a:r>
-              <a:rPr lang="ko-KR" altLang="en-US" sz="1000" dirty="0" smtClean="0"/>
-              <a:t> </a:t>
-            </a:r>
-            <a:r>
-              <a:rPr lang="en-US" altLang="ko-KR" sz="1000" dirty="0" smtClean="0"/>
-              <a:t>public </a:t>
-            </a:r>
-            <a:r>
-              <a:rPr lang="en-US" altLang="ko-KR" sz="1000" dirty="0" err="1" smtClean="0"/>
-              <a:t>FileAttributes</a:t>
-            </a:r>
-            <a:r>
-              <a:rPr lang="en-US" altLang="ko-KR" sz="1000" dirty="0" smtClean="0"/>
-              <a:t> Attributes { get; set; } // </a:t>
-            </a:r>
-            <a:r>
-              <a:rPr lang="ko-KR" altLang="en-US" sz="1000" dirty="0" smtClean="0"/>
-              <a:t>파일 속성 얻어오기</a:t>
-            </a:r>
-            <a:r>
-              <a:rPr lang="en-US" altLang="ko-KR" sz="1000" dirty="0" smtClean="0"/>
-              <a:t>/</a:t>
-            </a:r>
-            <a:r>
-              <a:rPr lang="ko-KR" altLang="en-US" sz="1000" dirty="0" err="1" smtClean="0"/>
-              <a:t>세팅하기</a:t>
-            </a:r>
-            <a:r>
-              <a:rPr lang="ko-KR" altLang="en-US" sz="1000" dirty="0" smtClean="0"/>
-              <a:t/>
-            </a:r>
-            <a:br>
-              <a:rPr lang="ko-KR" altLang="en-US" sz="1000" dirty="0" smtClean="0"/>
-            </a:br>
-            <a:r>
-              <a:rPr lang="ko-KR" altLang="en-US" sz="1000" dirty="0" smtClean="0"/>
-              <a:t> </a:t>
-            </a:r>
-            <a:r>
-              <a:rPr lang="en-US" altLang="ko-KR" sz="1000" dirty="0" smtClean="0"/>
-              <a:t>public </a:t>
-            </a:r>
-            <a:r>
-              <a:rPr lang="en-US" altLang="ko-KR" sz="1000" dirty="0" err="1" smtClean="0"/>
-              <a:t>DateTime</a:t>
-            </a:r>
-            <a:r>
-              <a:rPr lang="en-US" altLang="ko-KR" sz="1000" dirty="0" smtClean="0"/>
-              <a:t> </a:t>
-            </a:r>
-            <a:r>
-              <a:rPr lang="en-US" altLang="ko-KR" sz="1000" dirty="0" err="1" smtClean="0"/>
-              <a:t>CreationTime</a:t>
-            </a:r>
-            <a:r>
-              <a:rPr lang="en-US" altLang="ko-KR" sz="1000" dirty="0" smtClean="0"/>
-              <a:t> { get; set; } // </a:t>
-            </a:r>
-            <a:r>
-              <a:rPr lang="ko-KR" altLang="en-US" sz="1000" dirty="0" smtClean="0"/>
-              <a:t>파일 생성 시각</a:t>
-            </a:r>
-            <a:br>
-              <a:rPr lang="ko-KR" altLang="en-US" sz="1000" dirty="0" smtClean="0"/>
-            </a:br>
-            <a:r>
-              <a:rPr lang="ko-KR" altLang="en-US" sz="1000" dirty="0" smtClean="0"/>
-              <a:t> </a:t>
-            </a:r>
-            <a:r>
-              <a:rPr lang="en-US" altLang="ko-KR" sz="1000" dirty="0" smtClean="0"/>
-              <a:t>public </a:t>
-            </a:r>
-            <a:r>
-              <a:rPr lang="en-US" altLang="ko-KR" sz="1000" dirty="0" err="1" smtClean="0"/>
-              <a:t>DateTime</a:t>
-            </a:r>
-            <a:r>
-              <a:rPr lang="en-US" altLang="ko-KR" sz="1000" dirty="0" smtClean="0"/>
-              <a:t> </a:t>
-            </a:r>
-            <a:r>
-              <a:rPr lang="en-US" altLang="ko-KR" sz="1000" dirty="0" err="1" smtClean="0"/>
-              <a:t>LastAccessTime</a:t>
-            </a:r>
-            <a:r>
-              <a:rPr lang="en-US" altLang="ko-KR" sz="1000" dirty="0" smtClean="0"/>
-              <a:t> { get; set; } // </a:t>
-            </a:r>
-            <a:r>
-              <a:rPr lang="ko-KR" altLang="en-US" sz="1000" dirty="0" smtClean="0"/>
-              <a:t>파일 최종 </a:t>
-            </a:r>
-            <a:r>
-              <a:rPr lang="en-US" altLang="ko-KR" sz="1000" dirty="0" smtClean="0"/>
-              <a:t>access </a:t>
-            </a:r>
-            <a:r>
-              <a:rPr lang="ko-KR" altLang="en-US" sz="1000" dirty="0" smtClean="0"/>
-              <a:t>시각</a:t>
-            </a:r>
-            <a:br>
-              <a:rPr lang="ko-KR" altLang="en-US" sz="1000" dirty="0" smtClean="0"/>
-            </a:br>
-            <a:r>
-              <a:rPr lang="ko-KR" altLang="en-US" sz="1000" dirty="0" smtClean="0"/>
-              <a:t> </a:t>
-            </a:r>
-            <a:r>
-              <a:rPr lang="en-US" altLang="ko-KR" sz="1000" dirty="0" smtClean="0"/>
-              <a:t>public </a:t>
-            </a:r>
-            <a:r>
-              <a:rPr lang="en-US" altLang="ko-KR" sz="1000" dirty="0" err="1" smtClean="0"/>
-              <a:t>DateTime</a:t>
-            </a:r>
-            <a:r>
-              <a:rPr lang="en-US" altLang="ko-KR" sz="1000" dirty="0" smtClean="0"/>
-              <a:t> </a:t>
-            </a:r>
-            <a:r>
-              <a:rPr lang="en-US" altLang="ko-KR" sz="1000" dirty="0" err="1" smtClean="0"/>
-              <a:t>LastWriteTime</a:t>
-            </a:r>
-            <a:r>
-              <a:rPr lang="en-US" altLang="ko-KR" sz="1000" dirty="0" smtClean="0"/>
-              <a:t> { get; set; } // </a:t>
-            </a:r>
-            <a:r>
-              <a:rPr lang="ko-KR" altLang="en-US" sz="1000" dirty="0" smtClean="0"/>
-              <a:t>파일 최종 </a:t>
-            </a:r>
-            <a:r>
-              <a:rPr lang="en-US" altLang="ko-KR" sz="1000" dirty="0" smtClean="0"/>
-              <a:t>Write </a:t>
-            </a:r>
-            <a:r>
-              <a:rPr lang="ko-KR" altLang="en-US" sz="1000" dirty="0" smtClean="0"/>
-              <a:t>시각</a:t>
-            </a:r>
-            <a:br>
-              <a:rPr lang="ko-KR" altLang="en-US" sz="1000" dirty="0" smtClean="0"/>
-            </a:br>
-            <a:r>
-              <a:rPr lang="ko-KR" altLang="en-US" sz="1000" dirty="0" smtClean="0"/>
-              <a:t/>
-            </a:r>
-            <a:br>
-              <a:rPr lang="ko-KR" altLang="en-US" sz="1000" dirty="0" smtClean="0"/>
-            </a:br>
-            <a:r>
-              <a:rPr lang="ko-KR" altLang="en-US" sz="1000" dirty="0" smtClean="0"/>
-              <a:t> </a:t>
-            </a:r>
-            <a:r>
-              <a:rPr lang="en-US" altLang="ko-KR" sz="1000" dirty="0" smtClean="0"/>
-              <a:t>2) Process Monitoring </a:t>
-            </a:r>
-            <a:r>
-              <a:rPr lang="ko-KR" altLang="en-US" sz="1000" dirty="0" smtClean="0"/>
-              <a:t>시 존재유무</a:t>
-            </a:r>
-            <a:r>
-              <a:rPr lang="en-US" altLang="ko-KR" sz="1000" dirty="0" smtClean="0"/>
-              <a:t>, </a:t>
-            </a:r>
-            <a:r>
-              <a:rPr lang="ko-KR" altLang="en-US" sz="1000" dirty="0" smtClean="0"/>
-              <a:t>메모리 사용량 이외에 </a:t>
-            </a:r>
-            <a:r>
-              <a:rPr lang="en-US" altLang="ko-KR" sz="1000" dirty="0" smtClean="0"/>
-              <a:t>PID, Priority, Processor </a:t>
-            </a:r>
-            <a:r>
-              <a:rPr lang="ko-KR" altLang="en-US" sz="1000" dirty="0" smtClean="0"/>
-              <a:t>사용 시간</a:t>
-            </a:r>
-            <a:r>
-              <a:rPr lang="en-US" altLang="ko-KR" sz="1000" dirty="0" smtClean="0"/>
-              <a:t>, Process Exit Code, Process Exit Time </a:t>
-            </a:r>
-            <a:r>
-              <a:rPr lang="ko-KR" altLang="en-US" sz="1000" dirty="0" smtClean="0"/>
-              <a:t>등도 추가 가능 </a:t>
-            </a:r>
-            <a:br>
-              <a:rPr lang="ko-KR" altLang="en-US" sz="1000" dirty="0" smtClean="0"/>
-            </a:br>
-            <a:r>
-              <a:rPr lang="ko-KR" altLang="en-US" sz="1000" dirty="0" smtClean="0"/>
-              <a:t/>
-            </a:r>
-            <a:br>
-              <a:rPr lang="ko-KR" altLang="en-US" sz="1000" dirty="0" smtClean="0"/>
-            </a:br>
-            <a:r>
-              <a:rPr lang="ko-KR" altLang="en-US" sz="1000" dirty="0" smtClean="0"/>
-              <a:t>* </a:t>
-            </a:r>
-            <a:r>
-              <a:rPr lang="en-US" altLang="ko-KR" sz="1000" dirty="0" smtClean="0"/>
-              <a:t>Process Class</a:t>
-            </a:r>
-            <a:r>
-              <a:rPr lang="ko-KR" altLang="en-US" sz="1000" dirty="0" smtClean="0"/>
-              <a:t>로 얻을 수 있는 정보들</a:t>
-            </a:r>
-            <a:br>
-              <a:rPr lang="ko-KR" altLang="en-US" sz="1000" dirty="0" smtClean="0"/>
-            </a:br>
-            <a:r>
-              <a:rPr lang="ko-KR" altLang="en-US" sz="1000" dirty="0" smtClean="0"/>
-              <a:t> </a:t>
-            </a:r>
-            <a:r>
-              <a:rPr lang="en-US" altLang="ko-KR" sz="1000" dirty="0" smtClean="0"/>
-              <a:t>public long WorkingSet64 { get; } // Memory </a:t>
-            </a:r>
-            <a:r>
-              <a:rPr lang="ko-KR" altLang="en-US" sz="1000" dirty="0" smtClean="0"/>
-              <a:t>사용량</a:t>
-            </a:r>
-            <a:br>
-              <a:rPr lang="ko-KR" altLang="en-US" sz="1000" dirty="0" smtClean="0"/>
-            </a:br>
-            <a:r>
-              <a:rPr lang="ko-KR" altLang="en-US" sz="1000" dirty="0" smtClean="0"/>
-              <a:t> </a:t>
-            </a:r>
-            <a:r>
-              <a:rPr lang="en-US" altLang="ko-KR" sz="1000" dirty="0" smtClean="0"/>
-              <a:t>public </a:t>
-            </a:r>
-            <a:r>
-              <a:rPr lang="en-US" altLang="ko-KR" sz="1000" dirty="0" err="1" smtClean="0"/>
-              <a:t>int</a:t>
-            </a:r>
-            <a:r>
-              <a:rPr lang="en-US" altLang="ko-KR" sz="1000" dirty="0" smtClean="0"/>
-              <a:t> </a:t>
-            </a:r>
-            <a:r>
-              <a:rPr lang="en-US" altLang="ko-KR" sz="1000" dirty="0" err="1" smtClean="0"/>
-              <a:t>BasePriority</a:t>
-            </a:r>
-            <a:r>
-              <a:rPr lang="en-US" altLang="ko-KR" sz="1000" dirty="0" smtClean="0"/>
-              <a:t> { get; } // Priority</a:t>
-            </a:r>
-            <a:r>
-              <a:rPr lang="ko-KR" altLang="en-US" sz="1000" dirty="0" smtClean="0"/>
-              <a:t/>
-            </a:r>
-            <a:br>
-              <a:rPr lang="ko-KR" altLang="en-US" sz="1000" dirty="0" smtClean="0"/>
-            </a:br>
-            <a:r>
-              <a:rPr lang="ko-KR" altLang="en-US" sz="1000" dirty="0" smtClean="0"/>
-              <a:t> </a:t>
-            </a:r>
-            <a:r>
-              <a:rPr lang="en-US" altLang="ko-KR" sz="1000" dirty="0" smtClean="0"/>
-              <a:t>public </a:t>
-            </a:r>
-            <a:r>
-              <a:rPr lang="en-US" altLang="ko-KR" sz="1000" dirty="0" err="1" smtClean="0"/>
-              <a:t>TimeSpan</a:t>
-            </a:r>
-            <a:r>
-              <a:rPr lang="en-US" altLang="ko-KR" sz="1000" dirty="0" smtClean="0"/>
-              <a:t> </a:t>
-            </a:r>
-            <a:r>
-              <a:rPr lang="en-US" altLang="ko-KR" sz="1000" dirty="0" err="1" smtClean="0"/>
-              <a:t>TotalProcessorTime</a:t>
-            </a:r>
-            <a:r>
-              <a:rPr lang="en-US" altLang="ko-KR" sz="1000" dirty="0" smtClean="0"/>
-              <a:t> { get; } // Processor Time</a:t>
-            </a:r>
-            <a:r>
-              <a:rPr lang="ko-KR" altLang="en-US" sz="1000" dirty="0" smtClean="0"/>
-              <a:t/>
-            </a:r>
-            <a:br>
-              <a:rPr lang="ko-KR" altLang="en-US" sz="1000" dirty="0" smtClean="0"/>
-            </a:br>
-            <a:r>
-              <a:rPr lang="ko-KR" altLang="en-US" sz="1000" dirty="0" smtClean="0"/>
-              <a:t> </a:t>
-            </a:r>
-            <a:r>
-              <a:rPr lang="en-US" altLang="ko-KR" sz="1000" dirty="0" smtClean="0"/>
-              <a:t>public </a:t>
-            </a:r>
-            <a:r>
-              <a:rPr lang="en-US" altLang="ko-KR" sz="1000" dirty="0" err="1" smtClean="0"/>
-              <a:t>int</a:t>
-            </a:r>
-            <a:r>
-              <a:rPr lang="en-US" altLang="ko-KR" sz="1000" dirty="0" smtClean="0"/>
-              <a:t> </a:t>
-            </a:r>
-            <a:r>
-              <a:rPr lang="en-US" altLang="ko-KR" sz="1000" dirty="0" err="1" smtClean="0"/>
-              <a:t>ExitCode</a:t>
-            </a:r>
-            <a:r>
-              <a:rPr lang="en-US" altLang="ko-KR" sz="1000" dirty="0" smtClean="0"/>
-              <a:t> { get; } // Processor Exit Code</a:t>
-            </a:r>
-            <a:r>
-              <a:rPr lang="ko-KR" altLang="en-US" sz="1000" dirty="0" smtClean="0"/>
-              <a:t/>
-            </a:r>
-            <a:br>
-              <a:rPr lang="ko-KR" altLang="en-US" sz="1000" dirty="0" smtClean="0"/>
-            </a:br>
-            <a:r>
-              <a:rPr lang="ko-KR" altLang="en-US" sz="1000" dirty="0" smtClean="0"/>
-              <a:t>   </a:t>
-            </a:r>
-            <a:r>
-              <a:rPr lang="en-US" altLang="ko-KR" sz="1000" dirty="0" smtClean="0"/>
-              <a:t>: C# - </a:t>
-            </a:r>
-            <a:r>
-              <a:rPr lang="en-US" altLang="ko-KR" sz="1000" dirty="0" err="1" smtClean="0"/>
-              <a:t>Environment.Exit</a:t>
-            </a:r>
-            <a:r>
-              <a:rPr lang="en-US" altLang="ko-KR" sz="1000" dirty="0" smtClean="0"/>
-              <a:t>(-1)</a:t>
-            </a:r>
-            <a:r>
-              <a:rPr lang="ko-KR" altLang="en-US" sz="1000" dirty="0" smtClean="0"/>
-              <a:t/>
-            </a:r>
-            <a:br>
-              <a:rPr lang="ko-KR" altLang="en-US" sz="1000" dirty="0" smtClean="0"/>
-            </a:br>
-            <a:r>
-              <a:rPr lang="ko-KR" altLang="en-US" sz="1000" dirty="0" smtClean="0"/>
-              <a:t>   </a:t>
-            </a:r>
-            <a:r>
-              <a:rPr lang="en-US" altLang="ko-KR" sz="1000" dirty="0" smtClean="0"/>
-              <a:t>: C</a:t>
-            </a:r>
-            <a:r>
-              <a:rPr lang="ko-KR" altLang="en-US" sz="1000" dirty="0" smtClean="0"/>
-              <a:t>언어 </a:t>
-            </a:r>
-            <a:r>
-              <a:rPr lang="en-US" altLang="ko-KR" sz="1000" dirty="0" smtClean="0"/>
-              <a:t>- exit(-1)</a:t>
-            </a:r>
-            <a:r>
-              <a:rPr lang="ko-KR" altLang="en-US" sz="1000" dirty="0" smtClean="0"/>
-              <a:t/>
-            </a:r>
-            <a:br>
-              <a:rPr lang="ko-KR" altLang="en-US" sz="1000" dirty="0" smtClean="0"/>
-            </a:br>
-            <a:r>
-              <a:rPr lang="ko-KR" altLang="en-US" sz="1000" dirty="0" smtClean="0"/>
-              <a:t/>
-            </a:r>
-            <a:br>
-              <a:rPr lang="ko-KR" altLang="en-US" sz="1000" dirty="0" smtClean="0"/>
-            </a:br>
-            <a:r>
-              <a:rPr lang="ko-KR" altLang="en-US" sz="1000" dirty="0" smtClean="0"/>
-              <a:t> </a:t>
-            </a:r>
-            <a:r>
-              <a:rPr lang="en-US" altLang="ko-KR" sz="1000" dirty="0" smtClean="0"/>
-              <a:t>3) File, Process </a:t>
-            </a:r>
-            <a:r>
-              <a:rPr lang="ko-KR" altLang="en-US" sz="1000" dirty="0" smtClean="0"/>
-              <a:t>이외에도 </a:t>
-            </a:r>
-            <a:r>
-              <a:rPr lang="en-US" altLang="ko-KR" sz="1000" dirty="0" smtClean="0"/>
-              <a:t>System Memory </a:t>
-            </a:r>
-            <a:r>
-              <a:rPr lang="ko-KR" altLang="en-US" sz="1000" dirty="0" smtClean="0"/>
-              <a:t>사용량</a:t>
-            </a:r>
-            <a:r>
-              <a:rPr lang="en-US" altLang="ko-KR" sz="1000" dirty="0" smtClean="0"/>
-              <a:t>, Disk </a:t>
-            </a:r>
-            <a:r>
-              <a:rPr lang="ko-KR" altLang="en-US" sz="1000" dirty="0" smtClean="0"/>
-              <a:t>사용량 등 추가 가능</a:t>
-            </a:r>
-            <a:br>
-              <a:rPr lang="ko-KR" altLang="en-US" sz="1000" dirty="0" smtClean="0"/>
-            </a:br>
-            <a:r>
-              <a:rPr lang="ko-KR" altLang="en-US" sz="1000" dirty="0" smtClean="0"/>
-              <a:t>   </a:t>
-            </a:r>
-            <a:r>
-              <a:rPr lang="en-US" altLang="ko-KR" sz="1000" dirty="0" smtClean="0"/>
-              <a:t>: </a:t>
-            </a:r>
-            <a:r>
-              <a:rPr lang="ko-KR" altLang="en-US" sz="1000" dirty="0" smtClean="0"/>
-              <a:t>타입에</a:t>
-            </a:r>
-            <a:r>
-              <a:rPr lang="en-US" altLang="ko-KR" sz="1000" dirty="0" smtClean="0"/>
-              <a:t> </a:t>
-            </a:r>
-            <a:r>
-              <a:rPr lang="ko-KR" altLang="en-US" sz="1000" dirty="0" smtClean="0"/>
-              <a:t>따라서 </a:t>
-            </a:r>
-            <a:r>
-              <a:rPr lang="en-US" altLang="ko-KR" sz="1000" dirty="0" err="1" smtClean="0"/>
-              <a:t>MonitorList</a:t>
-            </a:r>
-            <a:r>
-              <a:rPr lang="ko-KR" altLang="en-US" sz="1000" dirty="0" smtClean="0"/>
-              <a:t>와</a:t>
-            </a:r>
-            <a:r>
-              <a:rPr lang="en-US" altLang="ko-KR" sz="1000" dirty="0" smtClean="0"/>
-              <a:t> Thread</a:t>
-            </a:r>
-            <a:r>
-              <a:rPr lang="ko-KR" altLang="en-US" sz="1000" dirty="0" smtClean="0"/>
-              <a:t>를 별도로 생성하는 것이 유지보수 측면에서 좋을 듯</a:t>
-            </a:r>
-            <a:r>
-              <a:rPr lang="en-US" altLang="ko-KR" sz="1000" dirty="0" smtClean="0"/>
-              <a:t>.</a:t>
-            </a:r>
-            <a:br>
-              <a:rPr lang="en-US" altLang="ko-KR" sz="1000" dirty="0" smtClean="0"/>
-            </a:br>
-            <a:r>
-              <a:rPr lang="ko-KR" altLang="en-US" sz="1000" dirty="0" smtClean="0"/>
-              <a:t/>
-            </a:r>
-            <a:br>
-              <a:rPr lang="ko-KR" altLang="en-US" sz="1000" dirty="0" smtClean="0"/>
+              <a:rPr lang="en-US" altLang="ko-KR" sz="1000" dirty="0" smtClean="0"/>
             </a:br>
             <a:endParaRPr lang="ko-KR" altLang="en-US" sz="1000" dirty="0"/>
+          </a:p>
+        </p:txBody>
+      </p:sp>
+      <p:sp>
+        <p:nvSpPr>
+          <p:cNvPr id="5" name="TextBox 4"/>
+          <p:cNvSpPr txBox="1"/>
+          <p:nvPr/>
+        </p:nvSpPr>
+        <p:spPr>
+          <a:xfrm>
+            <a:off x="6804248" y="188640"/>
+            <a:ext cx="2088232" cy="369332"/>
+          </a:xfrm>
+          <a:prstGeom prst="rect">
+            <a:avLst/>
+          </a:prstGeom>
+          <a:noFill/>
+          <a:ln>
+            <a:solidFill>
+              <a:schemeClr val="tx1"/>
+            </a:solidFill>
+          </a:ln>
+        </p:spPr>
+        <p:txBody>
+          <a:bodyPr wrap="square" rtlCol="0">
+            <a:spAutoFit/>
+          </a:bodyPr>
+          <a:lstStyle/>
+          <a:p>
+            <a:r>
+              <a:rPr lang="ko-KR" altLang="en-US" dirty="0" smtClean="0"/>
+              <a:t>모듈화 및 </a:t>
+            </a:r>
+            <a:r>
+              <a:rPr lang="ko-KR" altLang="en-US" dirty="0" err="1" smtClean="0"/>
+              <a:t>확장성</a:t>
+            </a:r>
+            <a:endParaRPr lang="en-US" altLang="ko-KR" dirty="0" smtClean="0"/>
           </a:p>
         </p:txBody>
       </p:sp>
@@ -7289,7 +8344,7 @@
 </p:sld>
 </file>
 
-<file path=ppt/slides/slide15.xml><?xml version="1.0" encoding="utf-8"?>
+<file path=ppt/slides/slide17.xml><?xml version="1.0" encoding="utf-8"?>
 <p:sld xmlns:a="http://schemas.openxmlformats.org/drawingml/2006/main" xmlns:r="http://schemas.openxmlformats.org/officeDocument/2006/relationships" xmlns:p="http://schemas.openxmlformats.org/presentationml/2006/main">
   <p:cSld>
     <p:spTree>
@@ -7308,14 +8363,50 @@
       </p:grpSpPr>
       <p:sp>
         <p:nvSpPr>
-          <p:cNvPr id="4" name="직사각형 3"/>
+          <p:cNvPr id="4" name="TextBox 3"/>
+          <p:cNvSpPr txBox="1"/>
+          <p:nvPr/>
+        </p:nvSpPr>
+        <p:spPr>
+          <a:xfrm>
+            <a:off x="6804248" y="188640"/>
+            <a:ext cx="2088232" cy="369332"/>
+          </a:xfrm>
+          <a:prstGeom prst="rect">
+            <a:avLst/>
+          </a:prstGeom>
+          <a:noFill/>
+          <a:ln>
+            <a:solidFill>
+              <a:schemeClr val="tx1"/>
+            </a:solidFill>
+          </a:ln>
+        </p:spPr>
+        <p:txBody>
+          <a:bodyPr wrap="square" rtlCol="0">
+            <a:spAutoFit/>
+          </a:bodyPr>
+          <a:lstStyle/>
+          <a:p>
+            <a:pPr algn="ctr"/>
+            <a:r>
+              <a:rPr lang="ko-KR" altLang="en-US" dirty="0" smtClean="0"/>
+              <a:t>상용화 고려</a:t>
+            </a:r>
+            <a:endParaRPr lang="en-US" altLang="ko-KR" dirty="0" smtClean="0"/>
+          </a:p>
+        </p:txBody>
+      </p:sp>
+      <p:sp>
+        <p:nvSpPr>
+          <p:cNvPr id="5" name="직사각형 4"/>
           <p:cNvSpPr/>
           <p:nvPr/>
         </p:nvSpPr>
         <p:spPr>
           <a:xfrm>
             <a:off x="251520" y="260648"/>
-            <a:ext cx="8640960" cy="3477875"/>
+            <a:ext cx="8640960" cy="5786199"/>
           </a:xfrm>
           <a:prstGeom prst="rect">
             <a:avLst/>
@@ -7327,9 +8418,13 @@
           </a:bodyPr>
           <a:lstStyle/>
           <a:p>
-            <a:r>
-              <a:rPr lang="ko-KR" altLang="en-US" sz="1000" dirty="0" smtClean="0"/>
-              <a:t>* 상용화 고려</a:t>
+            <a:pPr>
+              <a:buFont typeface="Arial" charset="0"/>
+              <a:buChar char="•"/>
+            </a:pPr>
+            <a:r>
+              <a:rPr lang="ko-KR" altLang="en-US" sz="1000" dirty="0" smtClean="0"/>
+              <a:t>상용화 고려</a:t>
             </a:r>
             <a:r>
               <a:rPr lang="en-US" altLang="ko-KR" sz="1000" dirty="0" smtClean="0"/>
@@ -7340,15 +8435,138 @@
             </a:br>
             <a:r>
               <a:rPr lang="en-US" altLang="ko-KR" sz="1000" dirty="0" smtClean="0"/>
-              <a:t>- </a:t>
+              <a:t>1. UI</a:t>
+            </a:r>
+            <a:br>
+              <a:rPr lang="en-US" altLang="ko-KR" sz="1000" dirty="0" smtClean="0"/>
+            </a:br>
+            <a:r>
+              <a:rPr lang="en-US" altLang="ko-KR" sz="1000" dirty="0" smtClean="0"/>
+              <a:t> 1) Console UI -&gt; Windows </a:t>
+            </a:r>
+            <a:r>
+              <a:rPr lang="ko-KR" altLang="en-US" sz="1000" dirty="0" smtClean="0"/>
+              <a:t>기반 </a:t>
+            </a:r>
+            <a:r>
+              <a:rPr lang="en-US" altLang="ko-KR" sz="1000" dirty="0" smtClean="0"/>
+              <a:t>UI</a:t>
+            </a:r>
+            <a:r>
+              <a:rPr lang="ko-KR" altLang="en-US" sz="1000" dirty="0" smtClean="0"/>
+              <a:t>로 변경 </a:t>
+            </a:r>
+            <a:r>
+              <a:rPr lang="en-US" altLang="ko-KR" sz="1000" dirty="0" smtClean="0"/>
+              <a:t/>
+            </a:r>
+            <a:br>
+              <a:rPr lang="en-US" altLang="ko-KR" sz="1000" dirty="0" smtClean="0"/>
+            </a:br>
+            <a:r>
+              <a:rPr lang="en-US" altLang="ko-KR" sz="1000" dirty="0" smtClean="0"/>
+              <a:t>  - UI</a:t>
+            </a:r>
+            <a:r>
+              <a:rPr lang="ko-KR" altLang="en-US" sz="1000" dirty="0" smtClean="0"/>
+              <a:t>를 사용하지 않을 경우에는 </a:t>
+            </a:r>
+            <a:r>
+              <a:rPr lang="en-US" altLang="ko-KR" sz="1000" dirty="0" smtClean="0"/>
+              <a:t>Tray Icon</a:t>
+            </a:r>
+            <a:r>
+              <a:rPr lang="ko-KR" altLang="en-US" sz="1000" dirty="0" smtClean="0"/>
+              <a:t>으로 </a:t>
+            </a:r>
+            <a:r>
+              <a:rPr lang="ko-KR" altLang="en-US" sz="1000" dirty="0" smtClean="0"/>
+              <a:t>처리하면 좋을 듯</a:t>
+            </a:r>
+            <a:r>
+              <a:rPr lang="en-US" altLang="ko-KR" sz="1000" dirty="0" smtClean="0"/>
+              <a:t/>
+            </a:r>
+            <a:br>
+              <a:rPr lang="en-US" altLang="ko-KR" sz="1000" dirty="0" smtClean="0"/>
+            </a:br>
+            <a:r>
+              <a:rPr lang="en-US" altLang="ko-KR" sz="1000" dirty="0" smtClean="0"/>
+              <a:t>  - </a:t>
+            </a:r>
+            <a:r>
+              <a:rPr lang="ko-KR" altLang="en-US" sz="1000" dirty="0" smtClean="0"/>
+              <a:t>사용자 </a:t>
+            </a:r>
+            <a:r>
+              <a:rPr lang="en-US" altLang="ko-KR" sz="1000" dirty="0" smtClean="0"/>
+              <a:t>Input </a:t>
+            </a:r>
+            <a:r>
+              <a:rPr lang="ko-KR" altLang="en-US" sz="1000" dirty="0" smtClean="0"/>
+              <a:t>및 결과 출력에 필요한 화면 구성</a:t>
+            </a:r>
+            <a:r>
+              <a:rPr lang="en-US" altLang="ko-KR" sz="1000" dirty="0" smtClean="0"/>
+              <a:t/>
+            </a:r>
+            <a:br>
+              <a:rPr lang="en-US" altLang="ko-KR" sz="1000" dirty="0" smtClean="0"/>
+            </a:br>
+            <a:r>
+              <a:rPr lang="en-US" altLang="ko-KR" sz="1000" dirty="0" smtClean="0"/>
+              <a:t> 2) </a:t>
+            </a:r>
+            <a:r>
+              <a:rPr lang="ko-KR" altLang="en-US" sz="1000" dirty="0" smtClean="0"/>
+              <a:t>화면 구성</a:t>
+            </a:r>
+            <a:r>
+              <a:rPr lang="en-US" altLang="ko-KR" sz="1000" dirty="0" smtClean="0"/>
+              <a:t/>
+            </a:r>
+            <a:br>
+              <a:rPr lang="en-US" altLang="ko-KR" sz="1000" dirty="0" smtClean="0"/>
+            </a:br>
+            <a:r>
+              <a:rPr lang="en-US" altLang="ko-KR" sz="1000" dirty="0" smtClean="0"/>
+              <a:t>  - </a:t>
             </a:r>
             <a:r>
               <a:rPr lang="en-US" altLang="ko-KR" sz="1000" dirty="0" err="1" smtClean="0"/>
               <a:t>Config</a:t>
             </a:r>
             <a:r>
-              <a:rPr lang="ko-KR" altLang="en-US" sz="1000" dirty="0" smtClean="0"/>
-              <a:t>파일 수정 기능 추가</a:t>
+              <a:rPr lang="en-US" altLang="ko-KR" sz="1000" dirty="0" smtClean="0"/>
+              <a:t> </a:t>
+            </a:r>
+            <a:r>
+              <a:rPr lang="ko-KR" altLang="en-US" sz="1000" dirty="0" smtClean="0"/>
+              <a:t>생성</a:t>
+            </a:r>
+            <a:r>
+              <a:rPr lang="en-US" altLang="ko-KR" sz="1000" dirty="0" smtClean="0"/>
+              <a:t>, </a:t>
+            </a:r>
+            <a:r>
+              <a:rPr lang="ko-KR" altLang="en-US" sz="1000" dirty="0" smtClean="0"/>
+              <a:t>수정</a:t>
+            </a:r>
+            <a:r>
+              <a:rPr lang="en-US" altLang="ko-KR" sz="1000" dirty="0" smtClean="0"/>
+              <a:t>, </a:t>
+            </a:r>
+            <a:r>
+              <a:rPr lang="ko-KR" altLang="en-US" sz="1000" dirty="0" smtClean="0"/>
+              <a:t>저장</a:t>
+            </a:r>
+            <a:r>
+              <a:rPr lang="en-US" altLang="ko-KR" sz="1000" dirty="0" smtClean="0"/>
+              <a:t>, </a:t>
+            </a:r>
+            <a:r>
+              <a:rPr lang="ko-KR" altLang="en-US" sz="1000" dirty="0" smtClean="0"/>
+              <a:t>삭제 화면</a:t>
             </a:r>
             <a:r>
               <a:rPr lang="en-US" altLang="ko-KR" sz="1000" dirty="0" smtClean="0"/>
@@ -7359,7 +8577,63 @@
             </a:br>
             <a:r>
               <a:rPr lang="en-US" altLang="ko-KR" sz="1000" dirty="0" smtClean="0"/>
-              <a:t>  : </a:t>
+              <a:t>  - Alarm History View, </a:t>
+            </a:r>
+            <a:r>
+              <a:rPr lang="ko-KR" altLang="en-US" sz="1000" dirty="0" smtClean="0"/>
+              <a:t>검색 화면</a:t>
+            </a:r>
+            <a:r>
+              <a:rPr lang="en-US" altLang="ko-KR" sz="1000" dirty="0" smtClean="0"/>
+              <a:t/>
+            </a:r>
+            <a:br>
+              <a:rPr lang="en-US" altLang="ko-KR" sz="1000" dirty="0" smtClean="0"/>
+            </a:br>
+            <a:r>
+              <a:rPr lang="en-US" altLang="ko-KR" sz="1000" dirty="0" smtClean="0"/>
+              <a:t>  - </a:t>
+            </a:r>
+            <a:r>
+              <a:rPr lang="ko-KR" altLang="en-US" sz="1000" dirty="0" smtClean="0"/>
+              <a:t>실시간 사용량 등에 대한 그래프 등 시각화 </a:t>
+            </a:r>
+            <a:r>
+              <a:rPr lang="ko-KR" altLang="en-US" sz="1000" dirty="0" smtClean="0"/>
+              <a:t>화면 등</a:t>
+            </a:r>
+            <a:r>
+              <a:rPr lang="en-US" altLang="ko-KR" sz="1000" dirty="0" smtClean="0"/>
+              <a:t/>
+            </a:r>
+            <a:br>
+              <a:rPr lang="en-US" altLang="ko-KR" sz="1000" dirty="0" smtClean="0"/>
+            </a:br>
+            <a:r>
+              <a:rPr lang="en-US" altLang="ko-KR" sz="1000" dirty="0" smtClean="0"/>
+              <a:t/>
+            </a:r>
+            <a:br>
+              <a:rPr lang="en-US" altLang="ko-KR" sz="1000" dirty="0" smtClean="0"/>
+            </a:br>
+            <a:r>
+              <a:rPr lang="en-US" altLang="ko-KR" sz="1000" dirty="0" smtClean="0"/>
+              <a:t>2. </a:t>
+            </a:r>
+            <a:r>
+              <a:rPr lang="ko-KR" altLang="en-US" sz="1000" dirty="0" smtClean="0"/>
+              <a:t>기능</a:t>
+            </a:r>
+            <a:r>
+              <a:rPr lang="en-US" altLang="ko-KR" sz="1000" dirty="0" smtClean="0"/>
+              <a:t/>
+            </a:r>
+            <a:br>
+              <a:rPr lang="en-US" altLang="ko-KR" sz="1000" dirty="0" smtClean="0"/>
+            </a:br>
+            <a:r>
+              <a:rPr lang="en-US" altLang="ko-KR" sz="1000" dirty="0" smtClean="0"/>
+              <a:t> 1) </a:t>
             </a:r>
             <a:r>
               <a:rPr lang="en-US" altLang="ko-KR" sz="1000" dirty="0" err="1" smtClean="0"/>
@@ -7371,7 +8645,7 @@
             </a:r>
             <a:r>
               <a:rPr lang="ko-KR" altLang="en-US" sz="1000" dirty="0" smtClean="0"/>
-              <a:t>옵션 변경 화면 추가 </a:t>
+              <a:t>기능 보강 </a:t>
             </a:r>
             <a:r>
               <a:rPr lang="en-US" altLang="ko-KR" sz="1000" dirty="0" smtClean="0"/>
@@ -7382,30 +8656,143 @@
             </a:br>
             <a:r>
               <a:rPr lang="en-US" altLang="ko-KR" sz="1000" dirty="0" smtClean="0"/>
-              <a:t>- </a:t>
+              <a:t>  - ‘</a:t>
+            </a:r>
+            <a:r>
+              <a:rPr lang="ko-KR" altLang="en-US" sz="1000" dirty="0" smtClean="0"/>
+              <a:t>생성</a:t>
+            </a:r>
+            <a:r>
+              <a:rPr lang="en-US" altLang="ko-KR" sz="1000" dirty="0" smtClean="0"/>
+              <a:t>, </a:t>
+            </a:r>
+            <a:r>
+              <a:rPr lang="ko-KR" altLang="en-US" sz="1000" dirty="0" smtClean="0"/>
+              <a:t>수정</a:t>
+            </a:r>
+            <a:r>
+              <a:rPr lang="en-US" altLang="ko-KR" sz="1000" dirty="0" smtClean="0"/>
+              <a:t>, </a:t>
+            </a:r>
+            <a:r>
+              <a:rPr lang="ko-KR" altLang="en-US" sz="1000" dirty="0" smtClean="0"/>
+              <a:t>저장</a:t>
+            </a:r>
+            <a:r>
+              <a:rPr lang="en-US" altLang="ko-KR" sz="1000" dirty="0" smtClean="0"/>
+              <a:t>, </a:t>
+            </a:r>
+            <a:r>
+              <a:rPr lang="ko-KR" altLang="en-US" sz="1000" dirty="0" smtClean="0"/>
+              <a:t>삭제</a:t>
+            </a:r>
+            <a:r>
+              <a:rPr lang="en-US" altLang="ko-KR" sz="1000" dirty="0" smtClean="0"/>
+              <a:t>’</a:t>
+            </a:r>
+            <a:r>
+              <a:rPr lang="ko-KR" altLang="en-US" sz="1000" dirty="0" smtClean="0"/>
+              <a:t>가 용이할 수 있는 </a:t>
+            </a:r>
+            <a:r>
+              <a:rPr lang="en-US" altLang="ko-KR" sz="1000" dirty="0" smtClean="0"/>
+              <a:t>UI</a:t>
+            </a:r>
+            <a:r>
+              <a:rPr lang="ko-KR" altLang="en-US" sz="1000" dirty="0" smtClean="0"/>
+              <a:t>로 구성</a:t>
+            </a:r>
+            <a:r>
+              <a:rPr lang="en-US" altLang="ko-KR" sz="1000" dirty="0" smtClean="0"/>
+              <a:t/>
+            </a:r>
+            <a:br>
+              <a:rPr lang="en-US" altLang="ko-KR" sz="1000" dirty="0" smtClean="0"/>
+            </a:br>
+            <a:r>
+              <a:rPr lang="en-US" altLang="ko-KR" sz="1000" dirty="0" smtClean="0"/>
+              <a:t>  - </a:t>
+            </a:r>
+            <a:r>
+              <a:rPr lang="ko-KR" altLang="en-US" sz="1000" dirty="0" smtClean="0"/>
+              <a:t>특정 </a:t>
+            </a:r>
+            <a:r>
+              <a:rPr lang="en-US" altLang="ko-KR" sz="1000" dirty="0" smtClean="0"/>
+              <a:t>Alarm </a:t>
+            </a:r>
+            <a:r>
+              <a:rPr lang="ko-KR" altLang="en-US" sz="1000" dirty="0" smtClean="0"/>
+              <a:t>조건 적용 시점 등 스케줄링 기능 추가</a:t>
+            </a:r>
+            <a:r>
+              <a:rPr lang="en-US" altLang="ko-KR" sz="1000" dirty="0" smtClean="0"/>
+              <a:t/>
+            </a:r>
+            <a:br>
+              <a:rPr lang="en-US" altLang="ko-KR" sz="1000" dirty="0" smtClean="0"/>
+            </a:br>
+            <a:r>
+              <a:rPr lang="en-US" altLang="ko-KR" sz="1000" dirty="0" smtClean="0"/>
+              <a:t>  - </a:t>
+            </a:r>
+            <a:r>
+              <a:rPr lang="ko-KR" altLang="en-US" sz="1000" dirty="0" smtClean="0"/>
+              <a:t>심각한 </a:t>
+            </a:r>
+            <a:r>
+              <a:rPr lang="ko-KR" altLang="en-US" sz="1000" dirty="0" err="1" smtClean="0"/>
+              <a:t>알람의</a:t>
+            </a:r>
+            <a:r>
+              <a:rPr lang="ko-KR" altLang="en-US" sz="1000" dirty="0" smtClean="0"/>
+              <a:t> 경우 </a:t>
+            </a:r>
+            <a:r>
+              <a:rPr lang="ko-KR" altLang="en-US" sz="1000" dirty="0" err="1" smtClean="0"/>
+              <a:t>워닝팝업을</a:t>
+            </a:r>
+            <a:r>
+              <a:rPr lang="ko-KR" altLang="en-US" sz="1000" dirty="0" smtClean="0"/>
+              <a:t> 띄우는 기능 등을 옵션으로 추가 </a:t>
+            </a:r>
+            <a:br>
+              <a:rPr lang="ko-KR" altLang="en-US" sz="1000" dirty="0" smtClean="0"/>
+            </a:br>
+            <a:r>
+              <a:rPr lang="ko-KR" altLang="en-US" sz="1000" dirty="0" smtClean="0"/>
+              <a:t> </a:t>
+            </a:r>
+            <a:r>
+              <a:rPr lang="en-US" altLang="ko-KR" sz="1000" dirty="0" smtClean="0"/>
+              <a:t>2) </a:t>
             </a:r>
             <a:r>
               <a:rPr lang="ko-KR" altLang="en-US" sz="1000" dirty="0" err="1" smtClean="0"/>
               <a:t>알람</a:t>
             </a:r>
             <a:r>
+              <a:rPr lang="ko-KR" altLang="en-US" sz="1000" dirty="0" smtClean="0"/>
+              <a:t> 발생 시 결과 출력 기능 추가</a:t>
+            </a:r>
+            <a:r>
+              <a:rPr lang="en-US" altLang="ko-KR" sz="1000" dirty="0" smtClean="0"/>
+              <a:t/>
+            </a:r>
+            <a:br>
+              <a:rPr lang="en-US" altLang="ko-KR" sz="1000" dirty="0" smtClean="0"/>
+            </a:br>
+            <a:r>
               <a:rPr lang="en-US" altLang="ko-KR" sz="1000" dirty="0" smtClean="0"/>
               <a:t> </a:t>
             </a:r>
             <a:r>
               <a:rPr lang="ko-KR" altLang="en-US" sz="1000" dirty="0" smtClean="0"/>
-              <a:t>기능 보완</a:t>
-            </a:r>
-            <a:br>
-              <a:rPr lang="ko-KR" altLang="en-US" sz="1000" dirty="0" smtClean="0"/>
-            </a:br>
-            <a:r>
-              <a:rPr lang="ko-KR" altLang="en-US" sz="1000" dirty="0" smtClean="0"/>
-              <a:t>  </a:t>
-            </a:r>
-            <a:r>
-              <a:rPr lang="en-US" altLang="ko-KR" sz="1000" dirty="0" smtClean="0"/>
-              <a:t>: </a:t>
+              <a:t> </a:t>
+            </a:r>
+            <a:r>
+              <a:rPr lang="en-US" altLang="ko-KR" sz="1000" dirty="0" smtClean="0"/>
+              <a:t>- </a:t>
             </a:r>
             <a:r>
               <a:rPr lang="ko-KR" altLang="en-US" sz="1000" dirty="0" smtClean="0"/>
@@ -7428,7 +8815,7 @@
             </a:br>
             <a:r>
               <a:rPr lang="en-US" altLang="ko-KR" sz="1000" dirty="0" smtClean="0"/>
-              <a:t>  : </a:t>
+              <a:t>  - </a:t>
             </a:r>
             <a:r>
               <a:rPr lang="ko-KR" altLang="en-US" sz="1000" dirty="0" err="1" smtClean="0"/>
@@ -7447,7 +8834,7 @@
             </a:br>
             <a:r>
               <a:rPr lang="en-US" altLang="ko-KR" sz="1000" dirty="0" smtClean="0"/>
-              <a:t>  : </a:t>
+              <a:t>  - </a:t>
             </a:r>
             <a:r>
               <a:rPr lang="ko-KR" altLang="en-US" sz="1000" dirty="0" smtClean="0"/>
@@ -7489,24 +8876,31 @@
               <a:rPr lang="en-US" altLang="ko-KR" sz="1000" dirty="0" smtClean="0"/>
               <a:t>)</a:t>
             </a:r>
-            <a:r>
-              <a:rPr lang="ko-KR" altLang="en-US" sz="1000" dirty="0" smtClean="0"/>
+            <a:br>
+              <a:rPr lang="en-US" altLang="ko-KR" sz="1000" dirty="0" smtClean="0"/>
+            </a:br>
+            <a:r>
+              <a:rPr lang="en-US" altLang="ko-KR" sz="1000" dirty="0" smtClean="0"/>
+              <a:t>  - </a:t>
+            </a:r>
+            <a:r>
+              <a:rPr lang="ko-KR" altLang="en-US" sz="1000" dirty="0" smtClean="0"/>
+              <a:t>기능 별로 로그파일 분리 고려</a:t>
+            </a:r>
+            <a:r>
+              <a:rPr lang="en-US" altLang="ko-KR" sz="1000" dirty="0" smtClean="0"/>
               <a:t/>
             </a:r>
             <a:br>
-              <a:rPr lang="ko-KR" altLang="en-US" sz="1000" dirty="0" smtClean="0"/>
+              <a:rPr lang="en-US" altLang="ko-KR" sz="1000" dirty="0" smtClean="0"/>
             </a:br>
             <a:r>
-              <a:rPr lang="ko-KR" altLang="en-US" sz="1000" dirty="0" smtClean="0"/>
-              <a:t> </a:t>
-            </a:r>
-            <a:r>
-              <a:rPr lang="en-US" altLang="ko-KR" sz="1000" dirty="0" smtClean="0"/>
-              <a:t>- Monitoring</a:t>
-            </a:r>
-            <a:r>
-              <a:rPr lang="ko-KR" altLang="en-US" sz="1000" dirty="0" smtClean="0"/>
-              <a:t>하는 항목 추가 </a:t>
+              <a:rPr lang="en-US" altLang="ko-KR" sz="1000" dirty="0" smtClean="0"/>
+              <a:t> 3) Monitoring </a:t>
+            </a:r>
+            <a:r>
+              <a:rPr lang="ko-KR" altLang="en-US" sz="1000" dirty="0" smtClean="0"/>
+              <a:t>항목 추가 </a:t>
             </a:r>
             <a:r>
               <a:rPr lang="en-US" altLang="ko-KR" sz="1000" dirty="0" smtClean="0"/>
@@ -7517,7 +8911,7 @@
             </a:br>
             <a:r>
               <a:rPr lang="en-US" altLang="ko-KR" sz="1000" dirty="0" smtClean="0"/>
-              <a:t>  : File, Process</a:t>
+              <a:t>  - File, Process</a:t>
             </a:r>
             <a:r>
               <a:rPr lang="ko-KR" altLang="en-US" sz="1000" dirty="0" smtClean="0"/>
@@ -7537,7 +8931,7 @@
             </a:r>
             <a:r>
               <a:rPr lang="ko-KR" altLang="en-US" sz="1000" dirty="0" smtClean="0"/>
-              <a:t>사용량 등</a:t>
+              <a:t>사용량 등 추가 </a:t>
             </a:r>
             <a:r>
               <a:rPr lang="en-US" altLang="ko-KR" sz="1000" dirty="0" smtClean="0"/>
@@ -7548,7 +8942,7 @@
             </a:br>
             <a:r>
               <a:rPr lang="en-US" altLang="ko-KR" sz="1000" dirty="0" smtClean="0"/>
-              <a:t>  : </a:t>
+              <a:t>  - </a:t>
             </a:r>
             <a:r>
               <a:rPr lang="ko-KR" altLang="en-US" sz="1000" dirty="0" smtClean="0"/>
@@ -7560,11 +8954,18 @@
             </a:r>
             <a:r>
               <a:rPr lang="ko-KR" altLang="en-US" sz="1000" dirty="0" smtClean="0"/>
-              <a:t>조건도 추가 가능</a:t>
-            </a:r>
-            <a:r>
-              <a:rPr lang="en-US" altLang="ko-KR" sz="1000" dirty="0" smtClean="0"/>
-              <a:t>. Ex) Disk </a:t>
+              <a:t>조건 추가 </a:t>
+            </a:r>
+            <a:r>
+              <a:rPr lang="en-US" altLang="ko-KR" sz="1000" dirty="0" smtClean="0"/>
+              <a:t/>
+            </a:r>
+            <a:br>
+              <a:rPr lang="en-US" altLang="ko-KR" sz="1000" dirty="0" smtClean="0"/>
+            </a:br>
+            <a:r>
+              <a:rPr lang="en-US" altLang="ko-KR" sz="1000" dirty="0" smtClean="0"/>
+              <a:t>     Ex) Disk </a:t>
             </a:r>
             <a:r>
               <a:rPr lang="ko-KR" altLang="en-US" sz="1000" dirty="0" smtClean="0"/>
@@ -7611,492 +9012,450 @@
             </a:br>
             <a:r>
               <a:rPr lang="en-US" altLang="ko-KR" sz="1000" dirty="0" smtClean="0"/>
-              <a:t>    </a:t>
-            </a:r>
-            <a:r>
-              <a:rPr lang="en-US" altLang="ko-KR" sz="1000" dirty="0" smtClean="0">
-                <a:sym typeface="Wingdings" pitchFamily="2" charset="2"/>
-              </a:rPr>
-              <a:t> </a:t>
-            </a:r>
-            <a:r>
-              <a:rPr lang="ko-KR" altLang="en-US" sz="1000" dirty="0" smtClean="0">
-                <a:sym typeface="Wingdings" pitchFamily="2" charset="2"/>
-              </a:rPr>
-              <a:t>이 경우 </a:t>
-            </a:r>
-            <a:r>
-              <a:rPr lang="en-US" altLang="ko-KR" sz="1000" dirty="0" smtClean="0">
-                <a:sym typeface="Wingdings" pitchFamily="2" charset="2"/>
-              </a:rPr>
-              <a:t>File, Disk, Process</a:t>
-            </a:r>
-            <a:r>
-              <a:rPr lang="ko-KR" altLang="en-US" sz="1000" dirty="0" smtClean="0">
-                <a:sym typeface="Wingdings" pitchFamily="2" charset="2"/>
-              </a:rPr>
-              <a:t>등의 </a:t>
-            </a:r>
-            <a:r>
-              <a:rPr lang="en-US" altLang="ko-KR" sz="1000" dirty="0" smtClean="0">
-                <a:sym typeface="Wingdings" pitchFamily="2" charset="2"/>
-              </a:rPr>
-              <a:t>Monitoring</a:t>
-            </a:r>
-            <a:r>
-              <a:rPr lang="ko-KR" altLang="en-US" sz="1000" dirty="0" smtClean="0">
-                <a:sym typeface="Wingdings" pitchFamily="2" charset="2"/>
-              </a:rPr>
-              <a:t>을 </a:t>
-            </a:r>
-            <a:r>
-              <a:rPr lang="en-US" altLang="ko-KR" sz="1000" dirty="0" smtClean="0">
-                <a:sym typeface="Wingdings" pitchFamily="2" charset="2"/>
-              </a:rPr>
-              <a:t>Multi Thread</a:t>
-            </a:r>
-            <a:r>
-              <a:rPr lang="ko-KR" altLang="en-US" sz="1000" dirty="0" smtClean="0">
-                <a:sym typeface="Wingdings" pitchFamily="2" charset="2"/>
-              </a:rPr>
-              <a:t>로 처리하지 않는 편이 유리할 것으로 판단됨</a:t>
-            </a:r>
-            <a:r>
-              <a:rPr lang="en-US" altLang="ko-KR" sz="1000" dirty="0" smtClean="0">
-                <a:sym typeface="Wingdings" pitchFamily="2" charset="2"/>
-              </a:rPr>
-              <a:t>.</a:t>
+              <a:t> 4) </a:t>
+            </a:r>
+            <a:r>
+              <a:rPr lang="ko-KR" altLang="en-US" sz="1000" dirty="0" smtClean="0"/>
+              <a:t>서버</a:t>
+            </a:r>
+            <a:r>
+              <a:rPr lang="en-US" altLang="ko-KR" sz="1000" dirty="0" smtClean="0"/>
+              <a:t>-</a:t>
+            </a:r>
+            <a:r>
+              <a:rPr lang="ko-KR" altLang="en-US" sz="1000" dirty="0" smtClean="0"/>
+              <a:t>클라이언트 기능</a:t>
+            </a:r>
+            <a:r>
+              <a:rPr lang="en-US" altLang="ko-KR" sz="1000" dirty="0" smtClean="0"/>
+              <a:t/>
             </a:r>
             <a:br>
-              <a:rPr lang="en-US" altLang="ko-KR" sz="1000" dirty="0" smtClean="0">
-                <a:sym typeface="Wingdings" pitchFamily="2" charset="2"/>
-              </a:rPr>
+              <a:rPr lang="en-US" altLang="ko-KR" sz="1000" dirty="0" smtClean="0"/>
             </a:br>
             <a:r>
-              <a:rPr lang="en-US" altLang="ko-KR" sz="1000" dirty="0" smtClean="0">
-                <a:sym typeface="Wingdings" pitchFamily="2" charset="2"/>
-              </a:rPr>
-              <a:t> - Monitoring </a:t>
-            </a:r>
-            <a:r>
-              <a:rPr lang="ko-KR" altLang="en-US" sz="1000" dirty="0" smtClean="0">
-                <a:sym typeface="Wingdings" pitchFamily="2" charset="2"/>
-              </a:rPr>
-              <a:t>항목별 </a:t>
-            </a:r>
-            <a:r>
-              <a:rPr lang="en-US" altLang="ko-KR" sz="1000" dirty="0" smtClean="0">
-                <a:sym typeface="Wingdings" pitchFamily="2" charset="2"/>
-              </a:rPr>
-              <a:t>Multi-Thread </a:t>
-            </a:r>
-            <a:r>
-              <a:rPr lang="ko-KR" altLang="en-US" sz="1000" dirty="0" smtClean="0">
-                <a:sym typeface="Wingdings" pitchFamily="2" charset="2"/>
-              </a:rPr>
-              <a:t>고려</a:t>
-            </a:r>
-            <a:r>
-              <a:rPr lang="en-US" altLang="ko-KR" sz="1000" dirty="0" smtClean="0">
-                <a:sym typeface="Wingdings" pitchFamily="2" charset="2"/>
-              </a:rPr>
+              <a:rPr lang="en-US" altLang="ko-KR" sz="1000" dirty="0" smtClean="0"/>
+              <a:t>  - </a:t>
+            </a:r>
+            <a:r>
+              <a:rPr lang="ko-KR" altLang="en-US" sz="1000" dirty="0" err="1" smtClean="0"/>
+              <a:t>알람</a:t>
+            </a:r>
+            <a:r>
+              <a:rPr lang="ko-KR" altLang="en-US" sz="1000" dirty="0" smtClean="0"/>
+              <a:t> 및 모니터링 결과를 서버로 전송하여 중앙에서 한 눈에 관리하고 있는 </a:t>
+            </a:r>
+            <a:r>
+              <a:rPr lang="en-US" altLang="ko-KR" sz="1000" dirty="0" smtClean="0"/>
+              <a:t>PC</a:t>
+            </a:r>
+            <a:r>
+              <a:rPr lang="ko-KR" altLang="en-US" sz="1000" dirty="0" smtClean="0"/>
+              <a:t>들의 상태를 파악할 수 있게 </a:t>
+            </a:r>
+            <a:r>
+              <a:rPr lang="ko-KR" altLang="en-US" sz="1000" dirty="0" smtClean="0"/>
+              <a:t>구성</a:t>
+            </a:r>
+            <a:r>
+              <a:rPr lang="en-US" altLang="ko-KR" sz="1000" dirty="0" smtClean="0"/>
               <a:t/>
             </a:r>
             <a:br>
-              <a:rPr lang="en-US" altLang="ko-KR" sz="1000" dirty="0" smtClean="0">
-                <a:sym typeface="Wingdings" pitchFamily="2" charset="2"/>
-              </a:rPr>
+              <a:rPr lang="en-US" altLang="ko-KR" sz="1000" dirty="0" smtClean="0"/>
             </a:br>
             <a:r>
-              <a:rPr lang="en-US" altLang="ko-KR" sz="1000" dirty="0" smtClean="0">
-                <a:sym typeface="Wingdings" pitchFamily="2" charset="2"/>
-              </a:rPr>
-              <a:t>  : </a:t>
-            </a:r>
-            <a:r>
-              <a:rPr lang="ko-KR" altLang="en-US" sz="1000" dirty="0" smtClean="0">
-                <a:sym typeface="Wingdings" pitchFamily="2" charset="2"/>
-              </a:rPr>
-              <a:t>현재 구조처럼 </a:t>
-            </a:r>
-            <a:r>
-              <a:rPr lang="en-US" altLang="ko-KR" sz="1000" dirty="0" err="1" smtClean="0">
-                <a:sym typeface="Wingdings" pitchFamily="2" charset="2"/>
-              </a:rPr>
-              <a:t>Config</a:t>
-            </a:r>
-            <a:r>
-              <a:rPr lang="ko-KR" altLang="en-US" sz="1000" dirty="0" smtClean="0">
-                <a:sym typeface="Wingdings" pitchFamily="2" charset="2"/>
-              </a:rPr>
-              <a:t>파일의 라인</a:t>
-            </a:r>
-            <a:r>
-              <a:rPr lang="en-US" altLang="ko-KR" sz="1000" dirty="0" smtClean="0">
-                <a:sym typeface="Wingdings" pitchFamily="2" charset="2"/>
-              </a:rPr>
+              <a:rPr lang="en-US" altLang="ko-KR" sz="1000" dirty="0" smtClean="0"/>
+              <a:t> 5) </a:t>
+            </a:r>
+            <a:r>
+              <a:rPr lang="ko-KR" altLang="en-US" sz="1000" dirty="0" smtClean="0"/>
+              <a:t>제품 배포 파일 구성</a:t>
+            </a:r>
+            <a:r>
+              <a:rPr lang="en-US" altLang="ko-KR" sz="1000" dirty="0" smtClean="0"/>
+              <a:t>(EXE, MSI </a:t>
+            </a:r>
+            <a:r>
+              <a:rPr lang="ko-KR" altLang="en-US" sz="1000" dirty="0" smtClean="0"/>
+              <a:t>등의 설치파일 제작</a:t>
+            </a:r>
+            <a:r>
+              <a:rPr lang="en-US" altLang="ko-KR" sz="1000" dirty="0" smtClean="0"/>
+              <a:t>)</a:t>
+            </a:r>
+            <a:r>
+              <a:rPr lang="ko-KR" altLang="en-US" sz="1000" dirty="0" smtClean="0"/>
               <a:t> </a:t>
             </a:r>
-            <a:r>
-              <a:rPr lang="ko-KR" altLang="en-US" sz="1000" dirty="0" smtClean="0">
-                <a:sym typeface="Wingdings" pitchFamily="2" charset="2"/>
-              </a:rPr>
-              <a:t>순서대로 </a:t>
-            </a:r>
-            <a:r>
-              <a:rPr lang="en-US" altLang="ko-KR" sz="1000" dirty="0" smtClean="0">
-                <a:sym typeface="Wingdings" pitchFamily="2" charset="2"/>
-              </a:rPr>
-              <a:t>monitoring</a:t>
-            </a:r>
-            <a:r>
-              <a:rPr lang="ko-KR" altLang="en-US" sz="1000" dirty="0" smtClean="0">
-                <a:sym typeface="Wingdings" pitchFamily="2" charset="2"/>
-              </a:rPr>
-              <a:t>을 할 경우 </a:t>
-            </a:r>
-            <a:r>
-              <a:rPr lang="en-US" altLang="ko-KR" sz="1000" dirty="0" smtClean="0">
-                <a:sym typeface="Wingdings" pitchFamily="2" charset="2"/>
-              </a:rPr>
-              <a:t>type</a:t>
-            </a:r>
-            <a:r>
-              <a:rPr lang="ko-KR" altLang="en-US" sz="1000" dirty="0" smtClean="0">
-                <a:sym typeface="Wingdings" pitchFamily="2" charset="2"/>
-              </a:rPr>
-              <a:t>이 섞여 있을 수 없어서 </a:t>
-            </a:r>
-            <a:r>
-              <a:rPr lang="en-US" altLang="ko-KR" sz="1000" dirty="0" smtClean="0">
-                <a:sym typeface="Wingdings" pitchFamily="2" charset="2"/>
-              </a:rPr>
-              <a:t>type</a:t>
-            </a:r>
-            <a:r>
-              <a:rPr lang="ko-KR" altLang="en-US" sz="1000" dirty="0" smtClean="0">
-                <a:sym typeface="Wingdings" pitchFamily="2" charset="2"/>
-              </a:rPr>
-              <a:t>별로 별도의 </a:t>
-            </a:r>
-            <a:r>
-              <a:rPr lang="en-US" altLang="ko-KR" sz="1000" dirty="0" smtClean="0">
-                <a:sym typeface="Wingdings" pitchFamily="2" charset="2"/>
-              </a:rPr>
-              <a:t>Thread</a:t>
-            </a:r>
-            <a:r>
-              <a:rPr lang="ko-KR" altLang="en-US" sz="1000" dirty="0" smtClean="0">
-                <a:sym typeface="Wingdings" pitchFamily="2" charset="2"/>
-              </a:rPr>
-              <a:t>를 만들어서 처리하는 것은 어려움</a:t>
-            </a:r>
-            <a:r>
-              <a:rPr lang="en-US" altLang="ko-KR" sz="1000" dirty="0" smtClean="0">
-                <a:sym typeface="Wingdings" pitchFamily="2" charset="2"/>
-              </a:rPr>
-              <a:t>. </a:t>
-            </a:r>
-            <a:r>
-              <a:rPr lang="en-US" altLang="ko-KR" sz="1000" dirty="0" err="1" smtClean="0">
-                <a:sym typeface="Wingdings" pitchFamily="2" charset="2"/>
-              </a:rPr>
-              <a:t>Config</a:t>
-            </a:r>
-            <a:r>
-              <a:rPr lang="ko-KR" altLang="en-US" sz="1000" dirty="0" smtClean="0">
-                <a:sym typeface="Wingdings" pitchFamily="2" charset="2"/>
-              </a:rPr>
-              <a:t>파일의 </a:t>
-            </a:r>
-            <a:r>
-              <a:rPr lang="en-US" altLang="ko-KR" sz="1000" dirty="0" smtClean="0">
-                <a:sym typeface="Wingdings" pitchFamily="2" charset="2"/>
-              </a:rPr>
-              <a:t>Line</a:t>
-            </a:r>
-            <a:r>
-              <a:rPr lang="ko-KR" altLang="en-US" sz="1000" dirty="0" smtClean="0">
-                <a:sym typeface="Wingdings" pitchFamily="2" charset="2"/>
-              </a:rPr>
-              <a:t>순서대로 </a:t>
-            </a:r>
-            <a:r>
-              <a:rPr lang="en-US" altLang="ko-KR" sz="1000" dirty="0" smtClean="0">
-                <a:sym typeface="Wingdings" pitchFamily="2" charset="2"/>
-              </a:rPr>
-              <a:t>Monitoring</a:t>
-            </a:r>
-            <a:r>
-              <a:rPr lang="ko-KR" altLang="en-US" sz="1000" dirty="0" smtClean="0">
-                <a:sym typeface="Wingdings" pitchFamily="2" charset="2"/>
-              </a:rPr>
-              <a:t>하지 않고 </a:t>
-            </a:r>
-            <a:r>
-              <a:rPr lang="en-US" altLang="ko-KR" sz="1000" dirty="0" smtClean="0">
-                <a:sym typeface="Wingdings" pitchFamily="2" charset="2"/>
-              </a:rPr>
-              <a:t>type</a:t>
-            </a:r>
-            <a:r>
-              <a:rPr lang="ko-KR" altLang="en-US" sz="1000" dirty="0" smtClean="0">
-                <a:sym typeface="Wingdings" pitchFamily="2" charset="2"/>
-              </a:rPr>
-              <a:t>별로 모니터링이 가능하다면 </a:t>
-            </a:r>
-            <a:r>
-              <a:rPr lang="ko-KR" altLang="en-US" sz="1000" dirty="0" err="1" smtClean="0">
-                <a:sym typeface="Wingdings" pitchFamily="2" charset="2"/>
-              </a:rPr>
-              <a:t>타입별</a:t>
-            </a:r>
-            <a:r>
-              <a:rPr lang="ko-KR" altLang="en-US" sz="1000" dirty="0" smtClean="0">
-                <a:sym typeface="Wingdings" pitchFamily="2" charset="2"/>
-              </a:rPr>
+            <a:endParaRPr lang="en-US" altLang="ko-KR" sz="1000" dirty="0" smtClean="0"/>
+          </a:p>
+          <a:p>
+            <a:pPr>
+              <a:buFont typeface="Arial" charset="0"/>
+              <a:buChar char="•"/>
+            </a:pPr>
+            <a:endParaRPr lang="en-US" altLang="ko-KR" sz="1000" dirty="0" smtClean="0"/>
+          </a:p>
+          <a:p>
+            <a:r>
+              <a:rPr lang="en-US" altLang="ko-KR" sz="1000" dirty="0" smtClean="0"/>
+              <a:t>3. </a:t>
+            </a:r>
+            <a:r>
+              <a:rPr lang="ko-KR" altLang="en-US" sz="1000" dirty="0" smtClean="0"/>
+              <a:t>불법 사용 </a:t>
+            </a:r>
+            <a:r>
+              <a:rPr lang="ko-KR" altLang="en-US" sz="1000" dirty="0" smtClean="0"/>
+              <a:t>방지 </a:t>
+            </a:r>
+            <a:r>
+              <a:rPr lang="en-US" altLang="ko-KR" sz="1000" dirty="0" smtClean="0"/>
+              <a:t>– </a:t>
+            </a:r>
+            <a:r>
+              <a:rPr lang="ko-KR" altLang="en-US" sz="1000" dirty="0" smtClean="0"/>
+              <a:t>제품</a:t>
+            </a:r>
+            <a:r>
+              <a:rPr lang="en-US" altLang="ko-KR" sz="1000" dirty="0" smtClean="0"/>
+              <a:t> Key</a:t>
+            </a:r>
+            <a:r>
+              <a:rPr lang="ko-KR" altLang="en-US" sz="1000" dirty="0" smtClean="0"/>
+              <a:t>관리 필요</a:t>
+            </a:r>
+            <a:endParaRPr lang="en-US" altLang="ko-KR" sz="1000" dirty="0" smtClean="0"/>
+          </a:p>
+          <a:p>
+            <a:r>
+              <a:rPr lang="en-US" altLang="ko-KR" sz="1000" dirty="0" smtClean="0"/>
+              <a:t> 1) On-line </a:t>
+            </a:r>
+            <a:r>
+              <a:rPr lang="ko-KR" altLang="en-US" sz="1000" dirty="0" smtClean="0"/>
+              <a:t>환경에서 사용할 경우 서버와의 통신으로 올바로 등록된 제품인지 확인 </a:t>
+            </a:r>
+            <a:r>
+              <a:rPr lang="en-US" altLang="ko-KR" sz="1000" dirty="0" smtClean="0"/>
+              <a:t>(</a:t>
+            </a:r>
+            <a:r>
+              <a:rPr lang="ko-KR" altLang="en-US" sz="1000" dirty="0" smtClean="0"/>
+              <a:t>제품 등록 프로세스 진행 필요</a:t>
+            </a:r>
+            <a:r>
+              <a:rPr lang="en-US" altLang="ko-KR" sz="1000" dirty="0" smtClean="0"/>
+              <a:t>)</a:t>
+            </a:r>
+            <a:br>
+              <a:rPr lang="en-US" altLang="ko-KR" sz="1000" dirty="0" smtClean="0"/>
+            </a:br>
+            <a:r>
+              <a:rPr lang="en-US" altLang="ko-KR" sz="1000" dirty="0" smtClean="0"/>
+              <a:t> 2) Off-line </a:t>
+            </a:r>
+            <a:r>
+              <a:rPr lang="ko-KR" altLang="en-US" sz="1000" dirty="0" smtClean="0"/>
+              <a:t>환경에서 사용할 경우 </a:t>
+            </a:r>
+            <a:r>
+              <a:rPr lang="en-US" altLang="ko-KR" sz="1000" dirty="0" smtClean="0"/>
+              <a:t/>
+            </a:r>
+            <a:br>
+              <a:rPr lang="en-US" altLang="ko-KR" sz="1000" dirty="0" smtClean="0"/>
+            </a:br>
+            <a:r>
+              <a:rPr lang="en-US" altLang="ko-KR" sz="1000" dirty="0" smtClean="0"/>
+              <a:t>   - HW </a:t>
+            </a:r>
+            <a:r>
+              <a:rPr lang="en-US" altLang="ko-KR" sz="1000" dirty="0" smtClean="0"/>
+              <a:t>Dongle</a:t>
+            </a:r>
+            <a:r>
+              <a:rPr lang="ko-KR" altLang="en-US" sz="1000" dirty="0" smtClean="0"/>
+              <a:t>을 사용하는 것이 가장 </a:t>
+            </a:r>
+            <a:r>
+              <a:rPr lang="ko-KR" altLang="en-US" sz="1000" dirty="0" smtClean="0"/>
+              <a:t>안전함</a:t>
+            </a:r>
+            <a:r>
+              <a:rPr lang="en-US" altLang="ko-KR" sz="1000" dirty="0" smtClean="0"/>
+              <a:t/>
+            </a:r>
+            <a:br>
+              <a:rPr lang="en-US" altLang="ko-KR" sz="1000" dirty="0" smtClean="0"/>
+            </a:br>
+            <a:r>
+              <a:rPr lang="en-US" altLang="ko-KR" sz="1000" dirty="0" smtClean="0"/>
+              <a:t>   - Dongle</a:t>
+            </a:r>
+            <a:r>
+              <a:rPr lang="ko-KR" altLang="en-US" sz="1000" dirty="0" smtClean="0"/>
+              <a:t>을 사용하지 않을 경우 </a:t>
+            </a:r>
+            <a:r>
+              <a:rPr lang="en-US" altLang="ko-KR" sz="1000" dirty="0" smtClean="0"/>
+              <a:t>HW</a:t>
+            </a:r>
+            <a:r>
+              <a:rPr lang="ko-KR" altLang="en-US" sz="1000" dirty="0" smtClean="0"/>
+              <a:t>의 유일값을 이용하여 제품등록에 이용할 수 있게 함</a:t>
+            </a:r>
+            <a:r>
+              <a:rPr lang="en-US" altLang="ko-KR" sz="1000" dirty="0" smtClean="0"/>
+              <a:t/>
+            </a:r>
+            <a:br>
+              <a:rPr lang="en-US" altLang="ko-KR" sz="1000" dirty="0" smtClean="0"/>
+            </a:br>
+            <a:r>
+              <a:rPr lang="en-US" altLang="ko-KR" sz="1000" dirty="0" smtClean="0"/>
+              <a:t>      </a:t>
+            </a:r>
+            <a:r>
+              <a:rPr lang="en-US" altLang="ko-KR" sz="1000" dirty="0" smtClean="0"/>
+              <a:t>ex) Machine </a:t>
+            </a:r>
+            <a:r>
+              <a:rPr lang="en-US" altLang="ko-KR" sz="1000" dirty="0" smtClean="0"/>
+              <a:t>GUID, MAC</a:t>
+            </a:r>
+            <a:r>
+              <a:rPr lang="ko-KR" altLang="en-US" sz="1000" dirty="0" smtClean="0"/>
+              <a:t>주소</a:t>
+            </a:r>
+            <a:r>
+              <a:rPr lang="en-US" altLang="ko-KR" sz="1000" dirty="0" smtClean="0"/>
+              <a:t>, Processor ID, Motherboard ID, </a:t>
+            </a:r>
+            <a:r>
+              <a:rPr lang="ko-KR" altLang="en-US" sz="1000" dirty="0" smtClean="0"/>
+              <a:t>하드디스크 시리얼넘버</a:t>
+            </a:r>
+            <a:r>
+              <a:rPr lang="en-US" altLang="ko-KR" sz="1000" dirty="0" smtClean="0"/>
               <a:t> </a:t>
             </a:r>
             <a:r>
-              <a:rPr lang="en-US" altLang="ko-KR" sz="1000" dirty="0" smtClean="0">
-                <a:sym typeface="Wingdings" pitchFamily="2" charset="2"/>
-              </a:rPr>
-              <a:t>Monitoring Thread</a:t>
-            </a:r>
-            <a:r>
-              <a:rPr lang="ko-KR" altLang="en-US" sz="1000" dirty="0" smtClean="0">
-                <a:sym typeface="Wingdings" pitchFamily="2" charset="2"/>
-              </a:rPr>
-              <a:t>를 생성하여 검사</a:t>
-            </a:r>
-            <a:r>
-              <a:rPr lang="en-US" altLang="ko-KR" sz="1000" dirty="0" smtClean="0">
-                <a:sym typeface="Wingdings" pitchFamily="2" charset="2"/>
-              </a:rPr>
+              <a:rPr lang="ko-KR" altLang="en-US" sz="1000" dirty="0" smtClean="0"/>
+              <a:t>등</a:t>
+            </a:r>
+            <a:r>
+              <a:rPr lang="en-US" altLang="ko-KR" sz="1000" dirty="0" smtClean="0"/>
+              <a:t/>
+            </a:r>
+            <a:br>
+              <a:rPr lang="en-US" altLang="ko-KR" sz="1000" dirty="0" smtClean="0"/>
+            </a:br>
+            <a:r>
+              <a:rPr lang="en-US" altLang="ko-KR" sz="1000" dirty="0" smtClean="0"/>
+              <a:t>   </a:t>
+            </a:r>
+            <a:r>
+              <a:rPr lang="en-US" altLang="ko-KR" sz="1000" dirty="0" smtClean="0"/>
+              <a:t>- </a:t>
+            </a:r>
+            <a:r>
+              <a:rPr lang="ko-KR" altLang="en-US" sz="1000" dirty="0" smtClean="0"/>
+              <a:t>최소한 주기적으로 실행파일 자신의 </a:t>
+            </a:r>
+            <a:r>
+              <a:rPr lang="en-US" altLang="ko-KR" sz="1000" dirty="0" smtClean="0"/>
+              <a:t>File Size</a:t>
+            </a:r>
+            <a:r>
+              <a:rPr lang="ko-KR" altLang="en-US" sz="1000" dirty="0" smtClean="0"/>
+              <a:t>를 </a:t>
+            </a:r>
+            <a:r>
+              <a:rPr lang="en-US" altLang="ko-KR" sz="1000" dirty="0" smtClean="0"/>
+              <a:t>Check</a:t>
+            </a:r>
+            <a:r>
+              <a:rPr lang="ko-KR" altLang="en-US" sz="1000" dirty="0" smtClean="0"/>
+              <a:t>하면 </a:t>
+            </a:r>
+            <a:r>
+              <a:rPr lang="ko-KR" altLang="en-US" sz="1000" dirty="0" err="1" smtClean="0"/>
+              <a:t>크랙이나</a:t>
+            </a:r>
+            <a:r>
+              <a:rPr lang="ko-KR" altLang="en-US" sz="1000" dirty="0" smtClean="0"/>
+              <a:t> 바이러스 감염 등을 확인할 수 </a:t>
+            </a:r>
+            <a:r>
+              <a:rPr lang="ko-KR" altLang="en-US" sz="1000" dirty="0" smtClean="0"/>
+              <a:t>있음</a:t>
+            </a:r>
+            <a:r>
+              <a:rPr lang="en-US" altLang="ko-KR" sz="1000" dirty="0" smtClean="0"/>
+              <a:t/>
+            </a:r>
+            <a:br>
+              <a:rPr lang="en-US" altLang="ko-KR" sz="1000" dirty="0" smtClean="0"/>
+            </a:br>
+            <a:endParaRPr lang="en-US" altLang="ko-KR" sz="1000" dirty="0" smtClean="0"/>
+          </a:p>
+        </p:txBody>
+      </p:sp>
+      <p:sp>
+        <p:nvSpPr>
+          <p:cNvPr id="6" name="TextBox 5"/>
+          <p:cNvSpPr txBox="1"/>
+          <p:nvPr/>
+        </p:nvSpPr>
+        <p:spPr>
+          <a:xfrm>
+            <a:off x="107504" y="6021288"/>
+            <a:ext cx="8640960" cy="707886"/>
+          </a:xfrm>
+          <a:prstGeom prst="rect">
+            <a:avLst/>
+          </a:prstGeom>
+          <a:noFill/>
+        </p:spPr>
+        <p:txBody>
+          <a:bodyPr wrap="square" rtlCol="0">
+            <a:spAutoFit/>
+          </a:bodyPr>
+          <a:lstStyle/>
+          <a:p>
+            <a:pPr>
+              <a:buFont typeface="Arial" charset="0"/>
+              <a:buChar char="•"/>
+            </a:pPr>
+            <a:r>
+              <a:rPr lang="en-US" altLang="ko-KR" sz="1000" dirty="0" smtClean="0"/>
+              <a:t> Machine GUID </a:t>
+            </a:r>
+            <a:r>
+              <a:rPr lang="ko-KR" altLang="en-US" sz="1000" dirty="0" smtClean="0"/>
+              <a:t>정보</a:t>
+            </a:r>
+            <a:r>
+              <a:rPr lang="en-US" altLang="ko-KR" sz="1000" dirty="0" smtClean="0"/>
+              <a:t> : HKEY_LOCAL_MACHINE\SOFTWARE\Microsoft\Cryptography </a:t>
+            </a:r>
+            <a:endParaRPr lang="en-US" altLang="ko-KR" sz="1000" dirty="0" smtClean="0"/>
+          </a:p>
+          <a:p>
+            <a:pPr>
+              <a:buFont typeface="Arial" charset="0"/>
+              <a:buChar char="•"/>
+            </a:pPr>
+            <a:r>
+              <a:rPr lang="en-US" altLang="ko-KR" sz="1000" dirty="0" smtClean="0"/>
+              <a:t> Processor ID </a:t>
+            </a:r>
+            <a:r>
+              <a:rPr lang="ko-KR" altLang="en-US" sz="1000" dirty="0" smtClean="0"/>
+              <a:t>등의 정보 </a:t>
+            </a:r>
+            <a:r>
+              <a:rPr lang="en-US" altLang="ko-KR" sz="1000" dirty="0" smtClean="0"/>
+              <a:t>: </a:t>
+            </a:r>
+            <a:r>
+              <a:rPr lang="en-US" altLang="ko-KR" sz="1000" dirty="0" err="1" smtClean="0"/>
+              <a:t>ManagementObjectSearcher</a:t>
+            </a:r>
+            <a:r>
+              <a:rPr lang="en-US" altLang="ko-KR" sz="1000" dirty="0" smtClean="0"/>
+              <a:t> Class </a:t>
+            </a:r>
+            <a:r>
+              <a:rPr lang="ko-KR" altLang="en-US" sz="1000" dirty="0" smtClean="0"/>
+              <a:t>사용 </a:t>
+            </a:r>
+            <a:r>
+              <a:rPr lang="en-US" altLang="ko-KR" sz="1000" dirty="0" smtClean="0"/>
+              <a:t>(Win32_Processor, Win32_baseboard, Win32_DiskDrive, … )</a:t>
+            </a:r>
+          </a:p>
+          <a:p>
+            <a:pPr>
+              <a:buFont typeface="Arial" charset="0"/>
+              <a:buChar char="•"/>
+            </a:pPr>
+            <a:r>
+              <a:rPr lang="en-US" altLang="ko-KR" sz="1000" dirty="0" smtClean="0"/>
               <a:t> </a:t>
             </a:r>
             <a:r>
-              <a:rPr lang="ko-KR" altLang="en-US" sz="1000" dirty="0" smtClean="0">
-                <a:sym typeface="Wingdings" pitchFamily="2" charset="2"/>
-              </a:rPr>
-              <a:t>가능</a:t>
-            </a:r>
-            <a:r>
-              <a:rPr lang="en-US" altLang="ko-KR" sz="1000" dirty="0" smtClean="0">
-                <a:sym typeface="Wingdings" pitchFamily="2" charset="2"/>
-              </a:rPr>
-              <a:t>.</a:t>
-            </a:r>
-            <a:r>
-              <a:rPr lang="ko-KR" altLang="en-US" sz="1000" dirty="0" smtClean="0"/>
-              <a:t/>
-            </a:r>
-            <a:br>
-              <a:rPr lang="ko-KR" altLang="en-US" sz="1000" dirty="0" smtClean="0"/>
-            </a:br>
-            <a:r>
-              <a:rPr lang="ko-KR" altLang="en-US" sz="1000" dirty="0" smtClean="0"/>
-              <a:t> </a:t>
-            </a:r>
-            <a:r>
-              <a:rPr lang="en-US" altLang="ko-KR" sz="1000" dirty="0" smtClean="0"/>
-              <a:t>- Console UI -&gt; Windows </a:t>
-            </a:r>
-            <a:r>
-              <a:rPr lang="ko-KR" altLang="en-US" sz="1000" dirty="0" smtClean="0"/>
-              <a:t>기반 </a:t>
-            </a:r>
-            <a:r>
-              <a:rPr lang="en-US" altLang="ko-KR" sz="1000" dirty="0" smtClean="0"/>
-              <a:t>UI</a:t>
-            </a:r>
-            <a:r>
-              <a:rPr lang="ko-KR" altLang="en-US" sz="1000" dirty="0" smtClean="0"/>
-              <a:t>로 변경 </a:t>
-            </a:r>
-            <a:br>
-              <a:rPr lang="ko-KR" altLang="en-US" sz="1000" dirty="0" smtClean="0"/>
-            </a:br>
-            <a:r>
-              <a:rPr lang="ko-KR" altLang="en-US" sz="1000" dirty="0" smtClean="0"/>
-              <a:t>  </a:t>
-            </a:r>
-            <a:r>
-              <a:rPr lang="en-US" altLang="ko-KR" sz="1000" dirty="0" smtClean="0"/>
-              <a:t>: V3</a:t>
-            </a:r>
-            <a:r>
-              <a:rPr lang="ko-KR" altLang="en-US" sz="1000" dirty="0" smtClean="0"/>
-              <a:t>프로그램처럼 </a:t>
-            </a:r>
-            <a:r>
-              <a:rPr lang="en-US" altLang="ko-KR" sz="1000" dirty="0" smtClean="0"/>
-              <a:t>UI</a:t>
-            </a:r>
-            <a:r>
-              <a:rPr lang="ko-KR" altLang="en-US" sz="1000" dirty="0" smtClean="0"/>
-              <a:t>를 사용하지 않을 경우에는 </a:t>
-            </a:r>
-            <a:r>
-              <a:rPr lang="en-US" altLang="ko-KR" sz="1000" dirty="0" smtClean="0"/>
-              <a:t>Tray Icon</a:t>
-            </a:r>
-            <a:r>
-              <a:rPr lang="ko-KR" altLang="en-US" sz="1000" dirty="0" smtClean="0"/>
-              <a:t>으로 처리 </a:t>
-            </a:r>
-            <a:r>
-              <a:rPr lang="en-US" altLang="ko-KR" sz="1000" dirty="0" smtClean="0"/>
-              <a:t/>
-            </a:r>
-            <a:br>
-              <a:rPr lang="en-US" altLang="ko-KR" sz="1000" dirty="0" smtClean="0"/>
-            </a:br>
-            <a:r>
-              <a:rPr lang="en-US" altLang="ko-KR" sz="1000" dirty="0" smtClean="0"/>
-              <a:t>  : </a:t>
-            </a:r>
-            <a:r>
-              <a:rPr lang="ko-KR" altLang="en-US" sz="1000" dirty="0" smtClean="0"/>
-              <a:t>그래프 등 시각화 자료 추가 </a:t>
-            </a:r>
-            <a:r>
-              <a:rPr lang="en-US" altLang="ko-KR" sz="1000" dirty="0" smtClean="0"/>
-              <a:t/>
-            </a:r>
-            <a:br>
-              <a:rPr lang="en-US" altLang="ko-KR" sz="1000" dirty="0" smtClean="0"/>
-            </a:br>
-            <a:r>
-              <a:rPr lang="en-US" altLang="ko-KR" sz="1000" dirty="0" smtClean="0"/>
-              <a:t> - </a:t>
-            </a:r>
-            <a:r>
-              <a:rPr lang="ko-KR" altLang="en-US" sz="1000" dirty="0" smtClean="0"/>
-              <a:t>불법</a:t>
-            </a:r>
-            <a:r>
-              <a:rPr lang="en-US" altLang="ko-KR" sz="1000" dirty="0" smtClean="0"/>
+              <a:rPr lang="en-US" altLang="ko-KR" sz="1000" dirty="0" smtClean="0"/>
+              <a:t>CPU</a:t>
+            </a:r>
+            <a:r>
+              <a:rPr lang="ko-KR" altLang="en-US" sz="1000" dirty="0" smtClean="0"/>
+              <a:t>사용량</a:t>
+            </a:r>
+            <a:r>
+              <a:rPr lang="en-US" altLang="ko-KR" sz="1000" dirty="0" smtClean="0"/>
+              <a:t>, </a:t>
+            </a:r>
+            <a:r>
+              <a:rPr lang="ko-KR" altLang="en-US" sz="1000" dirty="0" err="1" smtClean="0"/>
+              <a:t>시스템메로리사용량</a:t>
+            </a:r>
+            <a:r>
+              <a:rPr lang="ko-KR" altLang="en-US" sz="1000" dirty="0" smtClean="0"/>
               <a:t> </a:t>
             </a:r>
             <a:r>
-              <a:rPr lang="ko-KR" altLang="en-US" sz="1000" dirty="0" smtClean="0"/>
-              <a:t>사용을 방지하기 위한 제품 등록 등의 기능 추가 </a:t>
-            </a:r>
-            <a:r>
-              <a:rPr lang="en-US" altLang="ko-KR" sz="1000" dirty="0" smtClean="0"/>
-              <a:t/>
-            </a:r>
-            <a:br>
-              <a:rPr lang="en-US" altLang="ko-KR" sz="1000" dirty="0" smtClean="0"/>
-            </a:br>
-            <a:r>
-              <a:rPr lang="en-US" altLang="ko-KR" sz="1000" dirty="0" smtClean="0"/>
-              <a:t>  : On-line</a:t>
-            </a:r>
-            <a:r>
-              <a:rPr lang="ko-KR" altLang="en-US" sz="1000" dirty="0" smtClean="0"/>
-              <a:t>일 경우에는 제품 </a:t>
-            </a:r>
-            <a:r>
-              <a:rPr lang="en-US" altLang="ko-KR" sz="1000" dirty="0" smtClean="0"/>
-              <a:t>Key</a:t>
-            </a:r>
-            <a:r>
-              <a:rPr lang="ko-KR" altLang="en-US" sz="1000" dirty="0" smtClean="0"/>
-              <a:t>가 중복으로 사용되지 않는지를 주기적으로 검사</a:t>
-            </a:r>
-            <a:r>
-              <a:rPr lang="en-US" altLang="ko-KR" sz="1000" dirty="0" smtClean="0"/>
-              <a:t>.</a:t>
-            </a:r>
-            <a:br>
-              <a:rPr lang="en-US" altLang="ko-KR" sz="1000" dirty="0" smtClean="0"/>
-            </a:br>
-            <a:r>
-              <a:rPr lang="en-US" altLang="ko-KR" sz="1000" dirty="0" smtClean="0"/>
-              <a:t>  : Off-line</a:t>
-            </a:r>
-            <a:r>
-              <a:rPr lang="ko-KR" altLang="en-US" sz="1000" dirty="0" smtClean="0"/>
-              <a:t>일 경우에는 </a:t>
+              <a:rPr lang="en-US" altLang="ko-KR" sz="1000" dirty="0" smtClean="0"/>
+              <a:t>: </a:t>
             </a:r>
             <a:r>
               <a:rPr lang="en-US" altLang="ko-KR" sz="1000" dirty="0" err="1" smtClean="0"/>
-              <a:t>Donlge</a:t>
-            </a:r>
+              <a:t>PerformanceCounter</a:t>
+            </a:r>
+            <a:r>
+              <a:rPr lang="en-US" altLang="ko-KR" sz="1000" dirty="0" smtClean="0"/>
+              <a:t> Class </a:t>
+            </a:r>
+            <a:r>
+              <a:rPr lang="ko-KR" altLang="en-US" sz="1000" dirty="0" smtClean="0"/>
+              <a:t>사용</a:t>
+            </a:r>
+            <a:endParaRPr lang="en-US" altLang="ko-KR" sz="1000" dirty="0" smtClean="0"/>
+          </a:p>
+          <a:p>
+            <a:pPr>
+              <a:buFont typeface="Arial" charset="0"/>
+              <a:buChar char="•"/>
+            </a:pPr>
             <a:r>
               <a:rPr lang="en-US" altLang="ko-KR" sz="1000" dirty="0" smtClean="0"/>
               <a:t> </a:t>
             </a:r>
             <a:r>
-              <a:rPr lang="ko-KR" altLang="en-US" sz="1000" dirty="0" smtClean="0"/>
-              <a:t>사용 </a:t>
-            </a:r>
-            <a:r>
-              <a:rPr lang="en-US" altLang="ko-KR" sz="1000" dirty="0" smtClean="0"/>
-              <a:t>or </a:t>
-            </a:r>
-            <a:r>
-              <a:rPr lang="ko-KR" altLang="en-US" sz="1000" dirty="0" smtClean="0"/>
-              <a:t>설치 시 </a:t>
-            </a:r>
-            <a:r>
-              <a:rPr lang="en-US" altLang="ko-KR" sz="1000" dirty="0" smtClean="0"/>
-              <a:t>HW </a:t>
-            </a:r>
-            <a:r>
-              <a:rPr lang="ko-KR" altLang="en-US" sz="1000" dirty="0" err="1" smtClean="0"/>
-              <a:t>고유값들</a:t>
-            </a:r>
-            <a:r>
-              <a:rPr lang="ko-KR" altLang="en-US" sz="1000" dirty="0" smtClean="0"/>
-              <a:t> 조합을 이용하여 제품 등록에 사용</a:t>
-            </a:r>
-            <a:r>
-              <a:rPr lang="en-US" altLang="ko-KR" sz="1000" dirty="0" smtClean="0"/>
-              <a:t>.</a:t>
-            </a:r>
-          </a:p>
-          <a:p>
-            <a:r>
-              <a:rPr lang="en-US" altLang="ko-KR" sz="1000" dirty="0" smtClean="0"/>
-              <a:t> - </a:t>
-            </a:r>
-            <a:r>
-              <a:rPr lang="ko-KR" altLang="en-US" sz="1000" dirty="0" smtClean="0"/>
-              <a:t>바이러스 감염이나 </a:t>
-            </a:r>
-            <a:r>
-              <a:rPr lang="ko-KR" altLang="en-US" sz="1000" dirty="0" err="1" smtClean="0"/>
-              <a:t>크랙</a:t>
-            </a:r>
-            <a:r>
-              <a:rPr lang="ko-KR" altLang="en-US" sz="1000" dirty="0" smtClean="0"/>
-              <a:t> 방지</a:t>
-            </a:r>
-            <a:r>
-              <a:rPr lang="en-US" altLang="ko-KR" sz="1000" dirty="0" smtClean="0"/>
-              <a:t/>
-            </a:r>
-            <a:br>
-              <a:rPr lang="en-US" altLang="ko-KR" sz="1000" dirty="0" smtClean="0"/>
-            </a:br>
-            <a:r>
-              <a:rPr lang="en-US" altLang="ko-KR" sz="1000" dirty="0" smtClean="0"/>
-              <a:t>  : </a:t>
-            </a:r>
-            <a:r>
-              <a:rPr lang="ko-KR" altLang="en-US" sz="1000" dirty="0" smtClean="0"/>
-              <a:t>주기적으로 실행파일 자신의 </a:t>
-            </a:r>
-            <a:r>
-              <a:rPr lang="en-US" altLang="ko-KR" sz="1000" dirty="0" smtClean="0"/>
-              <a:t>File Size, Install Date</a:t>
-            </a:r>
-            <a:r>
-              <a:rPr lang="ko-KR" altLang="en-US" sz="1000" dirty="0" smtClean="0"/>
-              <a:t>등을 체크하여 변경 시 에러 발생 </a:t>
+              <a:rPr lang="en-US" altLang="ko-KR" sz="1000" dirty="0" smtClean="0"/>
+              <a:t>MAC </a:t>
+            </a:r>
+            <a:r>
+              <a:rPr lang="ko-KR" altLang="en-US" sz="1000" dirty="0" smtClean="0"/>
+              <a:t>주소 </a:t>
+            </a:r>
+            <a:r>
+              <a:rPr lang="en-US" altLang="ko-KR" sz="1000" dirty="0" smtClean="0"/>
+              <a:t>: </a:t>
+            </a:r>
+            <a:r>
+              <a:rPr lang="en-US" altLang="ko-KR" sz="1000" dirty="0" err="1" smtClean="0"/>
+              <a:t>NetworkInterface</a:t>
+            </a:r>
+            <a:r>
+              <a:rPr lang="en-US" altLang="ko-KR" sz="1000" dirty="0" smtClean="0"/>
+              <a:t> Class </a:t>
+            </a:r>
+            <a:r>
+              <a:rPr lang="ko-KR" altLang="en-US" sz="1000" dirty="0" smtClean="0"/>
+              <a:t>사용</a:t>
             </a:r>
             <a:endParaRPr lang="ko-KR" altLang="en-US" sz="1000" dirty="0"/>
           </a:p>
@@ -8135,7 +9494,7 @@
         </p:nvSpPr>
         <p:spPr>
           <a:xfrm>
-            <a:off x="1547664" y="2060848"/>
+            <a:off x="899592" y="836712"/>
             <a:ext cx="1296144" cy="504056"/>
           </a:xfrm>
           <a:prstGeom prst="rect">
@@ -8204,7 +9563,7 @@
         </p:nvSpPr>
         <p:spPr>
           <a:xfrm>
-            <a:off x="1583668" y="2852936"/>
+            <a:off x="935596" y="1628800"/>
             <a:ext cx="1296144" cy="504056"/>
           </a:xfrm>
           <a:prstGeom prst="rect">
@@ -8267,7 +9626,7 @@
         </p:nvCxnSpPr>
         <p:spPr>
           <a:xfrm>
-            <a:off x="2843808" y="2312876"/>
+            <a:off x="2195736" y="1088740"/>
             <a:ext cx="756084" cy="180020"/>
           </a:xfrm>
           <a:prstGeom prst="straightConnector1">
@@ -8305,7 +9664,7 @@
         </p:nvCxnSpPr>
         <p:spPr>
           <a:xfrm flipV="1">
-            <a:off x="2879812" y="2852936"/>
+            <a:off x="2231740" y="1628800"/>
             <a:ext cx="720080" cy="252028"/>
           </a:xfrm>
           <a:prstGeom prst="straightConnector1">
@@ -8341,7 +9700,7 @@
         </p:nvSpPr>
         <p:spPr>
           <a:xfrm>
-            <a:off x="3599892" y="2420888"/>
+            <a:off x="2951820" y="1196752"/>
             <a:ext cx="1296144" cy="504056"/>
           </a:xfrm>
           <a:prstGeom prst="rect">
@@ -8396,7 +9755,7 @@
         </p:nvCxnSpPr>
         <p:spPr>
           <a:xfrm flipV="1">
-            <a:off x="4896036" y="2384884"/>
+            <a:off x="4247964" y="1160748"/>
             <a:ext cx="684076" cy="180020"/>
           </a:xfrm>
           <a:prstGeom prst="straightConnector1">
@@ -8434,7 +9793,7 @@
         </p:nvCxnSpPr>
         <p:spPr>
           <a:xfrm>
-            <a:off x="4896036" y="2816932"/>
+            <a:off x="4247964" y="1592796"/>
             <a:ext cx="720080" cy="360040"/>
           </a:xfrm>
           <a:prstGeom prst="straightConnector1">
@@ -8470,7 +9829,7 @@
         </p:nvSpPr>
         <p:spPr>
           <a:xfrm>
-            <a:off x="5580112" y="2132856"/>
+            <a:off x="4932040" y="908720"/>
             <a:ext cx="1296144" cy="504056"/>
           </a:xfrm>
           <a:prstGeom prst="rect">
@@ -8531,7 +9890,7 @@
         </p:nvSpPr>
         <p:spPr>
           <a:xfrm>
-            <a:off x="5616116" y="2924944"/>
+            <a:off x="4968044" y="1700808"/>
             <a:ext cx="1296144" cy="504056"/>
           </a:xfrm>
           <a:prstGeom prst="rect">
@@ -8592,7 +9951,7 @@
         </p:nvSpPr>
         <p:spPr>
           <a:xfrm>
-            <a:off x="3635896" y="3068960"/>
+            <a:off x="2987824" y="1844824"/>
             <a:ext cx="1296144" cy="288032"/>
           </a:xfrm>
           <a:prstGeom prst="rect">
@@ -8650,7 +10009,7 @@
         </p:nvSpPr>
         <p:spPr>
           <a:xfrm>
-            <a:off x="3617790" y="1988840"/>
+            <a:off x="2969718" y="764704"/>
             <a:ext cx="1296144" cy="288032"/>
           </a:xfrm>
           <a:prstGeom prst="rect">
@@ -8708,7 +10067,7 @@
         </p:nvSpPr>
         <p:spPr>
           <a:xfrm>
-            <a:off x="6876256" y="1556792"/>
+            <a:off x="6228184" y="332656"/>
             <a:ext cx="1368152" cy="360040"/>
           </a:xfrm>
           <a:prstGeom prst="rect">
@@ -8798,7 +10157,7 @@
         </p:nvSpPr>
         <p:spPr>
           <a:xfrm>
-            <a:off x="6876256" y="3573016"/>
+            <a:off x="6228184" y="2348880"/>
             <a:ext cx="1368152" cy="360040"/>
           </a:xfrm>
           <a:prstGeom prst="rect">
@@ -17778,8 +19137,8 @@
         </p:nvSpPr>
         <p:spPr>
           <a:xfrm>
-            <a:off x="6948264" y="188640"/>
-            <a:ext cx="1944216" cy="369332"/>
+            <a:off x="107504" y="116632"/>
+            <a:ext cx="1763688" cy="369332"/>
           </a:xfrm>
           <a:prstGeom prst="rect">
             <a:avLst/>
@@ -17815,7 +19174,7 @@
           <p:nvPr/>
         </p:nvGraphicFramePr>
         <p:xfrm>
-          <a:off x="1691680" y="4393306"/>
+          <a:off x="1835696" y="4393306"/>
           <a:ext cx="1607840" cy="1290320"/>
         </p:xfrm>
         <a:graphic>
@@ -18077,7 +19436,7 @@
           <p:nvPr/>
         </p:nvGraphicFramePr>
         <p:xfrm>
-          <a:off x="1907704" y="476672"/>
+          <a:off x="2051720" y="476672"/>
           <a:ext cx="3168352" cy="1290320"/>
         </p:xfrm>
         <a:graphic>
@@ -18399,7 +19758,15 @@
                             <a:schemeClr val="tx1"/>
                           </a:solidFill>
                         </a:rPr>
-                        <a:t>():List&lt;</a:t>
+                        <a:t>():</a:t>
+                      </a:r>
+                      <a:r>
+                        <a:rPr lang="en-US" altLang="ko-KR" sz="1000" b="0" dirty="0" smtClean="0">
+                          <a:solidFill>
+                            <a:schemeClr val="tx1"/>
+                          </a:solidFill>
+                        </a:rPr>
+                        <a:t>List&lt;</a:t>
                       </a:r>
                       <a:r>
                         <a:rPr lang="en-US" altLang="ko-KR" sz="1000" b="0" dirty="0" err="1" smtClean="0">
@@ -18407,7 +19774,7 @@
                             <a:schemeClr val="tx1"/>
                           </a:solidFill>
                         </a:rPr>
-                        <a:t>Tuple</a:t>
+                        <a:t>TasklistInfo</a:t>
                       </a:r>
                       <a:r>
                         <a:rPr lang="en-US" altLang="ko-KR" sz="1000" b="0" dirty="0" smtClean="0">
@@ -18415,23 +19782,7 @@
                             <a:schemeClr val="tx1"/>
                           </a:solidFill>
                         </a:rPr>
-                        <a:t>&lt;string, </a:t>
-                      </a:r>
-                      <a:r>
-                        <a:rPr lang="en-US" altLang="ko-KR" sz="1000" b="0" dirty="0" err="1" smtClean="0">
-                          <a:solidFill>
-                            <a:schemeClr val="tx1"/>
-                          </a:solidFill>
-                        </a:rPr>
-                        <a:t>int</a:t>
-                      </a:r>
-                      <a:r>
-                        <a:rPr lang="en-US" altLang="ko-KR" sz="1000" b="0" dirty="0" smtClean="0">
-                          <a:solidFill>
-                            <a:schemeClr val="tx1"/>
-                          </a:solidFill>
-                        </a:rPr>
-                        <a:t>&gt;&gt;</a:t>
+                        <a:t>&gt;</a:t>
                       </a:r>
                       <a:endParaRPr lang="ko-KR" altLang="en-US" sz="1000" b="0" dirty="0">
                         <a:solidFill>
@@ -18494,7 +19845,7 @@
           <p:nvPr/>
         </p:nvGraphicFramePr>
         <p:xfrm>
-          <a:off x="3770858" y="2348880"/>
+          <a:off x="3914874" y="2348880"/>
           <a:ext cx="4329534" cy="1442720"/>
         </p:xfrm>
         <a:graphic>
@@ -18997,7 +20348,7 @@
           <p:nvPr/>
         </p:nvGraphicFramePr>
         <p:xfrm>
-          <a:off x="1106563" y="2348880"/>
+          <a:off x="1250579" y="2348880"/>
           <a:ext cx="2520280" cy="1112520"/>
         </p:xfrm>
         <a:graphic>
@@ -19251,7 +20602,7 @@
           <p:nvPr/>
         </p:nvGraphicFramePr>
         <p:xfrm>
-          <a:off x="3635896" y="4393306"/>
+          <a:off x="3779912" y="4393306"/>
           <a:ext cx="2952328" cy="2077720"/>
         </p:xfrm>
         <a:graphic>
@@ -19753,7 +21104,7 @@
         </p:nvGrpSpPr>
         <p:grpSpPr>
           <a:xfrm>
-            <a:off x="3482826" y="1772816"/>
+            <a:off x="3626842" y="1772816"/>
             <a:ext cx="153069" cy="360040"/>
             <a:chOff x="6048372" y="1052736"/>
             <a:chExt cx="216024" cy="504056"/>
@@ -19849,7 +21200,7 @@
         </p:nvSpPr>
         <p:spPr>
           <a:xfrm>
-            <a:off x="4850979" y="2361831"/>
+            <a:off x="4994995" y="2361831"/>
             <a:ext cx="72008" cy="72008"/>
           </a:xfrm>
           <a:prstGeom prst="rect">
@@ -19893,7 +21244,7 @@
         </p:nvSpPr>
         <p:spPr>
           <a:xfrm>
-            <a:off x="2177630" y="2352778"/>
+            <a:off x="2321646" y="2352778"/>
             <a:ext cx="81061" cy="53902"/>
           </a:xfrm>
           <a:prstGeom prst="rect">
@@ -19940,7 +21291,7 @@
         </p:nvCxnSpPr>
         <p:spPr>
           <a:xfrm rot="16200000" flipH="1">
-            <a:off x="3548045" y="1022893"/>
+            <a:off x="3692061" y="1022893"/>
             <a:ext cx="9053" cy="2668822"/>
           </a:xfrm>
           <a:prstGeom prst="bentConnector3">
@@ -19977,7 +21328,7 @@
         </p:nvCxnSpPr>
         <p:spPr>
           <a:xfrm>
-            <a:off x="4932040" y="3817242"/>
+            <a:off x="5076056" y="3817242"/>
             <a:ext cx="0" cy="576064"/>
           </a:xfrm>
           <a:prstGeom prst="straightConnector1">
@@ -20014,7 +21365,7 @@
         </p:nvCxnSpPr>
         <p:spPr>
           <a:xfrm>
-            <a:off x="2195736" y="3501008"/>
+            <a:off x="2339752" y="3501008"/>
             <a:ext cx="0" cy="892298"/>
           </a:xfrm>
           <a:prstGeom prst="straightConnector1">
@@ -20051,7 +21402,7 @@
         </p:nvCxnSpPr>
         <p:spPr>
           <a:xfrm rot="5400000">
-            <a:off x="3239884" y="3501875"/>
+            <a:off x="3383900" y="3501875"/>
             <a:ext cx="576000" cy="1224136"/>
           </a:xfrm>
           <a:prstGeom prst="bentConnector3">
@@ -20090,7 +21441,7 @@
         </p:nvCxnSpPr>
         <p:spPr>
           <a:xfrm>
-            <a:off x="6588224" y="5013176"/>
+            <a:off x="6732240" y="5013176"/>
             <a:ext cx="360040" cy="0"/>
           </a:xfrm>
           <a:prstGeom prst="straightConnector1">
@@ -20128,7 +21479,7 @@
           <p:nvPr/>
         </p:nvGraphicFramePr>
         <p:xfrm>
-          <a:off x="7020272" y="4068019"/>
+          <a:off x="7164288" y="4068019"/>
           <a:ext cx="1872208" cy="1217617"/>
         </p:xfrm>
         <a:graphic>
@@ -20447,7 +21798,7 @@
           <p:nvPr/>
         </p:nvGraphicFramePr>
         <p:xfrm>
-          <a:off x="7020272" y="5400248"/>
+          <a:off x="7164288" y="5400248"/>
           <a:ext cx="1872208" cy="1341120"/>
         </p:xfrm>
         <a:graphic>
@@ -20808,8 +22159,503 @@
         </p:nvCxnSpPr>
         <p:spPr>
           <a:xfrm>
-            <a:off x="6588224" y="5805264"/>
+            <a:off x="6732240" y="5805264"/>
             <a:ext cx="360040" cy="0"/>
+          </a:xfrm>
+          <a:prstGeom prst="straightConnector1">
+            <a:avLst/>
+          </a:prstGeom>
+          <a:ln w="12700">
+            <a:solidFill>
+              <a:schemeClr val="tx1"/>
+            </a:solidFill>
+            <a:prstDash val="dash"/>
+            <a:tailEnd type="arrow"/>
+          </a:ln>
+        </p:spPr>
+        <p:style>
+          <a:lnRef idx="1">
+            <a:schemeClr val="accent1"/>
+          </a:lnRef>
+          <a:fillRef idx="0">
+            <a:schemeClr val="accent1"/>
+          </a:fillRef>
+          <a:effectRef idx="0">
+            <a:schemeClr val="accent1"/>
+          </a:effectRef>
+          <a:fontRef idx="minor">
+            <a:schemeClr val="tx1"/>
+          </a:fontRef>
+        </p:style>
+      </p:cxnSp>
+      <p:graphicFrame>
+        <p:nvGraphicFramePr>
+          <p:cNvPr id="23" name="표 22"/>
+          <p:cNvGraphicFramePr>
+            <a:graphicFrameLocks noGrp="1"/>
+          </p:cNvGraphicFramePr>
+          <p:nvPr/>
+        </p:nvGraphicFramePr>
+        <p:xfrm>
+          <a:off x="5902828" y="224304"/>
+          <a:ext cx="2952328" cy="1620520"/>
+        </p:xfrm>
+        <a:graphic>
+          <a:graphicData uri="http://schemas.openxmlformats.org/drawingml/2006/table">
+            <a:tbl>
+              <a:tblPr firstRow="1" bandRow="1">
+                <a:tableStyleId>{5C22544A-7EE6-4342-B048-85BDC9FD1C3A}</a:tableStyleId>
+              </a:tblPr>
+              <a:tblGrid>
+                <a:gridCol w="2952328"/>
+              </a:tblGrid>
+              <a:tr h="370840">
+                <a:tc>
+                  <a:txBody>
+                    <a:bodyPr/>
+                    <a:lstStyle/>
+                    <a:p>
+                      <a:pPr algn="ctr" latinLnBrk="1"/>
+                      <a:r>
+                        <a:rPr lang="en-US" altLang="ko-KR" sz="1000" b="1" dirty="0" err="1" smtClean="0">
+                          <a:solidFill>
+                            <a:schemeClr val="tx1"/>
+                          </a:solidFill>
+                        </a:rPr>
+                        <a:t>TasklistInfo</a:t>
+                      </a:r>
+                      <a:endParaRPr lang="ko-KR" altLang="en-US" sz="1000" b="1" dirty="0">
+                        <a:solidFill>
+                          <a:schemeClr val="tx1"/>
+                        </a:solidFill>
+                      </a:endParaRPr>
+                    </a:p>
+                  </a:txBody>
+                  <a:tcPr anchor="ctr">
+                    <a:lnL w="12700" cap="flat" cmpd="sng" algn="ctr">
+                      <a:solidFill>
+                        <a:schemeClr val="tx1"/>
+                      </a:solidFill>
+                      <a:prstDash val="solid"/>
+                      <a:round/>
+                      <a:headEnd type="none" w="med" len="med"/>
+                      <a:tailEnd type="none" w="med" len="med"/>
+                    </a:lnL>
+                    <a:lnR w="12700" cap="flat" cmpd="sng" algn="ctr">
+                      <a:solidFill>
+                        <a:schemeClr val="tx1"/>
+                      </a:solidFill>
+                      <a:prstDash val="solid"/>
+                      <a:round/>
+                      <a:headEnd type="none" w="med" len="med"/>
+                      <a:tailEnd type="none" w="med" len="med"/>
+                    </a:lnR>
+                    <a:lnT w="12700" cap="flat" cmpd="sng" algn="ctr">
+                      <a:solidFill>
+                        <a:schemeClr val="tx1"/>
+                      </a:solidFill>
+                      <a:prstDash val="solid"/>
+                      <a:round/>
+                      <a:headEnd type="none" w="med" len="med"/>
+                      <a:tailEnd type="none" w="med" len="med"/>
+                    </a:lnT>
+                    <a:lnB w="12700" cap="flat" cmpd="sng" algn="ctr">
+                      <a:solidFill>
+                        <a:schemeClr val="tx1"/>
+                      </a:solidFill>
+                      <a:prstDash val="solid"/>
+                      <a:round/>
+                      <a:headEnd type="none" w="med" len="med"/>
+                      <a:tailEnd type="none" w="med" len="med"/>
+                    </a:lnB>
+                    <a:noFill/>
+                  </a:tcPr>
+                </a:tc>
+              </a:tr>
+              <a:tr h="370840">
+                <a:tc>
+                  <a:txBody>
+                    <a:bodyPr/>
+                    <a:lstStyle/>
+                    <a:p>
+                      <a:pPr latinLnBrk="1"/>
+                      <a:r>
+                        <a:rPr lang="en-US" altLang="ko-KR" sz="1000" b="0" dirty="0" smtClean="0">
+                          <a:solidFill>
+                            <a:schemeClr val="tx1"/>
+                          </a:solidFill>
+                        </a:rPr>
+                        <a:t>+</a:t>
+                      </a:r>
+                      <a:r>
+                        <a:rPr lang="en-US" altLang="ko-KR" sz="1000" b="0" dirty="0" err="1" smtClean="0">
+                          <a:solidFill>
+                            <a:schemeClr val="tx1"/>
+                          </a:solidFill>
+                        </a:rPr>
+                        <a:t>Line:string</a:t>
+                      </a:r>
+                      <a:endParaRPr lang="en-US" altLang="ko-KR" sz="1000" b="0" dirty="0" smtClean="0">
+                        <a:solidFill>
+                          <a:schemeClr val="tx1"/>
+                        </a:solidFill>
+                      </a:endParaRPr>
+                    </a:p>
+                    <a:p>
+                      <a:pPr latinLnBrk="1"/>
+                      <a:r>
+                        <a:rPr lang="en-US" altLang="ko-KR" sz="1000" b="0" dirty="0" smtClean="0">
+                          <a:solidFill>
+                            <a:schemeClr val="tx1"/>
+                          </a:solidFill>
+                        </a:rPr>
+                        <a:t>+</a:t>
+                      </a:r>
+                      <a:r>
+                        <a:rPr lang="en-US" altLang="ko-KR" sz="1000" b="0" dirty="0" err="1" smtClean="0">
+                          <a:solidFill>
+                            <a:schemeClr val="tx1"/>
+                          </a:solidFill>
+                        </a:rPr>
+                        <a:t>ProcName:string</a:t>
+                      </a:r>
+                      <a:r>
+                        <a:rPr lang="en-US" altLang="ko-KR" sz="1000" b="0" dirty="0" smtClean="0">
+                          <a:solidFill>
+                            <a:schemeClr val="tx1"/>
+                          </a:solidFill>
+                        </a:rPr>
+                        <a:t/>
+                      </a:r>
+                      <a:br>
+                        <a:rPr lang="en-US" altLang="ko-KR" sz="1000" b="0" dirty="0" smtClean="0">
+                          <a:solidFill>
+                            <a:schemeClr val="tx1"/>
+                          </a:solidFill>
+                        </a:rPr>
+                      </a:br>
+                      <a:r>
+                        <a:rPr lang="en-US" altLang="ko-KR" sz="1000" b="0" dirty="0" smtClean="0">
+                          <a:solidFill>
+                            <a:schemeClr val="tx1"/>
+                          </a:solidFill>
+                        </a:rPr>
+                        <a:t>+</a:t>
+                      </a:r>
+                      <a:r>
+                        <a:rPr lang="en-US" altLang="ko-KR" sz="1000" b="0" dirty="0" err="1" smtClean="0">
+                          <a:solidFill>
+                            <a:schemeClr val="tx1"/>
+                          </a:solidFill>
+                        </a:rPr>
+                        <a:t>MemSize:int</a:t>
+                      </a:r>
+                      <a:r>
+                        <a:rPr lang="en-US" altLang="ko-KR" sz="1000" b="0" dirty="0" smtClean="0">
+                          <a:solidFill>
+                            <a:schemeClr val="tx1"/>
+                          </a:solidFill>
+                        </a:rPr>
+                        <a:t> </a:t>
+                      </a:r>
+                      <a:br>
+                        <a:rPr lang="en-US" altLang="ko-KR" sz="1000" b="0" dirty="0" smtClean="0">
+                          <a:solidFill>
+                            <a:schemeClr val="tx1"/>
+                          </a:solidFill>
+                        </a:rPr>
+                      </a:br>
+                      <a:r>
+                        <a:rPr lang="en-US" altLang="ko-KR" sz="1000" b="0" dirty="0" smtClean="0">
+                          <a:solidFill>
+                            <a:schemeClr val="tx1"/>
+                          </a:solidFill>
+                        </a:rPr>
+                        <a:t>+</a:t>
+                      </a:r>
+                      <a:r>
+                        <a:rPr lang="en-US" altLang="ko-KR" sz="1000" b="0" dirty="0" err="1" smtClean="0">
+                          <a:solidFill>
+                            <a:schemeClr val="tx1"/>
+                          </a:solidFill>
+                        </a:rPr>
+                        <a:t>IsProcessInfo:bool</a:t>
+                      </a:r>
+                      <a:endParaRPr lang="en-US" altLang="ko-KR" sz="1000" b="0" dirty="0" smtClean="0">
+                        <a:solidFill>
+                          <a:schemeClr val="tx1"/>
+                        </a:solidFill>
+                      </a:endParaRPr>
+                    </a:p>
+                  </a:txBody>
+                  <a:tcPr anchor="ctr">
+                    <a:lnL w="12700" cap="flat" cmpd="sng" algn="ctr">
+                      <a:solidFill>
+                        <a:schemeClr val="tx1"/>
+                      </a:solidFill>
+                      <a:prstDash val="solid"/>
+                      <a:round/>
+                      <a:headEnd type="none" w="med" len="med"/>
+                      <a:tailEnd type="none" w="med" len="med"/>
+                    </a:lnL>
+                    <a:lnR w="12700" cap="flat" cmpd="sng" algn="ctr">
+                      <a:solidFill>
+                        <a:schemeClr val="tx1"/>
+                      </a:solidFill>
+                      <a:prstDash val="solid"/>
+                      <a:round/>
+                      <a:headEnd type="none" w="med" len="med"/>
+                      <a:tailEnd type="none" w="med" len="med"/>
+                    </a:lnR>
+                    <a:lnT w="12700" cap="flat" cmpd="sng" algn="ctr">
+                      <a:solidFill>
+                        <a:schemeClr val="tx1"/>
+                      </a:solidFill>
+                      <a:prstDash val="solid"/>
+                      <a:round/>
+                      <a:headEnd type="none" w="med" len="med"/>
+                      <a:tailEnd type="none" w="med" len="med"/>
+                    </a:lnT>
+                    <a:lnB w="12700" cap="flat" cmpd="sng" algn="ctr">
+                      <a:solidFill>
+                        <a:schemeClr val="tx1"/>
+                      </a:solidFill>
+                      <a:prstDash val="solid"/>
+                      <a:round/>
+                      <a:headEnd type="none" w="med" len="med"/>
+                      <a:tailEnd type="none" w="med" len="med"/>
+                    </a:lnB>
+                    <a:noFill/>
+                  </a:tcPr>
+                </a:tc>
+              </a:tr>
+              <a:tr h="370840">
+                <a:tc>
+                  <a:txBody>
+                    <a:bodyPr/>
+                    <a:lstStyle/>
+                    <a:p>
+                      <a:pPr marL="0" marR="0" indent="0" algn="l" defTabSz="914400" rtl="0" eaLnBrk="1" fontAlgn="auto" latinLnBrk="1" hangingPunct="1">
+                        <a:lnSpc>
+                          <a:spcPct val="100000"/>
+                        </a:lnSpc>
+                        <a:spcBef>
+                          <a:spcPts val="0"/>
+                        </a:spcBef>
+                        <a:spcAft>
+                          <a:spcPts val="0"/>
+                        </a:spcAft>
+                        <a:buClrTx/>
+                        <a:buSzTx/>
+                        <a:buFontTx/>
+                        <a:buNone/>
+                        <a:tabLst/>
+                        <a:defRPr/>
+                      </a:pPr>
+                      <a:r>
+                        <a:rPr lang="en-US" altLang="ko-KR" sz="1000" b="0" dirty="0" smtClean="0">
+                          <a:solidFill>
+                            <a:schemeClr val="tx1"/>
+                          </a:solidFill>
+                        </a:rPr>
+                        <a:t>&lt;&lt;create</a:t>
+                      </a:r>
+                      <a:r>
+                        <a:rPr lang="en-US" altLang="ko-KR" sz="1000" b="0" dirty="0" smtClean="0">
+                          <a:solidFill>
+                            <a:schemeClr val="tx1"/>
+                          </a:solidFill>
+                        </a:rPr>
+                        <a:t>&gt;&gt;+</a:t>
+                      </a:r>
+                      <a:r>
+                        <a:rPr lang="en-US" altLang="ko-KR" sz="1000" b="0" dirty="0" err="1" smtClean="0">
+                          <a:solidFill>
+                            <a:schemeClr val="tx1"/>
+                          </a:solidFill>
+                        </a:rPr>
+                        <a:t>TasklistInfo</a:t>
+                      </a:r>
+                      <a:r>
+                        <a:rPr lang="en-US" altLang="ko-KR" sz="1000" b="0" dirty="0" smtClean="0">
+                          <a:solidFill>
+                            <a:schemeClr val="tx1"/>
+                          </a:solidFill>
+                        </a:rPr>
+                        <a:t>()</a:t>
+                      </a:r>
+                    </a:p>
+                    <a:p>
+                      <a:pPr marL="0" marR="0" indent="0" algn="l" defTabSz="914400" rtl="0" eaLnBrk="1" fontAlgn="auto" latinLnBrk="1" hangingPunct="1">
+                        <a:lnSpc>
+                          <a:spcPct val="100000"/>
+                        </a:lnSpc>
+                        <a:spcBef>
+                          <a:spcPts val="0"/>
+                        </a:spcBef>
+                        <a:spcAft>
+                          <a:spcPts val="0"/>
+                        </a:spcAft>
+                        <a:buClrTx/>
+                        <a:buSzTx/>
+                        <a:buFontTx/>
+                        <a:buNone/>
+                        <a:tabLst/>
+                        <a:defRPr/>
+                      </a:pPr>
+                      <a:r>
+                        <a:rPr lang="en-US" altLang="ko-KR" sz="1000" b="0" dirty="0" smtClean="0">
+                          <a:solidFill>
+                            <a:schemeClr val="tx1"/>
+                          </a:solidFill>
+                        </a:rPr>
+                        <a:t>&lt;&lt;create</a:t>
+                      </a:r>
+                      <a:r>
+                        <a:rPr lang="en-US" altLang="ko-KR" sz="1000" b="0" dirty="0" smtClean="0">
+                          <a:solidFill>
+                            <a:schemeClr val="tx1"/>
+                          </a:solidFill>
+                        </a:rPr>
+                        <a:t>&gt;&gt;+</a:t>
+                      </a:r>
+                      <a:r>
+                        <a:rPr lang="en-US" altLang="ko-KR" sz="1000" b="0" dirty="0" err="1" smtClean="0">
+                          <a:solidFill>
+                            <a:schemeClr val="tx1"/>
+                          </a:solidFill>
+                        </a:rPr>
+                        <a:t>TasklistInfo</a:t>
+                      </a:r>
+                      <a:r>
+                        <a:rPr lang="en-US" altLang="ko-KR" sz="1000" b="0" dirty="0" smtClean="0">
+                          <a:solidFill>
+                            <a:schemeClr val="tx1"/>
+                          </a:solidFill>
+                        </a:rPr>
+                        <a:t>(</a:t>
+                      </a:r>
+                      <a:r>
+                        <a:rPr lang="en-US" altLang="ko-KR" sz="1000" b="0" dirty="0" err="1" smtClean="0">
+                          <a:solidFill>
+                            <a:schemeClr val="tx1"/>
+                          </a:solidFill>
+                        </a:rPr>
+                        <a:t>input:string</a:t>
+                      </a:r>
+                      <a:r>
+                        <a:rPr lang="en-US" altLang="ko-KR" sz="1000" b="0" dirty="0" smtClean="0">
+                          <a:solidFill>
+                            <a:schemeClr val="tx1"/>
+                          </a:solidFill>
+                        </a:rPr>
+                        <a:t>)</a:t>
+                      </a:r>
+                    </a:p>
+                    <a:p>
+                      <a:pPr marL="0" marR="0" indent="0" algn="l" defTabSz="914400" rtl="0" eaLnBrk="1" fontAlgn="auto" latinLnBrk="1" hangingPunct="1">
+                        <a:lnSpc>
+                          <a:spcPct val="100000"/>
+                        </a:lnSpc>
+                        <a:spcBef>
+                          <a:spcPts val="0"/>
+                        </a:spcBef>
+                        <a:spcAft>
+                          <a:spcPts val="0"/>
+                        </a:spcAft>
+                        <a:buClrTx/>
+                        <a:buSzTx/>
+                        <a:buFontTx/>
+                        <a:buNone/>
+                        <a:tabLst/>
+                        <a:defRPr/>
+                      </a:pPr>
+                      <a:r>
+                        <a:rPr lang="en-US" altLang="ko-KR" sz="1000" b="0" dirty="0" smtClean="0">
+                          <a:solidFill>
+                            <a:schemeClr val="tx1"/>
+                          </a:solidFill>
+                        </a:rPr>
+                        <a:t>-parsing(</a:t>
+                      </a:r>
+                      <a:r>
+                        <a:rPr lang="en-US" altLang="ko-KR" sz="1000" b="0" dirty="0" err="1" smtClean="0">
+                          <a:solidFill>
+                            <a:schemeClr val="tx1"/>
+                          </a:solidFill>
+                        </a:rPr>
+                        <a:t>input:string</a:t>
+                      </a:r>
+                      <a:r>
+                        <a:rPr lang="en-US" altLang="ko-KR" sz="1000" b="0" dirty="0" smtClean="0">
+                          <a:solidFill>
+                            <a:schemeClr val="tx1"/>
+                          </a:solidFill>
+                        </a:rPr>
+                        <a:t>)</a:t>
+                      </a:r>
+                      <a:endParaRPr lang="ko-KR" altLang="en-US" sz="1000" b="0" dirty="0">
+                        <a:solidFill>
+                          <a:schemeClr val="tx1"/>
+                        </a:solidFill>
+                      </a:endParaRPr>
+                    </a:p>
+                  </a:txBody>
+                  <a:tcPr anchor="ctr">
+                    <a:lnL w="12700" cap="flat" cmpd="sng" algn="ctr">
+                      <a:solidFill>
+                        <a:schemeClr val="tx1"/>
+                      </a:solidFill>
+                      <a:prstDash val="solid"/>
+                      <a:round/>
+                      <a:headEnd type="none" w="med" len="med"/>
+                      <a:tailEnd type="none" w="med" len="med"/>
+                    </a:lnL>
+                    <a:lnR w="12700" cap="flat" cmpd="sng" algn="ctr">
+                      <a:solidFill>
+                        <a:schemeClr val="tx1"/>
+                      </a:solidFill>
+                      <a:prstDash val="solid"/>
+                      <a:round/>
+                      <a:headEnd type="none" w="med" len="med"/>
+                      <a:tailEnd type="none" w="med" len="med"/>
+                    </a:lnR>
+                    <a:lnT w="12700" cap="flat" cmpd="sng" algn="ctr">
+                      <a:solidFill>
+                        <a:schemeClr val="tx1"/>
+                      </a:solidFill>
+                      <a:prstDash val="solid"/>
+                      <a:round/>
+                      <a:headEnd type="none" w="med" len="med"/>
+                      <a:tailEnd type="none" w="med" len="med"/>
+                    </a:lnT>
+                    <a:lnB w="12700" cap="flat" cmpd="sng" algn="ctr">
+                      <a:solidFill>
+                        <a:schemeClr val="tx1"/>
+                      </a:solidFill>
+                      <a:prstDash val="solid"/>
+                      <a:round/>
+                      <a:headEnd type="none" w="med" len="med"/>
+                      <a:tailEnd type="none" w="med" len="med"/>
+                    </a:lnB>
+                    <a:noFill/>
+                  </a:tcPr>
+                </a:tc>
+              </a:tr>
+            </a:tbl>
+          </a:graphicData>
+        </a:graphic>
+      </p:graphicFrame>
+      <p:cxnSp>
+        <p:nvCxnSpPr>
+          <p:cNvPr id="24" name="직선 화살표 연결선 23"/>
+          <p:cNvCxnSpPr/>
+          <p:nvPr/>
+        </p:nvCxnSpPr>
+        <p:spPr>
+          <a:xfrm>
+            <a:off x="5220072" y="1340768"/>
+            <a:ext cx="648072" cy="0"/>
           </a:xfrm>
           <a:prstGeom prst="straightConnector1">
             <a:avLst/>

--- a/Monitoring/fc.pptx
+++ b/Monitoring/fc.pptx
@@ -5,7 +5,7 @@
     <p:sldMasterId id="2147483648" r:id="rId1"/>
   </p:sldMasterIdLst>
   <p:notesMasterIdLst>
-    <p:notesMasterId r:id="rId19"/>
+    <p:notesMasterId r:id="rId18"/>
   </p:notesMasterIdLst>
   <p:sldIdLst>
     <p:sldId id="256" r:id="rId2"/>
@@ -20,11 +20,10 @@
     <p:sldId id="264" r:id="rId11"/>
     <p:sldId id="278" r:id="rId12"/>
     <p:sldId id="268" r:id="rId13"/>
-    <p:sldId id="275" r:id="rId14"/>
-    <p:sldId id="277" r:id="rId15"/>
-    <p:sldId id="276" r:id="rId16"/>
-    <p:sldId id="273" r:id="rId17"/>
-    <p:sldId id="274" r:id="rId18"/>
+    <p:sldId id="277" r:id="rId14"/>
+    <p:sldId id="276" r:id="rId15"/>
+    <p:sldId id="273" r:id="rId16"/>
+    <p:sldId id="274" r:id="rId17"/>
   </p:sldIdLst>
   <p:sldSz cx="9144000" cy="6858000" type="screen4x3"/>
   <p:notesSz cx="6858000" cy="9144000"/>
@@ -648,7 +647,7 @@
             <a:fld id="{A905DA5C-54F7-4290-B29D-BE569DDD52F1}" type="slidenum">
               <a:rPr lang="ko-KR" altLang="en-US" smtClean="0"/>
               <a:pPr/>
-              <a:t>14</a:t>
+              <a:t>13</a:t>
             </a:fld>
             <a:endParaRPr lang="ko-KR" altLang="en-US"/>
           </a:p>
@@ -4985,651 +4984,6 @@
       </p:grpSpPr>
       <p:sp>
         <p:nvSpPr>
-          <p:cNvPr id="5" name="직사각형 4"/>
-          <p:cNvSpPr/>
-          <p:nvPr/>
-        </p:nvSpPr>
-        <p:spPr>
-          <a:xfrm>
-            <a:off x="755576" y="2132856"/>
-            <a:ext cx="1296144" cy="360040"/>
-          </a:xfrm>
-          <a:prstGeom prst="rect">
-            <a:avLst/>
-          </a:prstGeom>
-          <a:noFill/>
-          <a:ln w="19050">
-            <a:solidFill>
-              <a:schemeClr val="accent1"/>
-            </a:solidFill>
-          </a:ln>
-        </p:spPr>
-        <p:style>
-          <a:lnRef idx="2">
-            <a:schemeClr val="accent1">
-              <a:shade val="50000"/>
-            </a:schemeClr>
-          </a:lnRef>
-          <a:fillRef idx="1">
-            <a:schemeClr val="accent1"/>
-          </a:fillRef>
-          <a:effectRef idx="0">
-            <a:schemeClr val="accent1"/>
-          </a:effectRef>
-          <a:fontRef idx="minor">
-            <a:schemeClr val="lt1"/>
-          </a:fontRef>
-        </p:style>
-        <p:txBody>
-          <a:bodyPr rtlCol="0" anchor="ctr"/>
-          <a:lstStyle/>
-          <a:p>
-            <a:pPr algn="ctr"/>
-            <a:r>
-              <a:rPr lang="en-US" altLang="ko-KR" sz="1000" dirty="0" err="1" smtClean="0">
-                <a:solidFill>
-                  <a:schemeClr val="tx1"/>
-                </a:solidFill>
-              </a:rPr>
-              <a:t>Config</a:t>
-            </a:r>
-            <a:r>
-              <a:rPr lang="en-US" altLang="ko-KR" sz="1000" dirty="0" smtClean="0">
-                <a:solidFill>
-                  <a:schemeClr val="tx1"/>
-                </a:solidFill>
-              </a:rPr>
-              <a:t> File </a:t>
-            </a:r>
-            <a:r>
-              <a:rPr lang="ko-KR" altLang="en-US" sz="1000" dirty="0" smtClean="0">
-                <a:solidFill>
-                  <a:schemeClr val="tx1"/>
-                </a:solidFill>
-              </a:rPr>
-              <a:t>입력</a:t>
-            </a:r>
-          </a:p>
-        </p:txBody>
-      </p:sp>
-      <p:sp>
-        <p:nvSpPr>
-          <p:cNvPr id="6" name="직사각형 5"/>
-          <p:cNvSpPr/>
-          <p:nvPr/>
-        </p:nvSpPr>
-        <p:spPr>
-          <a:xfrm>
-            <a:off x="755576" y="1124744"/>
-            <a:ext cx="1296144" cy="360040"/>
-          </a:xfrm>
-          <a:prstGeom prst="rect">
-            <a:avLst/>
-          </a:prstGeom>
-          <a:noFill/>
-          <a:ln w="19050">
-            <a:solidFill>
-              <a:schemeClr val="accent1"/>
-            </a:solidFill>
-          </a:ln>
-        </p:spPr>
-        <p:style>
-          <a:lnRef idx="2">
-            <a:schemeClr val="accent1">
-              <a:shade val="50000"/>
-            </a:schemeClr>
-          </a:lnRef>
-          <a:fillRef idx="1">
-            <a:schemeClr val="accent1"/>
-          </a:fillRef>
-          <a:effectRef idx="0">
-            <a:schemeClr val="accent1"/>
-          </a:effectRef>
-          <a:fontRef idx="minor">
-            <a:schemeClr val="lt1"/>
-          </a:fontRef>
-        </p:style>
-        <p:txBody>
-          <a:bodyPr rtlCol="0" anchor="ctr"/>
-          <a:lstStyle/>
-          <a:p>
-            <a:pPr algn="ctr"/>
-            <a:r>
-              <a:rPr lang="en-US" altLang="ko-KR" sz="1000" dirty="0" smtClean="0">
-                <a:solidFill>
-                  <a:schemeClr val="tx1"/>
-                </a:solidFill>
-              </a:rPr>
-              <a:t>Console </a:t>
-            </a:r>
-            <a:r>
-              <a:rPr lang="ko-KR" altLang="en-US" sz="1000" dirty="0" smtClean="0">
-                <a:solidFill>
-                  <a:schemeClr val="tx1"/>
-                </a:solidFill>
-              </a:rPr>
-              <a:t>입력</a:t>
-            </a:r>
-          </a:p>
-        </p:txBody>
-      </p:sp>
-      <p:cxnSp>
-        <p:nvCxnSpPr>
-          <p:cNvPr id="7" name="직선 화살표 연결선 6"/>
-          <p:cNvCxnSpPr>
-            <a:stCxn id="5" idx="3"/>
-            <a:endCxn id="26" idx="1"/>
-          </p:cNvCxnSpPr>
-          <p:nvPr/>
-        </p:nvCxnSpPr>
-        <p:spPr>
-          <a:xfrm flipV="1">
-            <a:off x="2051720" y="2060848"/>
-            <a:ext cx="648072" cy="252028"/>
-          </a:xfrm>
-          <a:prstGeom prst="straightConnector1">
-            <a:avLst/>
-          </a:prstGeom>
-          <a:ln w="12700">
-            <a:solidFill>
-              <a:schemeClr val="accent1"/>
-            </a:solidFill>
-            <a:tailEnd type="triangle"/>
-          </a:ln>
-        </p:spPr>
-        <p:style>
-          <a:lnRef idx="1">
-            <a:schemeClr val="accent1"/>
-          </a:lnRef>
-          <a:fillRef idx="0">
-            <a:schemeClr val="accent1"/>
-          </a:fillRef>
-          <a:effectRef idx="0">
-            <a:schemeClr val="accent1"/>
-          </a:effectRef>
-          <a:fontRef idx="minor">
-            <a:schemeClr val="tx1"/>
-          </a:fontRef>
-        </p:style>
-      </p:cxnSp>
-      <p:cxnSp>
-        <p:nvCxnSpPr>
-          <p:cNvPr id="12" name="직선 화살표 연결선 11"/>
-          <p:cNvCxnSpPr>
-            <a:stCxn id="25" idx="3"/>
-            <a:endCxn id="21" idx="1"/>
-          </p:cNvCxnSpPr>
-          <p:nvPr/>
-        </p:nvCxnSpPr>
-        <p:spPr>
-          <a:xfrm flipV="1">
-            <a:off x="3995936" y="1268760"/>
-            <a:ext cx="648072" cy="360040"/>
-          </a:xfrm>
-          <a:prstGeom prst="straightConnector1">
-            <a:avLst/>
-          </a:prstGeom>
-          <a:ln w="12700">
-            <a:solidFill>
-              <a:schemeClr val="accent1"/>
-            </a:solidFill>
-            <a:tailEnd type="triangle"/>
-          </a:ln>
-        </p:spPr>
-        <p:style>
-          <a:lnRef idx="1">
-            <a:schemeClr val="accent1"/>
-          </a:lnRef>
-          <a:fillRef idx="0">
-            <a:schemeClr val="accent1"/>
-          </a:fillRef>
-          <a:effectRef idx="0">
-            <a:schemeClr val="accent1"/>
-          </a:effectRef>
-          <a:fontRef idx="minor">
-            <a:schemeClr val="tx1"/>
-          </a:fontRef>
-        </p:style>
-      </p:cxnSp>
-      <p:cxnSp>
-        <p:nvCxnSpPr>
-          <p:cNvPr id="18" name="직선 화살표 연결선 17"/>
-          <p:cNvCxnSpPr>
-            <a:stCxn id="26" idx="3"/>
-            <a:endCxn id="20" idx="1"/>
-          </p:cNvCxnSpPr>
-          <p:nvPr/>
-        </p:nvCxnSpPr>
-        <p:spPr>
-          <a:xfrm>
-            <a:off x="3995936" y="2060848"/>
-            <a:ext cx="648072" cy="252028"/>
-          </a:xfrm>
-          <a:prstGeom prst="straightConnector1">
-            <a:avLst/>
-          </a:prstGeom>
-          <a:ln w="12700">
-            <a:solidFill>
-              <a:schemeClr val="accent1"/>
-            </a:solidFill>
-            <a:tailEnd type="triangle"/>
-          </a:ln>
-        </p:spPr>
-        <p:style>
-          <a:lnRef idx="1">
-            <a:schemeClr val="accent1"/>
-          </a:lnRef>
-          <a:fillRef idx="0">
-            <a:schemeClr val="accent1"/>
-          </a:fillRef>
-          <a:effectRef idx="0">
-            <a:schemeClr val="accent1"/>
-          </a:effectRef>
-          <a:fontRef idx="minor">
-            <a:schemeClr val="tx1"/>
-          </a:fontRef>
-        </p:style>
-      </p:cxnSp>
-      <p:cxnSp>
-        <p:nvCxnSpPr>
-          <p:cNvPr id="19" name="직선 화살표 연결선 18"/>
-          <p:cNvCxnSpPr>
-            <a:stCxn id="6" idx="3"/>
-            <a:endCxn id="25" idx="1"/>
-          </p:cNvCxnSpPr>
-          <p:nvPr/>
-        </p:nvCxnSpPr>
-        <p:spPr>
-          <a:xfrm>
-            <a:off x="2051720" y="1304764"/>
-            <a:ext cx="648072" cy="324036"/>
-          </a:xfrm>
-          <a:prstGeom prst="straightConnector1">
-            <a:avLst/>
-          </a:prstGeom>
-          <a:ln w="12700">
-            <a:solidFill>
-              <a:schemeClr val="accent1"/>
-            </a:solidFill>
-            <a:tailEnd type="triangle"/>
-          </a:ln>
-        </p:spPr>
-        <p:style>
-          <a:lnRef idx="1">
-            <a:schemeClr val="accent1"/>
-          </a:lnRef>
-          <a:fillRef idx="0">
-            <a:schemeClr val="accent1"/>
-          </a:fillRef>
-          <a:effectRef idx="0">
-            <a:schemeClr val="accent1"/>
-          </a:effectRef>
-          <a:fontRef idx="minor">
-            <a:schemeClr val="tx1"/>
-          </a:fontRef>
-        </p:style>
-      </p:cxnSp>
-      <p:sp>
-        <p:nvSpPr>
-          <p:cNvPr id="20" name="직사각형 19"/>
-          <p:cNvSpPr/>
-          <p:nvPr/>
-        </p:nvSpPr>
-        <p:spPr>
-          <a:xfrm>
-            <a:off x="4644008" y="2132856"/>
-            <a:ext cx="1296144" cy="360040"/>
-          </a:xfrm>
-          <a:prstGeom prst="rect">
-            <a:avLst/>
-          </a:prstGeom>
-          <a:noFill/>
-          <a:ln w="19050">
-            <a:solidFill>
-              <a:schemeClr val="accent1"/>
-            </a:solidFill>
-          </a:ln>
-        </p:spPr>
-        <p:style>
-          <a:lnRef idx="2">
-            <a:schemeClr val="accent1">
-              <a:shade val="50000"/>
-            </a:schemeClr>
-          </a:lnRef>
-          <a:fillRef idx="1">
-            <a:schemeClr val="accent1"/>
-          </a:fillRef>
-          <a:effectRef idx="0">
-            <a:schemeClr val="accent1"/>
-          </a:effectRef>
-          <a:fontRef idx="minor">
-            <a:schemeClr val="lt1"/>
-          </a:fontRef>
-        </p:style>
-        <p:txBody>
-          <a:bodyPr rtlCol="0" anchor="ctr"/>
-          <a:lstStyle/>
-          <a:p>
-            <a:pPr algn="ctr"/>
-            <a:r>
-              <a:rPr lang="en-US" altLang="ko-KR" sz="1000" dirty="0" smtClean="0">
-                <a:solidFill>
-                  <a:schemeClr val="tx1"/>
-                </a:solidFill>
-              </a:rPr>
-              <a:t>Result File </a:t>
-            </a:r>
-            <a:r>
-              <a:rPr lang="ko-KR" altLang="en-US" sz="1000" dirty="0" smtClean="0">
-                <a:solidFill>
-                  <a:schemeClr val="tx1"/>
-                </a:solidFill>
-              </a:rPr>
-              <a:t>출력</a:t>
-            </a:r>
-          </a:p>
-        </p:txBody>
-      </p:sp>
-      <p:sp>
-        <p:nvSpPr>
-          <p:cNvPr id="21" name="직사각형 20"/>
-          <p:cNvSpPr/>
-          <p:nvPr/>
-        </p:nvSpPr>
-        <p:spPr>
-          <a:xfrm>
-            <a:off x="4644008" y="1124744"/>
-            <a:ext cx="1296144" cy="288032"/>
-          </a:xfrm>
-          <a:prstGeom prst="rect">
-            <a:avLst/>
-          </a:prstGeom>
-          <a:noFill/>
-          <a:ln w="19050">
-            <a:solidFill>
-              <a:schemeClr val="accent1"/>
-            </a:solidFill>
-          </a:ln>
-        </p:spPr>
-        <p:style>
-          <a:lnRef idx="2">
-            <a:schemeClr val="accent1">
-              <a:shade val="50000"/>
-            </a:schemeClr>
-          </a:lnRef>
-          <a:fillRef idx="1">
-            <a:schemeClr val="accent1"/>
-          </a:fillRef>
-          <a:effectRef idx="0">
-            <a:schemeClr val="accent1"/>
-          </a:effectRef>
-          <a:fontRef idx="minor">
-            <a:schemeClr val="lt1"/>
-          </a:fontRef>
-        </p:style>
-        <p:txBody>
-          <a:bodyPr rtlCol="0" anchor="ctr"/>
-          <a:lstStyle/>
-          <a:p>
-            <a:pPr algn="ctr"/>
-            <a:r>
-              <a:rPr lang="en-US" altLang="ko-KR" sz="1000" dirty="0" smtClean="0">
-                <a:solidFill>
-                  <a:schemeClr val="tx1"/>
-                </a:solidFill>
-              </a:rPr>
-              <a:t>Process File </a:t>
-            </a:r>
-            <a:r>
-              <a:rPr lang="ko-KR" altLang="en-US" sz="1000" dirty="0" smtClean="0">
-                <a:solidFill>
-                  <a:schemeClr val="tx1"/>
-                </a:solidFill>
-              </a:rPr>
-              <a:t>출력</a:t>
-            </a:r>
-          </a:p>
-        </p:txBody>
-      </p:sp>
-      <p:sp>
-        <p:nvSpPr>
-          <p:cNvPr id="25" name="직사각형 24"/>
-          <p:cNvSpPr/>
-          <p:nvPr/>
-        </p:nvSpPr>
-        <p:spPr>
-          <a:xfrm>
-            <a:off x="2699792" y="1484784"/>
-            <a:ext cx="1296144" cy="288032"/>
-          </a:xfrm>
-          <a:prstGeom prst="rect">
-            <a:avLst/>
-          </a:prstGeom>
-          <a:noFill/>
-          <a:ln w="19050">
-            <a:solidFill>
-              <a:schemeClr val="tx1"/>
-            </a:solidFill>
-          </a:ln>
-        </p:spPr>
-        <p:style>
-          <a:lnRef idx="2">
-            <a:schemeClr val="accent1">
-              <a:shade val="50000"/>
-            </a:schemeClr>
-          </a:lnRef>
-          <a:fillRef idx="1">
-            <a:schemeClr val="accent1"/>
-          </a:fillRef>
-          <a:effectRef idx="0">
-            <a:schemeClr val="accent1"/>
-          </a:effectRef>
-          <a:fontRef idx="minor">
-            <a:schemeClr val="lt1"/>
-          </a:fontRef>
-        </p:style>
-        <p:txBody>
-          <a:bodyPr rtlCol="0" anchor="ctr"/>
-          <a:lstStyle/>
-          <a:p>
-            <a:pPr algn="ctr"/>
-            <a:r>
-              <a:rPr lang="en-US" altLang="ko-KR" sz="1000" dirty="0" smtClean="0">
-                <a:solidFill>
-                  <a:schemeClr val="tx1"/>
-                </a:solidFill>
-              </a:rPr>
-              <a:t>Main Logic</a:t>
-            </a:r>
-            <a:endParaRPr lang="ko-KR" altLang="en-US" sz="1000" dirty="0" smtClean="0">
-              <a:solidFill>
-                <a:schemeClr val="tx1"/>
-              </a:solidFill>
-            </a:endParaRPr>
-          </a:p>
-        </p:txBody>
-      </p:sp>
-      <p:sp>
-        <p:nvSpPr>
-          <p:cNvPr id="26" name="직사각형 25"/>
-          <p:cNvSpPr/>
-          <p:nvPr/>
-        </p:nvSpPr>
-        <p:spPr>
-          <a:xfrm>
-            <a:off x="2699792" y="1916832"/>
-            <a:ext cx="1296144" cy="288032"/>
-          </a:xfrm>
-          <a:prstGeom prst="rect">
-            <a:avLst/>
-          </a:prstGeom>
-          <a:noFill/>
-          <a:ln w="19050">
-            <a:solidFill>
-              <a:schemeClr val="tx1"/>
-            </a:solidFill>
-          </a:ln>
-        </p:spPr>
-        <p:style>
-          <a:lnRef idx="2">
-            <a:schemeClr val="accent1">
-              <a:shade val="50000"/>
-            </a:schemeClr>
-          </a:lnRef>
-          <a:fillRef idx="1">
-            <a:schemeClr val="accent1"/>
-          </a:fillRef>
-          <a:effectRef idx="0">
-            <a:schemeClr val="accent1"/>
-          </a:effectRef>
-          <a:fontRef idx="minor">
-            <a:schemeClr val="lt1"/>
-          </a:fontRef>
-        </p:style>
-        <p:txBody>
-          <a:bodyPr rtlCol="0" anchor="ctr"/>
-          <a:lstStyle/>
-          <a:p>
-            <a:pPr algn="ctr"/>
-            <a:r>
-              <a:rPr lang="en-US" altLang="ko-KR" sz="1000" dirty="0" smtClean="0">
-                <a:solidFill>
-                  <a:schemeClr val="tx1"/>
-                </a:solidFill>
-              </a:rPr>
-              <a:t>Thread Logic</a:t>
-            </a:r>
-            <a:endParaRPr lang="ko-KR" altLang="en-US" sz="1000" dirty="0" smtClean="0">
-              <a:solidFill>
-                <a:schemeClr val="tx1"/>
-              </a:solidFill>
-            </a:endParaRPr>
-          </a:p>
-        </p:txBody>
-      </p:sp>
-      <p:sp>
-        <p:nvSpPr>
-          <p:cNvPr id="15" name="TextBox 14"/>
-          <p:cNvSpPr txBox="1"/>
-          <p:nvPr/>
-        </p:nvSpPr>
-        <p:spPr>
-          <a:xfrm>
-            <a:off x="251520" y="188640"/>
-            <a:ext cx="1440160" cy="369332"/>
-          </a:xfrm>
-          <a:prstGeom prst="rect">
-            <a:avLst/>
-          </a:prstGeom>
-          <a:noFill/>
-        </p:spPr>
-        <p:txBody>
-          <a:bodyPr wrap="square" rtlCol="0">
-            <a:spAutoFit/>
-          </a:bodyPr>
-          <a:lstStyle/>
-          <a:p>
-            <a:r>
-              <a:rPr lang="ko-KR" altLang="en-US" dirty="0" smtClean="0"/>
-              <a:t>구조 설계</a:t>
-            </a:r>
-            <a:endParaRPr lang="ko-KR" altLang="en-US" dirty="0"/>
-          </a:p>
-        </p:txBody>
-      </p:sp>
-      <p:sp>
-        <p:nvSpPr>
-          <p:cNvPr id="48" name="직사각형 47"/>
-          <p:cNvSpPr/>
-          <p:nvPr/>
-        </p:nvSpPr>
-        <p:spPr>
-          <a:xfrm>
-            <a:off x="2483768" y="2420888"/>
-            <a:ext cx="864096" cy="576064"/>
-          </a:xfrm>
-          <a:prstGeom prst="rect">
-            <a:avLst/>
-          </a:prstGeom>
-          <a:noFill/>
-          <a:ln w="19050">
-            <a:solidFill>
-              <a:schemeClr val="tx1"/>
-            </a:solidFill>
-          </a:ln>
-        </p:spPr>
-        <p:style>
-          <a:lnRef idx="2">
-            <a:schemeClr val="accent1">
-              <a:shade val="50000"/>
-            </a:schemeClr>
-          </a:lnRef>
-          <a:fillRef idx="1">
-            <a:schemeClr val="accent1"/>
-          </a:fillRef>
-          <a:effectRef idx="0">
-            <a:schemeClr val="accent1"/>
-          </a:effectRef>
-          <a:fontRef idx="minor">
-            <a:schemeClr val="lt1"/>
-          </a:fontRef>
-        </p:style>
-        <p:txBody>
-          <a:bodyPr rtlCol="0" anchor="ctr"/>
-          <a:lstStyle/>
-          <a:p>
-            <a:pPr algn="ctr"/>
-            <a:r>
-              <a:rPr lang="en-US" altLang="ko-KR" sz="1000" dirty="0" err="1" smtClean="0">
-                <a:solidFill>
-                  <a:schemeClr val="tx1"/>
-                </a:solidFill>
-              </a:rPr>
-              <a:t>Config</a:t>
-            </a:r>
-            <a:r>
-              <a:rPr lang="en-US" altLang="ko-KR" sz="1000" dirty="0" smtClean="0">
-                <a:solidFill>
-                  <a:schemeClr val="tx1"/>
-                </a:solidFill>
-              </a:rPr>
-              <a:t> File Read &amp; Make List</a:t>
-            </a:r>
-            <a:endParaRPr lang="ko-KR" altLang="en-US" sz="1000" dirty="0" smtClean="0">
-              <a:solidFill>
-                <a:schemeClr val="tx1"/>
-              </a:solidFill>
-            </a:endParaRPr>
-          </a:p>
-        </p:txBody>
-      </p:sp>
-    </p:spTree>
-  </p:cSld>
-  <p:clrMapOvr>
-    <a:masterClrMapping/>
-  </p:clrMapOvr>
-</p:sld>
-</file>
-
-<file path=ppt/slides/slide14.xml><?xml version="1.0" encoding="utf-8"?>
-<p:sld xmlns:a="http://schemas.openxmlformats.org/drawingml/2006/main" xmlns:r="http://schemas.openxmlformats.org/officeDocument/2006/relationships" xmlns:p="http://schemas.openxmlformats.org/presentationml/2006/main">
-  <p:cSld>
-    <p:spTree>
-      <p:nvGrpSpPr>
-        <p:cNvPr id="1" name=""/>
-        <p:cNvGrpSpPr/>
-        <p:nvPr/>
-      </p:nvGrpSpPr>
-      <p:grpSpPr>
-        <a:xfrm>
-          <a:off x="0" y="0"/>
-          <a:ext cx="0" cy="0"/>
-          <a:chOff x="0" y="0"/>
-          <a:chExt cx="0" cy="0"/>
-        </a:xfrm>
-      </p:grpSpPr>
-      <p:sp>
-        <p:nvSpPr>
           <p:cNvPr id="4" name="직사각형 3"/>
           <p:cNvSpPr/>
           <p:nvPr/>
@@ -6809,7 +6163,7 @@
 </p:sld>
 </file>
 
-<file path=ppt/slides/slide15.xml><?xml version="1.0" encoding="utf-8"?>
+<file path=ppt/slides/slide14.xml><?xml version="1.0" encoding="utf-8"?>
 <p:sld xmlns:a="http://schemas.openxmlformats.org/drawingml/2006/main" xmlns:r="http://schemas.openxmlformats.org/officeDocument/2006/relationships" xmlns:p="http://schemas.openxmlformats.org/presentationml/2006/main">
   <p:cSld>
     <p:spTree>
@@ -7396,7 +6750,7 @@
 </p:sld>
 </file>
 
-<file path=ppt/slides/slide16.xml><?xml version="1.0" encoding="utf-8"?>
+<file path=ppt/slides/slide15.xml><?xml version="1.0" encoding="utf-8"?>
 <p:sld xmlns:a="http://schemas.openxmlformats.org/drawingml/2006/main" xmlns:r="http://schemas.openxmlformats.org/officeDocument/2006/relationships" xmlns:p="http://schemas.openxmlformats.org/presentationml/2006/main">
   <p:cSld>
     <p:spTree>
@@ -8344,7 +7698,7 @@
 </p:sld>
 </file>
 
-<file path=ppt/slides/slide17.xml><?xml version="1.0" encoding="utf-8"?>
+<file path=ppt/slides/slide16.xml><?xml version="1.0" encoding="utf-8"?>
 <p:sld xmlns:a="http://schemas.openxmlformats.org/drawingml/2006/main" xmlns:r="http://schemas.openxmlformats.org/officeDocument/2006/relationships" xmlns:p="http://schemas.openxmlformats.org/presentationml/2006/main">
   <p:cSld>
     <p:spTree>
@@ -9494,7 +8848,7 @@
         </p:nvSpPr>
         <p:spPr>
           <a:xfrm>
-            <a:off x="899592" y="836712"/>
+            <a:off x="899592" y="1556792"/>
             <a:ext cx="1296144" cy="504056"/>
           </a:xfrm>
           <a:prstGeom prst="rect">
@@ -9563,7 +8917,7 @@
         </p:nvSpPr>
         <p:spPr>
           <a:xfrm>
-            <a:off x="935596" y="1628800"/>
+            <a:off x="935596" y="2348880"/>
             <a:ext cx="1296144" cy="504056"/>
           </a:xfrm>
           <a:prstGeom prst="rect">
@@ -9626,7 +8980,7 @@
         </p:nvCxnSpPr>
         <p:spPr>
           <a:xfrm>
-            <a:off x="2195736" y="1088740"/>
+            <a:off x="2195736" y="1808820"/>
             <a:ext cx="756084" cy="180020"/>
           </a:xfrm>
           <a:prstGeom prst="straightConnector1">
@@ -9664,7 +9018,7 @@
         </p:nvCxnSpPr>
         <p:spPr>
           <a:xfrm flipV="1">
-            <a:off x="2231740" y="1628800"/>
+            <a:off x="2231740" y="2348880"/>
             <a:ext cx="720080" cy="252028"/>
           </a:xfrm>
           <a:prstGeom prst="straightConnector1">
@@ -9700,7 +9054,7 @@
         </p:nvSpPr>
         <p:spPr>
           <a:xfrm>
-            <a:off x="2951820" y="1196752"/>
+            <a:off x="2951820" y="1916832"/>
             <a:ext cx="1296144" cy="504056"/>
           </a:xfrm>
           <a:prstGeom prst="rect">
@@ -9755,7 +9109,7 @@
         </p:nvCxnSpPr>
         <p:spPr>
           <a:xfrm flipV="1">
-            <a:off x="4247964" y="1160748"/>
+            <a:off x="4247964" y="1880828"/>
             <a:ext cx="684076" cy="180020"/>
           </a:xfrm>
           <a:prstGeom prst="straightConnector1">
@@ -9793,7 +9147,7 @@
         </p:nvCxnSpPr>
         <p:spPr>
           <a:xfrm>
-            <a:off x="4247964" y="1592796"/>
+            <a:off x="4247964" y="2312876"/>
             <a:ext cx="720080" cy="360040"/>
           </a:xfrm>
           <a:prstGeom prst="straightConnector1">
@@ -9829,7 +9183,7 @@
         </p:nvSpPr>
         <p:spPr>
           <a:xfrm>
-            <a:off x="4932040" y="908720"/>
+            <a:off x="4932040" y="1628800"/>
             <a:ext cx="1296144" cy="504056"/>
           </a:xfrm>
           <a:prstGeom prst="rect">
@@ -9890,7 +9244,7 @@
         </p:nvSpPr>
         <p:spPr>
           <a:xfrm>
-            <a:off x="4968044" y="1700808"/>
+            <a:off x="4968044" y="2420888"/>
             <a:ext cx="1296144" cy="504056"/>
           </a:xfrm>
           <a:prstGeom prst="rect">
@@ -9951,7 +9305,7 @@
         </p:nvSpPr>
         <p:spPr>
           <a:xfrm>
-            <a:off x="2987824" y="1844824"/>
+            <a:off x="2987824" y="2564904"/>
             <a:ext cx="1296144" cy="288032"/>
           </a:xfrm>
           <a:prstGeom prst="rect">
@@ -10009,7 +9363,7 @@
         </p:nvSpPr>
         <p:spPr>
           <a:xfrm>
-            <a:off x="2969718" y="764704"/>
+            <a:off x="2969718" y="1484784"/>
             <a:ext cx="1296144" cy="288032"/>
           </a:xfrm>
           <a:prstGeom prst="rect">
@@ -10067,7 +9421,7 @@
         </p:nvSpPr>
         <p:spPr>
           <a:xfrm>
-            <a:off x="6228184" y="332656"/>
+            <a:off x="6444208" y="1988840"/>
             <a:ext cx="1368152" cy="360040"/>
           </a:xfrm>
           <a:prstGeom prst="rect">
@@ -10151,14 +9505,44 @@
       </p:sp>
       <p:sp>
         <p:nvSpPr>
-          <p:cNvPr id="28" name="직사각형 27"/>
+          <p:cNvPr id="35" name="TextBox 34"/>
+          <p:cNvSpPr txBox="1"/>
+          <p:nvPr/>
+        </p:nvSpPr>
+        <p:spPr>
+          <a:xfrm>
+            <a:off x="251520" y="188640"/>
+            <a:ext cx="1440160" cy="369332"/>
+          </a:xfrm>
+          <a:prstGeom prst="rect">
+            <a:avLst/>
+          </a:prstGeom>
+          <a:noFill/>
+        </p:spPr>
+        <p:txBody>
+          <a:bodyPr wrap="square" rtlCol="0">
+            <a:spAutoFit/>
+          </a:bodyPr>
+          <a:lstStyle/>
+          <a:p>
+            <a:r>
+              <a:rPr lang="ko-KR" altLang="en-US" dirty="0" smtClean="0"/>
+              <a:t>구조 설계</a:t>
+            </a:r>
+            <a:endParaRPr lang="ko-KR" altLang="en-US" dirty="0"/>
+          </a:p>
+        </p:txBody>
+      </p:sp>
+      <p:sp>
+        <p:nvSpPr>
+          <p:cNvPr id="36" name="직사각형 35"/>
           <p:cNvSpPr/>
           <p:nvPr/>
         </p:nvSpPr>
         <p:spPr>
           <a:xfrm>
-            <a:off x="6228184" y="2348880"/>
-            <a:ext cx="1368152" cy="360040"/>
+            <a:off x="1763688" y="1124744"/>
+            <a:ext cx="1008112" cy="360040"/>
           </a:xfrm>
           <a:prstGeom prst="rect">
             <a:avLst/>
@@ -10192,12 +9576,20 @@
           <a:p>
             <a:pPr algn="ctr"/>
             <a:r>
+              <a:rPr lang="en-US" altLang="ko-KR" sz="1000" err="1" smtClean="0">
+                <a:solidFill>
+                  <a:schemeClr val="tx1"/>
+                </a:solidFill>
+              </a:rPr>
+              <a:t>Config</a:t>
+            </a:r>
+            <a:r>
               <a:rPr lang="en-US" altLang="ko-KR" sz="1000" dirty="0" smtClean="0">
                 <a:solidFill>
                   <a:schemeClr val="tx1"/>
                 </a:solidFill>
               </a:rPr>
-              <a:t>File</a:t>
+              <a:t> </a:t>
             </a:r>
             <a:r>
               <a:rPr lang="ko-KR" altLang="en-US" sz="1000" dirty="0" smtClean="0">
@@ -10205,7 +9597,65 @@
                   <a:schemeClr val="tx1"/>
                 </a:solidFill>
               </a:rPr>
-              <a:t>은 </a:t>
+              <a:t>관리</a:t>
+            </a:r>
+            <a:endParaRPr lang="ko-KR" altLang="en-US" sz="1000" dirty="0" smtClean="0">
+              <a:solidFill>
+                <a:schemeClr val="tx1"/>
+              </a:solidFill>
+            </a:endParaRPr>
+          </a:p>
+        </p:txBody>
+      </p:sp>
+      <p:sp>
+        <p:nvSpPr>
+          <p:cNvPr id="37" name="직사각형 36"/>
+          <p:cNvSpPr/>
+          <p:nvPr/>
+        </p:nvSpPr>
+        <p:spPr>
+          <a:xfrm>
+            <a:off x="1763688" y="2924944"/>
+            <a:ext cx="1008112" cy="360040"/>
+          </a:xfrm>
+          <a:prstGeom prst="rect">
+            <a:avLst/>
+          </a:prstGeom>
+          <a:noFill/>
+          <a:ln w="19050">
+            <a:solidFill>
+              <a:schemeClr val="tx1"/>
+            </a:solidFill>
+          </a:ln>
+        </p:spPr>
+        <p:style>
+          <a:lnRef idx="2">
+            <a:schemeClr val="accent1">
+              <a:shade val="50000"/>
+            </a:schemeClr>
+          </a:lnRef>
+          <a:fillRef idx="1">
+            <a:schemeClr val="accent1"/>
+          </a:fillRef>
+          <a:effectRef idx="0">
+            <a:schemeClr val="accent1"/>
+          </a:effectRef>
+          <a:fontRef idx="minor">
+            <a:schemeClr val="lt1"/>
+          </a:fontRef>
+        </p:style>
+        <p:txBody>
+          <a:bodyPr rtlCol="0" anchor="ctr"/>
+          <a:lstStyle/>
+          <a:p>
+            <a:pPr algn="ctr"/>
+            <a:r>
+              <a:rPr lang="en-US" altLang="ko-KR" sz="1000" dirty="0" err="1" smtClean="0">
+                <a:solidFill>
+                  <a:schemeClr val="tx1"/>
+                </a:solidFill>
+              </a:rPr>
+              <a:t>Tasklist</a:t>
             </a:r>
             <a:r>
               <a:rPr lang="en-US" altLang="ko-KR" sz="1000" dirty="0" smtClean="0">
@@ -10213,7 +9663,7 @@
                   <a:schemeClr val="tx1"/>
                 </a:solidFill>
               </a:rPr>
-              <a:t>Append</a:t>
+              <a:t> </a:t>
             </a:r>
             <a:r>
               <a:rPr lang="ko-KR" altLang="en-US" sz="1000" dirty="0" smtClean="0">
@@ -10221,15 +9671,7 @@
                   <a:schemeClr val="tx1"/>
                 </a:solidFill>
               </a:rPr>
-              <a:t>로 </a:t>
-            </a:r>
-            <a:r>
-              <a:rPr lang="en-US" altLang="ko-KR" sz="1000" dirty="0" smtClean="0">
-                <a:solidFill>
-                  <a:schemeClr val="tx1"/>
-                </a:solidFill>
-              </a:rPr>
-              <a:t>Write</a:t>
+              <a:t>관리</a:t>
             </a:r>
             <a:endParaRPr lang="ko-KR" altLang="en-US" sz="1000" dirty="0" smtClean="0">
               <a:solidFill>

--- a/Monitoring/fc.pptx
+++ b/Monitoring/fc.pptx
@@ -208,7 +208,7 @@
             <a:fld id="{02BFE607-7FE7-4F97-B30B-18108EB05645}" type="datetimeFigureOut">
               <a:rPr lang="ko-KR" altLang="en-US" smtClean="0"/>
               <a:pPr/>
-              <a:t>2018-12-24</a:t>
+              <a:t>2018-12-25</a:t>
             </a:fld>
             <a:endParaRPr lang="ko-KR" altLang="en-US"/>
           </a:p>
@@ -843,7 +843,7 @@
             <a:fld id="{DB92F9D2-B3E8-489E-A18D-502878B5220E}" type="datetimeFigureOut">
               <a:rPr lang="ko-KR" altLang="en-US" smtClean="0"/>
               <a:pPr/>
-              <a:t>2018-12-24</a:t>
+              <a:t>2018-12-25</a:t>
             </a:fld>
             <a:endParaRPr lang="ko-KR" altLang="en-US"/>
           </a:p>
@@ -1010,7 +1010,7 @@
             <a:fld id="{DB92F9D2-B3E8-489E-A18D-502878B5220E}" type="datetimeFigureOut">
               <a:rPr lang="ko-KR" altLang="en-US" smtClean="0"/>
               <a:pPr/>
-              <a:t>2018-12-24</a:t>
+              <a:t>2018-12-25</a:t>
             </a:fld>
             <a:endParaRPr lang="ko-KR" altLang="en-US"/>
           </a:p>
@@ -1187,7 +1187,7 @@
             <a:fld id="{DB92F9D2-B3E8-489E-A18D-502878B5220E}" type="datetimeFigureOut">
               <a:rPr lang="ko-KR" altLang="en-US" smtClean="0"/>
               <a:pPr/>
-              <a:t>2018-12-24</a:t>
+              <a:t>2018-12-25</a:t>
             </a:fld>
             <a:endParaRPr lang="ko-KR" altLang="en-US"/>
           </a:p>
@@ -1354,7 +1354,7 @@
             <a:fld id="{DB92F9D2-B3E8-489E-A18D-502878B5220E}" type="datetimeFigureOut">
               <a:rPr lang="ko-KR" altLang="en-US" smtClean="0"/>
               <a:pPr/>
-              <a:t>2018-12-24</a:t>
+              <a:t>2018-12-25</a:t>
             </a:fld>
             <a:endParaRPr lang="ko-KR" altLang="en-US"/>
           </a:p>
@@ -1597,7 +1597,7 @@
             <a:fld id="{DB92F9D2-B3E8-489E-A18D-502878B5220E}" type="datetimeFigureOut">
               <a:rPr lang="ko-KR" altLang="en-US" smtClean="0"/>
               <a:pPr/>
-              <a:t>2018-12-24</a:t>
+              <a:t>2018-12-25</a:t>
             </a:fld>
             <a:endParaRPr lang="ko-KR" altLang="en-US"/>
           </a:p>
@@ -1882,7 +1882,7 @@
             <a:fld id="{DB92F9D2-B3E8-489E-A18D-502878B5220E}" type="datetimeFigureOut">
               <a:rPr lang="ko-KR" altLang="en-US" smtClean="0"/>
               <a:pPr/>
-              <a:t>2018-12-24</a:t>
+              <a:t>2018-12-25</a:t>
             </a:fld>
             <a:endParaRPr lang="ko-KR" altLang="en-US"/>
           </a:p>
@@ -2301,7 +2301,7 @@
             <a:fld id="{DB92F9D2-B3E8-489E-A18D-502878B5220E}" type="datetimeFigureOut">
               <a:rPr lang="ko-KR" altLang="en-US" smtClean="0"/>
               <a:pPr/>
-              <a:t>2018-12-24</a:t>
+              <a:t>2018-12-25</a:t>
             </a:fld>
             <a:endParaRPr lang="ko-KR" altLang="en-US"/>
           </a:p>
@@ -2416,7 +2416,7 @@
             <a:fld id="{DB92F9D2-B3E8-489E-A18D-502878B5220E}" type="datetimeFigureOut">
               <a:rPr lang="ko-KR" altLang="en-US" smtClean="0"/>
               <a:pPr/>
-              <a:t>2018-12-24</a:t>
+              <a:t>2018-12-25</a:t>
             </a:fld>
             <a:endParaRPr lang="ko-KR" altLang="en-US"/>
           </a:p>
@@ -2508,7 +2508,7 @@
             <a:fld id="{DB92F9D2-B3E8-489E-A18D-502878B5220E}" type="datetimeFigureOut">
               <a:rPr lang="ko-KR" altLang="en-US" smtClean="0"/>
               <a:pPr/>
-              <a:t>2018-12-24</a:t>
+              <a:t>2018-12-25</a:t>
             </a:fld>
             <a:endParaRPr lang="ko-KR" altLang="en-US"/>
           </a:p>
@@ -2782,7 +2782,7 @@
             <a:fld id="{DB92F9D2-B3E8-489E-A18D-502878B5220E}" type="datetimeFigureOut">
               <a:rPr lang="ko-KR" altLang="en-US" smtClean="0"/>
               <a:pPr/>
-              <a:t>2018-12-24</a:t>
+              <a:t>2018-12-25</a:t>
             </a:fld>
             <a:endParaRPr lang="ko-KR" altLang="en-US"/>
           </a:p>
@@ -3032,7 +3032,7 @@
             <a:fld id="{DB92F9D2-B3E8-489E-A18D-502878B5220E}" type="datetimeFigureOut">
               <a:rPr lang="ko-KR" altLang="en-US" smtClean="0"/>
               <a:pPr/>
-              <a:t>2018-12-24</a:t>
+              <a:t>2018-12-25</a:t>
             </a:fld>
             <a:endParaRPr lang="ko-KR" altLang="en-US"/>
           </a:p>
@@ -3242,7 +3242,7 @@
             <a:fld id="{DB92F9D2-B3E8-489E-A18D-502878B5220E}" type="datetimeFigureOut">
               <a:rPr lang="ko-KR" altLang="en-US" smtClean="0"/>
               <a:pPr/>
-              <a:t>2018-12-24</a:t>
+              <a:t>2018-12-25</a:t>
             </a:fld>
             <a:endParaRPr lang="ko-KR" altLang="en-US"/>
           </a:p>
@@ -4208,11 +4208,7 @@
             </a:r>
             <a:r>
               <a:rPr lang="en-US" altLang="ko-KR" sz="1000" dirty="0" smtClean="0"/>
-              <a:t> </a:t>
-            </a:r>
-            <a:r>
-              <a:rPr lang="en-US" altLang="ko-KR" sz="1000" dirty="0" smtClean="0"/>
-              <a:t>Class</a:t>
+              <a:t> Class</a:t>
             </a:r>
             <a:r>
               <a:rPr lang="ko-KR" altLang="en-US" sz="1000" dirty="0" smtClean="0"/>
@@ -4223,11 +4219,7 @@
             </a:br>
             <a:r>
               <a:rPr lang="ko-KR" altLang="en-US" sz="1000" dirty="0" smtClean="0"/>
-              <a:t> </a:t>
-            </a:r>
-            <a:r>
-              <a:rPr lang="ko-KR" altLang="en-US" sz="1000" dirty="0" smtClean="0"/>
-              <a:t> </a:t>
+              <a:t>  </a:t>
             </a:r>
             <a:r>
               <a:rPr lang="en-US" altLang="ko-KR" sz="1000" dirty="0" smtClean="0"/>
@@ -4250,11 +4242,7 @@
             </a:br>
             <a:r>
               <a:rPr lang="ko-KR" altLang="en-US" sz="1000" dirty="0" smtClean="0"/>
-              <a:t> </a:t>
-            </a:r>
-            <a:r>
-              <a:rPr lang="ko-KR" altLang="en-US" sz="1000" dirty="0" smtClean="0"/>
-              <a:t> </a:t>
+              <a:t>  </a:t>
             </a:r>
             <a:r>
               <a:rPr lang="en-US" altLang="ko-KR" sz="1000" dirty="0" smtClean="0"/>
@@ -4262,11 +4250,7 @@
             </a:r>
             <a:r>
               <a:rPr lang="ko-KR" altLang="en-US" sz="1000" dirty="0" smtClean="0"/>
-              <a:t>파일 </a:t>
-            </a:r>
-            <a:r>
-              <a:rPr lang="ko-KR" altLang="en-US" sz="1000" dirty="0" smtClean="0"/>
-              <a:t>크기</a:t>
+              <a:t>파일 크기</a:t>
             </a:r>
             <a:endParaRPr lang="en-US" altLang="ko-KR" sz="1000" dirty="0" smtClean="0"/>
           </a:p>
@@ -4990,8 +4974,8 @@
         </p:nvSpPr>
         <p:spPr>
           <a:xfrm>
-            <a:off x="251520" y="620688"/>
-            <a:ext cx="8640960" cy="6247864"/>
+            <a:off x="251520" y="548680"/>
+            <a:ext cx="8640960" cy="6401753"/>
           </a:xfrm>
           <a:prstGeom prst="rect">
             <a:avLst/>
@@ -5070,6 +5054,37 @@
             </a:br>
             <a:r>
               <a:rPr lang="en-US" altLang="ko-KR" sz="1000" dirty="0" smtClean="0"/>
+              <a:t>  - </a:t>
+            </a:r>
+            <a:r>
+              <a:rPr lang="ko-KR" altLang="en-US" sz="1000" dirty="0" smtClean="0"/>
+              <a:t>입력</a:t>
+            </a:r>
+            <a:r>
+              <a:rPr lang="en-US" altLang="ko-KR" sz="1000" dirty="0" smtClean="0"/>
+              <a:t> </a:t>
+            </a:r>
+            <a:r>
+              <a:rPr lang="ko-KR" altLang="en-US" sz="1000" dirty="0" smtClean="0"/>
+              <a:t>받은 후 숫자인지 확인하는 </a:t>
+            </a:r>
+            <a:r>
+              <a:rPr lang="en-US" altLang="ko-KR" sz="1000" dirty="0" smtClean="0"/>
+              <a:t>Validation </a:t>
+            </a:r>
+            <a:r>
+              <a:rPr lang="ko-KR" altLang="en-US" sz="1000" dirty="0" smtClean="0"/>
+              <a:t>코드 적용</a:t>
+            </a:r>
+            <a:r>
+              <a:rPr lang="en-US" altLang="ko-KR" sz="1000" dirty="0" smtClean="0"/>
+              <a:t>.</a:t>
+            </a:r>
+            <a:br>
+              <a:rPr lang="en-US" altLang="ko-KR" sz="1000" dirty="0" smtClean="0"/>
+            </a:br>
+            <a:r>
+              <a:rPr lang="en-US" altLang="ko-KR" sz="1000" dirty="0" smtClean="0"/>
               <a:t> 2) </a:t>
             </a:r>
             <a:r>
@@ -5132,11 +5147,7 @@
             </a:br>
             <a:r>
               <a:rPr lang="en-US" altLang="ko-KR" sz="1000" dirty="0" smtClean="0"/>
-              <a:t>  </a:t>
-            </a:r>
-            <a:r>
-              <a:rPr lang="en-US" altLang="ko-KR" sz="1000" dirty="0" smtClean="0"/>
-              <a:t>- </a:t>
+              <a:t>  - </a:t>
             </a:r>
             <a:r>
               <a:rPr lang="ko-KR" altLang="en-US" sz="1000" dirty="0" smtClean="0"/>
@@ -5185,11 +5196,7 @@
           <a:p>
             <a:r>
               <a:rPr lang="en-US" altLang="ko-KR" sz="1000" dirty="0" smtClean="0"/>
-              <a:t> </a:t>
-            </a:r>
-            <a:r>
-              <a:rPr lang="en-US" altLang="ko-KR" sz="1000" dirty="0" smtClean="0"/>
-              <a:t> - </a:t>
+              <a:t>  - </a:t>
             </a:r>
             <a:r>
               <a:rPr lang="ko-KR" altLang="en-US" sz="1000" dirty="0" smtClean="0"/>
@@ -5205,11 +5212,7 @@
             </a:r>
             <a:r>
               <a:rPr lang="en-US" altLang="ko-KR" sz="1000" dirty="0" smtClean="0"/>
-              <a:t>static </a:t>
-            </a:r>
-            <a:r>
-              <a:rPr lang="en-US" altLang="ko-KR" sz="1000" dirty="0" smtClean="0"/>
-              <a:t>class</a:t>
+              <a:t>static class</a:t>
             </a:r>
             <a:r>
               <a:rPr lang="ko-KR" altLang="en-US" sz="1000" dirty="0" smtClean="0"/>
@@ -5309,11 +5312,7 @@
           <a:p>
             <a:r>
               <a:rPr lang="en-US" altLang="ko-KR" sz="1000" dirty="0" smtClean="0"/>
-              <a:t>  - </a:t>
-            </a:r>
-            <a:r>
-              <a:rPr lang="en-US" altLang="ko-KR" sz="1000" dirty="0" smtClean="0"/>
-              <a:t>LOG</a:t>
+              <a:t>  - LOG</a:t>
             </a:r>
             <a:r>
               <a:rPr lang="ko-KR" altLang="en-US" sz="1000" dirty="0" smtClean="0"/>
@@ -5325,11 +5324,7 @@
             </a:r>
             <a:r>
               <a:rPr lang="ko-KR" altLang="en-US" sz="1000" dirty="0" smtClean="0"/>
-              <a:t>이 발생한 시각을 같이 출력해 주어야 </a:t>
-            </a:r>
-            <a:r>
-              <a:rPr lang="ko-KR" altLang="en-US" sz="1000" dirty="0" smtClean="0"/>
-              <a:t>함 </a:t>
+              <a:t>이 발생한 시각을 같이 출력해 주어야 함 </a:t>
             </a:r>
             <a:r>
               <a:rPr lang="en-US" altLang="ko-KR" sz="1000" dirty="0" smtClean="0"/>
@@ -5435,11 +5430,7 @@
           <a:p>
             <a:r>
               <a:rPr lang="en-US" altLang="ko-KR" sz="1000" dirty="0" smtClean="0"/>
-              <a:t> </a:t>
-            </a:r>
-            <a:r>
-              <a:rPr lang="en-US" altLang="ko-KR" sz="1000" dirty="0" smtClean="0"/>
-              <a:t>2) </a:t>
+              <a:t> 2) </a:t>
             </a:r>
             <a:r>
               <a:rPr lang="en-US" altLang="ko-KR" sz="1000" dirty="0" err="1" smtClean="0"/>
@@ -5462,35 +5453,133 @@
             </a:br>
             <a:r>
               <a:rPr lang="en-US" altLang="ko-KR" sz="1000" dirty="0" smtClean="0"/>
+              <a:t>   - File, Proc</a:t>
+            </a:r>
+            <a:r>
+              <a:rPr lang="ko-KR" altLang="en-US" sz="1000" dirty="0" smtClean="0"/>
+              <a:t>외에 추가로 </a:t>
+            </a:r>
+            <a:r>
+              <a:rPr lang="en-US" altLang="ko-KR" sz="1000" dirty="0" smtClean="0"/>
+              <a:t>Monitoring</a:t>
+            </a:r>
+            <a:r>
+              <a:rPr lang="ko-KR" altLang="en-US" sz="1000" dirty="0" smtClean="0"/>
+              <a:t>할 수 있는 </a:t>
+            </a:r>
+            <a:r>
+              <a:rPr lang="en-US" altLang="ko-KR" sz="1000" dirty="0" smtClean="0"/>
+              <a:t>Type</a:t>
+            </a:r>
+            <a:r>
+              <a:rPr lang="ko-KR" altLang="en-US" sz="1000" dirty="0" smtClean="0"/>
+              <a:t>을 쉽게 추가할 수 있게 구성</a:t>
+            </a:r>
+            <a:r>
+              <a:rPr lang="en-US" altLang="ko-KR" sz="1000" dirty="0" smtClean="0"/>
+              <a:t/>
+            </a:r>
+            <a:br>
+              <a:rPr lang="en-US" altLang="ko-KR" sz="1000" dirty="0" smtClean="0"/>
+            </a:br>
+            <a:r>
+              <a:rPr lang="en-US" altLang="ko-KR" sz="1000" dirty="0" smtClean="0"/>
+              <a:t>     ex) System Memory </a:t>
+            </a:r>
+            <a:r>
+              <a:rPr lang="ko-KR" altLang="en-US" sz="1000" dirty="0" smtClean="0"/>
+              <a:t>사용량</a:t>
+            </a:r>
+            <a:r>
+              <a:rPr lang="en-US" altLang="ko-KR" sz="1000" dirty="0" smtClean="0"/>
+              <a:t>, Disk </a:t>
+            </a:r>
+            <a:r>
+              <a:rPr lang="ko-KR" altLang="en-US" sz="1000" dirty="0" smtClean="0"/>
+              <a:t>사용량</a:t>
+            </a:r>
+            <a:r>
+              <a:rPr lang="en-US" altLang="ko-KR" sz="1000" dirty="0" smtClean="0"/>
+              <a:t>, CPU </a:t>
+            </a:r>
+            <a:r>
+              <a:rPr lang="ko-KR" altLang="en-US" sz="1000" dirty="0" smtClean="0"/>
+              <a:t>점유율 등</a:t>
+            </a:r>
+            <a:endParaRPr lang="en-US" altLang="ko-KR" sz="1000" dirty="0" smtClean="0"/>
+          </a:p>
+          <a:p>
+            <a:r>
+              <a:rPr lang="en-US" altLang="ko-KR" sz="1000" dirty="0" smtClean="0"/>
               <a:t>   - File</a:t>
             </a:r>
             <a:r>
-              <a:rPr lang="en-US" altLang="ko-KR" sz="1000" dirty="0" smtClean="0"/>
-              <a:t>, Proc</a:t>
-            </a:r>
-            <a:r>
-              <a:rPr lang="ko-KR" altLang="en-US" sz="1000" dirty="0" smtClean="0"/>
-              <a:t>외에 추가로 </a:t>
-            </a:r>
-            <a:r>
-              <a:rPr lang="en-US" altLang="ko-KR" sz="1000" dirty="0" smtClean="0"/>
-              <a:t>Monitoring</a:t>
-            </a:r>
-            <a:r>
-              <a:rPr lang="ko-KR" altLang="en-US" sz="1000" dirty="0" smtClean="0"/>
-              <a:t>할 수 있는 </a:t>
-            </a:r>
-            <a:r>
-              <a:rPr lang="en-US" altLang="ko-KR" sz="1000" dirty="0" smtClean="0"/>
-              <a:t>Type</a:t>
-            </a:r>
-            <a:r>
-              <a:rPr lang="ko-KR" altLang="en-US" sz="1000" dirty="0" smtClean="0"/>
-              <a:t>을 쉽게 추가할 수 있게 </a:t>
-            </a:r>
-            <a:r>
-              <a:rPr lang="ko-KR" altLang="en-US" sz="1000" dirty="0" smtClean="0"/>
-              <a:t>구성</a:t>
+              <a:rPr lang="ko-KR" altLang="en-US" sz="1000" dirty="0" smtClean="0"/>
+              <a:t>에 대해서는 존재유무와 </a:t>
+            </a:r>
+            <a:r>
+              <a:rPr lang="en-US" altLang="ko-KR" sz="1000" dirty="0" smtClean="0"/>
+              <a:t>SIZE</a:t>
+            </a:r>
+            <a:r>
+              <a:rPr lang="ko-KR" altLang="en-US" sz="1000" dirty="0" smtClean="0"/>
+              <a:t>를 조건으로 </a:t>
+            </a:r>
+            <a:r>
+              <a:rPr lang="en-US" altLang="ko-KR" sz="1000" dirty="0" smtClean="0"/>
+              <a:t>Alarm</a:t>
+            </a:r>
+            <a:r>
+              <a:rPr lang="ko-KR" altLang="en-US" sz="1000" dirty="0" smtClean="0"/>
+              <a:t>을 발생하고</a:t>
+            </a:r>
+            <a:r>
+              <a:rPr lang="en-US" altLang="ko-KR" sz="1000" dirty="0" smtClean="0"/>
+              <a:t>,</a:t>
+            </a:r>
+            <a:r>
+              <a:rPr lang="ko-KR" altLang="en-US" sz="1000" dirty="0" smtClean="0"/>
+              <a:t> </a:t>
+            </a:r>
+            <a:r>
+              <a:rPr lang="en-US" altLang="ko-KR" sz="1000" dirty="0" smtClean="0"/>
+              <a:t>Process</a:t>
+            </a:r>
+            <a:r>
+              <a:rPr lang="ko-KR" altLang="en-US" sz="1000" dirty="0" smtClean="0"/>
+              <a:t>는 존재유무와</a:t>
+            </a:r>
+            <a:r>
+              <a:rPr lang="en-US" altLang="ko-KR" sz="1000" dirty="0" smtClean="0"/>
+              <a:t>  </a:t>
+            </a:r>
+            <a:r>
+              <a:rPr lang="ko-KR" altLang="en-US" sz="1000" dirty="0" smtClean="0"/>
+              <a:t>메모리 사용량 조건으로 </a:t>
+            </a:r>
+            <a:r>
+              <a:rPr lang="en-US" altLang="ko-KR" sz="1000" dirty="0" smtClean="0"/>
+              <a:t>Alarm</a:t>
+            </a:r>
+            <a:r>
+              <a:rPr lang="ko-KR" altLang="en-US" sz="1000" dirty="0" smtClean="0"/>
+              <a:t>을 발생하는데</a:t>
+            </a:r>
+            <a:r>
+              <a:rPr lang="en-US" altLang="ko-KR" sz="1000" dirty="0" smtClean="0"/>
+              <a:t>, </a:t>
+            </a:r>
+            <a:r>
+              <a:rPr lang="ko-KR" altLang="en-US" sz="1000" dirty="0" smtClean="0"/>
+              <a:t>향후 다른 조건들도 추가하기</a:t>
+            </a:r>
+            <a:r>
+              <a:rPr lang="en-US" altLang="ko-KR" sz="1000" dirty="0" smtClean="0"/>
+              <a:t> </a:t>
+            </a:r>
+            <a:r>
+              <a:rPr lang="ko-KR" altLang="en-US" sz="1000" dirty="0" smtClean="0"/>
+              <a:t>쉬운 구조로 설계 </a:t>
             </a:r>
             <a:r>
               <a:rPr lang="en-US" altLang="ko-KR" sz="1000" dirty="0" smtClean="0"/>
@@ -5501,98 +5590,11 @@
             </a:br>
             <a:r>
               <a:rPr lang="en-US" altLang="ko-KR" sz="1000" dirty="0" smtClean="0"/>
-              <a:t>     </a:t>
-            </a:r>
-            <a:r>
-              <a:rPr lang="en-US" altLang="ko-KR" sz="1000" dirty="0" smtClean="0"/>
-              <a:t>ex) System Memory </a:t>
-            </a:r>
-            <a:r>
-              <a:rPr lang="ko-KR" altLang="en-US" sz="1000" dirty="0" smtClean="0"/>
-              <a:t>사용량</a:t>
-            </a:r>
-            <a:r>
-              <a:rPr lang="en-US" altLang="ko-KR" sz="1000" dirty="0" smtClean="0"/>
-              <a:t>, Disk </a:t>
-            </a:r>
-            <a:r>
-              <a:rPr lang="ko-KR" altLang="en-US" sz="1000" dirty="0" smtClean="0"/>
-              <a:t>사용량</a:t>
-            </a:r>
-            <a:r>
-              <a:rPr lang="en-US" altLang="ko-KR" sz="1000" dirty="0" smtClean="0"/>
-              <a:t>, CPU </a:t>
-            </a:r>
-            <a:r>
-              <a:rPr lang="ko-KR" altLang="en-US" sz="1000" dirty="0" smtClean="0"/>
-              <a:t>점유율 등</a:t>
-            </a:r>
-            <a:endParaRPr lang="en-US" altLang="ko-KR" sz="1000" dirty="0" smtClean="0"/>
-          </a:p>
-          <a:p>
-            <a:r>
-              <a:rPr lang="en-US" altLang="ko-KR" sz="1000" dirty="0" smtClean="0"/>
-              <a:t>   - File</a:t>
-            </a:r>
-            <a:r>
-              <a:rPr lang="ko-KR" altLang="en-US" sz="1000" dirty="0" smtClean="0"/>
-              <a:t>에 대해서는 존재유무와 </a:t>
-            </a:r>
-            <a:r>
-              <a:rPr lang="en-US" altLang="ko-KR" sz="1000" dirty="0" smtClean="0"/>
-              <a:t>SIZE</a:t>
-            </a:r>
-            <a:r>
-              <a:rPr lang="ko-KR" altLang="en-US" sz="1000" dirty="0" smtClean="0"/>
-              <a:t>를 조건으로 </a:t>
-            </a:r>
-            <a:r>
-              <a:rPr lang="en-US" altLang="ko-KR" sz="1000" dirty="0" smtClean="0"/>
-              <a:t>Alarm</a:t>
-            </a:r>
-            <a:r>
-              <a:rPr lang="ko-KR" altLang="en-US" sz="1000" dirty="0" smtClean="0"/>
-              <a:t>을 발생하고</a:t>
-            </a:r>
-            <a:r>
-              <a:rPr lang="en-US" altLang="ko-KR" sz="1000" dirty="0" smtClean="0"/>
-              <a:t>,</a:t>
-            </a:r>
-            <a:r>
-              <a:rPr lang="ko-KR" altLang="en-US" sz="1000" dirty="0" smtClean="0"/>
-              <a:t> </a:t>
-            </a:r>
-            <a:r>
-              <a:rPr lang="en-US" altLang="ko-KR" sz="1000" dirty="0" smtClean="0"/>
-              <a:t>Process</a:t>
-            </a:r>
-            <a:r>
-              <a:rPr lang="ko-KR" altLang="en-US" sz="1000" dirty="0" smtClean="0"/>
-              <a:t>는 </a:t>
-            </a:r>
-            <a:r>
-              <a:rPr lang="ko-KR" altLang="en-US" sz="1000" dirty="0" smtClean="0"/>
-              <a:t>존재유무와</a:t>
-            </a:r>
-            <a:r>
-              <a:rPr lang="en-US" altLang="ko-KR" sz="1000" dirty="0" smtClean="0"/>
-              <a:t>  </a:t>
-            </a:r>
-            <a:r>
-              <a:rPr lang="ko-KR" altLang="en-US" sz="1000" dirty="0" smtClean="0"/>
-              <a:t>메모리 사용량 조건으로 </a:t>
-            </a:r>
-            <a:r>
-              <a:rPr lang="en-US" altLang="ko-KR" sz="1000" dirty="0" smtClean="0"/>
-              <a:t>Alarm</a:t>
-            </a:r>
-            <a:r>
-              <a:rPr lang="ko-KR" altLang="en-US" sz="1000" dirty="0" smtClean="0"/>
-              <a:t>을 </a:t>
-            </a:r>
-            <a:r>
-              <a:rPr lang="ko-KR" altLang="en-US" sz="1000" dirty="0" smtClean="0"/>
-              <a:t>발생하는데</a:t>
+              <a:t>     ex1) FILE : </a:t>
+            </a:r>
+            <a:r>
+              <a:rPr lang="ko-KR" altLang="en-US" sz="1000" dirty="0" smtClean="0"/>
+              <a:t>생성시각</a:t>
             </a:r>
             <a:r>
               <a:rPr lang="en-US" altLang="ko-KR" sz="1000" dirty="0" smtClean="0"/>
@@ -5600,19 +5602,23 @@
             </a:r>
             <a:r>
               <a:rPr lang="ko-KR" altLang="en-US" sz="1000" dirty="0" smtClean="0"/>
-              <a:t>향후 다른 조건들도 </a:t>
-            </a:r>
-            <a:r>
-              <a:rPr lang="ko-KR" altLang="en-US" sz="1000" dirty="0" smtClean="0"/>
-              <a:t>추가하기</a:t>
-            </a:r>
-            <a:r>
-              <a:rPr lang="en-US" altLang="ko-KR" sz="1000" dirty="0" smtClean="0"/>
-              <a:t> </a:t>
-            </a:r>
-            <a:r>
-              <a:rPr lang="ko-KR" altLang="en-US" sz="1000" dirty="0" smtClean="0"/>
-              <a:t>쉬운 구조로 설계 </a:t>
+              <a:t>수정시각</a:t>
+            </a:r>
+            <a:r>
+              <a:rPr lang="en-US" altLang="ko-KR" sz="1000" dirty="0" smtClean="0"/>
+              <a:t>, </a:t>
+            </a:r>
+            <a:r>
+              <a:rPr lang="ko-KR" altLang="en-US" sz="1000" dirty="0" smtClean="0"/>
+              <a:t>마지막 </a:t>
+            </a:r>
+            <a:r>
+              <a:rPr lang="en-US" altLang="ko-KR" sz="1000" dirty="0" smtClean="0"/>
+              <a:t>Access </a:t>
+            </a:r>
+            <a:r>
+              <a:rPr lang="ko-KR" altLang="en-US" sz="1000" dirty="0" smtClean="0"/>
+              <a:t>시각 등 </a:t>
             </a:r>
             <a:r>
               <a:rPr lang="en-US" altLang="ko-KR" sz="1000" dirty="0" smtClean="0"/>
@@ -5623,35 +5629,19 @@
             </a:br>
             <a:r>
               <a:rPr lang="en-US" altLang="ko-KR" sz="1000" dirty="0" smtClean="0"/>
-              <a:t>     ex1) FILE : </a:t>
-            </a:r>
-            <a:r>
-              <a:rPr lang="ko-KR" altLang="en-US" sz="1000" dirty="0" smtClean="0"/>
-              <a:t>생성시각</a:t>
-            </a:r>
-            <a:r>
-              <a:rPr lang="en-US" altLang="ko-KR" sz="1000" dirty="0" smtClean="0"/>
-              <a:t>, </a:t>
-            </a:r>
-            <a:r>
-              <a:rPr lang="ko-KR" altLang="en-US" sz="1000" dirty="0" smtClean="0"/>
-              <a:t>수정시각</a:t>
-            </a:r>
-            <a:r>
-              <a:rPr lang="en-US" altLang="ko-KR" sz="1000" dirty="0" smtClean="0"/>
-              <a:t>, </a:t>
-            </a:r>
-            <a:r>
-              <a:rPr lang="ko-KR" altLang="en-US" sz="1000" dirty="0" smtClean="0"/>
-              <a:t>마지막 </a:t>
-            </a:r>
-            <a:r>
-              <a:rPr lang="en-US" altLang="ko-KR" sz="1000" dirty="0" smtClean="0"/>
-              <a:t>Access </a:t>
-            </a:r>
-            <a:r>
-              <a:rPr lang="ko-KR" altLang="en-US" sz="1000" dirty="0" smtClean="0"/>
-              <a:t>시각 등 </a:t>
+              <a:t>     ex2) PROCESS : PID, Priority, Processor </a:t>
+            </a:r>
+            <a:r>
+              <a:rPr lang="ko-KR" altLang="en-US" sz="1000" dirty="0" smtClean="0"/>
+              <a:t>사용 시간</a:t>
+            </a:r>
+            <a:r>
+              <a:rPr lang="en-US" altLang="ko-KR" sz="1000" dirty="0" smtClean="0"/>
+              <a:t>, Process Exit Code, Process Exit Time </a:t>
+            </a:r>
+            <a:r>
+              <a:rPr lang="ko-KR" altLang="en-US" sz="1000" dirty="0" smtClean="0"/>
+              <a:t>등</a:t>
             </a:r>
             <a:r>
               <a:rPr lang="en-US" altLang="ko-KR" sz="1000" dirty="0" smtClean="0"/>
@@ -5662,45 +5652,14 @@
             </a:br>
             <a:r>
               <a:rPr lang="en-US" altLang="ko-KR" sz="1000" dirty="0" smtClean="0"/>
-              <a:t>     ex2) PROCESS : PID</a:t>
-            </a:r>
-            <a:r>
-              <a:rPr lang="en-US" altLang="ko-KR" sz="1000" dirty="0" smtClean="0"/>
-              <a:t>, Priority, Processor </a:t>
-            </a:r>
-            <a:r>
-              <a:rPr lang="ko-KR" altLang="en-US" sz="1000" dirty="0" smtClean="0"/>
-              <a:t>사용 시간</a:t>
-            </a:r>
-            <a:r>
-              <a:rPr lang="en-US" altLang="ko-KR" sz="1000" dirty="0" smtClean="0"/>
-              <a:t>, Process Exit Code, Process Exit Time </a:t>
-            </a:r>
-            <a:r>
-              <a:rPr lang="ko-KR" altLang="en-US" sz="1000" dirty="0" smtClean="0"/>
-              <a:t>등</a:t>
-            </a:r>
-            <a:r>
-              <a:rPr lang="en-US" altLang="ko-KR" sz="1000" dirty="0" smtClean="0"/>
-              <a:t/>
+              <a:t> 3) Parsing </a:t>
             </a:r>
             <a:br>
               <a:rPr lang="en-US" altLang="ko-KR" sz="1000" dirty="0" smtClean="0"/>
             </a:br>
             <a:r>
               <a:rPr lang="en-US" altLang="ko-KR" sz="1000" dirty="0" smtClean="0"/>
-              <a:t> 3) Parsing </a:t>
-            </a:r>
-            <a:br>
-              <a:rPr lang="en-US" altLang="ko-KR" sz="1000" dirty="0" smtClean="0"/>
-            </a:br>
-            <a:r>
-              <a:rPr lang="en-US" altLang="ko-KR" sz="1000" dirty="0" smtClean="0"/>
-              <a:t>   - </a:t>
-            </a:r>
-            <a:r>
-              <a:rPr lang="en-US" altLang="ko-KR" sz="1000" dirty="0" smtClean="0"/>
-              <a:t>#</a:t>
+              <a:t>   - #</a:t>
             </a:r>
             <a:r>
               <a:rPr lang="ko-KR" altLang="en-US" sz="1000" dirty="0" smtClean="0"/>
@@ -5794,93 +5753,77 @@
             </a:br>
             <a:r>
               <a:rPr lang="en-US" altLang="ko-KR" sz="1000" dirty="0" smtClean="0"/>
+              <a:t>   - 1</a:t>
+            </a:r>
+            <a:r>
+              <a:rPr lang="ko-KR" altLang="en-US" sz="1000" dirty="0" smtClean="0"/>
+              <a:t>초를 딱 맞출 필요는 없으므로 루프에 </a:t>
+            </a:r>
+            <a:r>
+              <a:rPr lang="en-US" altLang="ko-KR" sz="1000" dirty="0" smtClean="0"/>
+              <a:t>Sleep 1</a:t>
+            </a:r>
+            <a:r>
+              <a:rPr lang="ko-KR" altLang="en-US" sz="1000" dirty="0" smtClean="0"/>
+              <a:t>초를 주면</a:t>
+            </a:r>
+            <a:r>
+              <a:rPr lang="en-US" altLang="ko-KR" sz="1000" dirty="0" smtClean="0"/>
+              <a:t> </a:t>
+            </a:r>
+            <a:r>
+              <a:rPr lang="ko-KR" altLang="en-US" sz="1000" dirty="0" smtClean="0"/>
+              <a:t>되고</a:t>
+            </a:r>
+            <a:r>
+              <a:rPr lang="en-US" altLang="ko-KR" sz="1000" dirty="0" smtClean="0"/>
+              <a:t>, </a:t>
+            </a:r>
+            <a:r>
+              <a:rPr lang="ko-KR" altLang="en-US" sz="1000" dirty="0" smtClean="0"/>
+              <a:t>좀 더 정확하게 </a:t>
+            </a:r>
+            <a:r>
+              <a:rPr lang="en-US" altLang="ko-KR" sz="1000" dirty="0" smtClean="0"/>
+              <a:t>1</a:t>
+            </a:r>
+            <a:r>
+              <a:rPr lang="ko-KR" altLang="en-US" sz="1000" dirty="0" smtClean="0"/>
+              <a:t>초 간격을 유지하려면 </a:t>
+            </a:r>
+            <a:r>
+              <a:rPr lang="en-US" altLang="ko-KR" sz="1000" dirty="0" smtClean="0"/>
+              <a:t>1</a:t>
+            </a:r>
+            <a:r>
+              <a:rPr lang="ko-KR" altLang="en-US" sz="1000" dirty="0" smtClean="0"/>
+              <a:t>초에서 수행 시간을 뺀 값으로 </a:t>
+            </a:r>
+            <a:r>
+              <a:rPr lang="en-US" altLang="ko-KR" sz="1000" dirty="0" smtClean="0"/>
+              <a:t>Sleep </a:t>
+            </a:r>
+            <a:r>
+              <a:rPr lang="ko-KR" altLang="en-US" sz="1000" dirty="0" smtClean="0"/>
+              <a:t>값을 설정하면 됨</a:t>
+            </a:r>
+            <a:r>
+              <a:rPr lang="en-US" altLang="ko-KR" sz="1000" dirty="0" smtClean="0"/>
+              <a:t>. </a:t>
+            </a:r>
+            <a:br>
+              <a:rPr lang="en-US" altLang="ko-KR" sz="1000" dirty="0" smtClean="0"/>
+            </a:br>
+            <a:r>
+              <a:rPr lang="en-US" altLang="ko-KR" sz="1000" dirty="0" smtClean="0"/>
+              <a:t> 2) Alarm Check </a:t>
+            </a:r>
+            <a:br>
+              <a:rPr lang="en-US" altLang="ko-KR" sz="1000" dirty="0" smtClean="0"/>
+            </a:br>
+            <a:r>
+              <a:rPr lang="en-US" altLang="ko-KR" sz="1000" dirty="0" smtClean="0"/>
               <a:t>   - </a:t>
-            </a:r>
-            <a:r>
-              <a:rPr lang="en-US" altLang="ko-KR" sz="1000" dirty="0" smtClean="0"/>
-              <a:t>1</a:t>
-            </a:r>
-            <a:r>
-              <a:rPr lang="ko-KR" altLang="en-US" sz="1000" dirty="0" smtClean="0"/>
-              <a:t>초를 딱 맞출 필요는 없으므로 루프에 </a:t>
-            </a:r>
-            <a:r>
-              <a:rPr lang="en-US" altLang="ko-KR" sz="1000" dirty="0" smtClean="0"/>
-              <a:t>Sleep 1</a:t>
-            </a:r>
-            <a:r>
-              <a:rPr lang="ko-KR" altLang="en-US" sz="1000" dirty="0" smtClean="0"/>
-              <a:t>초를 </a:t>
-            </a:r>
-            <a:r>
-              <a:rPr lang="ko-KR" altLang="en-US" sz="1000" dirty="0" smtClean="0"/>
-              <a:t>주면</a:t>
-            </a:r>
-            <a:r>
-              <a:rPr lang="en-US" altLang="ko-KR" sz="1000" dirty="0" smtClean="0"/>
-              <a:t> </a:t>
-            </a:r>
-            <a:r>
-              <a:rPr lang="ko-KR" altLang="en-US" sz="1000" dirty="0" smtClean="0"/>
-              <a:t>되고</a:t>
-            </a:r>
-            <a:r>
-              <a:rPr lang="en-US" altLang="ko-KR" sz="1000" dirty="0" smtClean="0"/>
-              <a:t>, </a:t>
-            </a:r>
-            <a:r>
-              <a:rPr lang="ko-KR" altLang="en-US" sz="1000" dirty="0" smtClean="0"/>
-              <a:t>좀 </a:t>
-            </a:r>
-            <a:r>
-              <a:rPr lang="ko-KR" altLang="en-US" sz="1000" dirty="0" smtClean="0"/>
-              <a:t>더 정확하게 </a:t>
-            </a:r>
-            <a:r>
-              <a:rPr lang="en-US" altLang="ko-KR" sz="1000" dirty="0" smtClean="0"/>
-              <a:t>1</a:t>
-            </a:r>
-            <a:r>
-              <a:rPr lang="ko-KR" altLang="en-US" sz="1000" dirty="0" smtClean="0"/>
-              <a:t>초 간격을 유지하려면 </a:t>
-            </a:r>
-            <a:r>
-              <a:rPr lang="en-US" altLang="ko-KR" sz="1000" dirty="0" smtClean="0"/>
-              <a:t>1</a:t>
-            </a:r>
-            <a:r>
-              <a:rPr lang="ko-KR" altLang="en-US" sz="1000" dirty="0" smtClean="0"/>
-              <a:t>초에서 수행 시간을 뺀 값으로 </a:t>
-            </a:r>
-            <a:r>
-              <a:rPr lang="en-US" altLang="ko-KR" sz="1000" dirty="0" smtClean="0"/>
-              <a:t>Sleep </a:t>
-            </a:r>
-            <a:r>
-              <a:rPr lang="ko-KR" altLang="en-US" sz="1000" dirty="0" smtClean="0"/>
-              <a:t>값을 설정하면 됨</a:t>
-            </a:r>
-            <a:r>
-              <a:rPr lang="en-US" altLang="ko-KR" sz="1000" dirty="0" smtClean="0"/>
-              <a:t>. </a:t>
-            </a:r>
-            <a:br>
-              <a:rPr lang="en-US" altLang="ko-KR" sz="1000" dirty="0" smtClean="0"/>
-            </a:br>
-            <a:r>
-              <a:rPr lang="en-US" altLang="ko-KR" sz="1000" dirty="0" smtClean="0"/>
-              <a:t> 2) Alarm Check </a:t>
-            </a:r>
-            <a:br>
-              <a:rPr lang="en-US" altLang="ko-KR" sz="1000" dirty="0" smtClean="0"/>
-            </a:br>
-            <a:r>
-              <a:rPr lang="en-US" altLang="ko-KR" sz="1000" dirty="0" smtClean="0"/>
-              <a:t> </a:t>
-            </a:r>
-            <a:r>
-              <a:rPr lang="en-US" altLang="ko-KR" sz="1000" dirty="0" smtClean="0"/>
-              <a:t>  - </a:t>
             </a:r>
             <a:r>
               <a:rPr lang="en-US" altLang="ko-KR" sz="1000" dirty="0" err="1" smtClean="0"/>
@@ -5939,11 +5882,7 @@
             </a:r>
             <a:r>
               <a:rPr lang="ko-KR" altLang="en-US" sz="1000" dirty="0" smtClean="0"/>
-              <a:t>에 </a:t>
-            </a:r>
-            <a:r>
-              <a:rPr lang="ko-KR" altLang="en-US" sz="1000" dirty="0" smtClean="0"/>
-              <a:t>대해서만 </a:t>
+              <a:t>에 대해서만 </a:t>
             </a:r>
             <a:r>
               <a:rPr lang="en-US" altLang="ko-KR" sz="1000" dirty="0" smtClean="0"/>
@@ -6051,20 +5990,12 @@
               <a:rPr lang="en-US" altLang="ko-KR" sz="1000" dirty="0" smtClean="0"/>
               <a:t>(), … </a:t>
             </a:r>
-            <a:r>
-              <a:rPr lang="en-US" altLang="ko-KR" sz="1000" dirty="0" smtClean="0"/>
-              <a:t/>
-            </a:r>
             <a:br>
               <a:rPr lang="en-US" altLang="ko-KR" sz="1000" dirty="0" smtClean="0"/>
             </a:br>
             <a:r>
               <a:rPr lang="en-US" altLang="ko-KR" sz="1000" dirty="0" smtClean="0"/>
-              <a:t>   - </a:t>
-            </a:r>
-            <a:r>
-              <a:rPr lang="en-US" altLang="ko-KR" sz="1000" dirty="0" smtClean="0"/>
-              <a:t>Alarm </a:t>
+              <a:t>   - Alarm </a:t>
             </a:r>
             <a:r>
               <a:rPr lang="ko-KR" altLang="en-US" sz="1000" dirty="0" smtClean="0"/>
@@ -6238,11 +6169,7 @@
           <a:p>
             <a:r>
               <a:rPr lang="en-US" altLang="ko-KR" sz="1000" dirty="0" smtClean="0"/>
-              <a:t>4. </a:t>
-            </a:r>
-            <a:r>
-              <a:rPr lang="en-US" altLang="ko-KR" sz="1000" dirty="0" smtClean="0"/>
-              <a:t>Main Logic (Process Memory Logic)</a:t>
+              <a:t>4. Main Logic (Process Memory Logic)</a:t>
             </a:r>
             <a:br>
               <a:rPr lang="en-US" altLang="ko-KR" sz="1000" dirty="0" smtClean="0"/>
@@ -6390,19 +6317,11 @@
             </a:br>
             <a:r>
               <a:rPr lang="en-US" altLang="ko-KR" sz="1000" dirty="0" smtClean="0"/>
-              <a:t> 1) </a:t>
-            </a:r>
-            <a:r>
-              <a:rPr lang="en-US" altLang="ko-KR" sz="1000" dirty="0" smtClean="0"/>
-              <a:t>tasklist.exe</a:t>
-            </a:r>
-            <a:r>
-              <a:rPr lang="ko-KR" altLang="en-US" sz="1000" dirty="0" smtClean="0"/>
-              <a:t>를 수행시킨 </a:t>
-            </a:r>
-            <a:r>
-              <a:rPr lang="ko-KR" altLang="en-US" sz="1000" dirty="0" smtClean="0"/>
-              <a:t>출력결과를 관리할 </a:t>
+              <a:t> 1) tasklist.exe</a:t>
+            </a:r>
+            <a:r>
+              <a:rPr lang="ko-KR" altLang="en-US" sz="1000" dirty="0" smtClean="0"/>
+              <a:t>를 수행시킨 출력결과를 관리할 </a:t>
             </a:r>
             <a:r>
               <a:rPr lang="en-US" altLang="ko-KR" sz="1000" dirty="0" err="1" smtClean="0"/>
@@ -6425,11 +6344,7 @@
             </a:br>
             <a:r>
               <a:rPr lang="en-US" altLang="ko-KR" sz="1000" dirty="0" smtClean="0"/>
-              <a:t>    </a:t>
-            </a:r>
-            <a:r>
-              <a:rPr lang="en-US" altLang="ko-KR" sz="1000" dirty="0" smtClean="0"/>
-              <a:t>: </a:t>
+              <a:t>    : </a:t>
             </a:r>
             <a:r>
               <a:rPr lang="ko-KR" altLang="en-US" sz="1000" dirty="0" smtClean="0"/>
@@ -6464,11 +6379,7 @@
             </a:r>
             <a:r>
               <a:rPr lang="ko-KR" altLang="en-US" sz="1000" dirty="0" smtClean="0"/>
-              <a:t> </a:t>
-            </a:r>
-            <a:r>
-              <a:rPr lang="ko-KR" altLang="en-US" sz="1000" dirty="0" smtClean="0"/>
-              <a:t>읽어와서 </a:t>
+              <a:t> 읽어와서 </a:t>
             </a:r>
             <a:r>
               <a:rPr lang="ko-KR" altLang="en-US" sz="1000" dirty="0" err="1" smtClean="0"/>
@@ -6511,15 +6422,7 @@
           <a:p>
             <a:r>
               <a:rPr lang="en-US" altLang="ko-KR" sz="1000" dirty="0" smtClean="0"/>
-              <a:t> </a:t>
-            </a:r>
-            <a:r>
-              <a:rPr lang="en-US" altLang="ko-KR" sz="1000" dirty="0" smtClean="0"/>
-              <a:t>   : </a:t>
-            </a:r>
-            <a:r>
-              <a:rPr lang="en-US" altLang="ko-KR" sz="1000" dirty="0" smtClean="0"/>
-              <a:t>tasklist.exe</a:t>
+              <a:t>    : tasklist.exe</a:t>
             </a:r>
             <a:r>
               <a:rPr lang="ko-KR" altLang="en-US" sz="1000" dirty="0" smtClean="0"/>
@@ -6555,11 +6458,7 @@
             </a:r>
             <a:r>
               <a:rPr lang="ko-KR" altLang="en-US" sz="1000" dirty="0" smtClean="0"/>
-              <a:t>에 빈 칸이 들어갈 경우가 있으므로 주의 </a:t>
-            </a:r>
-            <a:r>
-              <a:rPr lang="ko-KR" altLang="en-US" sz="1000" dirty="0" smtClean="0"/>
-              <a:t>필요 </a:t>
+              <a:t>에 빈 칸이 들어갈 경우가 있으므로 주의 필요 </a:t>
             </a:r>
             <a:r>
               <a:rPr lang="en-US" altLang="ko-KR" sz="1000" dirty="0" smtClean="0">
@@ -6596,11 +6495,7 @@
             </a:r>
             <a:r>
               <a:rPr lang="ko-KR" altLang="en-US" sz="1000" dirty="0" smtClean="0"/>
-              <a:t>이 존재하므로 </a:t>
-            </a:r>
-            <a:r>
-              <a:rPr lang="ko-KR" altLang="en-US" sz="1000" dirty="0" smtClean="0"/>
-              <a:t>하나의 정보만 </a:t>
+              <a:t>이 존재하므로 하나의 정보만 </a:t>
             </a:r>
             <a:r>
               <a:rPr lang="en-US" altLang="ko-KR" sz="1000" dirty="0" smtClean="0"/>
@@ -6616,11 +6511,7 @@
             </a:r>
             <a:r>
               <a:rPr lang="ko-KR" altLang="en-US" sz="1000" dirty="0" smtClean="0"/>
-              <a:t>를 사용하여 </a:t>
-            </a:r>
-            <a:r>
-              <a:rPr lang="ko-KR" altLang="en-US" sz="1000" dirty="0" smtClean="0"/>
-              <a:t> 모두</a:t>
+              <a:t>를 사용하여  모두</a:t>
             </a:r>
             <a:r>
               <a:rPr lang="en-US" altLang="ko-KR" sz="1000" dirty="0" smtClean="0"/>
@@ -6628,19 +6519,11 @@
             </a:r>
             <a:r>
               <a:rPr lang="ko-KR" altLang="en-US" sz="1000" dirty="0" smtClean="0"/>
-              <a:t>처리해야 </a:t>
-            </a:r>
-            <a:r>
-              <a:rPr lang="ko-KR" altLang="en-US" sz="1000" dirty="0" smtClean="0"/>
-              <a:t>하는 것을 주의해야 함</a:t>
+              <a:t>처리해야 하는 것을 주의해야 함</a:t>
             </a:r>
             <a:r>
               <a:rPr lang="en-US" altLang="ko-KR" sz="1000" dirty="0" smtClean="0"/>
               <a:t>. </a:t>
-            </a:r>
-            <a:r>
-              <a:rPr lang="en-US" altLang="ko-KR" sz="1000" dirty="0" smtClean="0"/>
-              <a:t/>
             </a:r>
             <a:br>
               <a:rPr lang="en-US" altLang="ko-KR" sz="1000" dirty="0" smtClean="0"/>
@@ -7119,11 +7002,7 @@
             </a:r>
             <a:r>
               <a:rPr lang="ko-KR" altLang="en-US" sz="1000" dirty="0" smtClean="0"/>
-              <a:t>점유율 </a:t>
-            </a:r>
-            <a:r>
-              <a:rPr lang="ko-KR" altLang="en-US" sz="1000" dirty="0" smtClean="0"/>
-              <a:t>등도 추가할 수 있기 때문에 확장 가능한 구조로 설계</a:t>
+              <a:t>점유율 등도 추가할 수 있기 때문에 확장 가능한 구조로 설계</a:t>
             </a:r>
             <a:r>
               <a:rPr lang="en-US" altLang="ko-KR" sz="1000" dirty="0" smtClean="0"/>
@@ -7831,11 +7710,7 @@
             </a:r>
             <a:r>
               <a:rPr lang="ko-KR" altLang="en-US" sz="1000" dirty="0" smtClean="0"/>
-              <a:t>으로 </a:t>
-            </a:r>
-            <a:r>
-              <a:rPr lang="ko-KR" altLang="en-US" sz="1000" dirty="0" smtClean="0"/>
-              <a:t>처리하면 좋을 듯</a:t>
+              <a:t>으로 처리하면 좋을 듯</a:t>
             </a:r>
             <a:r>
               <a:rPr lang="en-US" altLang="ko-KR" sz="1000" dirty="0" smtClean="0"/>
@@ -7950,11 +7825,7 @@
             </a:r>
             <a:r>
               <a:rPr lang="ko-KR" altLang="en-US" sz="1000" dirty="0" smtClean="0"/>
-              <a:t>실시간 사용량 등에 대한 그래프 등 시각화 </a:t>
-            </a:r>
-            <a:r>
-              <a:rPr lang="ko-KR" altLang="en-US" sz="1000" dirty="0" smtClean="0"/>
-              <a:t>화면 등</a:t>
+              <a:t>실시간 사용량 등에 대한 그래프 등 시각화 화면 등</a:t>
             </a:r>
             <a:r>
               <a:rPr lang="en-US" altLang="ko-KR" sz="1000" dirty="0" smtClean="0"/>
@@ -8405,11 +8276,7 @@
             </a:r>
             <a:r>
               <a:rPr lang="ko-KR" altLang="en-US" sz="1000" dirty="0" smtClean="0"/>
-              <a:t>들의 상태를 파악할 수 있게 </a:t>
-            </a:r>
-            <a:r>
-              <a:rPr lang="ko-KR" altLang="en-US" sz="1000" dirty="0" smtClean="0"/>
-              <a:t>구성</a:t>
+              <a:t>들의 상태를 파악할 수 있게 구성</a:t>
             </a:r>
             <a:r>
               <a:rPr lang="en-US" altLang="ko-KR" sz="1000" dirty="0" smtClean="0"/>
@@ -8458,11 +8325,7 @@
             </a:r>
             <a:r>
               <a:rPr lang="ko-KR" altLang="en-US" sz="1000" dirty="0" smtClean="0"/>
-              <a:t>불법 사용 </a:t>
-            </a:r>
-            <a:r>
-              <a:rPr lang="ko-KR" altLang="en-US" sz="1000" dirty="0" smtClean="0"/>
-              <a:t>방지 </a:t>
+              <a:t>불법 사용 방지 </a:t>
             </a:r>
             <a:r>
               <a:rPr lang="en-US" altLang="ko-KR" sz="1000" dirty="0" smtClean="0"/>
@@ -8523,19 +8386,11 @@
             </a:br>
             <a:r>
               <a:rPr lang="en-US" altLang="ko-KR" sz="1000" dirty="0" smtClean="0"/>
-              <a:t>   - HW </a:t>
-            </a:r>
-            <a:r>
-              <a:rPr lang="en-US" altLang="ko-KR" sz="1000" dirty="0" smtClean="0"/>
-              <a:t>Dongle</a:t>
-            </a:r>
-            <a:r>
-              <a:rPr lang="ko-KR" altLang="en-US" sz="1000" dirty="0" smtClean="0"/>
-              <a:t>을 사용하는 것이 가장 </a:t>
-            </a:r>
-            <a:r>
-              <a:rPr lang="ko-KR" altLang="en-US" sz="1000" dirty="0" smtClean="0"/>
-              <a:t>안전함</a:t>
+              <a:t>   - HW Dongle</a:t>
+            </a:r>
+            <a:r>
+              <a:rPr lang="ko-KR" altLang="en-US" sz="1000" dirty="0" smtClean="0"/>
+              <a:t>을 사용하는 것이 가장 안전함</a:t>
             </a:r>
             <a:r>
               <a:rPr lang="en-US" altLang="ko-KR" sz="1000" dirty="0" smtClean="0"/>
@@ -8569,15 +8424,7 @@
             </a:br>
             <a:r>
               <a:rPr lang="en-US" altLang="ko-KR" sz="1000" dirty="0" smtClean="0"/>
-              <a:t>      </a:t>
-            </a:r>
-            <a:r>
-              <a:rPr lang="en-US" altLang="ko-KR" sz="1000" dirty="0" smtClean="0"/>
-              <a:t>ex) Machine </a:t>
-            </a:r>
-            <a:r>
-              <a:rPr lang="en-US" altLang="ko-KR" sz="1000" dirty="0" smtClean="0"/>
-              <a:t>GUID, MAC</a:t>
+              <a:t>      ex) Machine GUID, MAC</a:t>
             </a:r>
             <a:r>
               <a:rPr lang="ko-KR" altLang="en-US" sz="1000" dirty="0" smtClean="0"/>
@@ -8608,11 +8455,7 @@
             </a:br>
             <a:r>
               <a:rPr lang="en-US" altLang="ko-KR" sz="1000" dirty="0" smtClean="0"/>
-              <a:t>   </a:t>
-            </a:r>
-            <a:r>
-              <a:rPr lang="en-US" altLang="ko-KR" sz="1000" dirty="0" smtClean="0"/>
-              <a:t>- </a:t>
+              <a:t>   - </a:t>
             </a:r>
             <a:r>
               <a:rPr lang="ko-KR" altLang="en-US" sz="1000" dirty="0" smtClean="0"/>
@@ -8640,11 +8483,7 @@
             </a:r>
             <a:r>
               <a:rPr lang="ko-KR" altLang="en-US" sz="1000" dirty="0" smtClean="0"/>
-              <a:t> 바이러스 감염 등을 확인할 수 </a:t>
-            </a:r>
-            <a:r>
-              <a:rPr lang="ko-KR" altLang="en-US" sz="1000" dirty="0" smtClean="0"/>
-              <a:t>있음</a:t>
+              <a:t> 바이러스 감염 등을 확인할 수 있음</a:t>
             </a:r>
             <a:r>
               <a:rPr lang="en-US" altLang="ko-KR" sz="1000" dirty="0" smtClean="0"/>
@@ -8695,7 +8534,6 @@
               <a:rPr lang="en-US" altLang="ko-KR" sz="1000" dirty="0" smtClean="0"/>
               <a:t> : HKEY_LOCAL_MACHINE\SOFTWARE\Microsoft\Cryptography </a:t>
             </a:r>
-            <a:endParaRPr lang="en-US" altLang="ko-KR" sz="1000" dirty="0" smtClean="0"/>
           </a:p>
           <a:p>
             <a:pPr>
@@ -8738,11 +8576,7 @@
             </a:pPr>
             <a:r>
               <a:rPr lang="en-US" altLang="ko-KR" sz="1000" dirty="0" smtClean="0"/>
-              <a:t> </a:t>
-            </a:r>
-            <a:r>
-              <a:rPr lang="en-US" altLang="ko-KR" sz="1000" dirty="0" smtClean="0"/>
-              <a:t>CPU</a:t>
+              <a:t> CPU</a:t>
             </a:r>
             <a:r>
               <a:rPr lang="ko-KR" altLang="en-US" sz="1000" dirty="0" smtClean="0"/>
@@ -8785,11 +8619,7 @@
             </a:pPr>
             <a:r>
               <a:rPr lang="en-US" altLang="ko-KR" sz="1000" dirty="0" smtClean="0"/>
-              <a:t> </a:t>
-            </a:r>
-            <a:r>
-              <a:rPr lang="en-US" altLang="ko-KR" sz="1000" dirty="0" smtClean="0"/>
-              <a:t>MAC </a:t>
+              <a:t> MAC </a:t>
             </a:r>
             <a:r>
               <a:rPr lang="ko-KR" altLang="en-US" sz="1000" dirty="0" smtClean="0"/>
@@ -9599,11 +9429,6 @@
               </a:rPr>
               <a:t>관리</a:t>
             </a:r>
-            <a:endParaRPr lang="ko-KR" altLang="en-US" sz="1000" dirty="0" smtClean="0">
-              <a:solidFill>
-                <a:schemeClr val="tx1"/>
-              </a:solidFill>
-            </a:endParaRPr>
           </a:p>
         </p:txBody>
       </p:sp>
@@ -9673,11 +9498,6 @@
               </a:rPr>
               <a:t>관리</a:t>
             </a:r>
-            <a:endParaRPr lang="ko-KR" altLang="en-US" sz="1000" dirty="0" smtClean="0">
-              <a:solidFill>
-                <a:schemeClr val="tx1"/>
-              </a:solidFill>
-            </a:endParaRPr>
           </a:p>
         </p:txBody>
       </p:sp>
@@ -19200,15 +19020,7 @@
                             <a:schemeClr val="tx1"/>
                           </a:solidFill>
                         </a:rPr>
-                        <a:t>():</a:t>
-                      </a:r>
-                      <a:r>
-                        <a:rPr lang="en-US" altLang="ko-KR" sz="1000" b="0" dirty="0" smtClean="0">
-                          <a:solidFill>
-                            <a:schemeClr val="tx1"/>
-                          </a:solidFill>
-                        </a:rPr>
-                        <a:t>List&lt;</a:t>
+                        <a:t>():List&lt;</a:t>
                       </a:r>
                       <a:r>
                         <a:rPr lang="en-US" altLang="ko-KR" sz="1000" b="0" dirty="0" err="1" smtClean="0">
@@ -21900,15 +21712,7 @@
                             <a:schemeClr val="tx1"/>
                           </a:solidFill>
                         </a:rPr>
-                        <a:t>&lt;&lt;create</a:t>
-                      </a:r>
-                      <a:r>
-                        <a:rPr lang="en-US" altLang="ko-KR" sz="1000" b="0" dirty="0" smtClean="0">
-                          <a:solidFill>
-                            <a:schemeClr val="tx1"/>
-                          </a:solidFill>
-                        </a:rPr>
-                        <a:t>&gt;&gt;+</a:t>
+                        <a:t>&lt;&lt;create&gt;&gt;+</a:t>
                       </a:r>
                       <a:r>
                         <a:rPr lang="en-US" altLang="ko-KR" sz="1000" b="0" dirty="0" err="1" smtClean="0">
@@ -21951,15 +21755,7 @@
                             <a:schemeClr val="tx1"/>
                           </a:solidFill>
                         </a:rPr>
-                        <a:t>&lt;&lt;create</a:t>
-                      </a:r>
-                      <a:r>
-                        <a:rPr lang="en-US" altLang="ko-KR" sz="1000" b="0" dirty="0" smtClean="0">
-                          <a:solidFill>
-                            <a:schemeClr val="tx1"/>
-                          </a:solidFill>
-                        </a:rPr>
-                        <a:t>&gt;&gt;+</a:t>
+                        <a:t>&lt;&lt;create&gt;&gt;+</a:t>
                       </a:r>
                       <a:r>
                         <a:rPr lang="en-US" altLang="ko-KR" sz="1000" b="0" dirty="0" err="1" smtClean="0">

--- a/Monitoring/fc.pptx
+++ b/Monitoring/fc.pptx
@@ -4974,8 +4974,8 @@
         </p:nvSpPr>
         <p:spPr>
           <a:xfrm>
-            <a:off x="251520" y="548680"/>
-            <a:ext cx="8640960" cy="6401753"/>
+            <a:off x="251520" y="451319"/>
+            <a:ext cx="8640960" cy="4555093"/>
           </a:xfrm>
           <a:prstGeom prst="rect">
             <a:avLst/>
@@ -5142,6 +5142,29 @@
               <a:rPr lang="en-US" altLang="ko-KR" sz="1000" dirty="0" smtClean="0"/>
               <a:t>. </a:t>
             </a:r>
+            <a:r>
+              <a:rPr lang="en-US" altLang="ko-KR" sz="1000" dirty="0" smtClean="0"/>
+              <a:t/>
+            </a:r>
+            <a:br>
+              <a:rPr lang="en-US" altLang="ko-KR" sz="1000" dirty="0" smtClean="0"/>
+            </a:br>
+            <a:r>
+              <a:rPr lang="en-US" altLang="ko-KR" sz="1000" dirty="0" smtClean="0"/>
+              <a:t>    : File</a:t>
+            </a:r>
+            <a:r>
+              <a:rPr lang="ko-KR" altLang="en-US" sz="1000" dirty="0" smtClean="0"/>
+              <a:t>을 정상적으로 읽을 수 없을 경우 예외처리 </a:t>
+            </a:r>
+            <a:r>
+              <a:rPr lang="en-US" altLang="ko-KR" sz="1000" dirty="0" smtClean="0"/>
+              <a:t>(try ~ catch ~ finally)</a:t>
+            </a:r>
+            <a:r>
+              <a:rPr lang="en-US" altLang="ko-KR" sz="1000" dirty="0" smtClean="0"/>
+              <a:t/>
+            </a:r>
             <a:br>
               <a:rPr lang="en-US" altLang="ko-KR" sz="1000" dirty="0" smtClean="0"/>
             </a:br>
@@ -5704,349 +5727,33 @@
             <a:br>
               <a:rPr lang="en-US" altLang="ko-KR" sz="1000" dirty="0" smtClean="0"/>
             </a:br>
-            <a:endParaRPr lang="en-US" altLang="ko-KR" sz="1000" dirty="0" smtClean="0"/>
-          </a:p>
-          <a:p>
-            <a:r>
-              <a:rPr lang="en-US" altLang="ko-KR" sz="1000" dirty="0" smtClean="0"/>
-              <a:t>3. Monitoring Logic </a:t>
-            </a:r>
-          </a:p>
-          <a:p>
-            <a:r>
-              <a:rPr lang="en-US" altLang="ko-KR" sz="1000" dirty="0" smtClean="0"/>
-              <a:t> 1) Thread </a:t>
-            </a:r>
-            <a:r>
-              <a:rPr lang="ko-KR" altLang="en-US" sz="1000" dirty="0" smtClean="0"/>
-              <a:t>사용</a:t>
-            </a:r>
-            <a:r>
-              <a:rPr lang="en-US" altLang="ko-KR" sz="1000" dirty="0" smtClean="0"/>
+            <a:r>
+              <a:rPr lang="en-US" altLang="ko-KR" sz="1000" dirty="0" smtClean="0"/>
+              <a:t>   - Format</a:t>
+            </a:r>
+            <a:r>
+              <a:rPr lang="ko-KR" altLang="en-US" sz="1000" dirty="0" smtClean="0"/>
+              <a:t>에 맞지 않을 경우 </a:t>
+            </a:r>
+            <a:r>
+              <a:rPr lang="ko-KR" altLang="en-US" sz="1000" dirty="0" smtClean="0"/>
+              <a:t>적절한 예외처리 수행</a:t>
+            </a:r>
+            <a:r>
+              <a:rPr lang="en-US" altLang="ko-KR" sz="1000" dirty="0" smtClean="0"/>
+              <a:t>.</a:t>
+            </a:r>
+            <a:r>
+              <a:rPr lang="ko-KR" altLang="en-US" sz="1000" dirty="0" smtClean="0"/>
               <a:t> </a:t>
             </a:r>
+            <a:r>
+              <a:rPr lang="en-US" altLang="ko-KR" sz="1000" dirty="0" smtClean="0"/>
+              <a:t/>
+            </a:r>
             <a:br>
               <a:rPr lang="en-US" altLang="ko-KR" sz="1000" dirty="0" smtClean="0"/>
             </a:br>
-            <a:r>
-              <a:rPr lang="en-US" altLang="ko-KR" sz="1000" dirty="0" smtClean="0"/>
-              <a:t>   - 1</a:t>
-            </a:r>
-            <a:r>
-              <a:rPr lang="ko-KR" altLang="en-US" sz="1000" dirty="0" smtClean="0"/>
-              <a:t>초 간격으로 </a:t>
-            </a:r>
-            <a:r>
-              <a:rPr lang="en-US" altLang="ko-KR" sz="1000" dirty="0" smtClean="0"/>
-              <a:t>Monitoring </a:t>
-            </a:r>
-            <a:r>
-              <a:rPr lang="ko-KR" altLang="en-US" sz="1000" dirty="0" smtClean="0"/>
-              <a:t>작업을 수행</a:t>
-            </a:r>
-            <a:r>
-              <a:rPr lang="en-US" altLang="ko-KR" sz="1000" dirty="0" smtClean="0"/>
-              <a:t>. </a:t>
-            </a:r>
-            <a:br>
-              <a:rPr lang="en-US" altLang="ko-KR" sz="1000" dirty="0" smtClean="0"/>
-            </a:br>
-            <a:r>
-              <a:rPr lang="en-US" altLang="ko-KR" sz="1000" dirty="0" smtClean="0"/>
-              <a:t>   - 1</a:t>
-            </a:r>
-            <a:r>
-              <a:rPr lang="ko-KR" altLang="en-US" sz="1000" dirty="0" smtClean="0"/>
-              <a:t>초를 딱 맞출 필요는 없으므로 루프에 </a:t>
-            </a:r>
-            <a:r>
-              <a:rPr lang="en-US" altLang="ko-KR" sz="1000" dirty="0" smtClean="0"/>
-              <a:t>Sleep 1</a:t>
-            </a:r>
-            <a:r>
-              <a:rPr lang="ko-KR" altLang="en-US" sz="1000" dirty="0" smtClean="0"/>
-              <a:t>초를 주면</a:t>
-            </a:r>
-            <a:r>
-              <a:rPr lang="en-US" altLang="ko-KR" sz="1000" dirty="0" smtClean="0"/>
-              <a:t> </a:t>
-            </a:r>
-            <a:r>
-              <a:rPr lang="ko-KR" altLang="en-US" sz="1000" dirty="0" smtClean="0"/>
-              <a:t>되고</a:t>
-            </a:r>
-            <a:r>
-              <a:rPr lang="en-US" altLang="ko-KR" sz="1000" dirty="0" smtClean="0"/>
-              <a:t>, </a:t>
-            </a:r>
-            <a:r>
-              <a:rPr lang="ko-KR" altLang="en-US" sz="1000" dirty="0" smtClean="0"/>
-              <a:t>좀 더 정확하게 </a:t>
-            </a:r>
-            <a:r>
-              <a:rPr lang="en-US" altLang="ko-KR" sz="1000" dirty="0" smtClean="0"/>
-              <a:t>1</a:t>
-            </a:r>
-            <a:r>
-              <a:rPr lang="ko-KR" altLang="en-US" sz="1000" dirty="0" smtClean="0"/>
-              <a:t>초 간격을 유지하려면 </a:t>
-            </a:r>
-            <a:r>
-              <a:rPr lang="en-US" altLang="ko-KR" sz="1000" dirty="0" smtClean="0"/>
-              <a:t>1</a:t>
-            </a:r>
-            <a:r>
-              <a:rPr lang="ko-KR" altLang="en-US" sz="1000" dirty="0" smtClean="0"/>
-              <a:t>초에서 수행 시간을 뺀 값으로 </a:t>
-            </a:r>
-            <a:r>
-              <a:rPr lang="en-US" altLang="ko-KR" sz="1000" dirty="0" smtClean="0"/>
-              <a:t>Sleep </a:t>
-            </a:r>
-            <a:r>
-              <a:rPr lang="ko-KR" altLang="en-US" sz="1000" dirty="0" smtClean="0"/>
-              <a:t>값을 설정하면 됨</a:t>
-            </a:r>
-            <a:r>
-              <a:rPr lang="en-US" altLang="ko-KR" sz="1000" dirty="0" smtClean="0"/>
-              <a:t>. </a:t>
-            </a:r>
-            <a:br>
-              <a:rPr lang="en-US" altLang="ko-KR" sz="1000" dirty="0" smtClean="0"/>
-            </a:br>
-            <a:r>
-              <a:rPr lang="en-US" altLang="ko-KR" sz="1000" dirty="0" smtClean="0"/>
-              <a:t> 2) Alarm Check </a:t>
-            </a:r>
-            <a:br>
-              <a:rPr lang="en-US" altLang="ko-KR" sz="1000" dirty="0" smtClean="0"/>
-            </a:br>
-            <a:r>
-              <a:rPr lang="en-US" altLang="ko-KR" sz="1000" dirty="0" smtClean="0"/>
-              <a:t>   - </a:t>
-            </a:r>
-            <a:r>
-              <a:rPr lang="en-US" altLang="ko-KR" sz="1000" dirty="0" err="1" smtClean="0"/>
-              <a:t>Config</a:t>
-            </a:r>
-            <a:r>
-              <a:rPr lang="en-US" altLang="ko-KR" sz="1000" dirty="0" smtClean="0"/>
-              <a:t> List</a:t>
-            </a:r>
-            <a:r>
-              <a:rPr lang="ko-KR" altLang="en-US" sz="1000" dirty="0" smtClean="0"/>
-              <a:t>의 </a:t>
-            </a:r>
-            <a:r>
-              <a:rPr lang="en-US" altLang="ko-KR" sz="1000" dirty="0" smtClean="0"/>
-              <a:t>Item</a:t>
-            </a:r>
-            <a:r>
-              <a:rPr lang="ko-KR" altLang="en-US" sz="1000" dirty="0" smtClean="0"/>
-              <a:t>순서로 </a:t>
-            </a:r>
-            <a:r>
-              <a:rPr lang="en-US" altLang="ko-KR" sz="1000" dirty="0" smtClean="0"/>
-              <a:t>Alarm Check </a:t>
-            </a:r>
-            <a:r>
-              <a:rPr lang="ko-KR" altLang="en-US" sz="1000" dirty="0" smtClean="0"/>
-              <a:t>수행 </a:t>
-            </a:r>
-            <a:r>
-              <a:rPr lang="en-US" altLang="ko-KR" sz="1000" dirty="0" smtClean="0"/>
-              <a:t/>
-            </a:r>
-            <a:br>
-              <a:rPr lang="en-US" altLang="ko-KR" sz="1000" dirty="0" smtClean="0"/>
-            </a:br>
-            <a:r>
-              <a:rPr lang="en-US" altLang="ko-KR" sz="1000" dirty="0" smtClean="0"/>
-              <a:t>   - </a:t>
-            </a:r>
-            <a:r>
-              <a:rPr lang="ko-KR" altLang="en-US" sz="1000" dirty="0" smtClean="0"/>
-              <a:t>요구사항에서는 </a:t>
-            </a:r>
-            <a:r>
-              <a:rPr lang="en-US" altLang="ko-KR" sz="1000" dirty="0" smtClean="0"/>
-              <a:t>File</a:t>
-            </a:r>
-            <a:r>
-              <a:rPr lang="ko-KR" altLang="en-US" sz="1000" dirty="0" smtClean="0"/>
-              <a:t>과 </a:t>
-            </a:r>
-            <a:r>
-              <a:rPr lang="en-US" altLang="ko-KR" sz="1000" dirty="0" smtClean="0"/>
-              <a:t>Process</a:t>
-            </a:r>
-            <a:r>
-              <a:rPr lang="ko-KR" altLang="en-US" sz="1000" dirty="0" smtClean="0"/>
-              <a:t>에 대해서만 </a:t>
-            </a:r>
-            <a:r>
-              <a:rPr lang="en-US" altLang="ko-KR" sz="1000" dirty="0" smtClean="0"/>
-              <a:t>Monitoring</a:t>
-            </a:r>
-            <a:r>
-              <a:rPr lang="ko-KR" altLang="en-US" sz="1000" dirty="0" smtClean="0"/>
-              <a:t>하게 되어 있는데</a:t>
-            </a:r>
-            <a:r>
-              <a:rPr lang="en-US" altLang="ko-KR" sz="1000" dirty="0" smtClean="0"/>
-              <a:t>, </a:t>
-            </a:r>
-            <a:r>
-              <a:rPr lang="ko-KR" altLang="en-US" sz="1000" dirty="0" smtClean="0"/>
-              <a:t>향후에 </a:t>
-            </a:r>
-            <a:r>
-              <a:rPr lang="en-US" altLang="ko-KR" sz="1000" dirty="0" smtClean="0"/>
-              <a:t>Type</a:t>
-            </a:r>
-            <a:r>
-              <a:rPr lang="ko-KR" altLang="en-US" sz="1000" dirty="0" smtClean="0"/>
-              <a:t>이 추가되었을 경우 </a:t>
-            </a:r>
-            <a:r>
-              <a:rPr lang="en-US" altLang="ko-KR" sz="1000" dirty="0" smtClean="0"/>
-              <a:t>Logic </a:t>
-            </a:r>
-            <a:r>
-              <a:rPr lang="ko-KR" altLang="en-US" sz="1000" dirty="0" err="1" smtClean="0"/>
-              <a:t>수행부를</a:t>
-            </a:r>
-            <a:r>
-              <a:rPr lang="ko-KR" altLang="en-US" sz="1000" dirty="0" smtClean="0"/>
-              <a:t> 추가하기 쉽게 설계</a:t>
-            </a:r>
-            <a:endParaRPr lang="en-US" altLang="ko-KR" sz="1000" dirty="0" smtClean="0"/>
-          </a:p>
-          <a:p>
-            <a:r>
-              <a:rPr lang="en-US" altLang="ko-KR" sz="1000" dirty="0" smtClean="0"/>
-              <a:t>     : Type</a:t>
-            </a:r>
-            <a:r>
-              <a:rPr lang="ko-KR" altLang="en-US" sz="1000" dirty="0" smtClean="0"/>
-              <a:t>별 </a:t>
-            </a:r>
-            <a:r>
-              <a:rPr lang="en-US" altLang="ko-KR" sz="1000" dirty="0" smtClean="0"/>
-              <a:t>Alarm Check </a:t>
-            </a:r>
-            <a:r>
-              <a:rPr lang="ko-KR" altLang="en-US" sz="1000" dirty="0" smtClean="0"/>
-              <a:t>수행 </a:t>
-            </a:r>
-            <a:r>
-              <a:rPr lang="en-US" altLang="ko-KR" sz="1000" dirty="0" smtClean="0"/>
-              <a:t>Thread</a:t>
-            </a:r>
-            <a:r>
-              <a:rPr lang="ko-KR" altLang="en-US" sz="1000" dirty="0" smtClean="0"/>
-              <a:t>나 메서드를 추가하기 쉬운 구조로 구성</a:t>
-            </a:r>
-            <a:r>
-              <a:rPr lang="en-US" altLang="ko-KR" sz="1000" dirty="0" smtClean="0"/>
-              <a:t/>
-            </a:r>
-            <a:br>
-              <a:rPr lang="en-US" altLang="ko-KR" sz="1000" dirty="0" smtClean="0"/>
-            </a:br>
-            <a:r>
-              <a:rPr lang="en-US" altLang="ko-KR" sz="1000" dirty="0" smtClean="0"/>
-              <a:t>      ex) </a:t>
-            </a:r>
-            <a:r>
-              <a:rPr lang="en-US" altLang="ko-KR" sz="1000" dirty="0" err="1" smtClean="0"/>
-              <a:t>FileAlarmCheck</a:t>
-            </a:r>
-            <a:r>
-              <a:rPr lang="en-US" altLang="ko-KR" sz="1000" dirty="0" smtClean="0"/>
-              <a:t>(), </a:t>
-            </a:r>
-            <a:r>
-              <a:rPr lang="en-US" altLang="ko-KR" sz="1000" dirty="0" err="1" smtClean="0"/>
-              <a:t>ProcAlarmCheck</a:t>
-            </a:r>
-            <a:r>
-              <a:rPr lang="en-US" altLang="ko-KR" sz="1000" dirty="0" smtClean="0"/>
-              <a:t>(), </a:t>
-            </a:r>
-            <a:r>
-              <a:rPr lang="en-US" altLang="ko-KR" sz="1000" dirty="0" err="1" smtClean="0"/>
-              <a:t>SysMemAlarmCheck</a:t>
-            </a:r>
-            <a:r>
-              <a:rPr lang="en-US" altLang="ko-KR" sz="1000" dirty="0" smtClean="0"/>
-              <a:t>(), </a:t>
-            </a:r>
-            <a:r>
-              <a:rPr lang="en-US" altLang="ko-KR" sz="1000" dirty="0" err="1" smtClean="0"/>
-              <a:t>DiskAlarmCheck</a:t>
-            </a:r>
-            <a:r>
-              <a:rPr lang="en-US" altLang="ko-KR" sz="1000" dirty="0" smtClean="0"/>
-              <a:t>(), … </a:t>
-            </a:r>
-            <a:br>
-              <a:rPr lang="en-US" altLang="ko-KR" sz="1000" dirty="0" smtClean="0"/>
-            </a:br>
-            <a:r>
-              <a:rPr lang="en-US" altLang="ko-KR" sz="1000" dirty="0" smtClean="0"/>
-              <a:t>   - Alarm </a:t>
-            </a:r>
-            <a:r>
-              <a:rPr lang="ko-KR" altLang="en-US" sz="1000" dirty="0" smtClean="0"/>
-              <a:t>발생 후 동일 </a:t>
-            </a:r>
-            <a:r>
-              <a:rPr lang="en-US" altLang="ko-KR" sz="1000" dirty="0" smtClean="0"/>
-              <a:t>Alarm</a:t>
-            </a:r>
-            <a:r>
-              <a:rPr lang="ko-KR" altLang="en-US" sz="1000" dirty="0" smtClean="0"/>
-              <a:t>에 대해서는 결과를 출력하지 않아야 하므로</a:t>
-            </a:r>
-            <a:r>
-              <a:rPr lang="en-US" altLang="ko-KR" sz="1000" dirty="0" smtClean="0"/>
-              <a:t>, </a:t>
-            </a:r>
-            <a:r>
-              <a:rPr lang="ko-KR" altLang="en-US" sz="1000" dirty="0" smtClean="0"/>
-              <a:t>마지막으로 발생한 </a:t>
-            </a:r>
-            <a:r>
-              <a:rPr lang="en-US" altLang="ko-KR" sz="1000" dirty="0" smtClean="0"/>
-              <a:t>Alarm</a:t>
-            </a:r>
-            <a:r>
-              <a:rPr lang="ko-KR" altLang="en-US" sz="1000" dirty="0" smtClean="0"/>
-              <a:t>의 속성을 기억하고 있다가 다시 </a:t>
-            </a:r>
-            <a:r>
-              <a:rPr lang="en-US" altLang="ko-KR" sz="1000" dirty="0" smtClean="0"/>
-              <a:t>Alarm</a:t>
-            </a:r>
-            <a:r>
-              <a:rPr lang="ko-KR" altLang="en-US" sz="1000" dirty="0" smtClean="0"/>
-              <a:t>이 발생할 경우 마지막 발생 </a:t>
-            </a:r>
-            <a:r>
-              <a:rPr lang="en-US" altLang="ko-KR" sz="1000" dirty="0" smtClean="0"/>
-              <a:t>Alarm</a:t>
-            </a:r>
-            <a:r>
-              <a:rPr lang="ko-KR" altLang="en-US" sz="1000" dirty="0" smtClean="0"/>
-              <a:t>의 속성과 다를 경우에만 결과 출력</a:t>
-            </a:r>
-            <a:endParaRPr lang="en-US" altLang="ko-KR" sz="1000" dirty="0" smtClean="0"/>
-          </a:p>
-          <a:p>
-            <a:endParaRPr lang="en-US" altLang="ko-KR" sz="1000" dirty="0" smtClean="0"/>
-          </a:p>
-          <a:p>
             <a:endParaRPr lang="en-US" altLang="ko-KR" sz="1000" dirty="0" smtClean="0"/>
           </a:p>
         </p:txBody>
@@ -6155,7 +5862,7 @@
         <p:spPr>
           <a:xfrm>
             <a:off x="323528" y="692696"/>
-            <a:ext cx="8496944" cy="2862322"/>
+            <a:ext cx="8496944" cy="5170646"/>
           </a:xfrm>
           <a:prstGeom prst="rect">
             <a:avLst/>
@@ -6169,7 +5876,374 @@
           <a:p>
             <a:r>
               <a:rPr lang="en-US" altLang="ko-KR" sz="1000" dirty="0" smtClean="0"/>
-              <a:t>4. Main Logic (Process Memory Logic)</a:t>
+              <a:t>3. Monitoring Logic </a:t>
+            </a:r>
+          </a:p>
+          <a:p>
+            <a:r>
+              <a:rPr lang="en-US" altLang="ko-KR" sz="1000" dirty="0" smtClean="0"/>
+              <a:t> 1) Thread </a:t>
+            </a:r>
+            <a:r>
+              <a:rPr lang="ko-KR" altLang="en-US" sz="1000" dirty="0" smtClean="0"/>
+              <a:t>사용</a:t>
+            </a:r>
+            <a:r>
+              <a:rPr lang="en-US" altLang="ko-KR" sz="1000" dirty="0" smtClean="0"/>
+              <a:t> </a:t>
+            </a:r>
+            <a:br>
+              <a:rPr lang="en-US" altLang="ko-KR" sz="1000" dirty="0" smtClean="0"/>
+            </a:br>
+            <a:r>
+              <a:rPr lang="en-US" altLang="ko-KR" sz="1000" dirty="0" smtClean="0"/>
+              <a:t>   - 1</a:t>
+            </a:r>
+            <a:r>
+              <a:rPr lang="ko-KR" altLang="en-US" sz="1000" dirty="0" smtClean="0"/>
+              <a:t>초 간격으로 </a:t>
+            </a:r>
+            <a:r>
+              <a:rPr lang="en-US" altLang="ko-KR" sz="1000" dirty="0" smtClean="0"/>
+              <a:t>Monitoring </a:t>
+            </a:r>
+            <a:r>
+              <a:rPr lang="ko-KR" altLang="en-US" sz="1000" dirty="0" smtClean="0"/>
+              <a:t>작업을 수행</a:t>
+            </a:r>
+            <a:r>
+              <a:rPr lang="en-US" altLang="ko-KR" sz="1000" dirty="0" smtClean="0"/>
+              <a:t>. </a:t>
+            </a:r>
+            <a:br>
+              <a:rPr lang="en-US" altLang="ko-KR" sz="1000" dirty="0" smtClean="0"/>
+            </a:br>
+            <a:r>
+              <a:rPr lang="en-US" altLang="ko-KR" sz="1000" dirty="0" smtClean="0"/>
+              <a:t>   - 1</a:t>
+            </a:r>
+            <a:r>
+              <a:rPr lang="ko-KR" altLang="en-US" sz="1000" dirty="0" smtClean="0"/>
+              <a:t>초를 딱 맞출 필요는 없으므로 루프에 </a:t>
+            </a:r>
+            <a:r>
+              <a:rPr lang="en-US" altLang="ko-KR" sz="1000" dirty="0" smtClean="0"/>
+              <a:t>Sleep 1</a:t>
+            </a:r>
+            <a:r>
+              <a:rPr lang="ko-KR" altLang="en-US" sz="1000" dirty="0" smtClean="0"/>
+              <a:t>초를 주면</a:t>
+            </a:r>
+            <a:r>
+              <a:rPr lang="en-US" altLang="ko-KR" sz="1000" dirty="0" smtClean="0"/>
+              <a:t> </a:t>
+            </a:r>
+            <a:r>
+              <a:rPr lang="ko-KR" altLang="en-US" sz="1000" dirty="0" smtClean="0"/>
+              <a:t>되고</a:t>
+            </a:r>
+            <a:r>
+              <a:rPr lang="en-US" altLang="ko-KR" sz="1000" dirty="0" smtClean="0"/>
+              <a:t>, </a:t>
+            </a:r>
+            <a:r>
+              <a:rPr lang="ko-KR" altLang="en-US" sz="1000" dirty="0" smtClean="0"/>
+              <a:t>좀 더 정확하게 </a:t>
+            </a:r>
+            <a:r>
+              <a:rPr lang="en-US" altLang="ko-KR" sz="1000" dirty="0" smtClean="0"/>
+              <a:t>1</a:t>
+            </a:r>
+            <a:r>
+              <a:rPr lang="ko-KR" altLang="en-US" sz="1000" dirty="0" smtClean="0"/>
+              <a:t>초 간격을 유지하려면 </a:t>
+            </a:r>
+            <a:r>
+              <a:rPr lang="en-US" altLang="ko-KR" sz="1000" dirty="0" smtClean="0"/>
+              <a:t>1</a:t>
+            </a:r>
+            <a:r>
+              <a:rPr lang="ko-KR" altLang="en-US" sz="1000" dirty="0" smtClean="0"/>
+              <a:t>초에서 수행 시간을 뺀 값으로 </a:t>
+            </a:r>
+            <a:r>
+              <a:rPr lang="en-US" altLang="ko-KR" sz="1000" dirty="0" smtClean="0"/>
+              <a:t>Sleep </a:t>
+            </a:r>
+            <a:r>
+              <a:rPr lang="ko-KR" altLang="en-US" sz="1000" dirty="0" smtClean="0"/>
+              <a:t>값을 설정하면 됨</a:t>
+            </a:r>
+            <a:r>
+              <a:rPr lang="en-US" altLang="ko-KR" sz="1000" dirty="0" smtClean="0"/>
+              <a:t>. </a:t>
+            </a:r>
+            <a:br>
+              <a:rPr lang="en-US" altLang="ko-KR" sz="1000" dirty="0" smtClean="0"/>
+            </a:br>
+            <a:r>
+              <a:rPr lang="en-US" altLang="ko-KR" sz="1000" dirty="0" smtClean="0"/>
+              <a:t>   - Thread</a:t>
+            </a:r>
+            <a:r>
+              <a:rPr lang="ko-KR" altLang="en-US" sz="1000" dirty="0" smtClean="0"/>
+              <a:t>대신 </a:t>
+            </a:r>
+            <a:r>
+              <a:rPr lang="en-US" altLang="ko-KR" sz="1000" dirty="0" smtClean="0"/>
+              <a:t>Timer</a:t>
+            </a:r>
+            <a:r>
+              <a:rPr lang="ko-KR" altLang="en-US" sz="1000" dirty="0" smtClean="0"/>
+              <a:t>를 사용할 수도 있음</a:t>
+            </a:r>
+            <a:r>
+              <a:rPr lang="en-US" altLang="ko-KR" sz="1000" dirty="0" smtClean="0"/>
+              <a:t>. </a:t>
+            </a:r>
+            <a:br>
+              <a:rPr lang="en-US" altLang="ko-KR" sz="1000" dirty="0" smtClean="0"/>
+            </a:br>
+            <a:r>
+              <a:rPr lang="en-US" altLang="ko-KR" sz="1000" dirty="0" smtClean="0"/>
+              <a:t> 2) Alarm Check </a:t>
+            </a:r>
+            <a:br>
+              <a:rPr lang="en-US" altLang="ko-KR" sz="1000" dirty="0" smtClean="0"/>
+            </a:br>
+            <a:r>
+              <a:rPr lang="en-US" altLang="ko-KR" sz="1000" dirty="0" smtClean="0"/>
+              <a:t>   - </a:t>
+            </a:r>
+            <a:r>
+              <a:rPr lang="en-US" altLang="ko-KR" sz="1000" dirty="0" err="1" smtClean="0"/>
+              <a:t>Config</a:t>
+            </a:r>
+            <a:r>
+              <a:rPr lang="en-US" altLang="ko-KR" sz="1000" dirty="0" smtClean="0"/>
+              <a:t> List</a:t>
+            </a:r>
+            <a:r>
+              <a:rPr lang="ko-KR" altLang="en-US" sz="1000" dirty="0" smtClean="0"/>
+              <a:t>의 </a:t>
+            </a:r>
+            <a:r>
+              <a:rPr lang="en-US" altLang="ko-KR" sz="1000" dirty="0" smtClean="0"/>
+              <a:t>Item</a:t>
+            </a:r>
+            <a:r>
+              <a:rPr lang="ko-KR" altLang="en-US" sz="1000" dirty="0" smtClean="0"/>
+              <a:t>순서로 </a:t>
+            </a:r>
+            <a:r>
+              <a:rPr lang="en-US" altLang="ko-KR" sz="1000" dirty="0" smtClean="0"/>
+              <a:t>Alarm Check </a:t>
+            </a:r>
+            <a:r>
+              <a:rPr lang="ko-KR" altLang="en-US" sz="1000" dirty="0" smtClean="0"/>
+              <a:t>수행 </a:t>
+            </a:r>
+            <a:r>
+              <a:rPr lang="en-US" altLang="ko-KR" sz="1000" dirty="0" smtClean="0"/>
+              <a:t/>
+            </a:r>
+            <a:br>
+              <a:rPr lang="en-US" altLang="ko-KR" sz="1000" dirty="0" smtClean="0"/>
+            </a:br>
+            <a:r>
+              <a:rPr lang="en-US" altLang="ko-KR" sz="1000" dirty="0" smtClean="0"/>
+              <a:t>   - </a:t>
+            </a:r>
+            <a:r>
+              <a:rPr lang="ko-KR" altLang="en-US" sz="1000" dirty="0" smtClean="0"/>
+              <a:t>요구사항에서는 </a:t>
+            </a:r>
+            <a:r>
+              <a:rPr lang="en-US" altLang="ko-KR" sz="1000" dirty="0" smtClean="0"/>
+              <a:t>File</a:t>
+            </a:r>
+            <a:r>
+              <a:rPr lang="ko-KR" altLang="en-US" sz="1000" dirty="0" smtClean="0"/>
+              <a:t>과 </a:t>
+            </a:r>
+            <a:r>
+              <a:rPr lang="en-US" altLang="ko-KR" sz="1000" dirty="0" smtClean="0"/>
+              <a:t>Process</a:t>
+            </a:r>
+            <a:r>
+              <a:rPr lang="ko-KR" altLang="en-US" sz="1000" dirty="0" smtClean="0"/>
+              <a:t>에 대해서만 </a:t>
+            </a:r>
+            <a:r>
+              <a:rPr lang="en-US" altLang="ko-KR" sz="1000" dirty="0" smtClean="0"/>
+              <a:t>Monitoring</a:t>
+            </a:r>
+            <a:r>
+              <a:rPr lang="ko-KR" altLang="en-US" sz="1000" dirty="0" smtClean="0"/>
+              <a:t>하게 되어 있는데</a:t>
+            </a:r>
+            <a:r>
+              <a:rPr lang="en-US" altLang="ko-KR" sz="1000" dirty="0" smtClean="0"/>
+              <a:t>, </a:t>
+            </a:r>
+            <a:r>
+              <a:rPr lang="ko-KR" altLang="en-US" sz="1000" dirty="0" smtClean="0"/>
+              <a:t>향후에 </a:t>
+            </a:r>
+            <a:r>
+              <a:rPr lang="en-US" altLang="ko-KR" sz="1000" dirty="0" smtClean="0"/>
+              <a:t>Type</a:t>
+            </a:r>
+            <a:r>
+              <a:rPr lang="ko-KR" altLang="en-US" sz="1000" dirty="0" smtClean="0"/>
+              <a:t>이 추가되었을 경우 </a:t>
+            </a:r>
+            <a:r>
+              <a:rPr lang="en-US" altLang="ko-KR" sz="1000" dirty="0" smtClean="0"/>
+              <a:t>Logic </a:t>
+            </a:r>
+            <a:r>
+              <a:rPr lang="ko-KR" altLang="en-US" sz="1000" dirty="0" err="1" smtClean="0"/>
+              <a:t>수행부를</a:t>
+            </a:r>
+            <a:r>
+              <a:rPr lang="ko-KR" altLang="en-US" sz="1000" dirty="0" smtClean="0"/>
+              <a:t> 추가하기 쉽게 설계</a:t>
+            </a:r>
+            <a:endParaRPr lang="en-US" altLang="ko-KR" sz="1000" dirty="0" smtClean="0"/>
+          </a:p>
+          <a:p>
+            <a:r>
+              <a:rPr lang="en-US" altLang="ko-KR" sz="1000" dirty="0" smtClean="0"/>
+              <a:t>     : Type</a:t>
+            </a:r>
+            <a:r>
+              <a:rPr lang="ko-KR" altLang="en-US" sz="1000" dirty="0" smtClean="0"/>
+              <a:t>별 </a:t>
+            </a:r>
+            <a:r>
+              <a:rPr lang="en-US" altLang="ko-KR" sz="1000" dirty="0" smtClean="0"/>
+              <a:t>Alarm Check </a:t>
+            </a:r>
+            <a:r>
+              <a:rPr lang="ko-KR" altLang="en-US" sz="1000" dirty="0" smtClean="0"/>
+              <a:t>수행 </a:t>
+            </a:r>
+            <a:r>
+              <a:rPr lang="en-US" altLang="ko-KR" sz="1000" dirty="0" smtClean="0"/>
+              <a:t>Thread</a:t>
+            </a:r>
+            <a:r>
+              <a:rPr lang="ko-KR" altLang="en-US" sz="1000" dirty="0" smtClean="0"/>
+              <a:t>나 메서드를 추가하기 쉬운 구조로 구성</a:t>
+            </a:r>
+            <a:r>
+              <a:rPr lang="en-US" altLang="ko-KR" sz="1000" dirty="0" smtClean="0"/>
+              <a:t/>
+            </a:r>
+            <a:br>
+              <a:rPr lang="en-US" altLang="ko-KR" sz="1000" dirty="0" smtClean="0"/>
+            </a:br>
+            <a:r>
+              <a:rPr lang="en-US" altLang="ko-KR" sz="1000" dirty="0" smtClean="0"/>
+              <a:t>      ex) </a:t>
+            </a:r>
+            <a:r>
+              <a:rPr lang="en-US" altLang="ko-KR" sz="1000" dirty="0" err="1" smtClean="0"/>
+              <a:t>FileAlarmCheck</a:t>
+            </a:r>
+            <a:r>
+              <a:rPr lang="en-US" altLang="ko-KR" sz="1000" dirty="0" smtClean="0"/>
+              <a:t>(), </a:t>
+            </a:r>
+            <a:r>
+              <a:rPr lang="en-US" altLang="ko-KR" sz="1000" dirty="0" err="1" smtClean="0"/>
+              <a:t>ProcAlarmCheck</a:t>
+            </a:r>
+            <a:r>
+              <a:rPr lang="en-US" altLang="ko-KR" sz="1000" dirty="0" smtClean="0"/>
+              <a:t>(), </a:t>
+            </a:r>
+            <a:r>
+              <a:rPr lang="en-US" altLang="ko-KR" sz="1000" dirty="0" err="1" smtClean="0"/>
+              <a:t>SysMemAlarmCheck</a:t>
+            </a:r>
+            <a:r>
+              <a:rPr lang="en-US" altLang="ko-KR" sz="1000" dirty="0" smtClean="0"/>
+              <a:t>(), </a:t>
+            </a:r>
+            <a:r>
+              <a:rPr lang="en-US" altLang="ko-KR" sz="1000" dirty="0" err="1" smtClean="0"/>
+              <a:t>DiskAlarmCheck</a:t>
+            </a:r>
+            <a:r>
+              <a:rPr lang="en-US" altLang="ko-KR" sz="1000" dirty="0" smtClean="0"/>
+              <a:t>(), … </a:t>
+            </a:r>
+            <a:br>
+              <a:rPr lang="en-US" altLang="ko-KR" sz="1000" dirty="0" smtClean="0"/>
+            </a:br>
+            <a:r>
+              <a:rPr lang="en-US" altLang="ko-KR" sz="1000" dirty="0" smtClean="0"/>
+              <a:t>   - Alarm </a:t>
+            </a:r>
+            <a:r>
+              <a:rPr lang="ko-KR" altLang="en-US" sz="1000" dirty="0" smtClean="0"/>
+              <a:t>발생 후 동일 </a:t>
+            </a:r>
+            <a:r>
+              <a:rPr lang="en-US" altLang="ko-KR" sz="1000" dirty="0" smtClean="0"/>
+              <a:t>Alarm</a:t>
+            </a:r>
+            <a:r>
+              <a:rPr lang="ko-KR" altLang="en-US" sz="1000" dirty="0" smtClean="0"/>
+              <a:t>에 대해서는 결과를 출력하지 않아야 하므로</a:t>
+            </a:r>
+            <a:r>
+              <a:rPr lang="en-US" altLang="ko-KR" sz="1000" dirty="0" smtClean="0"/>
+              <a:t>, </a:t>
+            </a:r>
+            <a:r>
+              <a:rPr lang="ko-KR" altLang="en-US" sz="1000" dirty="0" smtClean="0"/>
+              <a:t>마지막으로 발생한 </a:t>
+            </a:r>
+            <a:r>
+              <a:rPr lang="en-US" altLang="ko-KR" sz="1000" dirty="0" smtClean="0"/>
+              <a:t>Alarm</a:t>
+            </a:r>
+            <a:r>
+              <a:rPr lang="ko-KR" altLang="en-US" sz="1000" dirty="0" smtClean="0"/>
+              <a:t>의 속성을 기억하고 있다가 다시 </a:t>
+            </a:r>
+            <a:r>
+              <a:rPr lang="en-US" altLang="ko-KR" sz="1000" dirty="0" smtClean="0"/>
+              <a:t>Alarm</a:t>
+            </a:r>
+            <a:r>
+              <a:rPr lang="ko-KR" altLang="en-US" sz="1000" dirty="0" smtClean="0"/>
+              <a:t>이 발생할 경우 마지막 발생 </a:t>
+            </a:r>
+            <a:r>
+              <a:rPr lang="en-US" altLang="ko-KR" sz="1000" dirty="0" smtClean="0"/>
+              <a:t>Alarm</a:t>
+            </a:r>
+            <a:r>
+              <a:rPr lang="ko-KR" altLang="en-US" sz="1000" dirty="0" smtClean="0"/>
+              <a:t>의 속성과 다를 경우에만 결과 출력</a:t>
+            </a:r>
+            <a:endParaRPr lang="en-US" altLang="ko-KR" sz="1000" dirty="0" smtClean="0"/>
+          </a:p>
+          <a:p>
+            <a:endParaRPr lang="en-US" altLang="ko-KR" sz="1000" dirty="0" smtClean="0"/>
+          </a:p>
+          <a:p>
+            <a:r>
+              <a:rPr lang="en-US" altLang="ko-KR" sz="1000" dirty="0" smtClean="0"/>
+              <a:t>4</a:t>
+            </a:r>
+            <a:r>
+              <a:rPr lang="en-US" altLang="ko-KR" sz="1000" dirty="0" smtClean="0"/>
+              <a:t>. Main Logic (Process Memory Logic)</a:t>
             </a:r>
             <a:br>
               <a:rPr lang="en-US" altLang="ko-KR" sz="1000" dirty="0" smtClean="0"/>
@@ -6229,6 +6303,14 @@
             </a:r>
             <a:r>
               <a:rPr lang="en-US" altLang="ko-KR" sz="1000" dirty="0" smtClean="0"/>
+              <a:t>Process Memory </a:t>
+            </a:r>
+            <a:r>
+              <a:rPr lang="ko-KR" altLang="en-US" sz="1000" dirty="0" smtClean="0"/>
+              <a:t>크기 비교 </a:t>
+            </a:r>
+            <a:r>
+              <a:rPr lang="en-US" altLang="ko-KR" sz="1000" dirty="0" smtClean="0"/>
               <a:t>Logic </a:t>
             </a:r>
             <a:r>
@@ -6237,46 +6319,57 @@
             </a:r>
             <a:r>
               <a:rPr lang="en-US" altLang="ko-KR" sz="1000" dirty="0" smtClean="0"/>
-              <a:t>. Logic </a:t>
-            </a:r>
-            <a:r>
-              <a:rPr lang="ko-KR" altLang="en-US" sz="1000" dirty="0" smtClean="0"/>
-              <a:t>처리 후 </a:t>
+              <a:t/>
+            </a:r>
+            <a:br>
+              <a:rPr lang="en-US" altLang="ko-KR" sz="1000" dirty="0" smtClean="0"/>
+            </a:br>
+            <a:r>
+              <a:rPr lang="en-US" altLang="ko-KR" sz="1000" dirty="0" smtClean="0"/>
+              <a:t> 3) Process Memory </a:t>
+            </a:r>
+            <a:r>
+              <a:rPr lang="ko-KR" altLang="en-US" sz="1000" dirty="0" smtClean="0"/>
+              <a:t>크기 비교 </a:t>
+            </a:r>
+            <a:r>
+              <a:rPr lang="en-US" altLang="ko-KR" sz="1000" dirty="0" smtClean="0"/>
+              <a:t>Logic </a:t>
+            </a:r>
+            <a:r>
+              <a:rPr lang="ko-KR" altLang="en-US" sz="1000" dirty="0" smtClean="0"/>
+              <a:t>수행 후 결과 파일 출력 </a:t>
+            </a:r>
+            <a:r>
+              <a:rPr lang="en-US" altLang="ko-KR" sz="1000" dirty="0" smtClean="0"/>
+              <a:t/>
+            </a:r>
+            <a:br>
+              <a:rPr lang="en-US" altLang="ko-KR" sz="1000" dirty="0" smtClean="0"/>
+            </a:br>
+            <a:r>
+              <a:rPr lang="en-US" altLang="ko-KR" sz="1000" dirty="0" smtClean="0"/>
+              <a:t> 4) </a:t>
+            </a:r>
+            <a:r>
+              <a:rPr lang="en-US" altLang="ko-KR" sz="1000" dirty="0" smtClean="0"/>
+              <a:t>Logic </a:t>
+            </a:r>
+            <a:r>
+              <a:rPr lang="ko-KR" altLang="en-US" sz="1000" dirty="0" smtClean="0"/>
+              <a:t>처리 </a:t>
+            </a:r>
+            <a:r>
+              <a:rPr lang="ko-KR" altLang="en-US" sz="1000" dirty="0" smtClean="0"/>
+              <a:t> 완료 후 다시 </a:t>
             </a:r>
             <a:r>
               <a:rPr lang="en-US" altLang="ko-KR" sz="1000" dirty="0" smtClean="0"/>
               <a:t>Console </a:t>
             </a:r>
             <a:r>
-              <a:rPr lang="ko-KR" altLang="en-US" sz="1000" dirty="0" err="1" smtClean="0"/>
-              <a:t>입력부로</a:t>
-            </a:r>
-            <a:r>
-              <a:rPr lang="ko-KR" altLang="en-US" sz="1000" dirty="0" smtClean="0"/>
-              <a:t> 이동</a:t>
-            </a:r>
-            <a:r>
-              <a:rPr lang="en-US" altLang="ko-KR" sz="1000" dirty="0" smtClean="0"/>
-              <a:t>.</a:t>
-            </a:r>
-            <a:br>
-              <a:rPr lang="en-US" altLang="ko-KR" sz="1000" dirty="0" smtClean="0"/>
-            </a:br>
-            <a:r>
-              <a:rPr lang="en-US" altLang="ko-KR" sz="1000" dirty="0" smtClean="0"/>
-              <a:t> 3) Process Memory </a:t>
-            </a:r>
-            <a:r>
-              <a:rPr lang="ko-KR" altLang="en-US" sz="1000" dirty="0" smtClean="0"/>
-              <a:t>비교 </a:t>
-            </a:r>
-            <a:r>
-              <a:rPr lang="en-US" altLang="ko-KR" sz="1000" dirty="0" smtClean="0"/>
-              <a:t>Logic </a:t>
-            </a:r>
-            <a:r>
-              <a:rPr lang="ko-KR" altLang="en-US" sz="1000" dirty="0" smtClean="0"/>
-              <a:t>수행 후 결과 파일 출력 </a:t>
+              <a:rPr lang="ko-KR" altLang="en-US" sz="1000" dirty="0" smtClean="0"/>
+              <a:t>입력 대기 </a:t>
             </a:r>
             <a:r>
               <a:rPr lang="en-US" altLang="ko-KR" sz="1000" dirty="0" smtClean="0"/>

--- a/Monitoring/fc.pptx
+++ b/Monitoring/fc.pptx
@@ -208,7 +208,7 @@
             <a:fld id="{02BFE607-7FE7-4F97-B30B-18108EB05645}" type="datetimeFigureOut">
               <a:rPr lang="ko-KR" altLang="en-US" smtClean="0"/>
               <a:pPr/>
-              <a:t>2018-12-25</a:t>
+              <a:t>2019-01-19</a:t>
             </a:fld>
             <a:endParaRPr lang="ko-KR" altLang="en-US"/>
           </a:p>
@@ -843,7 +843,7 @@
             <a:fld id="{DB92F9D2-B3E8-489E-A18D-502878B5220E}" type="datetimeFigureOut">
               <a:rPr lang="ko-KR" altLang="en-US" smtClean="0"/>
               <a:pPr/>
-              <a:t>2018-12-25</a:t>
+              <a:t>2019-01-19</a:t>
             </a:fld>
             <a:endParaRPr lang="ko-KR" altLang="en-US"/>
           </a:p>
@@ -1010,7 +1010,7 @@
             <a:fld id="{DB92F9D2-B3E8-489E-A18D-502878B5220E}" type="datetimeFigureOut">
               <a:rPr lang="ko-KR" altLang="en-US" smtClean="0"/>
               <a:pPr/>
-              <a:t>2018-12-25</a:t>
+              <a:t>2019-01-19</a:t>
             </a:fld>
             <a:endParaRPr lang="ko-KR" altLang="en-US"/>
           </a:p>
@@ -1187,7 +1187,7 @@
             <a:fld id="{DB92F9D2-B3E8-489E-A18D-502878B5220E}" type="datetimeFigureOut">
               <a:rPr lang="ko-KR" altLang="en-US" smtClean="0"/>
               <a:pPr/>
-              <a:t>2018-12-25</a:t>
+              <a:t>2019-01-19</a:t>
             </a:fld>
             <a:endParaRPr lang="ko-KR" altLang="en-US"/>
           </a:p>
@@ -1354,7 +1354,7 @@
             <a:fld id="{DB92F9D2-B3E8-489E-A18D-502878B5220E}" type="datetimeFigureOut">
               <a:rPr lang="ko-KR" altLang="en-US" smtClean="0"/>
               <a:pPr/>
-              <a:t>2018-12-25</a:t>
+              <a:t>2019-01-19</a:t>
             </a:fld>
             <a:endParaRPr lang="ko-KR" altLang="en-US"/>
           </a:p>
@@ -1597,7 +1597,7 @@
             <a:fld id="{DB92F9D2-B3E8-489E-A18D-502878B5220E}" type="datetimeFigureOut">
               <a:rPr lang="ko-KR" altLang="en-US" smtClean="0"/>
               <a:pPr/>
-              <a:t>2018-12-25</a:t>
+              <a:t>2019-01-19</a:t>
             </a:fld>
             <a:endParaRPr lang="ko-KR" altLang="en-US"/>
           </a:p>
@@ -1882,7 +1882,7 @@
             <a:fld id="{DB92F9D2-B3E8-489E-A18D-502878B5220E}" type="datetimeFigureOut">
               <a:rPr lang="ko-KR" altLang="en-US" smtClean="0"/>
               <a:pPr/>
-              <a:t>2018-12-25</a:t>
+              <a:t>2019-01-19</a:t>
             </a:fld>
             <a:endParaRPr lang="ko-KR" altLang="en-US"/>
           </a:p>
@@ -2301,7 +2301,7 @@
             <a:fld id="{DB92F9D2-B3E8-489E-A18D-502878B5220E}" type="datetimeFigureOut">
               <a:rPr lang="ko-KR" altLang="en-US" smtClean="0"/>
               <a:pPr/>
-              <a:t>2018-12-25</a:t>
+              <a:t>2019-01-19</a:t>
             </a:fld>
             <a:endParaRPr lang="ko-KR" altLang="en-US"/>
           </a:p>
@@ -2416,7 +2416,7 @@
             <a:fld id="{DB92F9D2-B3E8-489E-A18D-502878B5220E}" type="datetimeFigureOut">
               <a:rPr lang="ko-KR" altLang="en-US" smtClean="0"/>
               <a:pPr/>
-              <a:t>2018-12-25</a:t>
+              <a:t>2019-01-19</a:t>
             </a:fld>
             <a:endParaRPr lang="ko-KR" altLang="en-US"/>
           </a:p>
@@ -2508,7 +2508,7 @@
             <a:fld id="{DB92F9D2-B3E8-489E-A18D-502878B5220E}" type="datetimeFigureOut">
               <a:rPr lang="ko-KR" altLang="en-US" smtClean="0"/>
               <a:pPr/>
-              <a:t>2018-12-25</a:t>
+              <a:t>2019-01-19</a:t>
             </a:fld>
             <a:endParaRPr lang="ko-KR" altLang="en-US"/>
           </a:p>
@@ -2782,7 +2782,7 @@
             <a:fld id="{DB92F9D2-B3E8-489E-A18D-502878B5220E}" type="datetimeFigureOut">
               <a:rPr lang="ko-KR" altLang="en-US" smtClean="0"/>
               <a:pPr/>
-              <a:t>2018-12-25</a:t>
+              <a:t>2019-01-19</a:t>
             </a:fld>
             <a:endParaRPr lang="ko-KR" altLang="en-US"/>
           </a:p>
@@ -3032,7 +3032,7 @@
             <a:fld id="{DB92F9D2-B3E8-489E-A18D-502878B5220E}" type="datetimeFigureOut">
               <a:rPr lang="ko-KR" altLang="en-US" smtClean="0"/>
               <a:pPr/>
-              <a:t>2018-12-25</a:t>
+              <a:t>2019-01-19</a:t>
             </a:fld>
             <a:endParaRPr lang="ko-KR" altLang="en-US"/>
           </a:p>
@@ -3242,7 +3242,7 @@
             <a:fld id="{DB92F9D2-B3E8-489E-A18D-502878B5220E}" type="datetimeFigureOut">
               <a:rPr lang="ko-KR" altLang="en-US" smtClean="0"/>
               <a:pPr/>
-              <a:t>2018-12-25</a:t>
+              <a:t>2019-01-19</a:t>
             </a:fld>
             <a:endParaRPr lang="ko-KR" altLang="en-US"/>
           </a:p>
@@ -3629,8 +3629,8 @@
           <a:lstStyle/>
           <a:p>
             <a:r>
-              <a:rPr lang="en-US" altLang="ko-KR" dirty="0" smtClean="0"/>
-              <a:t>Flowchart</a:t>
+              <a:rPr lang="en-US" altLang="ko-KR" smtClean="0"/>
+              <a:t>Monitoring System</a:t>
             </a:r>
             <a:endParaRPr lang="ko-KR" altLang="en-US" dirty="0"/>
           </a:p>
@@ -5142,10 +5142,6 @@
               <a:rPr lang="en-US" altLang="ko-KR" sz="1000" dirty="0" smtClean="0"/>
               <a:t>. </a:t>
             </a:r>
-            <a:r>
-              <a:rPr lang="en-US" altLang="ko-KR" sz="1000" dirty="0" smtClean="0"/>
-              <a:t/>
-            </a:r>
             <a:br>
               <a:rPr lang="en-US" altLang="ko-KR" sz="1000" dirty="0" smtClean="0"/>
             </a:br>
@@ -5160,10 +5156,6 @@
             <a:r>
               <a:rPr lang="en-US" altLang="ko-KR" sz="1000" dirty="0" smtClean="0"/>
               <a:t>(try ~ catch ~ finally)</a:t>
-            </a:r>
-            <a:r>
-              <a:rPr lang="en-US" altLang="ko-KR" sz="1000" dirty="0" smtClean="0"/>
-              <a:t/>
             </a:r>
             <a:br>
               <a:rPr lang="en-US" altLang="ko-KR" sz="1000" dirty="0" smtClean="0"/>
@@ -5733,11 +5725,7 @@
             </a:r>
             <a:r>
               <a:rPr lang="ko-KR" altLang="en-US" sz="1000" dirty="0" smtClean="0"/>
-              <a:t>에 맞지 않을 경우 </a:t>
-            </a:r>
-            <a:r>
-              <a:rPr lang="ko-KR" altLang="en-US" sz="1000" dirty="0" smtClean="0"/>
-              <a:t>적절한 예외처리 수행</a:t>
+              <a:t>에 맞지 않을 경우 적절한 예외처리 수행</a:t>
             </a:r>
             <a:r>
               <a:rPr lang="en-US" altLang="ko-KR" sz="1000" dirty="0" smtClean="0"/>
@@ -6239,11 +6227,7 @@
           <a:p>
             <a:r>
               <a:rPr lang="en-US" altLang="ko-KR" sz="1000" dirty="0" smtClean="0"/>
-              <a:t>4</a:t>
-            </a:r>
-            <a:r>
-              <a:rPr lang="en-US" altLang="ko-KR" sz="1000" dirty="0" smtClean="0"/>
-              <a:t>. Main Logic (Process Memory Logic)</a:t>
+              <a:t>4. Main Logic (Process Memory Logic)</a:t>
             </a:r>
             <a:br>
               <a:rPr lang="en-US" altLang="ko-KR" sz="1000" dirty="0" smtClean="0"/>
@@ -6349,19 +6333,11 @@
             </a:br>
             <a:r>
               <a:rPr lang="en-US" altLang="ko-KR" sz="1000" dirty="0" smtClean="0"/>
-              <a:t> 4) </a:t>
-            </a:r>
-            <a:r>
-              <a:rPr lang="en-US" altLang="ko-KR" sz="1000" dirty="0" smtClean="0"/>
-              <a:t>Logic </a:t>
-            </a:r>
-            <a:r>
-              <a:rPr lang="ko-KR" altLang="en-US" sz="1000" dirty="0" smtClean="0"/>
-              <a:t>처리 </a:t>
-            </a:r>
-            <a:r>
-              <a:rPr lang="ko-KR" altLang="en-US" sz="1000" dirty="0" smtClean="0"/>
-              <a:t> 완료 후 다시 </a:t>
+              <a:t> 4) Logic </a:t>
+            </a:r>
+            <a:r>
+              <a:rPr lang="ko-KR" altLang="en-US" sz="1000" dirty="0" smtClean="0"/>
+              <a:t>처리  완료 후 다시 </a:t>
             </a:r>
             <a:r>
               <a:rPr lang="en-US" altLang="ko-KR" sz="1000" dirty="0" smtClean="0"/>
